--- a/26bGit.pptx
+++ b/26bGit.pptx
@@ -5,7 +5,7 @@
     <p:sldMasterId id="2147483684" r:id="rId1"/>
   </p:sldMasterIdLst>
   <p:notesMasterIdLst>
-    <p:notesMasterId r:id="rId46"/>
+    <p:notesMasterId r:id="rId50"/>
   </p:notesMasterIdLst>
   <p:sldIdLst>
     <p:sldId id="256" r:id="rId2"/>
@@ -48,10 +48,14 @@
     <p:sldId id="326" r:id="rId39"/>
     <p:sldId id="327" r:id="rId40"/>
     <p:sldId id="328" r:id="rId41"/>
-    <p:sldId id="329" r:id="rId42"/>
-    <p:sldId id="330" r:id="rId43"/>
-    <p:sldId id="331" r:id="rId44"/>
-    <p:sldId id="332" r:id="rId45"/>
+    <p:sldId id="333" r:id="rId42"/>
+    <p:sldId id="334" r:id="rId43"/>
+    <p:sldId id="335" r:id="rId44"/>
+    <p:sldId id="329" r:id="rId45"/>
+    <p:sldId id="336" r:id="rId46"/>
+    <p:sldId id="330" r:id="rId47"/>
+    <p:sldId id="331" r:id="rId48"/>
+    <p:sldId id="332" r:id="rId49"/>
   </p:sldIdLst>
   <p:sldSz cx="12192000" cy="6858000"/>
   <p:notesSz cx="6858000" cy="9144000"/>
@@ -612,6 +616,258 @@
     <p:extLst>
       <p:ext uri="{BB962C8B-B14F-4D97-AF65-F5344CB8AC3E}">
         <p14:creationId xmlns:p14="http://schemas.microsoft.com/office/powerpoint/2010/main" val="1120369883"/>
+      </p:ext>
+    </p:extLst>
+  </p:cSld>
+  <p:clrMapOvr>
+    <a:masterClrMapping/>
+  </p:clrMapOvr>
+</p:notes>
+</file>
+
+<file path=ppt/notesSlides/notesSlide2.xml><?xml version="1.0" encoding="utf-8"?>
+<p:notes xmlns:a="http://schemas.openxmlformats.org/drawingml/2006/main" xmlns:r="http://schemas.openxmlformats.org/officeDocument/2006/relationships" xmlns:p="http://schemas.openxmlformats.org/presentationml/2006/main">
+  <p:cSld>
+    <p:spTree>
+      <p:nvGrpSpPr>
+        <p:cNvPr id="1" name=""/>
+        <p:cNvGrpSpPr/>
+        <p:nvPr/>
+      </p:nvGrpSpPr>
+      <p:grpSpPr>
+        <a:xfrm>
+          <a:off x="0" y="0"/>
+          <a:ext cx="0" cy="0"/>
+          <a:chOff x="0" y="0"/>
+          <a:chExt cx="0" cy="0"/>
+        </a:xfrm>
+      </p:grpSpPr>
+      <p:sp>
+        <p:nvSpPr>
+          <p:cNvPr id="2" name="Slide Image Placeholder 1"/>
+          <p:cNvSpPr>
+            <a:spLocks noGrp="1" noRot="1" noChangeAspect="1"/>
+          </p:cNvSpPr>
+          <p:nvPr>
+            <p:ph type="sldImg"/>
+          </p:nvPr>
+        </p:nvSpPr>
+        <p:spPr/>
+      </p:sp>
+      <p:sp>
+        <p:nvSpPr>
+          <p:cNvPr id="3" name="Notes Placeholder 2"/>
+          <p:cNvSpPr>
+            <a:spLocks noGrp="1"/>
+          </p:cNvSpPr>
+          <p:nvPr>
+            <p:ph type="body" idx="1"/>
+          </p:nvPr>
+        </p:nvSpPr>
+        <p:spPr/>
+        <p:txBody>
+          <a:bodyPr/>
+          <a:lstStyle/>
+          <a:p>
+            <a:endParaRPr lang="en-US" dirty="0"/>
+          </a:p>
+        </p:txBody>
+      </p:sp>
+      <p:sp>
+        <p:nvSpPr>
+          <p:cNvPr id="4" name="Slide Number Placeholder 3"/>
+          <p:cNvSpPr>
+            <a:spLocks noGrp="1"/>
+          </p:cNvSpPr>
+          <p:nvPr>
+            <p:ph type="sldNum" sz="quarter" idx="5"/>
+          </p:nvPr>
+        </p:nvSpPr>
+        <p:spPr/>
+        <p:txBody>
+          <a:bodyPr/>
+          <a:lstStyle/>
+          <a:p>
+            <a:fld id="{81F398E8-CF40-4E3A-B849-5DFC67493DDD}" type="slidenum">
+              <a:rPr lang="en-US" smtClean="0"/>
+              <a:t>41</a:t>
+            </a:fld>
+            <a:endParaRPr lang="en-US" dirty="0"/>
+          </a:p>
+        </p:txBody>
+      </p:sp>
+    </p:spTree>
+    <p:extLst>
+      <p:ext uri="{BB962C8B-B14F-4D97-AF65-F5344CB8AC3E}">
+        <p14:creationId xmlns:p14="http://schemas.microsoft.com/office/powerpoint/2010/main" val="4060175387"/>
+      </p:ext>
+    </p:extLst>
+  </p:cSld>
+  <p:clrMapOvr>
+    <a:masterClrMapping/>
+  </p:clrMapOvr>
+</p:notes>
+</file>
+
+<file path=ppt/notesSlides/notesSlide3.xml><?xml version="1.0" encoding="utf-8"?>
+<p:notes xmlns:a="http://schemas.openxmlformats.org/drawingml/2006/main" xmlns:r="http://schemas.openxmlformats.org/officeDocument/2006/relationships" xmlns:p="http://schemas.openxmlformats.org/presentationml/2006/main">
+  <p:cSld>
+    <p:spTree>
+      <p:nvGrpSpPr>
+        <p:cNvPr id="1" name=""/>
+        <p:cNvGrpSpPr/>
+        <p:nvPr/>
+      </p:nvGrpSpPr>
+      <p:grpSpPr>
+        <a:xfrm>
+          <a:off x="0" y="0"/>
+          <a:ext cx="0" cy="0"/>
+          <a:chOff x="0" y="0"/>
+          <a:chExt cx="0" cy="0"/>
+        </a:xfrm>
+      </p:grpSpPr>
+      <p:sp>
+        <p:nvSpPr>
+          <p:cNvPr id="2" name="Slide Image Placeholder 1"/>
+          <p:cNvSpPr>
+            <a:spLocks noGrp="1" noRot="1" noChangeAspect="1"/>
+          </p:cNvSpPr>
+          <p:nvPr>
+            <p:ph type="sldImg"/>
+          </p:nvPr>
+        </p:nvSpPr>
+        <p:spPr/>
+      </p:sp>
+      <p:sp>
+        <p:nvSpPr>
+          <p:cNvPr id="3" name="Notes Placeholder 2"/>
+          <p:cNvSpPr>
+            <a:spLocks noGrp="1"/>
+          </p:cNvSpPr>
+          <p:nvPr>
+            <p:ph type="body" idx="1"/>
+          </p:nvPr>
+        </p:nvSpPr>
+        <p:spPr/>
+        <p:txBody>
+          <a:bodyPr/>
+          <a:lstStyle/>
+          <a:p>
+            <a:endParaRPr lang="en-US" dirty="0"/>
+          </a:p>
+        </p:txBody>
+      </p:sp>
+      <p:sp>
+        <p:nvSpPr>
+          <p:cNvPr id="4" name="Slide Number Placeholder 3"/>
+          <p:cNvSpPr>
+            <a:spLocks noGrp="1"/>
+          </p:cNvSpPr>
+          <p:nvPr>
+            <p:ph type="sldNum" sz="quarter" idx="5"/>
+          </p:nvPr>
+        </p:nvSpPr>
+        <p:spPr/>
+        <p:txBody>
+          <a:bodyPr/>
+          <a:lstStyle/>
+          <a:p>
+            <a:fld id="{81F398E8-CF40-4E3A-B849-5DFC67493DDD}" type="slidenum">
+              <a:rPr lang="en-US" smtClean="0"/>
+              <a:t>42</a:t>
+            </a:fld>
+            <a:endParaRPr lang="en-US" dirty="0"/>
+          </a:p>
+        </p:txBody>
+      </p:sp>
+    </p:spTree>
+    <p:extLst>
+      <p:ext uri="{BB962C8B-B14F-4D97-AF65-F5344CB8AC3E}">
+        <p14:creationId xmlns:p14="http://schemas.microsoft.com/office/powerpoint/2010/main" val="3190464838"/>
+      </p:ext>
+    </p:extLst>
+  </p:cSld>
+  <p:clrMapOvr>
+    <a:masterClrMapping/>
+  </p:clrMapOvr>
+</p:notes>
+</file>
+
+<file path=ppt/notesSlides/notesSlide4.xml><?xml version="1.0" encoding="utf-8"?>
+<p:notes xmlns:a="http://schemas.openxmlformats.org/drawingml/2006/main" xmlns:r="http://schemas.openxmlformats.org/officeDocument/2006/relationships" xmlns:p="http://schemas.openxmlformats.org/presentationml/2006/main">
+  <p:cSld>
+    <p:spTree>
+      <p:nvGrpSpPr>
+        <p:cNvPr id="1" name=""/>
+        <p:cNvGrpSpPr/>
+        <p:nvPr/>
+      </p:nvGrpSpPr>
+      <p:grpSpPr>
+        <a:xfrm>
+          <a:off x="0" y="0"/>
+          <a:ext cx="0" cy="0"/>
+          <a:chOff x="0" y="0"/>
+          <a:chExt cx="0" cy="0"/>
+        </a:xfrm>
+      </p:grpSpPr>
+      <p:sp>
+        <p:nvSpPr>
+          <p:cNvPr id="2" name="Slide Image Placeholder 1"/>
+          <p:cNvSpPr>
+            <a:spLocks noGrp="1" noRot="1" noChangeAspect="1"/>
+          </p:cNvSpPr>
+          <p:nvPr>
+            <p:ph type="sldImg"/>
+          </p:nvPr>
+        </p:nvSpPr>
+        <p:spPr/>
+      </p:sp>
+      <p:sp>
+        <p:nvSpPr>
+          <p:cNvPr id="3" name="Notes Placeholder 2"/>
+          <p:cNvSpPr>
+            <a:spLocks noGrp="1"/>
+          </p:cNvSpPr>
+          <p:nvPr>
+            <p:ph type="body" idx="1"/>
+          </p:nvPr>
+        </p:nvSpPr>
+        <p:spPr/>
+        <p:txBody>
+          <a:bodyPr/>
+          <a:lstStyle/>
+          <a:p>
+            <a:endParaRPr lang="en-US" dirty="0"/>
+          </a:p>
+        </p:txBody>
+      </p:sp>
+      <p:sp>
+        <p:nvSpPr>
+          <p:cNvPr id="4" name="Slide Number Placeholder 3"/>
+          <p:cNvSpPr>
+            <a:spLocks noGrp="1"/>
+          </p:cNvSpPr>
+          <p:nvPr>
+            <p:ph type="sldNum" sz="quarter" idx="5"/>
+          </p:nvPr>
+        </p:nvSpPr>
+        <p:spPr/>
+        <p:txBody>
+          <a:bodyPr/>
+          <a:lstStyle/>
+          <a:p>
+            <a:fld id="{81F398E8-CF40-4E3A-B849-5DFC67493DDD}" type="slidenum">
+              <a:rPr lang="en-US" smtClean="0"/>
+              <a:t>43</a:t>
+            </a:fld>
+            <a:endParaRPr lang="en-US" dirty="0"/>
+          </a:p>
+        </p:txBody>
+      </p:sp>
+    </p:spTree>
+    <p:extLst>
+      <p:ext uri="{BB962C8B-B14F-4D97-AF65-F5344CB8AC3E}">
+        <p14:creationId xmlns:p14="http://schemas.microsoft.com/office/powerpoint/2010/main" val="561690013"/>
       </p:ext>
     </p:extLst>
   </p:cSld>
@@ -28191,10 +28447,10 @@
       </p:sp>
       <p:grpSp>
         <p:nvGrpSpPr>
-          <p:cNvPr id="8" name="Group 7">
+          <p:cNvPr id="10" name="Group 9">
             <a:extLst>
               <a:ext uri="{FF2B5EF4-FFF2-40B4-BE49-F238E27FC236}">
-                <a16:creationId xmlns:a16="http://schemas.microsoft.com/office/drawing/2014/main" id="{EFDAA83E-7B9F-4053-B821-4A6B85475648}"/>
+                <a16:creationId xmlns:a16="http://schemas.microsoft.com/office/drawing/2014/main" id="{C78411DE-15A9-4F19-BF9F-82C0E600C733}"/>
               </a:ext>
             </a:extLst>
           </p:cNvPr>
@@ -28203,18 +28459,18 @@
         </p:nvGrpSpPr>
         <p:grpSpPr>
           <a:xfrm>
-            <a:off x="3121571" y="2340852"/>
-            <a:ext cx="6334199" cy="4144815"/>
-            <a:chOff x="3121571" y="2340852"/>
-            <a:chExt cx="6334199" cy="4144815"/>
+            <a:off x="2688879" y="2306622"/>
+            <a:ext cx="6003176" cy="4272910"/>
+            <a:chOff x="2688879" y="2306622"/>
+            <a:chExt cx="6003176" cy="4272910"/>
           </a:xfrm>
         </p:grpSpPr>
         <p:pic>
           <p:nvPicPr>
-            <p:cNvPr id="5" name="Picture 4">
+            <p:cNvPr id="9" name="Picture 8">
               <a:extLst>
                 <a:ext uri="{FF2B5EF4-FFF2-40B4-BE49-F238E27FC236}">
-                  <a16:creationId xmlns:a16="http://schemas.microsoft.com/office/drawing/2014/main" id="{49CAD31F-772E-42AF-ABB5-5A167AF5ACCC}"/>
+                  <a16:creationId xmlns:a16="http://schemas.microsoft.com/office/drawing/2014/main" id="{2D9CE4E1-0CB7-4CBC-BBF2-DB00141D7EB1}"/>
                 </a:ext>
               </a:extLst>
             </p:cNvPr>
@@ -28223,15 +28479,21 @@
             </p:cNvPicPr>
             <p:nvPr/>
           </p:nvPicPr>
-          <p:blipFill rotWithShape="1">
-            <a:blip r:embed="rId3"/>
-            <a:srcRect l="4402" t="14385" r="64357" b="12927"/>
+          <p:blipFill>
+            <a:blip r:embed="rId3">
+              <a:extLst>
+                <a:ext uri="{28A0092B-C50C-407E-A947-70E740481C1C}">
+                  <a14:useLocalDpi xmlns:a14="http://schemas.microsoft.com/office/drawing/2010/main" val="0"/>
+                </a:ext>
+              </a:extLst>
+            </a:blip>
+            <a:srcRect/>
             <a:stretch/>
           </p:blipFill>
           <p:spPr>
             <a:xfrm>
-              <a:off x="3121571" y="2340852"/>
-              <a:ext cx="6334199" cy="4144815"/>
+              <a:off x="2688879" y="2306622"/>
+              <a:ext cx="6003176" cy="4272910"/>
             </a:xfrm>
             <a:prstGeom prst="rect">
               <a:avLst/>
@@ -28252,7 +28514,7 @@
           </p:nvSpPr>
           <p:spPr>
             <a:xfrm>
-              <a:off x="6905297" y="4288221"/>
+              <a:off x="6236120" y="4146944"/>
               <a:ext cx="840827" cy="346841"/>
             </a:xfrm>
             <a:prstGeom prst="rect">
@@ -28304,8 +28566,8 @@
           </p:nvSpPr>
           <p:spPr>
             <a:xfrm>
-              <a:off x="5395293" y="5602227"/>
-              <a:ext cx="1510004" cy="346841"/>
+              <a:off x="4726115" y="5407786"/>
+              <a:ext cx="2350831" cy="367862"/>
             </a:xfrm>
             <a:prstGeom prst="rect">
               <a:avLst/>
@@ -28417,29 +28679,22 @@
             <p:ph idx="1"/>
           </p:nvPr>
         </p:nvSpPr>
-        <p:spPr/>
+        <p:spPr>
+          <a:xfrm>
+            <a:off x="1219200" y="1082352"/>
+            <a:ext cx="10363200" cy="5043812"/>
+          </a:xfrm>
+        </p:spPr>
         <p:txBody>
           <a:bodyPr/>
           <a:lstStyle/>
           <a:p>
             <a:r>
               <a:rPr lang="en-US" dirty="0"/>
-              <a:t>Edit a file in that cloned repo on </a:t>
-            </a:r>
-            <a:r>
-              <a:rPr lang="en-US"/>
-              <a:t>your computer</a:t>
-            </a:r>
-            <a:endParaRPr lang="en-US" dirty="0"/>
-          </a:p>
-          <a:p>
-            <a:endParaRPr lang="en-US" dirty="0"/>
-          </a:p>
-          <a:p>
-            <a:r>
-              <a:rPr lang="en-US" dirty="0" err="1"/>
-              <a:t>xxxx</a:t>
-            </a:r>
+              <a:t>Clone your GitHub personal website onto your computer with GitHub Desktop App</a:t>
+            </a:r>
+          </a:p>
+          <a:p>
             <a:endParaRPr lang="en-US" dirty="0"/>
           </a:p>
         </p:txBody>
@@ -28473,10 +28728,92 @@
           </a:p>
         </p:txBody>
       </p:sp>
+      <p:pic>
+        <p:nvPicPr>
+          <p:cNvPr id="5" name="Picture 4">
+            <a:extLst>
+              <a:ext uri="{FF2B5EF4-FFF2-40B4-BE49-F238E27FC236}">
+                <a16:creationId xmlns:a16="http://schemas.microsoft.com/office/drawing/2014/main" id="{3CC106D5-1FAE-45FB-B006-FC5AEA387964}"/>
+              </a:ext>
+            </a:extLst>
+          </p:cNvPr>
+          <p:cNvPicPr>
+            <a:picLocks noChangeAspect="1"/>
+          </p:cNvPicPr>
+          <p:nvPr/>
+        </p:nvPicPr>
+        <p:blipFill>
+          <a:blip r:embed="rId3"/>
+          <a:stretch>
+            <a:fillRect/>
+          </a:stretch>
+        </p:blipFill>
+        <p:spPr>
+          <a:xfrm>
+            <a:off x="4101603" y="2264795"/>
+            <a:ext cx="5952563" cy="4218555"/>
+          </a:xfrm>
+          <a:prstGeom prst="rect">
+            <a:avLst/>
+          </a:prstGeom>
+        </p:spPr>
+      </p:pic>
+      <p:sp>
+        <p:nvSpPr>
+          <p:cNvPr id="11" name="Rectangle 10">
+            <a:extLst>
+              <a:ext uri="{FF2B5EF4-FFF2-40B4-BE49-F238E27FC236}">
+                <a16:creationId xmlns:a16="http://schemas.microsoft.com/office/drawing/2014/main" id="{06DF57CF-B5B7-4FC2-8555-530D3D30FCF8}"/>
+              </a:ext>
+            </a:extLst>
+          </p:cNvPr>
+          <p:cNvSpPr/>
+          <p:nvPr/>
+        </p:nvSpPr>
+        <p:spPr>
+          <a:xfrm>
+            <a:off x="7020909" y="3321269"/>
+            <a:ext cx="924911" cy="262759"/>
+          </a:xfrm>
+          <a:prstGeom prst="rect">
+            <a:avLst/>
+          </a:prstGeom>
+          <a:noFill/>
+          <a:ln w="28575">
+            <a:solidFill>
+              <a:srgbClr val="FF0000"/>
+            </a:solidFill>
+          </a:ln>
+        </p:spPr>
+        <p:style>
+          <a:lnRef idx="2">
+            <a:schemeClr val="accent1">
+              <a:shade val="50000"/>
+            </a:schemeClr>
+          </a:lnRef>
+          <a:fillRef idx="1">
+            <a:schemeClr val="accent1"/>
+          </a:fillRef>
+          <a:effectRef idx="0">
+            <a:schemeClr val="accent1"/>
+          </a:effectRef>
+          <a:fontRef idx="minor">
+            <a:schemeClr val="lt1"/>
+          </a:fontRef>
+        </p:style>
+        <p:txBody>
+          <a:bodyPr rtlCol="0" anchor="ctr"/>
+          <a:lstStyle/>
+          <a:p>
+            <a:pPr algn="ctr"/>
+            <a:endParaRPr lang="en-US"/>
+          </a:p>
+        </p:txBody>
+      </p:sp>
     </p:spTree>
     <p:extLst>
       <p:ext uri="{BB962C8B-B14F-4D97-AF65-F5344CB8AC3E}">
-        <p14:creationId xmlns:p14="http://schemas.microsoft.com/office/powerpoint/2010/main" val="2523097945"/>
+        <p14:creationId xmlns:p14="http://schemas.microsoft.com/office/powerpoint/2010/main" val="1937731242"/>
       </p:ext>
     </p:extLst>
   </p:cSld>
@@ -28547,21 +28884,22 @@
             <p:ph idx="1"/>
           </p:nvPr>
         </p:nvSpPr>
-        <p:spPr/>
+        <p:spPr>
+          <a:xfrm>
+            <a:off x="1219200" y="1082352"/>
+            <a:ext cx="10363200" cy="5043812"/>
+          </a:xfrm>
+        </p:spPr>
         <p:txBody>
           <a:bodyPr/>
           <a:lstStyle/>
           <a:p>
             <a:r>
               <a:rPr lang="en-US" dirty="0"/>
-              <a:t>Commit changes to your computer</a:t>
-            </a:r>
-          </a:p>
-          <a:p>
-            <a:r>
-              <a:rPr lang="en-US" dirty="0" err="1"/>
-              <a:t>xxxx</a:t>
-            </a:r>
+              <a:t>Clone your GitHub personal website onto your computer with GitHub Desktop App</a:t>
+            </a:r>
+          </a:p>
+          <a:p>
             <a:endParaRPr lang="en-US" dirty="0"/>
           </a:p>
         </p:txBody>
@@ -28595,10 +28933,165 @@
           </a:p>
         </p:txBody>
       </p:sp>
+      <p:grpSp>
+        <p:nvGrpSpPr>
+          <p:cNvPr id="7" name="Group 6">
+            <a:extLst>
+              <a:ext uri="{FF2B5EF4-FFF2-40B4-BE49-F238E27FC236}">
+                <a16:creationId xmlns:a16="http://schemas.microsoft.com/office/drawing/2014/main" id="{7E436095-2BB2-4BC0-A203-1C85D46BA10B}"/>
+              </a:ext>
+            </a:extLst>
+          </p:cNvPr>
+          <p:cNvGrpSpPr/>
+          <p:nvPr/>
+        </p:nvGrpSpPr>
+        <p:grpSpPr>
+          <a:xfrm>
+            <a:off x="2837793" y="2241069"/>
+            <a:ext cx="6183696" cy="4291764"/>
+            <a:chOff x="2837793" y="2241069"/>
+            <a:chExt cx="6183696" cy="4291764"/>
+          </a:xfrm>
+        </p:grpSpPr>
+        <p:pic>
+          <p:nvPicPr>
+            <p:cNvPr id="6" name="Picture 5">
+              <a:extLst>
+                <a:ext uri="{FF2B5EF4-FFF2-40B4-BE49-F238E27FC236}">
+                  <a16:creationId xmlns:a16="http://schemas.microsoft.com/office/drawing/2014/main" id="{AED5E067-CA2F-4E5B-A3A3-30DEAD00B159}"/>
+                </a:ext>
+              </a:extLst>
+            </p:cNvPr>
+            <p:cNvPicPr>
+              <a:picLocks noChangeAspect="1"/>
+            </p:cNvPicPr>
+            <p:nvPr/>
+          </p:nvPicPr>
+          <p:blipFill>
+            <a:blip r:embed="rId3"/>
+            <a:stretch>
+              <a:fillRect/>
+            </a:stretch>
+          </p:blipFill>
+          <p:spPr>
+            <a:xfrm>
+              <a:off x="2837793" y="2241069"/>
+              <a:ext cx="6183696" cy="4291764"/>
+            </a:xfrm>
+            <a:prstGeom prst="rect">
+              <a:avLst/>
+            </a:prstGeom>
+          </p:spPr>
+        </p:pic>
+        <p:sp>
+          <p:nvSpPr>
+            <p:cNvPr id="11" name="Rectangle 10">
+              <a:extLst>
+                <a:ext uri="{FF2B5EF4-FFF2-40B4-BE49-F238E27FC236}">
+                  <a16:creationId xmlns:a16="http://schemas.microsoft.com/office/drawing/2014/main" id="{06DF57CF-B5B7-4FC2-8555-530D3D30FCF8}"/>
+                </a:ext>
+              </a:extLst>
+            </p:cNvPr>
+            <p:cNvSpPr/>
+            <p:nvPr/>
+          </p:nvSpPr>
+          <p:spPr>
+            <a:xfrm>
+              <a:off x="4414345" y="4424855"/>
+              <a:ext cx="2364827" cy="367862"/>
+            </a:xfrm>
+            <a:prstGeom prst="rect">
+              <a:avLst/>
+            </a:prstGeom>
+            <a:noFill/>
+            <a:ln w="28575">
+              <a:solidFill>
+                <a:srgbClr val="FF0000"/>
+              </a:solidFill>
+            </a:ln>
+          </p:spPr>
+          <p:style>
+            <a:lnRef idx="2">
+              <a:schemeClr val="accent1">
+                <a:shade val="50000"/>
+              </a:schemeClr>
+            </a:lnRef>
+            <a:fillRef idx="1">
+              <a:schemeClr val="accent1"/>
+            </a:fillRef>
+            <a:effectRef idx="0">
+              <a:schemeClr val="accent1"/>
+            </a:effectRef>
+            <a:fontRef idx="minor">
+              <a:schemeClr val="lt1"/>
+            </a:fontRef>
+          </p:style>
+          <p:txBody>
+            <a:bodyPr rtlCol="0" anchor="ctr"/>
+            <a:lstStyle/>
+            <a:p>
+              <a:pPr algn="ctr"/>
+              <a:endParaRPr lang="en-US"/>
+            </a:p>
+          </p:txBody>
+        </p:sp>
+        <p:sp>
+          <p:nvSpPr>
+            <p:cNvPr id="8" name="Rectangle 7">
+              <a:extLst>
+                <a:ext uri="{FF2B5EF4-FFF2-40B4-BE49-F238E27FC236}">
+                  <a16:creationId xmlns:a16="http://schemas.microsoft.com/office/drawing/2014/main" id="{184CD189-C806-41A6-A5DF-DE07ED269C8B}"/>
+                </a:ext>
+              </a:extLst>
+            </p:cNvPr>
+            <p:cNvSpPr/>
+            <p:nvPr/>
+          </p:nvSpPr>
+          <p:spPr>
+            <a:xfrm>
+              <a:off x="4414345" y="3941379"/>
+              <a:ext cx="2995448" cy="483476"/>
+            </a:xfrm>
+            <a:prstGeom prst="rect">
+              <a:avLst/>
+            </a:prstGeom>
+            <a:noFill/>
+            <a:ln w="28575">
+              <a:solidFill>
+                <a:srgbClr val="FF0000"/>
+              </a:solidFill>
+            </a:ln>
+          </p:spPr>
+          <p:style>
+            <a:lnRef idx="2">
+              <a:schemeClr val="accent1">
+                <a:shade val="50000"/>
+              </a:schemeClr>
+            </a:lnRef>
+            <a:fillRef idx="1">
+              <a:schemeClr val="accent1"/>
+            </a:fillRef>
+            <a:effectRef idx="0">
+              <a:schemeClr val="accent1"/>
+            </a:effectRef>
+            <a:fontRef idx="minor">
+              <a:schemeClr val="lt1"/>
+            </a:fontRef>
+          </p:style>
+          <p:txBody>
+            <a:bodyPr rtlCol="0" anchor="ctr"/>
+            <a:lstStyle/>
+            <a:p>
+              <a:pPr algn="ctr"/>
+              <a:endParaRPr lang="en-US"/>
+            </a:p>
+          </p:txBody>
+        </p:sp>
+      </p:grpSp>
     </p:spTree>
     <p:extLst>
       <p:ext uri="{BB962C8B-B14F-4D97-AF65-F5344CB8AC3E}">
-        <p14:creationId xmlns:p14="http://schemas.microsoft.com/office/powerpoint/2010/main" val="3512435509"/>
+        <p14:creationId xmlns:p14="http://schemas.microsoft.com/office/powerpoint/2010/main" val="801050494"/>
       </p:ext>
     </p:extLst>
   </p:cSld>
@@ -28669,21 +29162,23 @@
             <p:ph idx="1"/>
           </p:nvPr>
         </p:nvSpPr>
-        <p:spPr/>
+        <p:spPr>
+          <a:xfrm>
+            <a:off x="1219200" y="1082352"/>
+            <a:ext cx="10363200" cy="5043812"/>
+          </a:xfrm>
+        </p:spPr>
         <p:txBody>
           <a:bodyPr/>
           <a:lstStyle/>
           <a:p>
             <a:r>
               <a:rPr lang="en-US" dirty="0"/>
-              <a:t>“Push” to GitHub repo</a:t>
-            </a:r>
-          </a:p>
-          <a:p>
-            <a:r>
-              <a:rPr lang="en-US" dirty="0"/>
-              <a:t>xxx</a:t>
-            </a:r>
+              <a:t>Clone your GitHub personal website onto your computer with GitHub Desktop App</a:t>
+            </a:r>
+          </a:p>
+          <a:p>
+            <a:endParaRPr lang="en-US" dirty="0"/>
           </a:p>
         </p:txBody>
       </p:sp>
@@ -28716,10 +29211,113 @@
           </a:p>
         </p:txBody>
       </p:sp>
+      <p:grpSp>
+        <p:nvGrpSpPr>
+          <p:cNvPr id="6" name="Group 5">
+            <a:extLst>
+              <a:ext uri="{FF2B5EF4-FFF2-40B4-BE49-F238E27FC236}">
+                <a16:creationId xmlns:a16="http://schemas.microsoft.com/office/drawing/2014/main" id="{7951FC30-43B2-4277-B364-0FB657791EC8}"/>
+              </a:ext>
+            </a:extLst>
+          </p:cNvPr>
+          <p:cNvGrpSpPr/>
+          <p:nvPr/>
+        </p:nvGrpSpPr>
+        <p:grpSpPr>
+          <a:xfrm>
+            <a:off x="3035683" y="2335366"/>
+            <a:ext cx="6120634" cy="4247996"/>
+            <a:chOff x="3035683" y="2335366"/>
+            <a:chExt cx="6120634" cy="4247996"/>
+          </a:xfrm>
+        </p:grpSpPr>
+        <p:pic>
+          <p:nvPicPr>
+            <p:cNvPr id="5" name="Picture 4">
+              <a:extLst>
+                <a:ext uri="{FF2B5EF4-FFF2-40B4-BE49-F238E27FC236}">
+                  <a16:creationId xmlns:a16="http://schemas.microsoft.com/office/drawing/2014/main" id="{65E0E3AF-10CF-4DC0-8CB8-0878EA52151A}"/>
+                </a:ext>
+              </a:extLst>
+            </p:cNvPr>
+            <p:cNvPicPr>
+              <a:picLocks noChangeAspect="1"/>
+            </p:cNvPicPr>
+            <p:nvPr/>
+          </p:nvPicPr>
+          <p:blipFill>
+            <a:blip r:embed="rId3"/>
+            <a:stretch>
+              <a:fillRect/>
+            </a:stretch>
+          </p:blipFill>
+          <p:spPr>
+            <a:xfrm>
+              <a:off x="3035683" y="2335366"/>
+              <a:ext cx="6120634" cy="4247996"/>
+            </a:xfrm>
+            <a:prstGeom prst="rect">
+              <a:avLst/>
+            </a:prstGeom>
+          </p:spPr>
+        </p:pic>
+        <p:sp>
+          <p:nvSpPr>
+            <p:cNvPr id="11" name="Rectangle 10">
+              <a:extLst>
+                <a:ext uri="{FF2B5EF4-FFF2-40B4-BE49-F238E27FC236}">
+                  <a16:creationId xmlns:a16="http://schemas.microsoft.com/office/drawing/2014/main" id="{06DF57CF-B5B7-4FC2-8555-530D3D30FCF8}"/>
+                </a:ext>
+              </a:extLst>
+            </p:cNvPr>
+            <p:cNvSpPr/>
+            <p:nvPr/>
+          </p:nvSpPr>
+          <p:spPr>
+            <a:xfrm>
+              <a:off x="3035683" y="2459421"/>
+              <a:ext cx="1567848" cy="346841"/>
+            </a:xfrm>
+            <a:prstGeom prst="rect">
+              <a:avLst/>
+            </a:prstGeom>
+            <a:noFill/>
+            <a:ln w="28575">
+              <a:solidFill>
+                <a:srgbClr val="FF0000"/>
+              </a:solidFill>
+            </a:ln>
+          </p:spPr>
+          <p:style>
+            <a:lnRef idx="2">
+              <a:schemeClr val="accent1">
+                <a:shade val="50000"/>
+              </a:schemeClr>
+            </a:lnRef>
+            <a:fillRef idx="1">
+              <a:schemeClr val="accent1"/>
+            </a:fillRef>
+            <a:effectRef idx="0">
+              <a:schemeClr val="accent1"/>
+            </a:effectRef>
+            <a:fontRef idx="minor">
+              <a:schemeClr val="lt1"/>
+            </a:fontRef>
+          </p:style>
+          <p:txBody>
+            <a:bodyPr rtlCol="0" anchor="ctr"/>
+            <a:lstStyle/>
+            <a:p>
+              <a:pPr algn="ctr"/>
+              <a:endParaRPr lang="en-US"/>
+            </a:p>
+          </p:txBody>
+        </p:sp>
+      </p:grpSp>
     </p:spTree>
     <p:extLst>
       <p:ext uri="{BB962C8B-B14F-4D97-AF65-F5344CB8AC3E}">
-        <p14:creationId xmlns:p14="http://schemas.microsoft.com/office/powerpoint/2010/main" val="2220775487"/>
+        <p14:creationId xmlns:p14="http://schemas.microsoft.com/office/powerpoint/2010/main" val="2459329858"/>
       </p:ext>
     </p:extLst>
   </p:cSld>
@@ -28790,42 +29388,19 @@
             <p:ph idx="1"/>
           </p:nvPr>
         </p:nvSpPr>
-        <p:spPr/>
+        <p:spPr>
+          <a:xfrm>
+            <a:off x="1219200" y="1019504"/>
+            <a:ext cx="10363200" cy="5106660"/>
+          </a:xfrm>
+        </p:spPr>
         <p:txBody>
           <a:bodyPr/>
           <a:lstStyle/>
           <a:p>
             <a:r>
               <a:rPr lang="en-US" dirty="0"/>
-              <a:t>Summary</a:t>
-            </a:r>
-          </a:p>
-          <a:p>
-            <a:pPr lvl="1"/>
-            <a:r>
-              <a:rPr lang="en-US" dirty="0"/>
-              <a:t>Manage your website files on your computer</a:t>
-            </a:r>
-          </a:p>
-          <a:p>
-            <a:pPr lvl="1"/>
-            <a:r>
-              <a:rPr lang="en-US" dirty="0"/>
-              <a:t>Upload/push to GitHub.com</a:t>
-            </a:r>
-          </a:p>
-          <a:p>
-            <a:pPr lvl="2"/>
-            <a:r>
-              <a:rPr lang="en-US" dirty="0"/>
-              <a:t> Easier than dragging and dropping</a:t>
-            </a:r>
-          </a:p>
-          <a:p>
-            <a:pPr lvl="1"/>
-            <a:r>
-              <a:rPr lang="en-US" dirty="0"/>
-              <a:t>Can do this with any repo</a:t>
+              <a:t>Edit a file in that cloned repo on your computer</a:t>
             </a:r>
           </a:p>
         </p:txBody>
@@ -28854,6 +29429,985 @@
             <a:fld id="{4577FE26-ACD1-4964-932B-823877B1C5B5}" type="slidenum">
               <a:rPr lang="en-US" smtClean="0"/>
               <a:t>44</a:t>
+            </a:fld>
+            <a:endParaRPr lang="en-US" dirty="0"/>
+          </a:p>
+        </p:txBody>
+      </p:sp>
+      <p:pic>
+        <p:nvPicPr>
+          <p:cNvPr id="5" name="Picture 4">
+            <a:extLst>
+              <a:ext uri="{FF2B5EF4-FFF2-40B4-BE49-F238E27FC236}">
+                <a16:creationId xmlns:a16="http://schemas.microsoft.com/office/drawing/2014/main" id="{998F357E-25DA-4DA6-905F-0B572821F601}"/>
+              </a:ext>
+            </a:extLst>
+          </p:cNvPr>
+          <p:cNvPicPr>
+            <a:picLocks noChangeAspect="1"/>
+          </p:cNvPicPr>
+          <p:nvPr/>
+        </p:nvPicPr>
+        <p:blipFill>
+          <a:blip r:embed="rId2"/>
+          <a:stretch>
+            <a:fillRect/>
+          </a:stretch>
+        </p:blipFill>
+        <p:spPr>
+          <a:xfrm>
+            <a:off x="1843087" y="1799896"/>
+            <a:ext cx="8505825" cy="4038600"/>
+          </a:xfrm>
+          <a:prstGeom prst="rect">
+            <a:avLst/>
+          </a:prstGeom>
+        </p:spPr>
+      </p:pic>
+    </p:spTree>
+    <p:extLst>
+      <p:ext uri="{BB962C8B-B14F-4D97-AF65-F5344CB8AC3E}">
+        <p14:creationId xmlns:p14="http://schemas.microsoft.com/office/powerpoint/2010/main" val="2523097945"/>
+      </p:ext>
+    </p:extLst>
+  </p:cSld>
+  <p:clrMapOvr>
+    <a:masterClrMapping/>
+  </p:clrMapOvr>
+</p:sld>
+</file>
+
+<file path=ppt/slides/slide45.xml><?xml version="1.0" encoding="utf-8"?>
+<p:sld xmlns:a="http://schemas.openxmlformats.org/drawingml/2006/main" xmlns:r="http://schemas.openxmlformats.org/officeDocument/2006/relationships" xmlns:p="http://schemas.openxmlformats.org/presentationml/2006/main">
+  <p:cSld>
+    <p:spTree>
+      <p:nvGrpSpPr>
+        <p:cNvPr id="1" name=""/>
+        <p:cNvGrpSpPr/>
+        <p:nvPr/>
+      </p:nvGrpSpPr>
+      <p:grpSpPr>
+        <a:xfrm>
+          <a:off x="0" y="0"/>
+          <a:ext cx="0" cy="0"/>
+          <a:chOff x="0" y="0"/>
+          <a:chExt cx="0" cy="0"/>
+        </a:xfrm>
+      </p:grpSpPr>
+      <p:sp>
+        <p:nvSpPr>
+          <p:cNvPr id="2" name="Title 1">
+            <a:extLst>
+              <a:ext uri="{FF2B5EF4-FFF2-40B4-BE49-F238E27FC236}">
+                <a16:creationId xmlns:a16="http://schemas.microsoft.com/office/drawing/2014/main" id="{42F4288C-55DC-40DC-81E0-6C6BF2F62544}"/>
+              </a:ext>
+            </a:extLst>
+          </p:cNvPr>
+          <p:cNvSpPr>
+            <a:spLocks noGrp="1"/>
+          </p:cNvSpPr>
+          <p:nvPr>
+            <p:ph type="title"/>
+          </p:nvPr>
+        </p:nvSpPr>
+        <p:spPr/>
+        <p:txBody>
+          <a:bodyPr/>
+          <a:lstStyle/>
+          <a:p>
+            <a:r>
+              <a:rPr lang="en-US" dirty="0"/>
+              <a:t>Exercise</a:t>
+            </a:r>
+          </a:p>
+        </p:txBody>
+      </p:sp>
+      <p:sp>
+        <p:nvSpPr>
+          <p:cNvPr id="3" name="Content Placeholder 2">
+            <a:extLst>
+              <a:ext uri="{FF2B5EF4-FFF2-40B4-BE49-F238E27FC236}">
+                <a16:creationId xmlns:a16="http://schemas.microsoft.com/office/drawing/2014/main" id="{F32311D3-FE13-429D-A751-4E55B9A4A883}"/>
+              </a:ext>
+            </a:extLst>
+          </p:cNvPr>
+          <p:cNvSpPr>
+            <a:spLocks noGrp="1"/>
+          </p:cNvSpPr>
+          <p:nvPr>
+            <p:ph idx="1"/>
+          </p:nvPr>
+        </p:nvSpPr>
+        <p:spPr>
+          <a:xfrm>
+            <a:off x="1219200" y="1019504"/>
+            <a:ext cx="10363200" cy="5106660"/>
+          </a:xfrm>
+        </p:spPr>
+        <p:txBody>
+          <a:bodyPr/>
+          <a:lstStyle/>
+          <a:p>
+            <a:r>
+              <a:rPr lang="en-US" dirty="0"/>
+              <a:t>Edit a file in that cloned repo on your computer</a:t>
+            </a:r>
+          </a:p>
+        </p:txBody>
+      </p:sp>
+      <p:sp>
+        <p:nvSpPr>
+          <p:cNvPr id="4" name="Slide Number Placeholder 3">
+            <a:extLst>
+              <a:ext uri="{FF2B5EF4-FFF2-40B4-BE49-F238E27FC236}">
+                <a16:creationId xmlns:a16="http://schemas.microsoft.com/office/drawing/2014/main" id="{BA40C1C9-3625-4D30-AADD-451CD50D6CCD}"/>
+              </a:ext>
+            </a:extLst>
+          </p:cNvPr>
+          <p:cNvSpPr>
+            <a:spLocks noGrp="1"/>
+          </p:cNvSpPr>
+          <p:nvPr>
+            <p:ph type="sldNum" sz="quarter" idx="12"/>
+          </p:nvPr>
+        </p:nvSpPr>
+        <p:spPr/>
+        <p:txBody>
+          <a:bodyPr/>
+          <a:lstStyle/>
+          <a:p>
+            <a:fld id="{4577FE26-ACD1-4964-932B-823877B1C5B5}" type="slidenum">
+              <a:rPr lang="en-US" smtClean="0"/>
+              <a:t>45</a:t>
+            </a:fld>
+            <a:endParaRPr lang="en-US" dirty="0"/>
+          </a:p>
+        </p:txBody>
+      </p:sp>
+      <p:pic>
+        <p:nvPicPr>
+          <p:cNvPr id="6" name="Picture 5">
+            <a:extLst>
+              <a:ext uri="{FF2B5EF4-FFF2-40B4-BE49-F238E27FC236}">
+                <a16:creationId xmlns:a16="http://schemas.microsoft.com/office/drawing/2014/main" id="{CB89DCD7-4488-4C56-9635-FC74E72896F5}"/>
+              </a:ext>
+            </a:extLst>
+          </p:cNvPr>
+          <p:cNvPicPr>
+            <a:picLocks noChangeAspect="1"/>
+          </p:cNvPicPr>
+          <p:nvPr/>
+        </p:nvPicPr>
+        <p:blipFill>
+          <a:blip r:embed="rId2"/>
+          <a:stretch>
+            <a:fillRect/>
+          </a:stretch>
+        </p:blipFill>
+        <p:spPr>
+          <a:xfrm>
+            <a:off x="1827321" y="1720221"/>
+            <a:ext cx="6981825" cy="3705225"/>
+          </a:xfrm>
+          <a:prstGeom prst="rect">
+            <a:avLst/>
+          </a:prstGeom>
+        </p:spPr>
+      </p:pic>
+      <p:sp>
+        <p:nvSpPr>
+          <p:cNvPr id="7" name="Rectangle 6">
+            <a:extLst>
+              <a:ext uri="{FF2B5EF4-FFF2-40B4-BE49-F238E27FC236}">
+                <a16:creationId xmlns:a16="http://schemas.microsoft.com/office/drawing/2014/main" id="{AC4288FE-B7C5-413B-A583-8CA2C4DCB4BA}"/>
+              </a:ext>
+            </a:extLst>
+          </p:cNvPr>
+          <p:cNvSpPr/>
+          <p:nvPr/>
+        </p:nvSpPr>
+        <p:spPr>
+          <a:xfrm>
+            <a:off x="2394552" y="4466898"/>
+            <a:ext cx="1536317" cy="252248"/>
+          </a:xfrm>
+          <a:prstGeom prst="rect">
+            <a:avLst/>
+          </a:prstGeom>
+          <a:noFill/>
+          <a:ln w="28575">
+            <a:solidFill>
+              <a:srgbClr val="FF0000"/>
+            </a:solidFill>
+          </a:ln>
+        </p:spPr>
+        <p:style>
+          <a:lnRef idx="2">
+            <a:schemeClr val="accent1">
+              <a:shade val="50000"/>
+            </a:schemeClr>
+          </a:lnRef>
+          <a:fillRef idx="1">
+            <a:schemeClr val="accent1"/>
+          </a:fillRef>
+          <a:effectRef idx="0">
+            <a:schemeClr val="accent1"/>
+          </a:effectRef>
+          <a:fontRef idx="minor">
+            <a:schemeClr val="lt1"/>
+          </a:fontRef>
+        </p:style>
+        <p:txBody>
+          <a:bodyPr rtlCol="0" anchor="ctr"/>
+          <a:lstStyle/>
+          <a:p>
+            <a:pPr algn="ctr"/>
+            <a:endParaRPr lang="en-US"/>
+          </a:p>
+        </p:txBody>
+      </p:sp>
+    </p:spTree>
+    <p:extLst>
+      <p:ext uri="{BB962C8B-B14F-4D97-AF65-F5344CB8AC3E}">
+        <p14:creationId xmlns:p14="http://schemas.microsoft.com/office/powerpoint/2010/main" val="664276035"/>
+      </p:ext>
+    </p:extLst>
+  </p:cSld>
+  <p:clrMapOvr>
+    <a:masterClrMapping/>
+  </p:clrMapOvr>
+</p:sld>
+</file>
+
+<file path=ppt/slides/slide46.xml><?xml version="1.0" encoding="utf-8"?>
+<p:sld xmlns:a="http://schemas.openxmlformats.org/drawingml/2006/main" xmlns:r="http://schemas.openxmlformats.org/officeDocument/2006/relationships" xmlns:p="http://schemas.openxmlformats.org/presentationml/2006/main">
+  <p:cSld>
+    <p:spTree>
+      <p:nvGrpSpPr>
+        <p:cNvPr id="1" name=""/>
+        <p:cNvGrpSpPr/>
+        <p:nvPr/>
+      </p:nvGrpSpPr>
+      <p:grpSpPr>
+        <a:xfrm>
+          <a:off x="0" y="0"/>
+          <a:ext cx="0" cy="0"/>
+          <a:chOff x="0" y="0"/>
+          <a:chExt cx="0" cy="0"/>
+        </a:xfrm>
+      </p:grpSpPr>
+      <p:sp>
+        <p:nvSpPr>
+          <p:cNvPr id="2" name="Title 1">
+            <a:extLst>
+              <a:ext uri="{FF2B5EF4-FFF2-40B4-BE49-F238E27FC236}">
+                <a16:creationId xmlns:a16="http://schemas.microsoft.com/office/drawing/2014/main" id="{42F4288C-55DC-40DC-81E0-6C6BF2F62544}"/>
+              </a:ext>
+            </a:extLst>
+          </p:cNvPr>
+          <p:cNvSpPr>
+            <a:spLocks noGrp="1"/>
+          </p:cNvSpPr>
+          <p:nvPr>
+            <p:ph type="title"/>
+          </p:nvPr>
+        </p:nvSpPr>
+        <p:spPr/>
+        <p:txBody>
+          <a:bodyPr/>
+          <a:lstStyle/>
+          <a:p>
+            <a:r>
+              <a:rPr lang="en-US" dirty="0"/>
+              <a:t>Exercise</a:t>
+            </a:r>
+          </a:p>
+        </p:txBody>
+      </p:sp>
+      <p:sp>
+        <p:nvSpPr>
+          <p:cNvPr id="3" name="Content Placeholder 2">
+            <a:extLst>
+              <a:ext uri="{FF2B5EF4-FFF2-40B4-BE49-F238E27FC236}">
+                <a16:creationId xmlns:a16="http://schemas.microsoft.com/office/drawing/2014/main" id="{F32311D3-FE13-429D-A751-4E55B9A4A883}"/>
+              </a:ext>
+            </a:extLst>
+          </p:cNvPr>
+          <p:cNvSpPr>
+            <a:spLocks noGrp="1"/>
+          </p:cNvSpPr>
+          <p:nvPr>
+            <p:ph idx="1"/>
+          </p:nvPr>
+        </p:nvSpPr>
+        <p:spPr>
+          <a:xfrm>
+            <a:off x="1219200" y="1030014"/>
+            <a:ext cx="10363200" cy="5096149"/>
+          </a:xfrm>
+        </p:spPr>
+        <p:txBody>
+          <a:bodyPr/>
+          <a:lstStyle/>
+          <a:p>
+            <a:r>
+              <a:rPr lang="en-US" dirty="0"/>
+              <a:t>Commit changes to your computer</a:t>
+            </a:r>
+          </a:p>
+        </p:txBody>
+      </p:sp>
+      <p:sp>
+        <p:nvSpPr>
+          <p:cNvPr id="4" name="Slide Number Placeholder 3">
+            <a:extLst>
+              <a:ext uri="{FF2B5EF4-FFF2-40B4-BE49-F238E27FC236}">
+                <a16:creationId xmlns:a16="http://schemas.microsoft.com/office/drawing/2014/main" id="{BA40C1C9-3625-4D30-AADD-451CD50D6CCD}"/>
+              </a:ext>
+            </a:extLst>
+          </p:cNvPr>
+          <p:cNvSpPr>
+            <a:spLocks noGrp="1"/>
+          </p:cNvSpPr>
+          <p:nvPr>
+            <p:ph type="sldNum" sz="quarter" idx="12"/>
+          </p:nvPr>
+        </p:nvSpPr>
+        <p:spPr/>
+        <p:txBody>
+          <a:bodyPr/>
+          <a:lstStyle/>
+          <a:p>
+            <a:fld id="{4577FE26-ACD1-4964-932B-823877B1C5B5}" type="slidenum">
+              <a:rPr lang="en-US" smtClean="0"/>
+              <a:t>46</a:t>
+            </a:fld>
+            <a:endParaRPr lang="en-US" dirty="0"/>
+          </a:p>
+        </p:txBody>
+      </p:sp>
+      <p:grpSp>
+        <p:nvGrpSpPr>
+          <p:cNvPr id="10" name="Group 9">
+            <a:extLst>
+              <a:ext uri="{FF2B5EF4-FFF2-40B4-BE49-F238E27FC236}">
+                <a16:creationId xmlns:a16="http://schemas.microsoft.com/office/drawing/2014/main" id="{15234DB4-9523-4BA8-AB0A-E311BD84647D}"/>
+              </a:ext>
+            </a:extLst>
+          </p:cNvPr>
+          <p:cNvGrpSpPr/>
+          <p:nvPr/>
+        </p:nvGrpSpPr>
+        <p:grpSpPr>
+          <a:xfrm>
+            <a:off x="2680759" y="1689422"/>
+            <a:ext cx="7068607" cy="4905933"/>
+            <a:chOff x="2680759" y="1815542"/>
+            <a:chExt cx="7068607" cy="4905933"/>
+          </a:xfrm>
+        </p:grpSpPr>
+        <p:pic>
+          <p:nvPicPr>
+            <p:cNvPr id="5" name="Picture 4">
+              <a:extLst>
+                <a:ext uri="{FF2B5EF4-FFF2-40B4-BE49-F238E27FC236}">
+                  <a16:creationId xmlns:a16="http://schemas.microsoft.com/office/drawing/2014/main" id="{CBA26D81-9DBE-4118-97D9-CA729B93381C}"/>
+                </a:ext>
+              </a:extLst>
+            </p:cNvPr>
+            <p:cNvPicPr>
+              <a:picLocks noChangeAspect="1"/>
+            </p:cNvPicPr>
+            <p:nvPr/>
+          </p:nvPicPr>
+          <p:blipFill>
+            <a:blip r:embed="rId2"/>
+            <a:stretch>
+              <a:fillRect/>
+            </a:stretch>
+          </p:blipFill>
+          <p:spPr>
+            <a:xfrm>
+              <a:off x="2680759" y="1815542"/>
+              <a:ext cx="7068607" cy="4905933"/>
+            </a:xfrm>
+            <a:prstGeom prst="rect">
+              <a:avLst/>
+            </a:prstGeom>
+          </p:spPr>
+        </p:pic>
+        <p:sp>
+          <p:nvSpPr>
+            <p:cNvPr id="6" name="Rectangle 5">
+              <a:extLst>
+                <a:ext uri="{FF2B5EF4-FFF2-40B4-BE49-F238E27FC236}">
+                  <a16:creationId xmlns:a16="http://schemas.microsoft.com/office/drawing/2014/main" id="{C56DD1F9-09E4-46A6-9BD4-32375801BBBD}"/>
+                </a:ext>
+              </a:extLst>
+            </p:cNvPr>
+            <p:cNvSpPr/>
+            <p:nvPr/>
+          </p:nvSpPr>
+          <p:spPr>
+            <a:xfrm>
+              <a:off x="5380391" y="3134712"/>
+              <a:ext cx="1536317" cy="252248"/>
+            </a:xfrm>
+            <a:prstGeom prst="rect">
+              <a:avLst/>
+            </a:prstGeom>
+            <a:noFill/>
+            <a:ln w="28575">
+              <a:solidFill>
+                <a:srgbClr val="FF0000"/>
+              </a:solidFill>
+            </a:ln>
+          </p:spPr>
+          <p:style>
+            <a:lnRef idx="2">
+              <a:schemeClr val="accent1">
+                <a:shade val="50000"/>
+              </a:schemeClr>
+            </a:lnRef>
+            <a:fillRef idx="1">
+              <a:schemeClr val="accent1"/>
+            </a:fillRef>
+            <a:effectRef idx="0">
+              <a:schemeClr val="accent1"/>
+            </a:effectRef>
+            <a:fontRef idx="minor">
+              <a:schemeClr val="lt1"/>
+            </a:fontRef>
+          </p:style>
+          <p:txBody>
+            <a:bodyPr rtlCol="0" anchor="ctr"/>
+            <a:lstStyle/>
+            <a:p>
+              <a:pPr algn="ctr"/>
+              <a:endParaRPr lang="en-US"/>
+            </a:p>
+          </p:txBody>
+        </p:sp>
+        <p:sp>
+          <p:nvSpPr>
+            <p:cNvPr id="7" name="Rectangle 6">
+              <a:extLst>
+                <a:ext uri="{FF2B5EF4-FFF2-40B4-BE49-F238E27FC236}">
+                  <a16:creationId xmlns:a16="http://schemas.microsoft.com/office/drawing/2014/main" id="{1CC6DE3B-3DBF-4154-A813-B1AC687DD26B}"/>
+                </a:ext>
+              </a:extLst>
+            </p:cNvPr>
+            <p:cNvSpPr/>
+            <p:nvPr/>
+          </p:nvSpPr>
+          <p:spPr>
+            <a:xfrm>
+              <a:off x="2680759" y="6436217"/>
+              <a:ext cx="1796648" cy="285257"/>
+            </a:xfrm>
+            <a:prstGeom prst="rect">
+              <a:avLst/>
+            </a:prstGeom>
+            <a:noFill/>
+            <a:ln w="28575">
+              <a:solidFill>
+                <a:srgbClr val="FF0000"/>
+              </a:solidFill>
+            </a:ln>
+          </p:spPr>
+          <p:style>
+            <a:lnRef idx="2">
+              <a:schemeClr val="accent1">
+                <a:shade val="50000"/>
+              </a:schemeClr>
+            </a:lnRef>
+            <a:fillRef idx="1">
+              <a:schemeClr val="accent1"/>
+            </a:fillRef>
+            <a:effectRef idx="0">
+              <a:schemeClr val="accent1"/>
+            </a:effectRef>
+            <a:fontRef idx="minor">
+              <a:schemeClr val="lt1"/>
+            </a:fontRef>
+          </p:style>
+          <p:txBody>
+            <a:bodyPr rtlCol="0" anchor="ctr"/>
+            <a:lstStyle/>
+            <a:p>
+              <a:pPr algn="ctr"/>
+              <a:endParaRPr lang="en-US"/>
+            </a:p>
+          </p:txBody>
+        </p:sp>
+        <p:sp>
+          <p:nvSpPr>
+            <p:cNvPr id="8" name="Rectangle 7">
+              <a:extLst>
+                <a:ext uri="{FF2B5EF4-FFF2-40B4-BE49-F238E27FC236}">
+                  <a16:creationId xmlns:a16="http://schemas.microsoft.com/office/drawing/2014/main" id="{6853DB06-A650-4527-840F-35D9B15EAB4B}"/>
+                </a:ext>
+              </a:extLst>
+            </p:cNvPr>
+            <p:cNvSpPr/>
+            <p:nvPr/>
+          </p:nvSpPr>
+          <p:spPr>
+            <a:xfrm>
+              <a:off x="2680759" y="5301787"/>
+              <a:ext cx="1796648" cy="252248"/>
+            </a:xfrm>
+            <a:prstGeom prst="rect">
+              <a:avLst/>
+            </a:prstGeom>
+            <a:noFill/>
+            <a:ln w="28575">
+              <a:solidFill>
+                <a:srgbClr val="FF0000"/>
+              </a:solidFill>
+            </a:ln>
+          </p:spPr>
+          <p:style>
+            <a:lnRef idx="2">
+              <a:schemeClr val="accent1">
+                <a:shade val="50000"/>
+              </a:schemeClr>
+            </a:lnRef>
+            <a:fillRef idx="1">
+              <a:schemeClr val="accent1"/>
+            </a:fillRef>
+            <a:effectRef idx="0">
+              <a:schemeClr val="accent1"/>
+            </a:effectRef>
+            <a:fontRef idx="minor">
+              <a:schemeClr val="lt1"/>
+            </a:fontRef>
+          </p:style>
+          <p:txBody>
+            <a:bodyPr rtlCol="0" anchor="ctr"/>
+            <a:lstStyle/>
+            <a:p>
+              <a:pPr algn="ctr"/>
+              <a:endParaRPr lang="en-US"/>
+            </a:p>
+          </p:txBody>
+        </p:sp>
+        <p:sp>
+          <p:nvSpPr>
+            <p:cNvPr id="9" name="Rectangle 8">
+              <a:extLst>
+                <a:ext uri="{FF2B5EF4-FFF2-40B4-BE49-F238E27FC236}">
+                  <a16:creationId xmlns:a16="http://schemas.microsoft.com/office/drawing/2014/main" id="{65755E66-97DB-4E35-BCD2-D157BBB47CEA}"/>
+                </a:ext>
+              </a:extLst>
+            </p:cNvPr>
+            <p:cNvSpPr/>
+            <p:nvPr/>
+          </p:nvSpPr>
+          <p:spPr>
+            <a:xfrm>
+              <a:off x="2680759" y="2807633"/>
+              <a:ext cx="1796648" cy="252248"/>
+            </a:xfrm>
+            <a:prstGeom prst="rect">
+              <a:avLst/>
+            </a:prstGeom>
+            <a:noFill/>
+            <a:ln w="28575">
+              <a:solidFill>
+                <a:srgbClr val="FF0000"/>
+              </a:solidFill>
+            </a:ln>
+          </p:spPr>
+          <p:style>
+            <a:lnRef idx="2">
+              <a:schemeClr val="accent1">
+                <a:shade val="50000"/>
+              </a:schemeClr>
+            </a:lnRef>
+            <a:fillRef idx="1">
+              <a:schemeClr val="accent1"/>
+            </a:fillRef>
+            <a:effectRef idx="0">
+              <a:schemeClr val="accent1"/>
+            </a:effectRef>
+            <a:fontRef idx="minor">
+              <a:schemeClr val="lt1"/>
+            </a:fontRef>
+          </p:style>
+          <p:txBody>
+            <a:bodyPr rtlCol="0" anchor="ctr"/>
+            <a:lstStyle/>
+            <a:p>
+              <a:pPr algn="ctr"/>
+              <a:endParaRPr lang="en-US"/>
+            </a:p>
+          </p:txBody>
+        </p:sp>
+      </p:grpSp>
+    </p:spTree>
+    <p:extLst>
+      <p:ext uri="{BB962C8B-B14F-4D97-AF65-F5344CB8AC3E}">
+        <p14:creationId xmlns:p14="http://schemas.microsoft.com/office/powerpoint/2010/main" val="3512435509"/>
+      </p:ext>
+    </p:extLst>
+  </p:cSld>
+  <p:clrMapOvr>
+    <a:masterClrMapping/>
+  </p:clrMapOvr>
+</p:sld>
+</file>
+
+<file path=ppt/slides/slide47.xml><?xml version="1.0" encoding="utf-8"?>
+<p:sld xmlns:a="http://schemas.openxmlformats.org/drawingml/2006/main" xmlns:r="http://schemas.openxmlformats.org/officeDocument/2006/relationships" xmlns:p="http://schemas.openxmlformats.org/presentationml/2006/main">
+  <p:cSld>
+    <p:spTree>
+      <p:nvGrpSpPr>
+        <p:cNvPr id="1" name=""/>
+        <p:cNvGrpSpPr/>
+        <p:nvPr/>
+      </p:nvGrpSpPr>
+      <p:grpSpPr>
+        <a:xfrm>
+          <a:off x="0" y="0"/>
+          <a:ext cx="0" cy="0"/>
+          <a:chOff x="0" y="0"/>
+          <a:chExt cx="0" cy="0"/>
+        </a:xfrm>
+      </p:grpSpPr>
+      <p:sp>
+        <p:nvSpPr>
+          <p:cNvPr id="2" name="Title 1">
+            <a:extLst>
+              <a:ext uri="{FF2B5EF4-FFF2-40B4-BE49-F238E27FC236}">
+                <a16:creationId xmlns:a16="http://schemas.microsoft.com/office/drawing/2014/main" id="{42F4288C-55DC-40DC-81E0-6C6BF2F62544}"/>
+              </a:ext>
+            </a:extLst>
+          </p:cNvPr>
+          <p:cNvSpPr>
+            <a:spLocks noGrp="1"/>
+          </p:cNvSpPr>
+          <p:nvPr>
+            <p:ph type="title"/>
+          </p:nvPr>
+        </p:nvSpPr>
+        <p:spPr/>
+        <p:txBody>
+          <a:bodyPr/>
+          <a:lstStyle/>
+          <a:p>
+            <a:r>
+              <a:rPr lang="en-US" dirty="0"/>
+              <a:t>Exercise</a:t>
+            </a:r>
+          </a:p>
+        </p:txBody>
+      </p:sp>
+      <p:sp>
+        <p:nvSpPr>
+          <p:cNvPr id="3" name="Content Placeholder 2">
+            <a:extLst>
+              <a:ext uri="{FF2B5EF4-FFF2-40B4-BE49-F238E27FC236}">
+                <a16:creationId xmlns:a16="http://schemas.microsoft.com/office/drawing/2014/main" id="{F32311D3-FE13-429D-A751-4E55B9A4A883}"/>
+              </a:ext>
+            </a:extLst>
+          </p:cNvPr>
+          <p:cNvSpPr>
+            <a:spLocks noGrp="1"/>
+          </p:cNvSpPr>
+          <p:nvPr>
+            <p:ph idx="1"/>
+          </p:nvPr>
+        </p:nvSpPr>
+        <p:spPr>
+          <a:xfrm>
+            <a:off x="1219200" y="1040524"/>
+            <a:ext cx="10363200" cy="5085639"/>
+          </a:xfrm>
+        </p:spPr>
+        <p:txBody>
+          <a:bodyPr/>
+          <a:lstStyle/>
+          <a:p>
+            <a:r>
+              <a:rPr lang="en-US" dirty="0"/>
+              <a:t>“Push” to GitHub repo</a:t>
+            </a:r>
+          </a:p>
+        </p:txBody>
+      </p:sp>
+      <p:sp>
+        <p:nvSpPr>
+          <p:cNvPr id="4" name="Slide Number Placeholder 3">
+            <a:extLst>
+              <a:ext uri="{FF2B5EF4-FFF2-40B4-BE49-F238E27FC236}">
+                <a16:creationId xmlns:a16="http://schemas.microsoft.com/office/drawing/2014/main" id="{BA40C1C9-3625-4D30-AADD-451CD50D6CCD}"/>
+              </a:ext>
+            </a:extLst>
+          </p:cNvPr>
+          <p:cNvSpPr>
+            <a:spLocks noGrp="1"/>
+          </p:cNvSpPr>
+          <p:nvPr>
+            <p:ph type="sldNum" sz="quarter" idx="12"/>
+          </p:nvPr>
+        </p:nvSpPr>
+        <p:spPr/>
+        <p:txBody>
+          <a:bodyPr/>
+          <a:lstStyle/>
+          <a:p>
+            <a:fld id="{4577FE26-ACD1-4964-932B-823877B1C5B5}" type="slidenum">
+              <a:rPr lang="en-US" smtClean="0"/>
+              <a:t>47</a:t>
+            </a:fld>
+            <a:endParaRPr lang="en-US" dirty="0"/>
+          </a:p>
+        </p:txBody>
+      </p:sp>
+      <p:grpSp>
+        <p:nvGrpSpPr>
+          <p:cNvPr id="7" name="Group 6">
+            <a:extLst>
+              <a:ext uri="{FF2B5EF4-FFF2-40B4-BE49-F238E27FC236}">
+                <a16:creationId xmlns:a16="http://schemas.microsoft.com/office/drawing/2014/main" id="{CC9D10E7-2E80-4D52-AEF6-E0E10E90E5AC}"/>
+              </a:ext>
+            </a:extLst>
+          </p:cNvPr>
+          <p:cNvGrpSpPr>
+            <a:grpSpLocks noChangeAspect="1"/>
+          </p:cNvGrpSpPr>
+          <p:nvPr/>
+        </p:nvGrpSpPr>
+        <p:grpSpPr>
+          <a:xfrm>
+            <a:off x="2404826" y="1677430"/>
+            <a:ext cx="7068607" cy="4905932"/>
+            <a:chOff x="3268717" y="1466738"/>
+            <a:chExt cx="7465958" cy="5181712"/>
+          </a:xfrm>
+        </p:grpSpPr>
+        <p:pic>
+          <p:nvPicPr>
+            <p:cNvPr id="5" name="Picture 4">
+              <a:extLst>
+                <a:ext uri="{FF2B5EF4-FFF2-40B4-BE49-F238E27FC236}">
+                  <a16:creationId xmlns:a16="http://schemas.microsoft.com/office/drawing/2014/main" id="{2DBA86E5-5237-4A44-8D57-3509D8C9B0C2}"/>
+                </a:ext>
+              </a:extLst>
+            </p:cNvPr>
+            <p:cNvPicPr>
+              <a:picLocks noChangeAspect="1"/>
+            </p:cNvPicPr>
+            <p:nvPr/>
+          </p:nvPicPr>
+          <p:blipFill>
+            <a:blip r:embed="rId2"/>
+            <a:stretch>
+              <a:fillRect/>
+            </a:stretch>
+          </p:blipFill>
+          <p:spPr>
+            <a:xfrm>
+              <a:off x="3268717" y="1466738"/>
+              <a:ext cx="7465958" cy="5181712"/>
+            </a:xfrm>
+            <a:prstGeom prst="rect">
+              <a:avLst/>
+            </a:prstGeom>
+          </p:spPr>
+        </p:pic>
+        <p:sp>
+          <p:nvSpPr>
+            <p:cNvPr id="6" name="Rectangle 5">
+              <a:extLst>
+                <a:ext uri="{FF2B5EF4-FFF2-40B4-BE49-F238E27FC236}">
+                  <a16:creationId xmlns:a16="http://schemas.microsoft.com/office/drawing/2014/main" id="{F90B5271-EFC1-47E5-95B8-4F7670E5C028}"/>
+                </a:ext>
+              </a:extLst>
+            </p:cNvPr>
+            <p:cNvSpPr/>
+            <p:nvPr/>
+          </p:nvSpPr>
+          <p:spPr>
+            <a:xfrm>
+              <a:off x="6895407" y="1598946"/>
+              <a:ext cx="1859710" cy="524143"/>
+            </a:xfrm>
+            <a:prstGeom prst="rect">
+              <a:avLst/>
+            </a:prstGeom>
+            <a:noFill/>
+            <a:ln w="28575">
+              <a:solidFill>
+                <a:srgbClr val="FF0000"/>
+              </a:solidFill>
+            </a:ln>
+          </p:spPr>
+          <p:style>
+            <a:lnRef idx="2">
+              <a:schemeClr val="accent1">
+                <a:shade val="50000"/>
+              </a:schemeClr>
+            </a:lnRef>
+            <a:fillRef idx="1">
+              <a:schemeClr val="accent1"/>
+            </a:fillRef>
+            <a:effectRef idx="0">
+              <a:schemeClr val="accent1"/>
+            </a:effectRef>
+            <a:fontRef idx="minor">
+              <a:schemeClr val="lt1"/>
+            </a:fontRef>
+          </p:style>
+          <p:txBody>
+            <a:bodyPr rtlCol="0" anchor="ctr"/>
+            <a:lstStyle/>
+            <a:p>
+              <a:pPr algn="ctr"/>
+              <a:endParaRPr lang="en-US"/>
+            </a:p>
+          </p:txBody>
+        </p:sp>
+      </p:grpSp>
+    </p:spTree>
+    <p:extLst>
+      <p:ext uri="{BB962C8B-B14F-4D97-AF65-F5344CB8AC3E}">
+        <p14:creationId xmlns:p14="http://schemas.microsoft.com/office/powerpoint/2010/main" val="2220775487"/>
+      </p:ext>
+    </p:extLst>
+  </p:cSld>
+  <p:clrMapOvr>
+    <a:masterClrMapping/>
+  </p:clrMapOvr>
+</p:sld>
+</file>
+
+<file path=ppt/slides/slide48.xml><?xml version="1.0" encoding="utf-8"?>
+<p:sld xmlns:a="http://schemas.openxmlformats.org/drawingml/2006/main" xmlns:r="http://schemas.openxmlformats.org/officeDocument/2006/relationships" xmlns:p="http://schemas.openxmlformats.org/presentationml/2006/main">
+  <p:cSld>
+    <p:spTree>
+      <p:nvGrpSpPr>
+        <p:cNvPr id="1" name=""/>
+        <p:cNvGrpSpPr/>
+        <p:nvPr/>
+      </p:nvGrpSpPr>
+      <p:grpSpPr>
+        <a:xfrm>
+          <a:off x="0" y="0"/>
+          <a:ext cx="0" cy="0"/>
+          <a:chOff x="0" y="0"/>
+          <a:chExt cx="0" cy="0"/>
+        </a:xfrm>
+      </p:grpSpPr>
+      <p:sp>
+        <p:nvSpPr>
+          <p:cNvPr id="2" name="Title 1">
+            <a:extLst>
+              <a:ext uri="{FF2B5EF4-FFF2-40B4-BE49-F238E27FC236}">
+                <a16:creationId xmlns:a16="http://schemas.microsoft.com/office/drawing/2014/main" id="{42F4288C-55DC-40DC-81E0-6C6BF2F62544}"/>
+              </a:ext>
+            </a:extLst>
+          </p:cNvPr>
+          <p:cNvSpPr>
+            <a:spLocks noGrp="1"/>
+          </p:cNvSpPr>
+          <p:nvPr>
+            <p:ph type="title"/>
+          </p:nvPr>
+        </p:nvSpPr>
+        <p:spPr/>
+        <p:txBody>
+          <a:bodyPr/>
+          <a:lstStyle/>
+          <a:p>
+            <a:r>
+              <a:rPr lang="en-US" dirty="0"/>
+              <a:t>Exercise</a:t>
+            </a:r>
+          </a:p>
+        </p:txBody>
+      </p:sp>
+      <p:sp>
+        <p:nvSpPr>
+          <p:cNvPr id="3" name="Content Placeholder 2">
+            <a:extLst>
+              <a:ext uri="{FF2B5EF4-FFF2-40B4-BE49-F238E27FC236}">
+                <a16:creationId xmlns:a16="http://schemas.microsoft.com/office/drawing/2014/main" id="{F32311D3-FE13-429D-A751-4E55B9A4A883}"/>
+              </a:ext>
+            </a:extLst>
+          </p:cNvPr>
+          <p:cNvSpPr>
+            <a:spLocks noGrp="1"/>
+          </p:cNvSpPr>
+          <p:nvPr>
+            <p:ph idx="1"/>
+          </p:nvPr>
+        </p:nvSpPr>
+        <p:spPr/>
+        <p:txBody>
+          <a:bodyPr/>
+          <a:lstStyle/>
+          <a:p>
+            <a:r>
+              <a:rPr lang="en-US" dirty="0"/>
+              <a:t>Summary</a:t>
+            </a:r>
+          </a:p>
+          <a:p>
+            <a:pPr lvl="1"/>
+            <a:r>
+              <a:rPr lang="en-US" dirty="0"/>
+              <a:t>Manage your website files on your computer</a:t>
+            </a:r>
+          </a:p>
+          <a:p>
+            <a:pPr lvl="1"/>
+            <a:r>
+              <a:rPr lang="en-US" dirty="0"/>
+              <a:t>Upload/push to GitHub.com</a:t>
+            </a:r>
+          </a:p>
+          <a:p>
+            <a:pPr lvl="2"/>
+            <a:r>
+              <a:rPr lang="en-US" dirty="0"/>
+              <a:t> Easier than dragging and dropping</a:t>
+            </a:r>
+          </a:p>
+          <a:p>
+            <a:pPr lvl="1"/>
+            <a:r>
+              <a:rPr lang="en-US" dirty="0"/>
+              <a:t>Can do this with any repo</a:t>
+            </a:r>
+          </a:p>
+        </p:txBody>
+      </p:sp>
+      <p:sp>
+        <p:nvSpPr>
+          <p:cNvPr id="4" name="Slide Number Placeholder 3">
+            <a:extLst>
+              <a:ext uri="{FF2B5EF4-FFF2-40B4-BE49-F238E27FC236}">
+                <a16:creationId xmlns:a16="http://schemas.microsoft.com/office/drawing/2014/main" id="{BA40C1C9-3625-4D30-AADD-451CD50D6CCD}"/>
+              </a:ext>
+            </a:extLst>
+          </p:cNvPr>
+          <p:cNvSpPr>
+            <a:spLocks noGrp="1"/>
+          </p:cNvSpPr>
+          <p:nvPr>
+            <p:ph type="sldNum" sz="quarter" idx="12"/>
+          </p:nvPr>
+        </p:nvSpPr>
+        <p:spPr/>
+        <p:txBody>
+          <a:bodyPr/>
+          <a:lstStyle/>
+          <a:p>
+            <a:fld id="{4577FE26-ACD1-4964-932B-823877B1C5B5}" type="slidenum">
+              <a:rPr lang="en-US" smtClean="0"/>
+              <a:t>48</a:t>
             </a:fld>
             <a:endParaRPr lang="en-US" dirty="0"/>
           </a:p>

--- a/26bGit.pptx
+++ b/26bGit.pptx
@@ -31186,14 +31186,14 @@
             <a:pPr lvl="1"/>
             <a:r>
               <a:rPr lang="en-US" dirty="0"/>
-              <a:t>See Blackboard</a:t>
+              <a:t> From GitHub session repo</a:t>
             </a:r>
           </a:p>
           <a:p>
             <a:pPr lvl="1"/>
             <a:r>
               <a:rPr lang="en-US" dirty="0"/>
-              <a:t>Folder has one file: </a:t>
+              <a:t> Folder has one file: </a:t>
             </a:r>
             <a:r>
               <a:rPr lang="en-US" dirty="0">
@@ -31210,14 +31210,19 @@
           <a:p>
             <a:r>
               <a:rPr lang="en-US" dirty="0"/>
-              <a:t>This session:</a:t>
-            </a:r>
+              <a:t>This section </a:t>
+            </a:r>
+            <a:r>
+              <a:rPr lang="en-US"/>
+              <a:t>of session:</a:t>
+            </a:r>
+            <a:endParaRPr lang="en-US" dirty="0"/>
           </a:p>
           <a:p>
             <a:pPr lvl="1"/>
             <a:r>
               <a:rPr lang="en-US" dirty="0"/>
-              <a:t>We’ll step through a basic sequence of git commands</a:t>
+              <a:t> We’ll step through a basic sequence of git commands</a:t>
             </a:r>
           </a:p>
           <a:p>
@@ -31361,12 +31366,15 @@
               <a:rPr lang="en-US" dirty="0"/>
               <a:t>We’ll be working on a Python program: </a:t>
             </a:r>
+          </a:p>
+          <a:p>
+            <a:pPr lvl="1"/>
             <a:r>
               <a:rPr lang="en-US" dirty="0">
                 <a:latin typeface="Courier New" panose="02070309020205020404" pitchFamily="49" charset="0"/>
                 <a:cs typeface="Courier New" panose="02070309020205020404" pitchFamily="49" charset="0"/>
               </a:rPr>
-              <a:t>my.py</a:t>
+              <a:t> my.py</a:t>
             </a:r>
             <a:r>
               <a:rPr lang="en-US" dirty="0">
@@ -31414,7 +31422,7 @@
             <a:pPr lvl="1"/>
             <a:r>
               <a:rPr lang="en-US" dirty="0"/>
-              <a:t>The </a:t>
+              <a:t> The </a:t>
             </a:r>
             <a:r>
               <a:rPr lang="en-US" dirty="0">
@@ -31432,7 +31440,7 @@
             <a:pPr lvl="1"/>
             <a:r>
               <a:rPr lang="en-US" dirty="0"/>
-              <a:t>We’ll make changes to the </a:t>
+              <a:t> We’ll make changes to the </a:t>
             </a:r>
             <a:r>
               <a:rPr lang="en-US" dirty="0">

--- a/26bGit.pptx
+++ b/26bGit.pptx
@@ -31143,13 +31143,22 @@
           <a:bodyPr/>
           <a:lstStyle/>
           <a:p>
+            <a:pPr>
+              <a:spcBef>
+                <a:spcPts val="300"/>
+              </a:spcBef>
+            </a:pPr>
             <a:r>
               <a:rPr lang="en-US" dirty="0"/>
               <a:t>Download and install git:</a:t>
             </a:r>
           </a:p>
           <a:p>
-            <a:pPr lvl="1"/>
+            <a:pPr lvl="1">
+              <a:spcBef>
+                <a:spcPts val="300"/>
+              </a:spcBef>
+            </a:pPr>
             <a:r>
               <a:rPr lang="en-US" dirty="0">
                 <a:hlinkClick r:id="rId2"/>
@@ -31162,35 +31171,69 @@
             </a:r>
           </a:p>
           <a:p>
-            <a:pPr lvl="1"/>
+            <a:pPr lvl="1">
+              <a:spcBef>
+                <a:spcPts val="300"/>
+              </a:spcBef>
+            </a:pPr>
             <a:r>
               <a:rPr lang="en-US" dirty="0"/>
               <a:t>Use all default configuration settings</a:t>
             </a:r>
           </a:p>
           <a:p>
+            <a:pPr>
+              <a:spcBef>
+                <a:spcPts val="300"/>
+              </a:spcBef>
+            </a:pPr>
             <a:r>
               <a:rPr lang="en-US" dirty="0"/>
-              <a:t>Download and unzip </a:t>
-            </a:r>
-            <a:r>
-              <a:rPr lang="en-US" dirty="0">
+              <a:t> Get session materials</a:t>
+            </a:r>
+          </a:p>
+          <a:p>
+            <a:pPr lvl="1">
+              <a:spcBef>
+                <a:spcPts val="300"/>
+              </a:spcBef>
+            </a:pPr>
+            <a:r>
+              <a:rPr lang="en-US" dirty="0"/>
+              <a:t> github.com/jrb28/git</a:t>
+            </a:r>
+          </a:p>
+          <a:p>
+            <a:pPr>
+              <a:spcBef>
+                <a:spcPts val="300"/>
+              </a:spcBef>
+            </a:pPr>
+            <a:r>
+              <a:rPr lang="en-US" dirty="0"/>
+              <a:t>Move </a:t>
+            </a:r>
+            <a:r>
+              <a:rPr lang="en-US" dirty="0" err="1">
                 <a:latin typeface="Courier New" panose="02070309020205020404" pitchFamily="49" charset="0"/>
                 <a:cs typeface="Courier New" panose="02070309020205020404" pitchFamily="49" charset="0"/>
               </a:rPr>
-              <a:t>git_tutorial.zip</a:t>
+              <a:t>git_tutorial</a:t>
+            </a:r>
+            <a:r>
+              <a:rPr lang="en-US" dirty="0">
+                <a:cs typeface="Courier New" panose="02070309020205020404" pitchFamily="49" charset="0"/>
+              </a:rPr>
+              <a:t> to another location</a:t>
             </a:r>
             <a:endParaRPr lang="en-US" dirty="0"/>
           </a:p>
           <a:p>
-            <a:pPr lvl="1"/>
-            <a:r>
-              <a:rPr lang="en-US" dirty="0"/>
-              <a:t> From GitHub session repo</a:t>
-            </a:r>
-          </a:p>
-          <a:p>
-            <a:pPr lvl="1"/>
+            <a:pPr lvl="1">
+              <a:spcBef>
+                <a:spcPts val="300"/>
+              </a:spcBef>
+            </a:pPr>
             <a:r>
               <a:rPr lang="en-US" dirty="0"/>
               <a:t> Folder has one file: </a:t>
@@ -31208,18 +31251,22 @@
             </a:r>
           </a:p>
           <a:p>
+            <a:pPr>
+              <a:spcBef>
+                <a:spcPts val="300"/>
+              </a:spcBef>
+            </a:pPr>
             <a:r>
               <a:rPr lang="en-US" dirty="0"/>
-              <a:t>This section </a:t>
-            </a:r>
-            <a:r>
-              <a:rPr lang="en-US"/>
-              <a:t>of session:</a:t>
-            </a:r>
-            <a:endParaRPr lang="en-US" dirty="0"/>
-          </a:p>
-          <a:p>
-            <a:pPr lvl="1"/>
+              <a:t>This section of session:</a:t>
+            </a:r>
+          </a:p>
+          <a:p>
+            <a:pPr lvl="1">
+              <a:spcBef>
+                <a:spcPts val="300"/>
+              </a:spcBef>
+            </a:pPr>
             <a:r>
               <a:rPr lang="en-US" dirty="0"/>
               <a:t> We’ll step through a basic sequence of git commands</a:t>

--- a/26bGit.pptx
+++ b/26bGit.pptx
@@ -274,7 +274,7 @@
           <a:p>
             <a:fld id="{878E5828-5D53-4C69-997D-7A1DD0846B44}" type="datetimeFigureOut">
               <a:rPr lang="en-US" smtClean="0"/>
-              <a:t>11/12/2020</a:t>
+              <a:t>11/17/2020</a:t>
             </a:fld>
             <a:endParaRPr lang="en-US" dirty="0"/>
           </a:p>
@@ -1038,7 +1038,7 @@
           <a:p>
             <a:fld id="{AAAE48C7-9ECF-49DA-961C-1BB542692A3D}" type="datetime1">
               <a:rPr lang="en-US" smtClean="0"/>
-              <a:t>11/12/2020</a:t>
+              <a:t>11/17/2020</a:t>
             </a:fld>
             <a:endParaRPr lang="en-US" dirty="0"/>
           </a:p>
@@ -10720,7 +10720,7 @@
           <a:p>
             <a:fld id="{37172AB4-3AFB-4B32-AC1B-C168BD4AD9A6}" type="datetime1">
               <a:rPr lang="en-US" smtClean="0"/>
-              <a:t>11/12/2020</a:t>
+              <a:t>11/17/2020</a:t>
             </a:fld>
             <a:endParaRPr lang="en-US" dirty="0"/>
           </a:p>
@@ -10916,7 +10916,7 @@
           <a:p>
             <a:fld id="{478EEA67-B4D0-43AC-B433-310AF18A87FC}" type="datetime1">
               <a:rPr lang="en-US" smtClean="0"/>
-              <a:t>11/12/2020</a:t>
+              <a:t>11/17/2020</a:t>
             </a:fld>
             <a:endParaRPr lang="en-US" dirty="0"/>
           </a:p>
@@ -11103,7 +11103,7 @@
           <a:p>
             <a:fld id="{920F995E-3A7A-4F7E-BD75-B90012069565}" type="datetime1">
               <a:rPr lang="en-US" smtClean="0"/>
-              <a:t>11/12/2020</a:t>
+              <a:t>11/17/2020</a:t>
             </a:fld>
             <a:endParaRPr lang="en-US" dirty="0"/>
           </a:p>
@@ -11312,7 +11312,7 @@
           <a:p>
             <a:fld id="{7EBEF466-E8BF-404A-B28F-5217BAB38006}" type="datetime1">
               <a:rPr lang="en-US" smtClean="0"/>
-              <a:t>11/12/2020</a:t>
+              <a:t>11/17/2020</a:t>
             </a:fld>
             <a:endParaRPr lang="en-US" dirty="0"/>
           </a:p>
@@ -11615,7 +11615,7 @@
           <a:p>
             <a:fld id="{F43C1EF0-0680-4FA1-8C29-DE5DAFD110A6}" type="datetime1">
               <a:rPr lang="en-US" smtClean="0"/>
-              <a:t>11/12/2020</a:t>
+              <a:t>11/17/2020</a:t>
             </a:fld>
             <a:endParaRPr lang="en-US" dirty="0"/>
           </a:p>
@@ -12057,7 +12057,7 @@
           <a:p>
             <a:fld id="{2D6846BE-EC03-4D8D-B925-17DCACD46035}" type="datetime1">
               <a:rPr lang="en-US" smtClean="0"/>
-              <a:t>11/12/2020</a:t>
+              <a:t>11/17/2020</a:t>
             </a:fld>
             <a:endParaRPr lang="en-US" dirty="0"/>
           </a:p>
@@ -12192,7 +12192,7 @@
           <a:p>
             <a:fld id="{FE703B82-B254-4D3D-8A0C-B5D5DE1FDDAE}" type="datetime1">
               <a:rPr lang="en-US" smtClean="0"/>
-              <a:t>11/12/2020</a:t>
+              <a:t>11/17/2020</a:t>
             </a:fld>
             <a:endParaRPr lang="en-US" dirty="0"/>
           </a:p>
@@ -12305,7 +12305,7 @@
           <a:p>
             <a:fld id="{5D44F180-9DB1-44CE-8489-235AB877DE85}" type="datetime1">
               <a:rPr lang="en-US" smtClean="0"/>
-              <a:t>11/12/2020</a:t>
+              <a:t>11/17/2020</a:t>
             </a:fld>
             <a:endParaRPr lang="en-US" dirty="0"/>
           </a:p>
@@ -12598,7 +12598,7 @@
           <a:p>
             <a:fld id="{C7F60802-5F16-4EE1-8D15-A551C148E595}" type="datetime1">
               <a:rPr lang="en-US" smtClean="0"/>
-              <a:t>11/12/2020</a:t>
+              <a:t>11/17/2020</a:t>
             </a:fld>
             <a:endParaRPr lang="en-US" dirty="0"/>
           </a:p>
@@ -12872,7 +12872,7 @@
           <a:p>
             <a:fld id="{ED55C737-EA7C-4E15-9C32-9DB90E22946A}" type="datetime1">
               <a:rPr lang="en-US" smtClean="0"/>
-              <a:t>11/12/2020</a:t>
+              <a:t>11/17/2020</a:t>
             </a:fld>
             <a:endParaRPr lang="en-US" dirty="0"/>
           </a:p>
@@ -13159,7 +13159,7 @@
           <a:p>
             <a:fld id="{681C472A-FDC1-499D-AA2E-2EE2A0332C66}" type="datetime1">
               <a:rPr lang="en-US" smtClean="0"/>
-              <a:t>11/12/2020</a:t>
+              <a:t>11/17/2020</a:t>
             </a:fld>
             <a:endParaRPr lang="en-US" dirty="0"/>
           </a:p>
@@ -22257,6 +22257,31 @@
       </p:grpSpPr>
       <p:sp>
         <p:nvSpPr>
+          <p:cNvPr id="3" name="Content Placeholder 2">
+            <a:extLst>
+              <a:ext uri="{FF2B5EF4-FFF2-40B4-BE49-F238E27FC236}">
+                <a16:creationId xmlns:a16="http://schemas.microsoft.com/office/drawing/2014/main" id="{E483C1D8-E286-4B33-AABB-05DFDD37E7B5}"/>
+              </a:ext>
+            </a:extLst>
+          </p:cNvPr>
+          <p:cNvSpPr>
+            <a:spLocks noGrp="1"/>
+          </p:cNvSpPr>
+          <p:nvPr>
+            <p:ph idx="1"/>
+          </p:nvPr>
+        </p:nvSpPr>
+        <p:spPr/>
+        <p:txBody>
+          <a:bodyPr/>
+          <a:lstStyle/>
+          <a:p>
+            <a:endParaRPr lang="en-US" dirty="0"/>
+          </a:p>
+        </p:txBody>
+      </p:sp>
+      <p:sp>
+        <p:nvSpPr>
           <p:cNvPr id="2" name="Title 1"/>
           <p:cNvSpPr>
             <a:spLocks noGrp="1"/>
@@ -22277,32 +22302,6 @@
           </a:p>
         </p:txBody>
       </p:sp>
-      <p:pic>
-        <p:nvPicPr>
-          <p:cNvPr id="5" name="Content Placeholder 4"/>
-          <p:cNvPicPr>
-            <a:picLocks noGrp="1" noChangeAspect="1"/>
-          </p:cNvPicPr>
-          <p:nvPr>
-            <p:ph idx="1"/>
-          </p:nvPr>
-        </p:nvPicPr>
-        <p:blipFill>
-          <a:blip r:embed="rId2"/>
-          <a:stretch>
-            <a:fillRect/>
-          </a:stretch>
-        </p:blipFill>
-        <p:spPr>
-          <a:xfrm>
-            <a:off x="1330585" y="1584773"/>
-            <a:ext cx="4357119" cy="2558863"/>
-          </a:xfrm>
-          <a:prstGeom prst="rect">
-            <a:avLst/>
-          </a:prstGeom>
-        </p:spPr>
-      </p:pic>
       <p:sp>
         <p:nvSpPr>
           <p:cNvPr id="4" name="Slide Number Placeholder 3"/>
@@ -22322,76 +22321,6 @@
               <a:rPr lang="en-US" smtClean="0"/>
               <a:t>10</a:t>
             </a:fld>
-            <a:endParaRPr lang="en-US" dirty="0"/>
-          </a:p>
-        </p:txBody>
-      </p:sp>
-      <p:pic>
-        <p:nvPicPr>
-          <p:cNvPr id="6" name="Picture 5"/>
-          <p:cNvPicPr>
-            <a:picLocks noChangeAspect="1"/>
-          </p:cNvPicPr>
-          <p:nvPr/>
-        </p:nvPicPr>
-        <p:blipFill>
-          <a:blip r:embed="rId3"/>
-          <a:stretch>
-            <a:fillRect/>
-          </a:stretch>
-        </p:blipFill>
-        <p:spPr>
-          <a:xfrm>
-            <a:off x="6451601" y="1584774"/>
-            <a:ext cx="4357119" cy="2558863"/>
-          </a:xfrm>
-          <a:prstGeom prst="rect">
-            <a:avLst/>
-          </a:prstGeom>
-        </p:spPr>
-      </p:pic>
-      <p:sp>
-        <p:nvSpPr>
-          <p:cNvPr id="7" name="Rectangle 6"/>
-          <p:cNvSpPr/>
-          <p:nvPr/>
-        </p:nvSpPr>
-        <p:spPr>
-          <a:xfrm>
-            <a:off x="6565557" y="3303378"/>
-            <a:ext cx="1820562" cy="115330"/>
-          </a:xfrm>
-          <a:prstGeom prst="rect">
-            <a:avLst/>
-          </a:prstGeom>
-          <a:noFill/>
-          <a:ln>
-            <a:solidFill>
-              <a:srgbClr val="FF0000"/>
-            </a:solidFill>
-          </a:ln>
-        </p:spPr>
-        <p:style>
-          <a:lnRef idx="2">
-            <a:schemeClr val="accent1">
-              <a:shade val="50000"/>
-            </a:schemeClr>
-          </a:lnRef>
-          <a:fillRef idx="1">
-            <a:schemeClr val="accent1"/>
-          </a:fillRef>
-          <a:effectRef idx="0">
-            <a:schemeClr val="accent1"/>
-          </a:effectRef>
-          <a:fontRef idx="minor">
-            <a:schemeClr val="lt1"/>
-          </a:fontRef>
-        </p:style>
-        <p:txBody>
-          <a:bodyPr rtlCol="0" anchor="ctr"/>
-          <a:lstStyle/>
-          <a:p>
-            <a:pPr algn="ctr"/>
             <a:endParaRPr lang="en-US" dirty="0"/>
           </a:p>
         </p:txBody>
@@ -22528,6 +22457,133 @@
           </a:p>
         </p:txBody>
       </p:sp>
+      <p:pic>
+        <p:nvPicPr>
+          <p:cNvPr id="11" name="Picture 10">
+            <a:extLst>
+              <a:ext uri="{FF2B5EF4-FFF2-40B4-BE49-F238E27FC236}">
+                <a16:creationId xmlns:a16="http://schemas.microsoft.com/office/drawing/2014/main" id="{4B66B39F-E881-4073-8C51-A95AC62B267C}"/>
+              </a:ext>
+            </a:extLst>
+          </p:cNvPr>
+          <p:cNvPicPr>
+            <a:picLocks noChangeAspect="1"/>
+          </p:cNvPicPr>
+          <p:nvPr/>
+        </p:nvPicPr>
+        <p:blipFill>
+          <a:blip r:embed="rId2"/>
+          <a:stretch>
+            <a:fillRect/>
+          </a:stretch>
+        </p:blipFill>
+        <p:spPr>
+          <a:xfrm>
+            <a:off x="1486245" y="1516281"/>
+            <a:ext cx="4457004" cy="2695848"/>
+          </a:xfrm>
+          <a:prstGeom prst="rect">
+            <a:avLst/>
+          </a:prstGeom>
+        </p:spPr>
+      </p:pic>
+      <p:grpSp>
+        <p:nvGrpSpPr>
+          <p:cNvPr id="13" name="Group 12">
+            <a:extLst>
+              <a:ext uri="{FF2B5EF4-FFF2-40B4-BE49-F238E27FC236}">
+                <a16:creationId xmlns:a16="http://schemas.microsoft.com/office/drawing/2014/main" id="{6FAFFDCB-9999-4BAF-928E-CE487F5084E8}"/>
+              </a:ext>
+            </a:extLst>
+          </p:cNvPr>
+          <p:cNvGrpSpPr/>
+          <p:nvPr/>
+        </p:nvGrpSpPr>
+        <p:grpSpPr>
+          <a:xfrm>
+            <a:off x="6421961" y="1516281"/>
+            <a:ext cx="4457004" cy="2695848"/>
+            <a:chOff x="6421961" y="1516281"/>
+            <a:chExt cx="4457004" cy="2695848"/>
+          </a:xfrm>
+        </p:grpSpPr>
+        <p:pic>
+          <p:nvPicPr>
+            <p:cNvPr id="12" name="Picture 11">
+              <a:extLst>
+                <a:ext uri="{FF2B5EF4-FFF2-40B4-BE49-F238E27FC236}">
+                  <a16:creationId xmlns:a16="http://schemas.microsoft.com/office/drawing/2014/main" id="{458AA2DC-8499-4783-97A0-13D4BA8E59FD}"/>
+                </a:ext>
+              </a:extLst>
+            </p:cNvPr>
+            <p:cNvPicPr>
+              <a:picLocks noChangeAspect="1"/>
+            </p:cNvPicPr>
+            <p:nvPr/>
+          </p:nvPicPr>
+          <p:blipFill>
+            <a:blip r:embed="rId3"/>
+            <a:stretch>
+              <a:fillRect/>
+            </a:stretch>
+          </p:blipFill>
+          <p:spPr>
+            <a:xfrm>
+              <a:off x="6421961" y="1516281"/>
+              <a:ext cx="4457004" cy="2695848"/>
+            </a:xfrm>
+            <a:prstGeom prst="rect">
+              <a:avLst/>
+            </a:prstGeom>
+          </p:spPr>
+        </p:pic>
+        <p:sp>
+          <p:nvSpPr>
+            <p:cNvPr id="7" name="Rectangle 6"/>
+            <p:cNvSpPr/>
+            <p:nvPr/>
+          </p:nvSpPr>
+          <p:spPr>
+            <a:xfrm>
+              <a:off x="6643615" y="3186819"/>
+              <a:ext cx="1820562" cy="115330"/>
+            </a:xfrm>
+            <a:prstGeom prst="rect">
+              <a:avLst/>
+            </a:prstGeom>
+            <a:noFill/>
+            <a:ln>
+              <a:solidFill>
+                <a:srgbClr val="FF0000"/>
+              </a:solidFill>
+            </a:ln>
+          </p:spPr>
+          <p:style>
+            <a:lnRef idx="2">
+              <a:schemeClr val="accent1">
+                <a:shade val="50000"/>
+              </a:schemeClr>
+            </a:lnRef>
+            <a:fillRef idx="1">
+              <a:schemeClr val="accent1"/>
+            </a:fillRef>
+            <a:effectRef idx="0">
+              <a:schemeClr val="accent1"/>
+            </a:effectRef>
+            <a:fontRef idx="minor">
+              <a:schemeClr val="lt1"/>
+            </a:fontRef>
+          </p:style>
+          <p:txBody>
+            <a:bodyPr rtlCol="0" anchor="ctr"/>
+            <a:lstStyle/>
+            <a:p>
+              <a:pPr algn="ctr"/>
+              <a:endParaRPr lang="en-US" dirty="0"/>
+            </a:p>
+          </p:txBody>
+        </p:sp>
+      </p:grpSp>
     </p:spTree>
     <p:extLst>
       <p:ext uri="{BB962C8B-B14F-4D97-AF65-F5344CB8AC3E}">
@@ -22590,7 +22646,12 @@
             <p:ph idx="1"/>
           </p:nvPr>
         </p:nvSpPr>
-        <p:spPr/>
+        <p:spPr>
+          <a:xfrm>
+            <a:off x="1219200" y="973669"/>
+            <a:ext cx="10363200" cy="4678363"/>
+          </a:xfrm>
+        </p:spPr>
         <p:txBody>
           <a:bodyPr/>
           <a:lstStyle/>
@@ -22625,29 +22686,108 @@
           </a:p>
         </p:txBody>
       </p:sp>
-      <p:pic>
-        <p:nvPicPr>
-          <p:cNvPr id="5" name="Picture 4"/>
-          <p:cNvPicPr>
-            <a:picLocks noChangeAspect="1"/>
-          </p:cNvPicPr>
+      <p:grpSp>
+        <p:nvGrpSpPr>
+          <p:cNvPr id="8" name="Group 7">
+            <a:extLst>
+              <a:ext uri="{FF2B5EF4-FFF2-40B4-BE49-F238E27FC236}">
+                <a16:creationId xmlns:a16="http://schemas.microsoft.com/office/drawing/2014/main" id="{F9AE967F-BE60-4446-9281-1F94A56F11CC}"/>
+              </a:ext>
+            </a:extLst>
+          </p:cNvPr>
+          <p:cNvGrpSpPr/>
           <p:nvPr/>
-        </p:nvPicPr>
-        <p:blipFill rotWithShape="1">
-          <a:blip r:embed="rId2"/>
-          <a:srcRect t="61793" r="92900"/>
-          <a:stretch/>
-        </p:blipFill>
-        <p:spPr>
+        </p:nvGrpSpPr>
+        <p:grpSpPr>
           <a:xfrm>
-            <a:off x="4685232" y="2116474"/>
-            <a:ext cx="2980164" cy="4510035"/>
+            <a:off x="4038600" y="1744133"/>
+            <a:ext cx="2692401" cy="4356100"/>
+            <a:chOff x="4038600" y="1744133"/>
+            <a:chExt cx="2692401" cy="4356100"/>
           </a:xfrm>
-          <a:prstGeom prst="rect">
-            <a:avLst/>
-          </a:prstGeom>
-        </p:spPr>
-      </p:pic>
+        </p:grpSpPr>
+        <p:pic>
+          <p:nvPicPr>
+            <p:cNvPr id="6" name="Picture 5">
+              <a:extLst>
+                <a:ext uri="{FF2B5EF4-FFF2-40B4-BE49-F238E27FC236}">
+                  <a16:creationId xmlns:a16="http://schemas.microsoft.com/office/drawing/2014/main" id="{BF97775B-1BF4-4EA9-AC70-863DA4EF5612}"/>
+                </a:ext>
+              </a:extLst>
+            </p:cNvPr>
+            <p:cNvPicPr>
+              <a:picLocks noChangeAspect="1"/>
+            </p:cNvPicPr>
+            <p:nvPr/>
+          </p:nvPicPr>
+          <p:blipFill rotWithShape="1">
+            <a:blip r:embed="rId2"/>
+            <a:srcRect t="32745" r="63946"/>
+            <a:stretch/>
+          </p:blipFill>
+          <p:spPr>
+            <a:xfrm>
+              <a:off x="4038600" y="1744133"/>
+              <a:ext cx="2692400" cy="4356100"/>
+            </a:xfrm>
+            <a:prstGeom prst="rect">
+              <a:avLst/>
+            </a:prstGeom>
+          </p:spPr>
+        </p:pic>
+        <p:sp>
+          <p:nvSpPr>
+            <p:cNvPr id="7" name="Rectangle 6">
+              <a:extLst>
+                <a:ext uri="{FF2B5EF4-FFF2-40B4-BE49-F238E27FC236}">
+                  <a16:creationId xmlns:a16="http://schemas.microsoft.com/office/drawing/2014/main" id="{FA46A244-C826-4591-BEF4-A56AE01443A5}"/>
+                </a:ext>
+              </a:extLst>
+            </p:cNvPr>
+            <p:cNvSpPr/>
+            <p:nvPr/>
+          </p:nvSpPr>
+          <p:spPr>
+            <a:xfrm>
+              <a:off x="4038601" y="3428999"/>
+              <a:ext cx="2692400" cy="423333"/>
+            </a:xfrm>
+            <a:prstGeom prst="rect">
+              <a:avLst/>
+            </a:prstGeom>
+            <a:noFill/>
+            <a:ln w="38100">
+              <a:solidFill>
+                <a:srgbClr val="FF0000"/>
+              </a:solidFill>
+            </a:ln>
+          </p:spPr>
+          <p:style>
+            <a:lnRef idx="2">
+              <a:schemeClr val="accent1">
+                <a:shade val="50000"/>
+              </a:schemeClr>
+            </a:lnRef>
+            <a:fillRef idx="1">
+              <a:schemeClr val="accent1"/>
+            </a:fillRef>
+            <a:effectRef idx="0">
+              <a:schemeClr val="accent1"/>
+            </a:effectRef>
+            <a:fontRef idx="minor">
+              <a:schemeClr val="lt1"/>
+            </a:fontRef>
+          </p:style>
+          <p:txBody>
+            <a:bodyPr rtlCol="0" anchor="ctr"/>
+            <a:lstStyle/>
+            <a:p>
+              <a:pPr algn="ctr"/>
+              <a:endParaRPr lang="en-US" dirty="0"/>
+            </a:p>
+          </p:txBody>
+        </p:sp>
+      </p:grpSp>
     </p:spTree>
     <p:extLst>
       <p:ext uri="{BB962C8B-B14F-4D97-AF65-F5344CB8AC3E}">
@@ -22722,14 +22862,25 @@
           <a:p>
             <a:r>
               <a:rPr lang="en-US" dirty="0"/>
-              <a:t>Change directory to the git-tutorial folder</a:t>
+              <a:t>Change directory to the </a:t>
+            </a:r>
+            <a:r>
+              <a:rPr lang="en-US" dirty="0" err="1">
+                <a:latin typeface="Courier New" panose="02070309020205020404" pitchFamily="49" charset="0"/>
+                <a:cs typeface="Courier New" panose="02070309020205020404" pitchFamily="49" charset="0"/>
+              </a:rPr>
+              <a:t>git_tutorial</a:t>
+            </a:r>
+            <a:r>
+              <a:rPr lang="en-US" dirty="0"/>
+              <a:t> folder</a:t>
             </a:r>
           </a:p>
           <a:p>
             <a:pPr lvl="1"/>
             <a:r>
               <a:rPr lang="en-US" dirty="0"/>
-              <a:t>Type drive letter corresponding to the location of the </a:t>
+              <a:t> Type drive letter corresponding to the location of the </a:t>
             </a:r>
             <a:r>
               <a:rPr lang="en-US" dirty="0">
@@ -22754,7 +22905,7 @@
             <a:pPr lvl="1"/>
             <a:r>
               <a:rPr lang="en-US" dirty="0"/>
-              <a:t>Copy file path for </a:t>
+              <a:t> Copy </a:t>
             </a:r>
             <a:r>
               <a:rPr lang="en-US" dirty="0">
@@ -22765,7 +22916,7 @@
             </a:r>
             <a:r>
               <a:rPr lang="en-US" dirty="0"/>
-              <a:t>  from Windows Explorer, </a:t>
+              <a:t> file path from Windows Explorer: </a:t>
             </a:r>
             <a:r>
               <a:rPr lang="en-US" dirty="0">
@@ -23006,7 +23157,7 @@
         <p:spPr>
           <a:xfrm>
             <a:off x="7648074" y="1856234"/>
-            <a:ext cx="4166205" cy="461665"/>
+            <a:ext cx="4235134" cy="461665"/>
           </a:xfrm>
           <a:prstGeom prst="rect">
             <a:avLst/>
@@ -23026,7 +23177,7 @@
                 </a:solidFill>
                 <a:latin typeface="+mn-lt"/>
               </a:rPr>
-              <a:t>Your drive will most likely be c:</a:t>
+              <a:t>Your drive will most likely be C:</a:t>
             </a:r>
           </a:p>
         </p:txBody>
@@ -24222,7 +24373,7 @@
             </a:pPr>
             <a:r>
               <a:rPr lang="en-US" dirty="0"/>
-              <a:t>You’ll need to perform a </a:t>
+              <a:t>A </a:t>
             </a:r>
             <a:r>
               <a:rPr lang="en-US" dirty="0">
@@ -24233,7 +24384,7 @@
             </a:r>
             <a:r>
               <a:rPr lang="en-US" dirty="0"/>
-              <a:t>command each time you want to commit changes to a file</a:t>
+              <a:t>command is required on the command line each time you want to commit changes to a file</a:t>
             </a:r>
           </a:p>
         </p:txBody>
@@ -24946,7 +25097,7 @@
                 <a:latin typeface="Courier New" panose="02070309020205020404" pitchFamily="49" charset="0"/>
                 <a:cs typeface="Courier New" panose="02070309020205020404" pitchFamily="49" charset="0"/>
               </a:rPr>
-              <a:t>Return</a:t>
+              <a:t>Enter </a:t>
             </a:r>
           </a:p>
           <a:p>
@@ -24971,7 +25122,7 @@
                 <a:latin typeface="Courier New" panose="02070309020205020404" pitchFamily="49" charset="0"/>
                 <a:cs typeface="Courier New" panose="02070309020205020404" pitchFamily="49" charset="0"/>
               </a:rPr>
-              <a:t>Return</a:t>
+              <a:t>Enter</a:t>
             </a:r>
             <a:endParaRPr lang="en-US" dirty="0"/>
           </a:p>
@@ -25177,30 +25328,111 @@
           </a:p>
         </p:txBody>
       </p:sp>
-      <p:pic>
-        <p:nvPicPr>
-          <p:cNvPr id="5" name="Picture 4"/>
-          <p:cNvPicPr>
-            <a:picLocks noChangeAspect="1"/>
-          </p:cNvPicPr>
+      <p:grpSp>
+        <p:nvGrpSpPr>
+          <p:cNvPr id="6" name="Group 5">
+            <a:extLst>
+              <a:ext uri="{FF2B5EF4-FFF2-40B4-BE49-F238E27FC236}">
+                <a16:creationId xmlns:a16="http://schemas.microsoft.com/office/drawing/2014/main" id="{E5310457-24C7-493F-9628-AA759BE9487A}"/>
+              </a:ext>
+            </a:extLst>
+          </p:cNvPr>
+          <p:cNvGrpSpPr>
+            <a:grpSpLocks noChangeAspect="1"/>
+          </p:cNvGrpSpPr>
           <p:nvPr/>
-        </p:nvPicPr>
-        <p:blipFill>
-          <a:blip r:embed="rId2"/>
-          <a:stretch>
-            <a:fillRect/>
-          </a:stretch>
-        </p:blipFill>
-        <p:spPr>
+        </p:nvGrpSpPr>
+        <p:grpSpPr>
           <a:xfrm>
-            <a:off x="2156910" y="1779671"/>
-            <a:ext cx="8239125" cy="4838700"/>
+            <a:off x="2815862" y="1795680"/>
+            <a:ext cx="7657404" cy="4631631"/>
+            <a:chOff x="6421961" y="1516281"/>
+            <a:chExt cx="4457004" cy="2695848"/>
           </a:xfrm>
-          <a:prstGeom prst="rect">
-            <a:avLst/>
-          </a:prstGeom>
-        </p:spPr>
-      </p:pic>
+        </p:grpSpPr>
+        <p:pic>
+          <p:nvPicPr>
+            <p:cNvPr id="7" name="Picture 6">
+              <a:extLst>
+                <a:ext uri="{FF2B5EF4-FFF2-40B4-BE49-F238E27FC236}">
+                  <a16:creationId xmlns:a16="http://schemas.microsoft.com/office/drawing/2014/main" id="{BD6D362F-9949-43C0-9A6A-5E12F22BE984}"/>
+                </a:ext>
+              </a:extLst>
+            </p:cNvPr>
+            <p:cNvPicPr>
+              <a:picLocks noChangeAspect="1"/>
+            </p:cNvPicPr>
+            <p:nvPr/>
+          </p:nvPicPr>
+          <p:blipFill>
+            <a:blip r:embed="rId2"/>
+            <a:stretch>
+              <a:fillRect/>
+            </a:stretch>
+          </p:blipFill>
+          <p:spPr>
+            <a:xfrm>
+              <a:off x="6421961" y="1516281"/>
+              <a:ext cx="4457004" cy="2695848"/>
+            </a:xfrm>
+            <a:prstGeom prst="rect">
+              <a:avLst/>
+            </a:prstGeom>
+          </p:spPr>
+        </p:pic>
+        <p:sp>
+          <p:nvSpPr>
+            <p:cNvPr id="8" name="Rectangle 7">
+              <a:extLst>
+                <a:ext uri="{FF2B5EF4-FFF2-40B4-BE49-F238E27FC236}">
+                  <a16:creationId xmlns:a16="http://schemas.microsoft.com/office/drawing/2014/main" id="{1AFCD697-F3BD-41C4-8AC6-E8EC1718CEC3}"/>
+                </a:ext>
+              </a:extLst>
+            </p:cNvPr>
+            <p:cNvSpPr/>
+            <p:nvPr/>
+          </p:nvSpPr>
+          <p:spPr>
+            <a:xfrm>
+              <a:off x="6643615" y="3186819"/>
+              <a:ext cx="1820562" cy="115330"/>
+            </a:xfrm>
+            <a:prstGeom prst="rect">
+              <a:avLst/>
+            </a:prstGeom>
+            <a:noFill/>
+            <a:ln>
+              <a:solidFill>
+                <a:srgbClr val="FF0000"/>
+              </a:solidFill>
+            </a:ln>
+          </p:spPr>
+          <p:style>
+            <a:lnRef idx="2">
+              <a:schemeClr val="accent1">
+                <a:shade val="50000"/>
+              </a:schemeClr>
+            </a:lnRef>
+            <a:fillRef idx="1">
+              <a:schemeClr val="accent1"/>
+            </a:fillRef>
+            <a:effectRef idx="0">
+              <a:schemeClr val="accent1"/>
+            </a:effectRef>
+            <a:fontRef idx="minor">
+              <a:schemeClr val="lt1"/>
+            </a:fontRef>
+          </p:style>
+          <p:txBody>
+            <a:bodyPr rtlCol="0" anchor="ctr"/>
+            <a:lstStyle/>
+            <a:p>
+              <a:pPr algn="ctr"/>
+              <a:endParaRPr lang="en-US" dirty="0"/>
+            </a:p>
+          </p:txBody>
+        </p:sp>
+      </p:grpSp>
     </p:spTree>
     <p:extLst>
       <p:ext uri="{BB962C8B-B14F-4D97-AF65-F5344CB8AC3E}">
@@ -25302,7 +25534,7 @@
             </a:pPr>
             <a:r>
               <a:rPr lang="en-US" dirty="0"/>
-              <a:t>… so the working code in </a:t>
+              <a:t> Working code in </a:t>
             </a:r>
             <a:r>
               <a:rPr lang="en-US" dirty="0">
@@ -25324,7 +25556,7 @@
             </a:pPr>
             <a:r>
               <a:rPr lang="en-US" dirty="0"/>
-              <a:t>… make sure revisions work in </a:t>
+              <a:t> Make sure revisions work in </a:t>
             </a:r>
             <a:r>
               <a:rPr lang="en-US" dirty="0">
@@ -25346,7 +25578,46 @@
             </a:pPr>
             <a:r>
               <a:rPr lang="en-US" dirty="0"/>
-              <a:t>… then merge back into the </a:t>
+              <a:t> Commit changes in </a:t>
+            </a:r>
+            <a:r>
+              <a:rPr lang="en-US" dirty="0">
+                <a:latin typeface="Courier New" panose="02070309020205020404" pitchFamily="49" charset="0"/>
+                <a:cs typeface="Courier New" panose="02070309020205020404" pitchFamily="49" charset="0"/>
+              </a:rPr>
+              <a:t>test</a:t>
+            </a:r>
+            <a:r>
+              <a:rPr lang="en-US" dirty="0"/>
+              <a:t> branch</a:t>
+            </a:r>
+          </a:p>
+          <a:p>
+            <a:pPr lvl="1">
+              <a:spcBef>
+                <a:spcPts val="0"/>
+              </a:spcBef>
+            </a:pPr>
+            <a:r>
+              <a:rPr lang="en-US" dirty="0"/>
+              <a:t> Then, merge</a:t>
+            </a:r>
+            <a:r>
+              <a:rPr lang="en-US" dirty="0">
+                <a:cs typeface="Courier New" panose="02070309020205020404" pitchFamily="49" charset="0"/>
+              </a:rPr>
+              <a:t> </a:t>
+            </a:r>
+            <a:r>
+              <a:rPr lang="en-US" dirty="0">
+                <a:latin typeface="Courier New" panose="02070309020205020404" pitchFamily="49" charset="0"/>
+                <a:cs typeface="Courier New" panose="02070309020205020404" pitchFamily="49" charset="0"/>
+              </a:rPr>
+              <a:t>test</a:t>
+            </a:r>
+            <a:r>
+              <a:rPr lang="en-US" dirty="0"/>
+              <a:t> branch back into the </a:t>
             </a:r>
             <a:r>
               <a:rPr lang="en-US" dirty="0">
@@ -25357,7 +25628,18 @@
             </a:r>
             <a:r>
               <a:rPr lang="en-US" dirty="0"/>
-              <a:t> branch when you want to finalize them</a:t>
+              <a:t> branch to incorporate them into the </a:t>
+            </a:r>
+            <a:r>
+              <a:rPr lang="en-US" dirty="0">
+                <a:latin typeface="Courier New" panose="02070309020205020404" pitchFamily="49" charset="0"/>
+                <a:cs typeface="Courier New" panose="02070309020205020404" pitchFamily="49" charset="0"/>
+              </a:rPr>
+              <a:t>master</a:t>
+            </a:r>
+            <a:r>
+              <a:rPr lang="en-US" dirty="0"/>
+              <a:t> branch </a:t>
             </a:r>
           </a:p>
         </p:txBody>
@@ -25502,7 +25784,7 @@
                 <a:latin typeface="Courier New" panose="02070309020205020404" pitchFamily="49" charset="0"/>
                 <a:cs typeface="Courier New" panose="02070309020205020404" pitchFamily="49" charset="0"/>
               </a:rPr>
-              <a:t>Return</a:t>
+              <a:t>Enter</a:t>
             </a:r>
           </a:p>
           <a:p>
@@ -25736,7 +26018,7 @@
                 <a:latin typeface="Courier New" panose="02070309020205020404" pitchFamily="49" charset="0"/>
                 <a:cs typeface="Courier New" panose="02070309020205020404" pitchFamily="49" charset="0"/>
               </a:rPr>
-              <a:t>Return</a:t>
+              <a:t>Enter</a:t>
             </a:r>
           </a:p>
           <a:p>
@@ -25840,29 +26122,6 @@
           </a:p>
         </p:txBody>
       </p:sp>
-      <p:pic>
-        <p:nvPicPr>
-          <p:cNvPr id="6" name="Picture 5"/>
-          <p:cNvPicPr>
-            <a:picLocks noChangeAspect="1"/>
-          </p:cNvPicPr>
-          <p:nvPr/>
-        </p:nvPicPr>
-        <p:blipFill rotWithShape="1">
-          <a:blip r:embed="rId3"/>
-          <a:srcRect t="19903" r="47491" b="13448"/>
-          <a:stretch/>
-        </p:blipFill>
-        <p:spPr>
-          <a:xfrm>
-            <a:off x="6964132" y="3496553"/>
-            <a:ext cx="4326203" cy="3224922"/>
-          </a:xfrm>
-          <a:prstGeom prst="rect">
-            <a:avLst/>
-          </a:prstGeom>
-        </p:spPr>
-      </p:pic>
       <p:sp>
         <p:nvSpPr>
           <p:cNvPr id="7" name="TextBox 6"/>
@@ -25924,6 +26183,35 @@
           </a:p>
         </p:txBody>
       </p:sp>
+      <p:pic>
+        <p:nvPicPr>
+          <p:cNvPr id="10" name="Picture 9">
+            <a:extLst>
+              <a:ext uri="{FF2B5EF4-FFF2-40B4-BE49-F238E27FC236}">
+                <a16:creationId xmlns:a16="http://schemas.microsoft.com/office/drawing/2014/main" id="{2A4F6C91-465B-48E7-A037-B0529C9FA335}"/>
+              </a:ext>
+            </a:extLst>
+          </p:cNvPr>
+          <p:cNvPicPr>
+            <a:picLocks noChangeAspect="1"/>
+          </p:cNvPicPr>
+          <p:nvPr/>
+        </p:nvPicPr>
+        <p:blipFill rotWithShape="1">
+          <a:blip r:embed="rId3"/>
+          <a:srcRect r="36465" b="18371"/>
+          <a:stretch/>
+        </p:blipFill>
+        <p:spPr>
+          <a:xfrm>
+            <a:off x="6972645" y="3568409"/>
+            <a:ext cx="4057424" cy="3153066"/>
+          </a:xfrm>
+          <a:prstGeom prst="rect">
+            <a:avLst/>
+          </a:prstGeom>
+        </p:spPr>
+      </p:pic>
     </p:spTree>
     <p:extLst>
       <p:ext uri="{BB962C8B-B14F-4D97-AF65-F5344CB8AC3E}">
@@ -26046,7 +26334,7 @@
                 <a:latin typeface="Courier New" panose="02070309020205020404" pitchFamily="49" charset="0"/>
                 <a:cs typeface="Courier New" panose="02070309020205020404" pitchFamily="49" charset="0"/>
               </a:rPr>
-              <a:t>Return</a:t>
+              <a:t>Enter</a:t>
             </a:r>
             <a:endParaRPr lang="en-US" dirty="0"/>
           </a:p>
@@ -26298,7 +26586,13 @@
       </p:sp>
       <p:pic>
         <p:nvPicPr>
-          <p:cNvPr id="5" name="Picture 4"/>
+          <p:cNvPr id="7" name="Picture 6">
+            <a:extLst>
+              <a:ext uri="{FF2B5EF4-FFF2-40B4-BE49-F238E27FC236}">
+                <a16:creationId xmlns:a16="http://schemas.microsoft.com/office/drawing/2014/main" id="{09E8A2FC-89D0-4FAE-87E2-A921B01BFBF7}"/>
+              </a:ext>
+            </a:extLst>
+          </p:cNvPr>
           <p:cNvPicPr>
             <a:picLocks noChangeAspect="1"/>
           </p:cNvPicPr>
@@ -26312,8 +26606,8 @@
         </p:blipFill>
         <p:spPr>
           <a:xfrm>
-            <a:off x="2645923" y="2184095"/>
-            <a:ext cx="7726049" cy="4537379"/>
+            <a:off x="3053909" y="2343324"/>
+            <a:ext cx="7177745" cy="4341506"/>
           </a:xfrm>
           <a:prstGeom prst="rect">
             <a:avLst/>
@@ -26435,7 +26729,7 @@
                 <a:latin typeface="Courier New" panose="02070309020205020404" pitchFamily="49" charset="0"/>
                 <a:cs typeface="Courier New" panose="02070309020205020404" pitchFamily="49" charset="0"/>
               </a:rPr>
-              <a:t>Return</a:t>
+              <a:t>Enter</a:t>
             </a:r>
           </a:p>
           <a:p>
@@ -26460,7 +26754,7 @@
                 <a:latin typeface="Courier New" panose="02070309020205020404" pitchFamily="49" charset="0"/>
                 <a:cs typeface="Courier New" panose="02070309020205020404" pitchFamily="49" charset="0"/>
               </a:rPr>
-              <a:t>Return </a:t>
+              <a:t>Enter </a:t>
             </a:r>
             <a:r>
               <a:rPr lang="en-US" dirty="0">
@@ -26617,7 +26911,7 @@
             </a:pPr>
             <a:r>
               <a:rPr lang="en-US" dirty="0"/>
-              <a:t>Version control permits program development while avoiding breaking a program</a:t>
+              <a:t>Version control permits program development to safely continue without:</a:t>
             </a:r>
           </a:p>
           <a:p>
@@ -26628,7 +26922,29 @@
             </a:pPr>
             <a:r>
               <a:rPr lang="en-US" dirty="0"/>
-              <a:t>You can always revert to a previous functional copy</a:t>
+              <a:t> Breaking a program</a:t>
+            </a:r>
+          </a:p>
+          <a:p>
+            <a:pPr lvl="2">
+              <a:spcBef>
+                <a:spcPts val="300"/>
+              </a:spcBef>
+            </a:pPr>
+            <a:r>
+              <a:rPr lang="en-US" dirty="0"/>
+              <a:t> You can always revert to a previous functional copy</a:t>
+            </a:r>
+          </a:p>
+          <a:p>
+            <a:pPr lvl="1">
+              <a:spcBef>
+                <a:spcPts val="300"/>
+              </a:spcBef>
+            </a:pPr>
+            <a:r>
+              <a:rPr lang="en-US" dirty="0"/>
+              <a:t> Having multiple “versions” saved</a:t>
             </a:r>
           </a:p>
           <a:p>
@@ -26650,47 +26966,7 @@
             </a:pPr>
             <a:r>
               <a:rPr lang="en-US" dirty="0"/>
-              <a:t>For a sole developer:</a:t>
-            </a:r>
-          </a:p>
-          <a:p>
-            <a:pPr lvl="2">
-              <a:spcBef>
-                <a:spcPts val="300"/>
-              </a:spcBef>
-            </a:pPr>
-            <a:r>
-              <a:rPr lang="en-US" dirty="0"/>
-              <a:t>Install git on your computer</a:t>
-            </a:r>
-          </a:p>
-          <a:p>
-            <a:pPr lvl="1">
-              <a:spcBef>
-                <a:spcPts val="300"/>
-              </a:spcBef>
-            </a:pPr>
-            <a:r>
-              <a:rPr lang="en-US" dirty="0"/>
-              <a:t>For collaboration</a:t>
-            </a:r>
-          </a:p>
-          <a:p>
-            <a:pPr lvl="2">
-              <a:spcBef>
-                <a:spcPts val="300"/>
-              </a:spcBef>
-            </a:pPr>
-            <a:r>
-              <a:rPr lang="en-US" dirty="0"/>
-              <a:t>Use desktop git with </a:t>
-            </a:r>
-            <a:r>
-              <a:rPr lang="en-US" dirty="0">
-                <a:latin typeface="Courier New" panose="02070309020205020404" pitchFamily="49" charset="0"/>
-                <a:cs typeface="Courier New" panose="02070309020205020404" pitchFamily="49" charset="0"/>
-              </a:rPr>
-              <a:t>github.com</a:t>
+              <a:t>For sole developers or for collaboration</a:t>
             </a:r>
           </a:p>
         </p:txBody>
@@ -26817,7 +27093,7 @@
                 <a:latin typeface="Courier New" panose="02070309020205020404" pitchFamily="49" charset="0"/>
                 <a:cs typeface="Courier New" panose="02070309020205020404" pitchFamily="49" charset="0"/>
               </a:rPr>
-              <a:t>Return</a:t>
+              <a:t>Enter</a:t>
             </a:r>
             <a:r>
               <a:rPr lang="en-US" dirty="0"/>
@@ -27267,7 +27543,13 @@
       </p:sp>
       <p:pic>
         <p:nvPicPr>
-          <p:cNvPr id="5" name="Picture 4"/>
+          <p:cNvPr id="6" name="Picture 5">
+            <a:extLst>
+              <a:ext uri="{FF2B5EF4-FFF2-40B4-BE49-F238E27FC236}">
+                <a16:creationId xmlns:a16="http://schemas.microsoft.com/office/drawing/2014/main" id="{A735710D-167C-41BF-AF3C-1ABEF9029C8C}"/>
+              </a:ext>
+            </a:extLst>
+          </p:cNvPr>
           <p:cNvPicPr>
             <a:picLocks noChangeAspect="1"/>
           </p:cNvPicPr>
@@ -27281,8 +27563,8 @@
         </p:blipFill>
         <p:spPr>
           <a:xfrm>
-            <a:off x="2314222" y="2035289"/>
-            <a:ext cx="7573962" cy="4448061"/>
+            <a:off x="2602774" y="2137819"/>
+            <a:ext cx="7349747" cy="4445543"/>
           </a:xfrm>
           <a:prstGeom prst="rect">
             <a:avLst/>
@@ -27358,7 +27640,7 @@
           <a:p>
             <a:r>
               <a:rPr lang="en-US" dirty="0"/>
-              <a:t>Install desktop git</a:t>
+              <a:t>Install command line git</a:t>
             </a:r>
           </a:p>
           <a:p>
@@ -27367,11 +27649,24 @@
               <a:rPr lang="en-US" dirty="0">
                 <a:hlinkClick r:id="rId2"/>
               </a:rPr>
-              <a:t>https://desktop.github.com/</a:t>
+              <a:t>https://git-scm.com/download/win</a:t>
             </a:r>
             <a:r>
               <a:rPr lang="en-US" dirty="0"/>
               <a:t> </a:t>
+            </a:r>
+          </a:p>
+          <a:p>
+            <a:r>
+              <a:rPr lang="en-US" dirty="0">
+                <a:latin typeface="Courier New" panose="02070309020205020404" pitchFamily="49" charset="0"/>
+                <a:cs typeface="Courier New" panose="02070309020205020404" pitchFamily="49" charset="0"/>
+              </a:rPr>
+              <a:t>udacity.com</a:t>
+            </a:r>
+            <a:r>
+              <a:rPr lang="en-US" dirty="0"/>
+              <a:t> course</a:t>
             </a:r>
           </a:p>
           <a:p>
@@ -27380,7 +27675,7 @@
               <a:rPr lang="en-US" dirty="0">
                 <a:hlinkClick r:id="rId3"/>
               </a:rPr>
-              <a:t>https://git-scm.com/download/win</a:t>
+              <a:t>https://in.udacity.com/course/how-to-use-git-and-github--ud775/</a:t>
             </a:r>
             <a:r>
               <a:rPr lang="en-US" dirty="0"/>
@@ -27390,7 +27685,7 @@
           <a:p>
             <a:r>
               <a:rPr lang="en-US" dirty="0"/>
-              <a:t>udacity.com course</a:t>
+              <a:t>Online interactive tutorial</a:t>
             </a:r>
           </a:p>
           <a:p>
@@ -27398,25 +27693,6 @@
             <a:r>
               <a:rPr lang="en-US" dirty="0">
                 <a:hlinkClick r:id="rId4"/>
-              </a:rPr>
-              <a:t>https://in.udacity.com/course/how-to-use-git-and-github--ud775/</a:t>
-            </a:r>
-            <a:r>
-              <a:rPr lang="en-US" dirty="0"/>
-              <a:t> </a:t>
-            </a:r>
-          </a:p>
-          <a:p>
-            <a:r>
-              <a:rPr lang="en-US" dirty="0"/>
-              <a:t>Online interactive tutorial</a:t>
-            </a:r>
-          </a:p>
-          <a:p>
-            <a:pPr lvl="1"/>
-            <a:r>
-              <a:rPr lang="en-US" dirty="0">
-                <a:hlinkClick r:id="rId5"/>
               </a:rPr>
               <a:t>https://try.github.io/levels/1/challenges/1</a:t>
             </a:r>
@@ -27926,18 +28202,30 @@
         </p:nvSpPr>
         <p:spPr>
           <a:xfrm>
-            <a:off x="1219200" y="1219200"/>
-            <a:ext cx="10363200" cy="4906963"/>
+            <a:off x="1219200" y="1001028"/>
+            <a:ext cx="10363200" cy="5125136"/>
           </a:xfrm>
         </p:spPr>
         <p:txBody>
           <a:bodyPr/>
           <a:lstStyle/>
           <a:p>
+            <a:pPr>
+              <a:spcBef>
+                <a:spcPts val="0"/>
+              </a:spcBef>
+            </a:pPr>
             <a:r>
               <a:rPr lang="en-US" dirty="0"/>
-              <a:t> </a:t>
-            </a:r>
+              <a:t> Install GitHub Desktop App</a:t>
+            </a:r>
+          </a:p>
+          <a:p>
+            <a:pPr lvl="1">
+              <a:spcBef>
+                <a:spcPts val="0"/>
+              </a:spcBef>
+            </a:pPr>
             <a:r>
               <a:rPr lang="en-US" dirty="0">
                 <a:hlinkClick r:id="rId2"/>
@@ -28002,8 +28290,8 @@
         </p:blipFill>
         <p:spPr>
           <a:xfrm>
-            <a:off x="2153434" y="1927843"/>
-            <a:ext cx="8140169" cy="4555507"/>
+            <a:off x="2170294" y="2165968"/>
+            <a:ext cx="7531971" cy="4215139"/>
           </a:xfrm>
           <a:prstGeom prst="rect">
             <a:avLst/>
@@ -28084,7 +28372,12 @@
             <p:ph idx="1"/>
           </p:nvPr>
         </p:nvSpPr>
-        <p:spPr/>
+        <p:spPr>
+          <a:xfrm>
+            <a:off x="1219199" y="1447800"/>
+            <a:ext cx="10523621" cy="4678363"/>
+          </a:xfrm>
+        </p:spPr>
         <p:txBody>
           <a:bodyPr/>
           <a:lstStyle/>
@@ -28095,9 +28388,59 @@
             </a:r>
           </a:p>
           <a:p>
+            <a:pPr lvl="1"/>
             <a:r>
               <a:rPr lang="en-US" dirty="0"/>
-              <a:t>Publishes repo to </a:t>
+              <a:t> GUI</a:t>
+            </a:r>
+          </a:p>
+          <a:p>
+            <a:r>
+              <a:rPr lang="en-US" dirty="0"/>
+              <a:t> Some differences from command line git</a:t>
+            </a:r>
+          </a:p>
+          <a:p>
+            <a:pPr lvl="1"/>
+            <a:r>
+              <a:rPr lang="en-US" dirty="0"/>
+              <a:t> </a:t>
+            </a:r>
+            <a:r>
+              <a:rPr lang="en-US" dirty="0">
+                <a:latin typeface="Courier New" panose="02070309020205020404" pitchFamily="49" charset="0"/>
+                <a:cs typeface="Courier New" panose="02070309020205020404" pitchFamily="49" charset="0"/>
+              </a:rPr>
+              <a:t>git add</a:t>
+            </a:r>
+            <a:r>
+              <a:rPr lang="en-US" dirty="0"/>
+              <a:t> is implicit </a:t>
+            </a:r>
+            <a:endParaRPr lang="en-US" dirty="0">
+              <a:latin typeface="Courier New" panose="02070309020205020404" pitchFamily="49" charset="0"/>
+              <a:cs typeface="Courier New" panose="02070309020205020404" pitchFamily="49" charset="0"/>
+            </a:endParaRPr>
+          </a:p>
+          <a:p>
+            <a:pPr lvl="1"/>
+            <a:r>
+              <a:rPr lang="en-US" dirty="0"/>
+              <a:t> Publishes repo to </a:t>
+            </a:r>
+            <a:r>
+              <a:rPr lang="en-US" dirty="0">
+                <a:latin typeface="Courier New" panose="02070309020205020404" pitchFamily="49" charset="0"/>
+                <a:cs typeface="Courier New" panose="02070309020205020404" pitchFamily="49" charset="0"/>
+              </a:rPr>
+              <a:t>github.com</a:t>
+            </a:r>
+          </a:p>
+          <a:p>
+            <a:pPr lvl="1"/>
+            <a:r>
+              <a:rPr lang="en-US" dirty="0"/>
+              <a:t> Clones repo from </a:t>
             </a:r>
             <a:r>
               <a:rPr lang="en-US" dirty="0">
@@ -28246,6 +28589,28 @@
             </a:r>
           </a:p>
           <a:p>
+            <a:pPr lvl="1">
+              <a:spcBef>
+                <a:spcPts val="0"/>
+              </a:spcBef>
+            </a:pPr>
+            <a:r>
+              <a:rPr lang="en-US" dirty="0"/>
+              <a:t> Discussed, debugged… </a:t>
+            </a:r>
+          </a:p>
+          <a:p>
+            <a:pPr lvl="1">
+              <a:spcBef>
+                <a:spcPts val="0"/>
+              </a:spcBef>
+            </a:pPr>
+            <a:r>
+              <a:rPr lang="en-US" dirty="0"/>
+              <a:t> Then merged back into the master branch</a:t>
+            </a:r>
+          </a:p>
+          <a:p>
             <a:pPr>
               <a:spcBef>
                 <a:spcPts val="0"/>
@@ -28253,18 +28618,7 @@
             </a:pPr>
             <a:r>
               <a:rPr lang="en-US" dirty="0"/>
-              <a:t>Discussed, debugged, then merged back into the master branch</a:t>
-            </a:r>
-          </a:p>
-          <a:p>
-            <a:pPr>
-              <a:spcBef>
-                <a:spcPts val="0"/>
-              </a:spcBef>
-            </a:pPr>
-            <a:r>
-              <a:rPr lang="en-US" dirty="0"/>
-              <a:t>Master branch code is never disrupted</a:t>
+              <a:t>Master branch code is never disturbed</a:t>
             </a:r>
           </a:p>
         </p:txBody>
@@ -31038,19 +31392,6 @@
               <a:t>… and Github as a portfolio repository</a:t>
             </a:r>
           </a:p>
-          <a:p>
-            <a:r>
-              <a:rPr lang="en-US" dirty="0"/>
-              <a:t>Relatively small step from there to collaboration </a:t>
-            </a:r>
-          </a:p>
-          <a:p>
-            <a:pPr lvl="1"/>
-            <a:r>
-              <a:rPr lang="en-US" dirty="0"/>
-              <a:t>Extra session later for this, time permitting</a:t>
-            </a:r>
-          </a:p>
         </p:txBody>
       </p:sp>
       <p:sp>
@@ -31269,7 +31610,7 @@
             </a:pPr>
             <a:r>
               <a:rPr lang="en-US" dirty="0"/>
-              <a:t> We’ll step through a basic sequence of git commands</a:t>
+              <a:t> We’ll step through basic command line git commands</a:t>
             </a:r>
           </a:p>
           <a:p>
@@ -31395,27 +31736,41 @@
         </p:nvSpPr>
         <p:spPr>
           <a:xfrm>
-            <a:off x="1219199" y="1447800"/>
-            <a:ext cx="10742141" cy="4678363"/>
+            <a:off x="1219199" y="1092200"/>
+            <a:ext cx="10742141" cy="5033963"/>
           </a:xfrm>
         </p:spPr>
         <p:txBody>
           <a:bodyPr/>
           <a:lstStyle/>
           <a:p>
+            <a:pPr>
+              <a:spcBef>
+                <a:spcPts val="200"/>
+              </a:spcBef>
+            </a:pPr>
             <a:r>
               <a:rPr lang="en-US" dirty="0"/>
               <a:t>Conceptually what’s happening…</a:t>
             </a:r>
           </a:p>
           <a:p>
+            <a:pPr>
+              <a:spcBef>
+                <a:spcPts val="200"/>
+              </a:spcBef>
+            </a:pPr>
             <a:r>
               <a:rPr lang="en-US" dirty="0"/>
               <a:t>We’ll be working on a Python program: </a:t>
             </a:r>
           </a:p>
           <a:p>
-            <a:pPr lvl="1"/>
+            <a:pPr lvl="1">
+              <a:spcBef>
+                <a:spcPts val="200"/>
+              </a:spcBef>
+            </a:pPr>
             <a:r>
               <a:rPr lang="en-US" dirty="0">
                 <a:latin typeface="Courier New" panose="02070309020205020404" pitchFamily="49" charset="0"/>
@@ -31427,17 +31782,26 @@
               <a:rPr lang="en-US" dirty="0">
                 <a:cs typeface="Courier New" panose="02070309020205020404" pitchFamily="49" charset="0"/>
               </a:rPr>
-              <a:t> in a folder called </a:t>
-            </a:r>
-            <a:r>
-              <a:rPr lang="en-US" dirty="0">
+              <a:t> in the folder </a:t>
+            </a:r>
+            <a:r>
+              <a:rPr lang="en-US" dirty="0" err="1">
                 <a:latin typeface="Courier New" panose="02070309020205020404" pitchFamily="49" charset="0"/>
                 <a:cs typeface="Courier New" panose="02070309020205020404" pitchFamily="49" charset="0"/>
               </a:rPr>
               <a:t>git_tutorial</a:t>
             </a:r>
-          </a:p>
-          <a:p>
+            <a:endParaRPr lang="en-US" dirty="0">
+              <a:latin typeface="Courier New" panose="02070309020205020404" pitchFamily="49" charset="0"/>
+              <a:cs typeface="Courier New" panose="02070309020205020404" pitchFamily="49" charset="0"/>
+            </a:endParaRPr>
+          </a:p>
+          <a:p>
+            <a:pPr>
+              <a:spcBef>
+                <a:spcPts val="200"/>
+              </a:spcBef>
+            </a:pPr>
             <a:r>
               <a:rPr lang="en-US" dirty="0"/>
               <a:t>We’ll create a </a:t>
@@ -31466,7 +31830,11 @@
             </a:r>
           </a:p>
           <a:p>
-            <a:pPr lvl="1"/>
+            <a:pPr lvl="1">
+              <a:spcBef>
+                <a:spcPts val="200"/>
+              </a:spcBef>
+            </a:pPr>
             <a:r>
               <a:rPr lang="en-US" dirty="0"/>
               <a:t> The </a:t>
@@ -31484,7 +31852,11 @@
             </a:r>
           </a:p>
           <a:p>
-            <a:pPr lvl="1"/>
+            <a:pPr lvl="1">
+              <a:spcBef>
+                <a:spcPts val="200"/>
+              </a:spcBef>
+            </a:pPr>
             <a:r>
               <a:rPr lang="en-US" dirty="0"/>
               <a:t> We’ll make changes to the </a:t>
@@ -31502,6 +31874,11 @@
             </a:r>
           </a:p>
           <a:p>
+            <a:pPr>
+              <a:spcBef>
+                <a:spcPts val="200"/>
+              </a:spcBef>
+            </a:pPr>
             <a:r>
               <a:rPr lang="en-US" dirty="0"/>
               <a:t>Git keeps track of multiple versions </a:t>
@@ -31526,12 +31903,80 @@
             </a:r>
             <a:r>
               <a:rPr lang="en-US" dirty="0"/>
-              <a:t> by logging changes made in each version</a:t>
-            </a:r>
-            <a:endParaRPr lang="en-US" dirty="0">
-              <a:latin typeface="Courier New" panose="02070309020205020404" pitchFamily="49" charset="0"/>
-              <a:cs typeface="Courier New" panose="02070309020205020404" pitchFamily="49" charset="0"/>
-            </a:endParaRPr>
+              <a:t> </a:t>
+            </a:r>
+          </a:p>
+          <a:p>
+            <a:pPr lvl="1">
+              <a:spcBef>
+                <a:spcPts val="200"/>
+              </a:spcBef>
+            </a:pPr>
+            <a:r>
+              <a:rPr lang="en-US" dirty="0"/>
+              <a:t> Only one </a:t>
+            </a:r>
+            <a:r>
+              <a:rPr lang="en-US" dirty="0">
+                <a:latin typeface="Courier New" panose="02070309020205020404" pitchFamily="49" charset="0"/>
+                <a:cs typeface="Courier New" panose="02070309020205020404" pitchFamily="49" charset="0"/>
+              </a:rPr>
+              <a:t>my.py</a:t>
+            </a:r>
+            <a:r>
+              <a:rPr lang="en-US" dirty="0"/>
+              <a:t> will appear in </a:t>
+            </a:r>
+            <a:r>
+              <a:rPr lang="en-US" dirty="0" err="1">
+                <a:latin typeface="Courier New" panose="02070309020205020404" pitchFamily="49" charset="0"/>
+                <a:cs typeface="Courier New" panose="02070309020205020404" pitchFamily="49" charset="0"/>
+              </a:rPr>
+              <a:t>git_tutorial</a:t>
+            </a:r>
+            <a:r>
+              <a:rPr lang="en-US" dirty="0"/>
+              <a:t> at any one time</a:t>
+            </a:r>
+          </a:p>
+          <a:p>
+            <a:pPr lvl="1">
+              <a:spcBef>
+                <a:spcPts val="200"/>
+              </a:spcBef>
+            </a:pPr>
+            <a:r>
+              <a:rPr lang="en-US" dirty="0">
+                <a:cs typeface="Courier New" panose="02070309020205020404" pitchFamily="49" charset="0"/>
+              </a:rPr>
+              <a:t> Switch which version (</a:t>
+            </a:r>
+            <a:r>
+              <a:rPr lang="en-US" dirty="0">
+                <a:latin typeface="Courier New" panose="02070309020205020404" pitchFamily="49" charset="0"/>
+                <a:cs typeface="Courier New" panose="02070309020205020404" pitchFamily="49" charset="0"/>
+              </a:rPr>
+              <a:t>master</a:t>
+            </a:r>
+            <a:r>
+              <a:rPr lang="en-US" dirty="0">
+                <a:cs typeface="Courier New" panose="02070309020205020404" pitchFamily="49" charset="0"/>
+              </a:rPr>
+              <a:t>/</a:t>
+            </a:r>
+            <a:r>
+              <a:rPr lang="en-US" dirty="0">
+                <a:latin typeface="Courier New" panose="02070309020205020404" pitchFamily="49" charset="0"/>
+                <a:cs typeface="Courier New" panose="02070309020205020404" pitchFamily="49" charset="0"/>
+              </a:rPr>
+              <a:t>test</a:t>
+            </a:r>
+            <a:r>
+              <a:rPr lang="en-US" dirty="0">
+                <a:cs typeface="Courier New" panose="02070309020205020404" pitchFamily="49" charset="0"/>
+              </a:rPr>
+              <a:t>) with git software</a:t>
+            </a:r>
           </a:p>
         </p:txBody>
       </p:sp>

--- a/26bGit.pptx
+++ b/26bGit.pptx
@@ -5,7 +5,7 @@
     <p:sldMasterId id="2147483684" r:id="rId1"/>
   </p:sldMasterIdLst>
   <p:notesMasterIdLst>
-    <p:notesMasterId r:id="rId50"/>
+    <p:notesMasterId r:id="rId51"/>
   </p:notesMasterIdLst>
   <p:sldIdLst>
     <p:sldId id="256" r:id="rId2"/>
@@ -15,47 +15,48 @@
     <p:sldId id="265" r:id="rId6"/>
     <p:sldId id="267" r:id="rId7"/>
     <p:sldId id="270" r:id="rId8"/>
-    <p:sldId id="269" r:id="rId9"/>
-    <p:sldId id="323" r:id="rId10"/>
-    <p:sldId id="271" r:id="rId11"/>
-    <p:sldId id="272" r:id="rId12"/>
-    <p:sldId id="273" r:id="rId13"/>
-    <p:sldId id="284" r:id="rId14"/>
-    <p:sldId id="285" r:id="rId15"/>
-    <p:sldId id="282" r:id="rId16"/>
-    <p:sldId id="274" r:id="rId17"/>
-    <p:sldId id="275" r:id="rId18"/>
-    <p:sldId id="286" r:id="rId19"/>
-    <p:sldId id="287" r:id="rId20"/>
-    <p:sldId id="288" r:id="rId21"/>
-    <p:sldId id="289" r:id="rId22"/>
-    <p:sldId id="290" r:id="rId23"/>
-    <p:sldId id="291" r:id="rId24"/>
-    <p:sldId id="294" r:id="rId25"/>
-    <p:sldId id="293" r:id="rId26"/>
-    <p:sldId id="292" r:id="rId27"/>
-    <p:sldId id="295" r:id="rId28"/>
-    <p:sldId id="296" r:id="rId29"/>
-    <p:sldId id="297" r:id="rId30"/>
-    <p:sldId id="305" r:id="rId31"/>
-    <p:sldId id="306" r:id="rId32"/>
-    <p:sldId id="307" r:id="rId33"/>
-    <p:sldId id="308" r:id="rId34"/>
-    <p:sldId id="309" r:id="rId35"/>
-    <p:sldId id="310" r:id="rId36"/>
-    <p:sldId id="311" r:id="rId37"/>
-    <p:sldId id="324" r:id="rId38"/>
-    <p:sldId id="326" r:id="rId39"/>
-    <p:sldId id="327" r:id="rId40"/>
-    <p:sldId id="328" r:id="rId41"/>
-    <p:sldId id="333" r:id="rId42"/>
-    <p:sldId id="334" r:id="rId43"/>
-    <p:sldId id="335" r:id="rId44"/>
-    <p:sldId id="329" r:id="rId45"/>
-    <p:sldId id="336" r:id="rId46"/>
-    <p:sldId id="330" r:id="rId47"/>
-    <p:sldId id="331" r:id="rId48"/>
-    <p:sldId id="332" r:id="rId49"/>
+    <p:sldId id="338" r:id="rId9"/>
+    <p:sldId id="269" r:id="rId10"/>
+    <p:sldId id="323" r:id="rId11"/>
+    <p:sldId id="271" r:id="rId12"/>
+    <p:sldId id="272" r:id="rId13"/>
+    <p:sldId id="273" r:id="rId14"/>
+    <p:sldId id="284" r:id="rId15"/>
+    <p:sldId id="285" r:id="rId16"/>
+    <p:sldId id="282" r:id="rId17"/>
+    <p:sldId id="274" r:id="rId18"/>
+    <p:sldId id="275" r:id="rId19"/>
+    <p:sldId id="286" r:id="rId20"/>
+    <p:sldId id="287" r:id="rId21"/>
+    <p:sldId id="288" r:id="rId22"/>
+    <p:sldId id="289" r:id="rId23"/>
+    <p:sldId id="290" r:id="rId24"/>
+    <p:sldId id="291" r:id="rId25"/>
+    <p:sldId id="294" r:id="rId26"/>
+    <p:sldId id="293" r:id="rId27"/>
+    <p:sldId id="292" r:id="rId28"/>
+    <p:sldId id="295" r:id="rId29"/>
+    <p:sldId id="296" r:id="rId30"/>
+    <p:sldId id="297" r:id="rId31"/>
+    <p:sldId id="305" r:id="rId32"/>
+    <p:sldId id="306" r:id="rId33"/>
+    <p:sldId id="307" r:id="rId34"/>
+    <p:sldId id="308" r:id="rId35"/>
+    <p:sldId id="309" r:id="rId36"/>
+    <p:sldId id="310" r:id="rId37"/>
+    <p:sldId id="311" r:id="rId38"/>
+    <p:sldId id="324" r:id="rId39"/>
+    <p:sldId id="326" r:id="rId40"/>
+    <p:sldId id="327" r:id="rId41"/>
+    <p:sldId id="328" r:id="rId42"/>
+    <p:sldId id="333" r:id="rId43"/>
+    <p:sldId id="334" r:id="rId44"/>
+    <p:sldId id="335" r:id="rId45"/>
+    <p:sldId id="329" r:id="rId46"/>
+    <p:sldId id="336" r:id="rId47"/>
+    <p:sldId id="330" r:id="rId48"/>
+    <p:sldId id="331" r:id="rId49"/>
+    <p:sldId id="332" r:id="rId50"/>
   </p:sldIdLst>
   <p:sldSz cx="12192000" cy="6858000"/>
   <p:notesSz cx="6858000" cy="9144000"/>
@@ -606,7 +607,7 @@
           <a:p>
             <a:fld id="{81F398E8-CF40-4E3A-B849-5DFC67493DDD}" type="slidenum">
               <a:rPr lang="en-US" smtClean="0"/>
-              <a:t>40</a:t>
+              <a:t>41</a:t>
             </a:fld>
             <a:endParaRPr lang="en-US" dirty="0"/>
           </a:p>
@@ -690,7 +691,7 @@
           <a:p>
             <a:fld id="{81F398E8-CF40-4E3A-B849-5DFC67493DDD}" type="slidenum">
               <a:rPr lang="en-US" smtClean="0"/>
-              <a:t>41</a:t>
+              <a:t>42</a:t>
             </a:fld>
             <a:endParaRPr lang="en-US" dirty="0"/>
           </a:p>
@@ -774,7 +775,7 @@
           <a:p>
             <a:fld id="{81F398E8-CF40-4E3A-B849-5DFC67493DDD}" type="slidenum">
               <a:rPr lang="en-US" smtClean="0"/>
-              <a:t>42</a:t>
+              <a:t>43</a:t>
             </a:fld>
             <a:endParaRPr lang="en-US" dirty="0"/>
           </a:p>
@@ -858,7 +859,7 @@
           <a:p>
             <a:fld id="{81F398E8-CF40-4E3A-B849-5DFC67493DDD}" type="slidenum">
               <a:rPr lang="en-US" smtClean="0"/>
-              <a:t>43</a:t>
+              <a:t>44</a:t>
             </a:fld>
             <a:endParaRPr lang="en-US" dirty="0"/>
           </a:p>
@@ -22257,6 +22258,273 @@
       </p:grpSpPr>
       <p:sp>
         <p:nvSpPr>
+          <p:cNvPr id="2" name="Title 1"/>
+          <p:cNvSpPr>
+            <a:spLocks noGrp="1"/>
+          </p:cNvSpPr>
+          <p:nvPr>
+            <p:ph type="title"/>
+          </p:nvPr>
+        </p:nvSpPr>
+        <p:spPr/>
+        <p:txBody>
+          <a:bodyPr/>
+          <a:lstStyle/>
+          <a:p>
+            <a:r>
+              <a:rPr lang="en-US" dirty="0"/>
+              <a:t>Git on Your Laptop</a:t>
+            </a:r>
+          </a:p>
+        </p:txBody>
+      </p:sp>
+      <p:sp>
+        <p:nvSpPr>
+          <p:cNvPr id="3" name="Content Placeholder 2"/>
+          <p:cNvSpPr>
+            <a:spLocks noGrp="1"/>
+          </p:cNvSpPr>
+          <p:nvPr>
+            <p:ph idx="1"/>
+          </p:nvPr>
+        </p:nvSpPr>
+        <p:spPr/>
+        <p:txBody>
+          <a:bodyPr/>
+          <a:lstStyle/>
+          <a:p>
+            <a:endParaRPr lang="en-US" dirty="0"/>
+          </a:p>
+        </p:txBody>
+      </p:sp>
+      <p:sp>
+        <p:nvSpPr>
+          <p:cNvPr id="4" name="Slide Number Placeholder 3"/>
+          <p:cNvSpPr>
+            <a:spLocks noGrp="1"/>
+          </p:cNvSpPr>
+          <p:nvPr>
+            <p:ph type="sldNum" sz="quarter" idx="12"/>
+          </p:nvPr>
+        </p:nvSpPr>
+        <p:spPr/>
+        <p:txBody>
+          <a:bodyPr/>
+          <a:lstStyle/>
+          <a:p>
+            <a:fld id="{4577FE26-ACD1-4964-932B-823877B1C5B5}" type="slidenum">
+              <a:rPr lang="en-US" smtClean="0"/>
+              <a:t>10</a:t>
+            </a:fld>
+            <a:endParaRPr lang="en-US" dirty="0"/>
+          </a:p>
+        </p:txBody>
+      </p:sp>
+      <p:pic>
+        <p:nvPicPr>
+          <p:cNvPr id="5" name="Picture 4"/>
+          <p:cNvPicPr>
+            <a:picLocks noChangeAspect="1"/>
+          </p:cNvPicPr>
+          <p:nvPr/>
+        </p:nvPicPr>
+        <p:blipFill rotWithShape="1">
+          <a:blip r:embed="rId2">
+            <a:extLst>
+              <a:ext uri="{28A0092B-C50C-407E-A947-70E740481C1C}">
+                <a14:useLocalDpi xmlns:a14="http://schemas.microsoft.com/office/drawing/2010/main" val="0"/>
+              </a:ext>
+            </a:extLst>
+          </a:blip>
+          <a:srcRect l="5082" r="4945"/>
+          <a:stretch/>
+        </p:blipFill>
+        <p:spPr>
+          <a:xfrm>
+            <a:off x="1011676" y="2120383"/>
+            <a:ext cx="11025188" cy="3083915"/>
+          </a:xfrm>
+          <a:prstGeom prst="rect">
+            <a:avLst/>
+          </a:prstGeom>
+        </p:spPr>
+      </p:pic>
+      <p:sp>
+        <p:nvSpPr>
+          <p:cNvPr id="6" name="TextBox 5"/>
+          <p:cNvSpPr txBox="1"/>
+          <p:nvPr/>
+        </p:nvSpPr>
+        <p:spPr>
+          <a:xfrm>
+            <a:off x="3103125" y="2870904"/>
+            <a:ext cx="761747" cy="307777"/>
+          </a:xfrm>
+          <a:prstGeom prst="rect">
+            <a:avLst/>
+          </a:prstGeom>
+          <a:solidFill>
+            <a:schemeClr val="bg1"/>
+          </a:solidFill>
+        </p:spPr>
+        <p:txBody>
+          <a:bodyPr wrap="none" rtlCol="0">
+            <a:spAutoFit/>
+          </a:bodyPr>
+          <a:lstStyle/>
+          <a:p>
+            <a:r>
+              <a:rPr lang="en-US" sz="1400" dirty="0"/>
+              <a:t>   </a:t>
+            </a:r>
+            <a:r>
+              <a:rPr lang="en-US" sz="1400" dirty="0">
+                <a:sym typeface="Symbol" panose="05050102010706020507" pitchFamily="18" charset="2"/>
+              </a:rPr>
+              <a:t></a:t>
+            </a:r>
+            <a:r>
+              <a:rPr lang="en-US" sz="1400" dirty="0"/>
+              <a:t>test </a:t>
+            </a:r>
+            <a:r>
+              <a:rPr lang="en-US" sz="1400" dirty="0">
+                <a:sym typeface="Symbol" panose="05050102010706020507" pitchFamily="18" charset="2"/>
+              </a:rPr>
+              <a:t></a:t>
+            </a:r>
+            <a:endParaRPr lang="en-US" sz="1400" dirty="0"/>
+          </a:p>
+        </p:txBody>
+      </p:sp>
+      <p:sp>
+        <p:nvSpPr>
+          <p:cNvPr id="7" name="TextBox 6"/>
+          <p:cNvSpPr txBox="1"/>
+          <p:nvPr/>
+        </p:nvSpPr>
+        <p:spPr>
+          <a:xfrm>
+            <a:off x="7942279" y="2851447"/>
+            <a:ext cx="761747" cy="307777"/>
+          </a:xfrm>
+          <a:prstGeom prst="rect">
+            <a:avLst/>
+          </a:prstGeom>
+          <a:solidFill>
+            <a:schemeClr val="bg1"/>
+          </a:solidFill>
+        </p:spPr>
+        <p:txBody>
+          <a:bodyPr wrap="none" rtlCol="0">
+            <a:spAutoFit/>
+          </a:bodyPr>
+          <a:lstStyle/>
+          <a:p>
+            <a:r>
+              <a:rPr lang="en-US" sz="1400" dirty="0"/>
+              <a:t>   </a:t>
+            </a:r>
+            <a:r>
+              <a:rPr lang="en-US" sz="1400" dirty="0">
+                <a:sym typeface="Symbol" panose="05050102010706020507" pitchFamily="18" charset="2"/>
+              </a:rPr>
+              <a:t></a:t>
+            </a:r>
+            <a:r>
+              <a:rPr lang="en-US" sz="1400" dirty="0"/>
+              <a:t>test </a:t>
+            </a:r>
+            <a:r>
+              <a:rPr lang="en-US" sz="1400" dirty="0">
+                <a:sym typeface="Symbol" panose="05050102010706020507" pitchFamily="18" charset="2"/>
+              </a:rPr>
+              <a:t></a:t>
+            </a:r>
+            <a:endParaRPr lang="en-US" sz="1400" dirty="0"/>
+          </a:p>
+        </p:txBody>
+      </p:sp>
+      <p:sp>
+        <p:nvSpPr>
+          <p:cNvPr id="8" name="TextBox 7"/>
+          <p:cNvSpPr txBox="1"/>
+          <p:nvPr/>
+        </p:nvSpPr>
+        <p:spPr>
+          <a:xfrm>
+            <a:off x="3483998" y="4190624"/>
+            <a:ext cx="2015295" cy="307777"/>
+          </a:xfrm>
+          <a:prstGeom prst="rect">
+            <a:avLst/>
+          </a:prstGeom>
+          <a:solidFill>
+            <a:schemeClr val="bg1"/>
+          </a:solidFill>
+        </p:spPr>
+        <p:txBody>
+          <a:bodyPr wrap="none" rtlCol="0">
+            <a:spAutoFit/>
+          </a:bodyPr>
+          <a:lstStyle/>
+          <a:p>
+            <a:r>
+              <a:rPr lang="en-US" sz="1400" dirty="0"/>
+              <a:t> work on  </a:t>
+            </a:r>
+            <a:r>
+              <a:rPr lang="en-US" sz="1400" dirty="0">
+                <a:sym typeface="Symbol" panose="05050102010706020507" pitchFamily="18" charset="2"/>
+              </a:rPr>
+              <a:t></a:t>
+            </a:r>
+            <a:r>
+              <a:rPr lang="en-US" sz="1400" dirty="0"/>
+              <a:t>test </a:t>
+            </a:r>
+            <a:r>
+              <a:rPr lang="en-US" sz="1400" dirty="0">
+                <a:sym typeface="Symbol" panose="05050102010706020507" pitchFamily="18" charset="2"/>
+              </a:rPr>
+              <a:t> version</a:t>
+            </a:r>
+            <a:endParaRPr lang="en-US" sz="1400" dirty="0"/>
+          </a:p>
+        </p:txBody>
+      </p:sp>
+    </p:spTree>
+    <p:extLst>
+      <p:ext uri="{BB962C8B-B14F-4D97-AF65-F5344CB8AC3E}">
+        <p14:creationId xmlns:p14="http://schemas.microsoft.com/office/powerpoint/2010/main" val="1593744636"/>
+      </p:ext>
+    </p:extLst>
+  </p:cSld>
+  <p:clrMapOvr>
+    <a:masterClrMapping/>
+  </p:clrMapOvr>
+</p:sld>
+</file>
+
+<file path=ppt/slides/slide11.xml><?xml version="1.0" encoding="utf-8"?>
+<p:sld xmlns:a="http://schemas.openxmlformats.org/drawingml/2006/main" xmlns:r="http://schemas.openxmlformats.org/officeDocument/2006/relationships" xmlns:p="http://schemas.openxmlformats.org/presentationml/2006/main">
+  <p:cSld>
+    <p:spTree>
+      <p:nvGrpSpPr>
+        <p:cNvPr id="1" name=""/>
+        <p:cNvGrpSpPr/>
+        <p:nvPr/>
+      </p:nvGrpSpPr>
+      <p:grpSpPr>
+        <a:xfrm>
+          <a:off x="0" y="0"/>
+          <a:ext cx="0" cy="0"/>
+          <a:chOff x="0" y="0"/>
+          <a:chExt cx="0" cy="0"/>
+        </a:xfrm>
+      </p:grpSpPr>
+      <p:sp>
+        <p:nvSpPr>
           <p:cNvPr id="3" name="Content Placeholder 2">
             <a:extLst>
               <a:ext uri="{FF2B5EF4-FFF2-40B4-BE49-F238E27FC236}">
@@ -22319,7 +22587,7 @@
           <a:p>
             <a:fld id="{4577FE26-ACD1-4964-932B-823877B1C5B5}" type="slidenum">
               <a:rPr lang="en-US" smtClean="0"/>
-              <a:t>10</a:t>
+              <a:t>11</a:t>
             </a:fld>
             <a:endParaRPr lang="en-US" dirty="0"/>
           </a:p>
@@ -22597,7 +22865,7 @@
 </p:sld>
 </file>
 
-<file path=ppt/slides/slide11.xml><?xml version="1.0" encoding="utf-8"?>
+<file path=ppt/slides/slide12.xml><?xml version="1.0" encoding="utf-8"?>
 <p:sld xmlns:a="http://schemas.openxmlformats.org/drawingml/2006/main" xmlns:r="http://schemas.openxmlformats.org/officeDocument/2006/relationships" xmlns:p="http://schemas.openxmlformats.org/presentationml/2006/main">
   <p:cSld>
     <p:spTree>
@@ -22680,7 +22948,7 @@
           <a:p>
             <a:fld id="{4577FE26-ACD1-4964-932B-823877B1C5B5}" type="slidenum">
               <a:rPr lang="en-US" smtClean="0"/>
-              <a:t>11</a:t>
+              <a:t>12</a:t>
             </a:fld>
             <a:endParaRPr lang="en-US" dirty="0"/>
           </a:p>
@@ -22801,248 +23069,6 @@
 </p:sld>
 </file>
 
-<file path=ppt/slides/slide12.xml><?xml version="1.0" encoding="utf-8"?>
-<p:sld xmlns:a="http://schemas.openxmlformats.org/drawingml/2006/main" xmlns:r="http://schemas.openxmlformats.org/officeDocument/2006/relationships" xmlns:p="http://schemas.openxmlformats.org/presentationml/2006/main">
-  <p:cSld>
-    <p:spTree>
-      <p:nvGrpSpPr>
-        <p:cNvPr id="1" name=""/>
-        <p:cNvGrpSpPr/>
-        <p:nvPr/>
-      </p:nvGrpSpPr>
-      <p:grpSpPr>
-        <a:xfrm>
-          <a:off x="0" y="0"/>
-          <a:ext cx="0" cy="0"/>
-          <a:chOff x="0" y="0"/>
-          <a:chExt cx="0" cy="0"/>
-        </a:xfrm>
-      </p:grpSpPr>
-      <p:sp>
-        <p:nvSpPr>
-          <p:cNvPr id="2" name="Title 1"/>
-          <p:cNvSpPr>
-            <a:spLocks noGrp="1"/>
-          </p:cNvSpPr>
-          <p:nvPr>
-            <p:ph type="title"/>
-          </p:nvPr>
-        </p:nvSpPr>
-        <p:spPr/>
-        <p:txBody>
-          <a:bodyPr/>
-          <a:lstStyle/>
-          <a:p>
-            <a:r>
-              <a:rPr lang="en-US" dirty="0"/>
-              <a:t>Git on Your Laptop</a:t>
-            </a:r>
-          </a:p>
-        </p:txBody>
-      </p:sp>
-      <p:sp>
-        <p:nvSpPr>
-          <p:cNvPr id="3" name="Content Placeholder 2"/>
-          <p:cNvSpPr>
-            <a:spLocks noGrp="1"/>
-          </p:cNvSpPr>
-          <p:nvPr>
-            <p:ph idx="1"/>
-          </p:nvPr>
-        </p:nvSpPr>
-        <p:spPr>
-          <a:xfrm>
-            <a:off x="1219200" y="962526"/>
-            <a:ext cx="10836442" cy="5163637"/>
-          </a:xfrm>
-        </p:spPr>
-        <p:txBody>
-          <a:bodyPr/>
-          <a:lstStyle/>
-          <a:p>
-            <a:r>
-              <a:rPr lang="en-US" dirty="0"/>
-              <a:t>Change directory to the </a:t>
-            </a:r>
-            <a:r>
-              <a:rPr lang="en-US" dirty="0" err="1">
-                <a:latin typeface="Courier New" panose="02070309020205020404" pitchFamily="49" charset="0"/>
-                <a:cs typeface="Courier New" panose="02070309020205020404" pitchFamily="49" charset="0"/>
-              </a:rPr>
-              <a:t>git_tutorial</a:t>
-            </a:r>
-            <a:r>
-              <a:rPr lang="en-US" dirty="0"/>
-              <a:t> folder</a:t>
-            </a:r>
-          </a:p>
-          <a:p>
-            <a:pPr lvl="1"/>
-            <a:r>
-              <a:rPr lang="en-US" dirty="0"/>
-              <a:t> Type drive letter corresponding to the location of the </a:t>
-            </a:r>
-            <a:r>
-              <a:rPr lang="en-US" dirty="0">
-                <a:latin typeface="Courier New" panose="02070309020205020404" pitchFamily="49" charset="0"/>
-                <a:cs typeface="Courier New" panose="02070309020205020404" pitchFamily="49" charset="0"/>
-              </a:rPr>
-              <a:t>git_tutorial</a:t>
-            </a:r>
-            <a:r>
-              <a:rPr lang="en-US" dirty="0"/>
-              <a:t> folder, then a colon and </a:t>
-            </a:r>
-            <a:r>
-              <a:rPr lang="en-US" dirty="0">
-                <a:latin typeface="Courier New" panose="02070309020205020404" pitchFamily="49" charset="0"/>
-                <a:cs typeface="Courier New" panose="02070309020205020404" pitchFamily="49" charset="0"/>
-              </a:rPr>
-              <a:t>Enter</a:t>
-            </a:r>
-          </a:p>
-          <a:p>
-            <a:pPr lvl="1"/>
-            <a:r>
-              <a:rPr lang="en-US" dirty="0"/>
-              <a:t> Copy </a:t>
-            </a:r>
-            <a:r>
-              <a:rPr lang="en-US" dirty="0">
-                <a:latin typeface="Courier New" panose="02070309020205020404" pitchFamily="49" charset="0"/>
-                <a:cs typeface="Courier New" panose="02070309020205020404" pitchFamily="49" charset="0"/>
-              </a:rPr>
-              <a:t>my.py</a:t>
-            </a:r>
-            <a:r>
-              <a:rPr lang="en-US" dirty="0"/>
-              <a:t> file path from Windows Explorer: </a:t>
-            </a:r>
-            <a:r>
-              <a:rPr lang="en-US" dirty="0">
-                <a:latin typeface="Courier New" panose="02070309020205020404" pitchFamily="49" charset="0"/>
-                <a:cs typeface="Courier New" panose="02070309020205020404" pitchFamily="49" charset="0"/>
-              </a:rPr>
-              <a:t>Ctrl-c</a:t>
-            </a:r>
-          </a:p>
-          <a:p>
-            <a:pPr lvl="1"/>
-            <a:r>
-              <a:rPr lang="en-US" dirty="0">
-                <a:cs typeface="Courier New" panose="02070309020205020404" pitchFamily="49" charset="0"/>
-              </a:rPr>
-              <a:t>Paste into Git Command window with </a:t>
-            </a:r>
-            <a:r>
-              <a:rPr lang="en-US" dirty="0">
-                <a:latin typeface="Courier New" panose="02070309020205020404" pitchFamily="49" charset="0"/>
-                <a:cs typeface="Courier New" panose="02070309020205020404" pitchFamily="49" charset="0"/>
-              </a:rPr>
-              <a:t>cd</a:t>
-            </a:r>
-            <a:r>
-              <a:rPr lang="en-US" dirty="0">
-                <a:cs typeface="Courier New" panose="02070309020205020404" pitchFamily="49" charset="0"/>
-              </a:rPr>
-              <a:t> command </a:t>
-            </a:r>
-          </a:p>
-          <a:p>
-            <a:pPr lvl="2"/>
-            <a:r>
-              <a:rPr lang="en-US" dirty="0">
-                <a:latin typeface="Courier New" panose="02070309020205020404" pitchFamily="49" charset="0"/>
-                <a:cs typeface="Courier New" panose="02070309020205020404" pitchFamily="49" charset="0"/>
-              </a:rPr>
-              <a:t>cd</a:t>
-            </a:r>
-            <a:r>
-              <a:rPr lang="en-US" dirty="0">
-                <a:cs typeface="Courier New" panose="02070309020205020404" pitchFamily="49" charset="0"/>
-              </a:rPr>
-              <a:t> = </a:t>
-            </a:r>
-            <a:r>
-              <a:rPr lang="en-US" b="1" u="sng" dirty="0">
-                <a:cs typeface="Courier New" panose="02070309020205020404" pitchFamily="49" charset="0"/>
-              </a:rPr>
-              <a:t>c</a:t>
-            </a:r>
-            <a:r>
-              <a:rPr lang="en-US" dirty="0">
-                <a:cs typeface="Courier New" panose="02070309020205020404" pitchFamily="49" charset="0"/>
-              </a:rPr>
-              <a:t>hange </a:t>
-            </a:r>
-            <a:r>
-              <a:rPr lang="en-US" b="1" u="sng" dirty="0">
-                <a:cs typeface="Courier New" panose="02070309020205020404" pitchFamily="49" charset="0"/>
-              </a:rPr>
-              <a:t>d</a:t>
-            </a:r>
-            <a:r>
-              <a:rPr lang="en-US" dirty="0">
-                <a:cs typeface="Courier New" panose="02070309020205020404" pitchFamily="49" charset="0"/>
-              </a:rPr>
-              <a:t>irectories</a:t>
-            </a:r>
-          </a:p>
-          <a:p>
-            <a:pPr lvl="2"/>
-            <a:r>
-              <a:rPr lang="en-US" dirty="0">
-                <a:cs typeface="Courier New" panose="02070309020205020404" pitchFamily="49" charset="0"/>
-              </a:rPr>
-              <a:t>Pasting requires right-clicking on upper left Git icon</a:t>
-            </a:r>
-          </a:p>
-          <a:p>
-            <a:r>
-              <a:rPr lang="en-US" dirty="0">
-                <a:cs typeface="Courier New" panose="02070309020205020404" pitchFamily="49" charset="0"/>
-              </a:rPr>
-              <a:t>See subsequent slides for screenshots</a:t>
-            </a:r>
-          </a:p>
-        </p:txBody>
-      </p:sp>
-      <p:sp>
-        <p:nvSpPr>
-          <p:cNvPr id="4" name="Slide Number Placeholder 3"/>
-          <p:cNvSpPr>
-            <a:spLocks noGrp="1"/>
-          </p:cNvSpPr>
-          <p:nvPr>
-            <p:ph type="sldNum" sz="quarter" idx="12"/>
-          </p:nvPr>
-        </p:nvSpPr>
-        <p:spPr/>
-        <p:txBody>
-          <a:bodyPr/>
-          <a:lstStyle/>
-          <a:p>
-            <a:fld id="{4577FE26-ACD1-4964-932B-823877B1C5B5}" type="slidenum">
-              <a:rPr lang="en-US" smtClean="0"/>
-              <a:t>12</a:t>
-            </a:fld>
-            <a:endParaRPr lang="en-US" dirty="0"/>
-          </a:p>
-        </p:txBody>
-      </p:sp>
-    </p:spTree>
-    <p:extLst>
-      <p:ext uri="{BB962C8B-B14F-4D97-AF65-F5344CB8AC3E}">
-        <p14:creationId xmlns:p14="http://schemas.microsoft.com/office/powerpoint/2010/main" val="1700000263"/>
-      </p:ext>
-    </p:extLst>
-  </p:cSld>
-  <p:clrMapOvr>
-    <a:masterClrMapping/>
-  </p:clrMapOvr>
-</p:sld>
-</file>
-
 <file path=ppt/slides/slide13.xml><?xml version="1.0" encoding="utf-8"?>
 <p:sld xmlns:a="http://schemas.openxmlformats.org/drawingml/2006/main" xmlns:r="http://schemas.openxmlformats.org/officeDocument/2006/relationships" xmlns:p="http://schemas.openxmlformats.org/presentationml/2006/main">
   <p:cSld>
@@ -23092,12 +23118,160 @@
             <p:ph idx="1"/>
           </p:nvPr>
         </p:nvSpPr>
-        <p:spPr/>
+        <p:spPr>
+          <a:xfrm>
+            <a:off x="1219200" y="962526"/>
+            <a:ext cx="10836442" cy="5163637"/>
+          </a:xfrm>
+        </p:spPr>
         <p:txBody>
           <a:bodyPr/>
           <a:lstStyle/>
           <a:p>
-            <a:endParaRPr lang="en-US" dirty="0"/>
+            <a:r>
+              <a:rPr lang="en-US" dirty="0"/>
+              <a:t>Change directory to the </a:t>
+            </a:r>
+            <a:r>
+              <a:rPr lang="en-US" dirty="0" err="1">
+                <a:latin typeface="Courier New" panose="02070309020205020404" pitchFamily="49" charset="0"/>
+                <a:cs typeface="Courier New" panose="02070309020205020404" pitchFamily="49" charset="0"/>
+              </a:rPr>
+              <a:t>git_tutorial</a:t>
+            </a:r>
+            <a:r>
+              <a:rPr lang="en-US" dirty="0"/>
+              <a:t> folder</a:t>
+            </a:r>
+          </a:p>
+          <a:p>
+            <a:pPr lvl="1"/>
+            <a:r>
+              <a:rPr lang="en-US" dirty="0"/>
+              <a:t> Type drive letter corresponding to the location of the </a:t>
+            </a:r>
+            <a:r>
+              <a:rPr lang="en-US" dirty="0">
+                <a:latin typeface="Courier New" panose="02070309020205020404" pitchFamily="49" charset="0"/>
+                <a:cs typeface="Courier New" panose="02070309020205020404" pitchFamily="49" charset="0"/>
+              </a:rPr>
+              <a:t>git_tutorial</a:t>
+            </a:r>
+            <a:r>
+              <a:rPr lang="en-US" dirty="0"/>
+              <a:t> folder, then a colon and </a:t>
+            </a:r>
+            <a:r>
+              <a:rPr lang="en-US" dirty="0">
+                <a:latin typeface="Courier New" panose="02070309020205020404" pitchFamily="49" charset="0"/>
+                <a:cs typeface="Courier New" panose="02070309020205020404" pitchFamily="49" charset="0"/>
+              </a:rPr>
+              <a:t>Enter</a:t>
+            </a:r>
+          </a:p>
+          <a:p>
+            <a:pPr lvl="1"/>
+            <a:r>
+              <a:rPr lang="en-US" dirty="0"/>
+              <a:t> Copy </a:t>
+            </a:r>
+            <a:r>
+              <a:rPr lang="en-US" dirty="0">
+                <a:latin typeface="Courier New" panose="02070309020205020404" pitchFamily="49" charset="0"/>
+                <a:cs typeface="Courier New" panose="02070309020205020404" pitchFamily="49" charset="0"/>
+              </a:rPr>
+              <a:t>my.py</a:t>
+            </a:r>
+            <a:r>
+              <a:rPr lang="en-US" dirty="0"/>
+              <a:t> file path from Windows Explorer: </a:t>
+            </a:r>
+            <a:r>
+              <a:rPr lang="en-US" dirty="0">
+                <a:latin typeface="Courier New" panose="02070309020205020404" pitchFamily="49" charset="0"/>
+                <a:cs typeface="Courier New" panose="02070309020205020404" pitchFamily="49" charset="0"/>
+              </a:rPr>
+              <a:t>Ctrl-c</a:t>
+            </a:r>
+          </a:p>
+          <a:p>
+            <a:pPr lvl="1"/>
+            <a:r>
+              <a:rPr lang="en-US" dirty="0">
+                <a:cs typeface="Courier New" panose="02070309020205020404" pitchFamily="49" charset="0"/>
+              </a:rPr>
+              <a:t>Paste into Git Command window with </a:t>
+            </a:r>
+            <a:r>
+              <a:rPr lang="en-US" dirty="0">
+                <a:latin typeface="Courier New" panose="02070309020205020404" pitchFamily="49" charset="0"/>
+                <a:cs typeface="Courier New" panose="02070309020205020404" pitchFamily="49" charset="0"/>
+              </a:rPr>
+              <a:t>cd</a:t>
+            </a:r>
+            <a:r>
+              <a:rPr lang="en-US" dirty="0">
+                <a:cs typeface="Courier New" panose="02070309020205020404" pitchFamily="49" charset="0"/>
+              </a:rPr>
+              <a:t> command </a:t>
+            </a:r>
+          </a:p>
+          <a:p>
+            <a:pPr lvl="2"/>
+            <a:r>
+              <a:rPr lang="en-US" dirty="0">
+                <a:latin typeface="Courier New" panose="02070309020205020404" pitchFamily="49" charset="0"/>
+                <a:cs typeface="Courier New" panose="02070309020205020404" pitchFamily="49" charset="0"/>
+              </a:rPr>
+              <a:t>cd</a:t>
+            </a:r>
+            <a:r>
+              <a:rPr lang="en-US" dirty="0">
+                <a:cs typeface="Courier New" panose="02070309020205020404" pitchFamily="49" charset="0"/>
+              </a:rPr>
+              <a:t> = </a:t>
+            </a:r>
+            <a:r>
+              <a:rPr lang="en-US" b="1" u="sng" dirty="0">
+                <a:cs typeface="Courier New" panose="02070309020205020404" pitchFamily="49" charset="0"/>
+              </a:rPr>
+              <a:t>c</a:t>
+            </a:r>
+            <a:r>
+              <a:rPr lang="en-US" dirty="0">
+                <a:cs typeface="Courier New" panose="02070309020205020404" pitchFamily="49" charset="0"/>
+              </a:rPr>
+              <a:t>hange </a:t>
+            </a:r>
+            <a:r>
+              <a:rPr lang="en-US" b="1" u="sng" dirty="0">
+                <a:cs typeface="Courier New" panose="02070309020205020404" pitchFamily="49" charset="0"/>
+              </a:rPr>
+              <a:t>d</a:t>
+            </a:r>
+            <a:r>
+              <a:rPr lang="en-US" dirty="0">
+                <a:cs typeface="Courier New" panose="02070309020205020404" pitchFamily="49" charset="0"/>
+              </a:rPr>
+              <a:t>irectories</a:t>
+            </a:r>
+          </a:p>
+          <a:p>
+            <a:pPr lvl="2"/>
+            <a:r>
+              <a:rPr lang="en-US" dirty="0">
+                <a:cs typeface="Courier New" panose="02070309020205020404" pitchFamily="49" charset="0"/>
+              </a:rPr>
+              <a:t>Pasting requires right-clicking on upper left Git icon</a:t>
+            </a:r>
+          </a:p>
+          <a:p>
+            <a:r>
+              <a:rPr lang="en-US" dirty="0">
+                <a:cs typeface="Courier New" panose="02070309020205020404" pitchFamily="49" charset="0"/>
+              </a:rPr>
+              <a:t>See subsequent slides for screenshots</a:t>
+            </a:r>
           </a:p>
         </p:txBody>
       </p:sp>
@@ -23119,6 +23293,100 @@
             <a:fld id="{4577FE26-ACD1-4964-932B-823877B1C5B5}" type="slidenum">
               <a:rPr lang="en-US" smtClean="0"/>
               <a:t>13</a:t>
+            </a:fld>
+            <a:endParaRPr lang="en-US" dirty="0"/>
+          </a:p>
+        </p:txBody>
+      </p:sp>
+    </p:spTree>
+    <p:extLst>
+      <p:ext uri="{BB962C8B-B14F-4D97-AF65-F5344CB8AC3E}">
+        <p14:creationId xmlns:p14="http://schemas.microsoft.com/office/powerpoint/2010/main" val="1700000263"/>
+      </p:ext>
+    </p:extLst>
+  </p:cSld>
+  <p:clrMapOvr>
+    <a:masterClrMapping/>
+  </p:clrMapOvr>
+</p:sld>
+</file>
+
+<file path=ppt/slides/slide14.xml><?xml version="1.0" encoding="utf-8"?>
+<p:sld xmlns:a="http://schemas.openxmlformats.org/drawingml/2006/main" xmlns:r="http://schemas.openxmlformats.org/officeDocument/2006/relationships" xmlns:p="http://schemas.openxmlformats.org/presentationml/2006/main">
+  <p:cSld>
+    <p:spTree>
+      <p:nvGrpSpPr>
+        <p:cNvPr id="1" name=""/>
+        <p:cNvGrpSpPr/>
+        <p:nvPr/>
+      </p:nvGrpSpPr>
+      <p:grpSpPr>
+        <a:xfrm>
+          <a:off x="0" y="0"/>
+          <a:ext cx="0" cy="0"/>
+          <a:chOff x="0" y="0"/>
+          <a:chExt cx="0" cy="0"/>
+        </a:xfrm>
+      </p:grpSpPr>
+      <p:sp>
+        <p:nvSpPr>
+          <p:cNvPr id="2" name="Title 1"/>
+          <p:cNvSpPr>
+            <a:spLocks noGrp="1"/>
+          </p:cNvSpPr>
+          <p:nvPr>
+            <p:ph type="title"/>
+          </p:nvPr>
+        </p:nvSpPr>
+        <p:spPr/>
+        <p:txBody>
+          <a:bodyPr/>
+          <a:lstStyle/>
+          <a:p>
+            <a:r>
+              <a:rPr lang="en-US" dirty="0"/>
+              <a:t>Git on Your Laptop</a:t>
+            </a:r>
+          </a:p>
+        </p:txBody>
+      </p:sp>
+      <p:sp>
+        <p:nvSpPr>
+          <p:cNvPr id="3" name="Content Placeholder 2"/>
+          <p:cNvSpPr>
+            <a:spLocks noGrp="1"/>
+          </p:cNvSpPr>
+          <p:nvPr>
+            <p:ph idx="1"/>
+          </p:nvPr>
+        </p:nvSpPr>
+        <p:spPr/>
+        <p:txBody>
+          <a:bodyPr/>
+          <a:lstStyle/>
+          <a:p>
+            <a:endParaRPr lang="en-US" dirty="0"/>
+          </a:p>
+        </p:txBody>
+      </p:sp>
+      <p:sp>
+        <p:nvSpPr>
+          <p:cNvPr id="4" name="Slide Number Placeholder 3"/>
+          <p:cNvSpPr>
+            <a:spLocks noGrp="1"/>
+          </p:cNvSpPr>
+          <p:nvPr>
+            <p:ph type="sldNum" sz="quarter" idx="12"/>
+          </p:nvPr>
+        </p:nvSpPr>
+        <p:spPr/>
+        <p:txBody>
+          <a:bodyPr/>
+          <a:lstStyle/>
+          <a:p>
+            <a:fld id="{4577FE26-ACD1-4964-932B-823877B1C5B5}" type="slidenum">
+              <a:rPr lang="en-US" smtClean="0"/>
+              <a:t>14</a:t>
             </a:fld>
             <a:endParaRPr lang="en-US" dirty="0"/>
           </a:p>
@@ -23219,7 +23487,7 @@
 </p:sld>
 </file>
 
-<file path=ppt/slides/slide14.xml><?xml version="1.0" encoding="utf-8"?>
+<file path=ppt/slides/slide15.xml><?xml version="1.0" encoding="utf-8"?>
 <p:sld xmlns:a="http://schemas.openxmlformats.org/drawingml/2006/main" xmlns:r="http://schemas.openxmlformats.org/officeDocument/2006/relationships" xmlns:p="http://schemas.openxmlformats.org/presentationml/2006/main">
   <p:cSld>
     <p:spTree>
@@ -23294,7 +23562,7 @@
           <a:p>
             <a:fld id="{4577FE26-ACD1-4964-932B-823877B1C5B5}" type="slidenum">
               <a:rPr lang="en-US" smtClean="0"/>
-              <a:t>14</a:t>
+              <a:t>15</a:t>
             </a:fld>
             <a:endParaRPr lang="en-US" dirty="0"/>
           </a:p>
@@ -23406,7 +23674,7 @@
 </p:sld>
 </file>
 
-<file path=ppt/slides/slide15.xml><?xml version="1.0" encoding="utf-8"?>
+<file path=ppt/slides/slide16.xml><?xml version="1.0" encoding="utf-8"?>
 <p:sld xmlns:a="http://schemas.openxmlformats.org/drawingml/2006/main" xmlns:r="http://schemas.openxmlformats.org/officeDocument/2006/relationships" xmlns:p="http://schemas.openxmlformats.org/presentationml/2006/main">
   <p:cSld>
     <p:spTree>
@@ -23542,7 +23810,7 @@
           <a:p>
             <a:fld id="{4577FE26-ACD1-4964-932B-823877B1C5B5}" type="slidenum">
               <a:rPr lang="en-US" smtClean="0"/>
-              <a:t>15</a:t>
+              <a:t>16</a:t>
             </a:fld>
             <a:endParaRPr lang="en-US" dirty="0"/>
           </a:p>
@@ -23631,7 +23899,7 @@
 </p:sld>
 </file>
 
-<file path=ppt/slides/slide16.xml><?xml version="1.0" encoding="utf-8"?>
+<file path=ppt/slides/slide17.xml><?xml version="1.0" encoding="utf-8"?>
 <p:sld xmlns:a="http://schemas.openxmlformats.org/drawingml/2006/main" xmlns:r="http://schemas.openxmlformats.org/officeDocument/2006/relationships" xmlns:p="http://schemas.openxmlformats.org/presentationml/2006/main">
   <p:cSld>
     <p:spTree>
@@ -23767,7 +24035,7 @@
           <a:p>
             <a:fld id="{4577FE26-ACD1-4964-932B-823877B1C5B5}" type="slidenum">
               <a:rPr lang="en-US" smtClean="0"/>
-              <a:t>16</a:t>
+              <a:t>17</a:t>
             </a:fld>
             <a:endParaRPr lang="en-US" dirty="0"/>
           </a:p>
@@ -23856,7 +24124,7 @@
 </p:sld>
 </file>
 
-<file path=ppt/slides/slide17.xml><?xml version="1.0" encoding="utf-8"?>
+<file path=ppt/slides/slide18.xml><?xml version="1.0" encoding="utf-8"?>
 <p:sld xmlns:a="http://schemas.openxmlformats.org/drawingml/2006/main" xmlns:r="http://schemas.openxmlformats.org/officeDocument/2006/relationships" xmlns:p="http://schemas.openxmlformats.org/presentationml/2006/main">
   <p:cSld>
     <p:spTree>
@@ -23973,7 +24241,7 @@
           <a:p>
             <a:fld id="{4577FE26-ACD1-4964-932B-823877B1C5B5}" type="slidenum">
               <a:rPr lang="en-US" smtClean="0"/>
-              <a:t>17</a:t>
+              <a:t>18</a:t>
             </a:fld>
             <a:endParaRPr lang="en-US" dirty="0"/>
           </a:p>
@@ -24062,7 +24330,7 @@
 </p:sld>
 </file>
 
-<file path=ppt/slides/slide18.xml><?xml version="1.0" encoding="utf-8"?>
+<file path=ppt/slides/slide19.xml><?xml version="1.0" encoding="utf-8"?>
 <p:sld xmlns:a="http://schemas.openxmlformats.org/drawingml/2006/main" xmlns:r="http://schemas.openxmlformats.org/officeDocument/2006/relationships" xmlns:p="http://schemas.openxmlformats.org/presentationml/2006/main">
   <p:cSld>
     <p:spTree>
@@ -24223,7 +24491,7 @@
           <a:p>
             <a:fld id="{4577FE26-ACD1-4964-932B-823877B1C5B5}" type="slidenum">
               <a:rPr lang="en-US" smtClean="0"/>
-              <a:t>18</a:t>
+              <a:t>19</a:t>
             </a:fld>
             <a:endParaRPr lang="en-US" dirty="0"/>
           </a:p>
@@ -24312,119 +24580,6 @@
 </p:sld>
 </file>
 
-<file path=ppt/slides/slide19.xml><?xml version="1.0" encoding="utf-8"?>
-<p:sld xmlns:a="http://schemas.openxmlformats.org/drawingml/2006/main" xmlns:r="http://schemas.openxmlformats.org/officeDocument/2006/relationships" xmlns:p="http://schemas.openxmlformats.org/presentationml/2006/main">
-  <p:cSld>
-    <p:spTree>
-      <p:nvGrpSpPr>
-        <p:cNvPr id="1" name=""/>
-        <p:cNvGrpSpPr/>
-        <p:nvPr/>
-      </p:nvGrpSpPr>
-      <p:grpSpPr>
-        <a:xfrm>
-          <a:off x="0" y="0"/>
-          <a:ext cx="0" cy="0"/>
-          <a:chOff x="0" y="0"/>
-          <a:chExt cx="0" cy="0"/>
-        </a:xfrm>
-      </p:grpSpPr>
-      <p:sp>
-        <p:nvSpPr>
-          <p:cNvPr id="2" name="Title 1"/>
-          <p:cNvSpPr>
-            <a:spLocks noGrp="1"/>
-          </p:cNvSpPr>
-          <p:nvPr>
-            <p:ph type="title"/>
-          </p:nvPr>
-        </p:nvSpPr>
-        <p:spPr/>
-        <p:txBody>
-          <a:bodyPr/>
-          <a:lstStyle/>
-          <a:p>
-            <a:r>
-              <a:rPr lang="en-US" dirty="0"/>
-              <a:t>Git on Your Laptop</a:t>
-            </a:r>
-          </a:p>
-        </p:txBody>
-      </p:sp>
-      <p:sp>
-        <p:nvSpPr>
-          <p:cNvPr id="3" name="Content Placeholder 2"/>
-          <p:cNvSpPr>
-            <a:spLocks noGrp="1"/>
-          </p:cNvSpPr>
-          <p:nvPr>
-            <p:ph idx="1"/>
-          </p:nvPr>
-        </p:nvSpPr>
-        <p:spPr/>
-        <p:txBody>
-          <a:bodyPr/>
-          <a:lstStyle/>
-          <a:p>
-            <a:pPr>
-              <a:spcBef>
-                <a:spcPts val="0"/>
-              </a:spcBef>
-            </a:pPr>
-            <a:r>
-              <a:rPr lang="en-US" dirty="0"/>
-              <a:t>A </a:t>
-            </a:r>
-            <a:r>
-              <a:rPr lang="en-US" dirty="0">
-                <a:latin typeface="Courier New" panose="02070309020205020404" pitchFamily="49" charset="0"/>
-                <a:cs typeface="Courier New" panose="02070309020205020404" pitchFamily="49" charset="0"/>
-              </a:rPr>
-              <a:t>git add </a:t>
-            </a:r>
-            <a:r>
-              <a:rPr lang="en-US" dirty="0"/>
-              <a:t>command is required on the command line each time you want to commit changes to a file</a:t>
-            </a:r>
-          </a:p>
-        </p:txBody>
-      </p:sp>
-      <p:sp>
-        <p:nvSpPr>
-          <p:cNvPr id="4" name="Slide Number Placeholder 3"/>
-          <p:cNvSpPr>
-            <a:spLocks noGrp="1"/>
-          </p:cNvSpPr>
-          <p:nvPr>
-            <p:ph type="sldNum" sz="quarter" idx="12"/>
-          </p:nvPr>
-        </p:nvSpPr>
-        <p:spPr/>
-        <p:txBody>
-          <a:bodyPr/>
-          <a:lstStyle/>
-          <a:p>
-            <a:fld id="{4577FE26-ACD1-4964-932B-823877B1C5B5}" type="slidenum">
-              <a:rPr lang="en-US" smtClean="0"/>
-              <a:t>19</a:t>
-            </a:fld>
-            <a:endParaRPr lang="en-US" dirty="0"/>
-          </a:p>
-        </p:txBody>
-      </p:sp>
-    </p:spTree>
-    <p:extLst>
-      <p:ext uri="{BB962C8B-B14F-4D97-AF65-F5344CB8AC3E}">
-        <p14:creationId xmlns:p14="http://schemas.microsoft.com/office/powerpoint/2010/main" val="2324909621"/>
-      </p:ext>
-    </p:extLst>
-  </p:cSld>
-  <p:clrMapOvr>
-    <a:masterClrMapping/>
-  </p:clrMapOvr>
-</p:sld>
-</file>
-
 <file path=ppt/slides/slide2.xml><?xml version="1.0" encoding="utf-8"?>
 <p:sld xmlns:a="http://schemas.openxmlformats.org/drawingml/2006/main" xmlns:r="http://schemas.openxmlformats.org/officeDocument/2006/relationships" xmlns:p="http://schemas.openxmlformats.org/presentationml/2006/main">
   <p:cSld>
@@ -24595,12 +24750,7 @@
             <p:ph idx="1"/>
           </p:nvPr>
         </p:nvSpPr>
-        <p:spPr>
-          <a:xfrm>
-            <a:off x="1219200" y="1106906"/>
-            <a:ext cx="10363200" cy="5019258"/>
-          </a:xfrm>
-        </p:spPr>
+        <p:spPr/>
         <p:txBody>
           <a:bodyPr/>
           <a:lstStyle/>
@@ -24612,63 +24762,19 @@
             </a:pPr>
             <a:r>
               <a:rPr lang="en-US" dirty="0"/>
-              <a:t>We will revise </a:t>
+              <a:t>A </a:t>
             </a:r>
             <a:r>
               <a:rPr lang="en-US" dirty="0">
                 <a:latin typeface="Courier New" panose="02070309020205020404" pitchFamily="49" charset="0"/>
                 <a:cs typeface="Courier New" panose="02070309020205020404" pitchFamily="49" charset="0"/>
               </a:rPr>
-              <a:t>my.py</a:t>
+              <a:t>git add </a:t>
             </a:r>
             <a:r>
               <a:rPr lang="en-US" dirty="0"/>
-              <a:t> so create a </a:t>
-            </a:r>
-            <a:r>
-              <a:rPr lang="en-US" dirty="0">
-                <a:latin typeface="Courier New" panose="02070309020205020404" pitchFamily="49" charset="0"/>
-                <a:cs typeface="Courier New" panose="02070309020205020404" pitchFamily="49" charset="0"/>
-              </a:rPr>
-              <a:t>test</a:t>
-            </a:r>
-            <a:r>
-              <a:rPr lang="en-US" dirty="0"/>
-              <a:t> branch</a:t>
-            </a:r>
-          </a:p>
-          <a:p>
-            <a:pPr>
-              <a:spcBef>
-                <a:spcPts val="0"/>
-              </a:spcBef>
-            </a:pPr>
-            <a:r>
-              <a:rPr lang="en-US" dirty="0">
-                <a:latin typeface="Courier New" panose="02070309020205020404" pitchFamily="49" charset="0"/>
-                <a:cs typeface="Courier New" panose="02070309020205020404" pitchFamily="49" charset="0"/>
-              </a:rPr>
-              <a:t>git branch test</a:t>
-            </a:r>
-            <a:r>
-              <a:rPr lang="en-US" dirty="0"/>
-              <a:t>, then </a:t>
-            </a:r>
-            <a:r>
-              <a:rPr lang="en-US" dirty="0">
-                <a:latin typeface="Courier New" panose="02070309020205020404" pitchFamily="49" charset="0"/>
-                <a:cs typeface="Courier New" panose="02070309020205020404" pitchFamily="49" charset="0"/>
-              </a:rPr>
-              <a:t>Return</a:t>
-            </a:r>
-          </a:p>
-          <a:p>
-            <a:pPr>
-              <a:spcBef>
-                <a:spcPts val="0"/>
-              </a:spcBef>
-            </a:pPr>
-            <a:endParaRPr lang="en-US" dirty="0"/>
+              <a:t>command is required on the command line each time you want to commit changes to a file</a:t>
+            </a:r>
           </a:p>
         </p:txBody>
       </p:sp>
@@ -24690,6 +24796,168 @@
             <a:fld id="{4577FE26-ACD1-4964-932B-823877B1C5B5}" type="slidenum">
               <a:rPr lang="en-US" smtClean="0"/>
               <a:t>20</a:t>
+            </a:fld>
+            <a:endParaRPr lang="en-US" dirty="0"/>
+          </a:p>
+        </p:txBody>
+      </p:sp>
+    </p:spTree>
+    <p:extLst>
+      <p:ext uri="{BB962C8B-B14F-4D97-AF65-F5344CB8AC3E}">
+        <p14:creationId xmlns:p14="http://schemas.microsoft.com/office/powerpoint/2010/main" val="2324909621"/>
+      </p:ext>
+    </p:extLst>
+  </p:cSld>
+  <p:clrMapOvr>
+    <a:masterClrMapping/>
+  </p:clrMapOvr>
+</p:sld>
+</file>
+
+<file path=ppt/slides/slide21.xml><?xml version="1.0" encoding="utf-8"?>
+<p:sld xmlns:a="http://schemas.openxmlformats.org/drawingml/2006/main" xmlns:r="http://schemas.openxmlformats.org/officeDocument/2006/relationships" xmlns:p="http://schemas.openxmlformats.org/presentationml/2006/main">
+  <p:cSld>
+    <p:spTree>
+      <p:nvGrpSpPr>
+        <p:cNvPr id="1" name=""/>
+        <p:cNvGrpSpPr/>
+        <p:nvPr/>
+      </p:nvGrpSpPr>
+      <p:grpSpPr>
+        <a:xfrm>
+          <a:off x="0" y="0"/>
+          <a:ext cx="0" cy="0"/>
+          <a:chOff x="0" y="0"/>
+          <a:chExt cx="0" cy="0"/>
+        </a:xfrm>
+      </p:grpSpPr>
+      <p:sp>
+        <p:nvSpPr>
+          <p:cNvPr id="2" name="Title 1"/>
+          <p:cNvSpPr>
+            <a:spLocks noGrp="1"/>
+          </p:cNvSpPr>
+          <p:nvPr>
+            <p:ph type="title"/>
+          </p:nvPr>
+        </p:nvSpPr>
+        <p:spPr/>
+        <p:txBody>
+          <a:bodyPr/>
+          <a:lstStyle/>
+          <a:p>
+            <a:r>
+              <a:rPr lang="en-US" dirty="0"/>
+              <a:t>Git on Your Laptop</a:t>
+            </a:r>
+          </a:p>
+        </p:txBody>
+      </p:sp>
+      <p:sp>
+        <p:nvSpPr>
+          <p:cNvPr id="3" name="Content Placeholder 2"/>
+          <p:cNvSpPr>
+            <a:spLocks noGrp="1"/>
+          </p:cNvSpPr>
+          <p:nvPr>
+            <p:ph idx="1"/>
+          </p:nvPr>
+        </p:nvSpPr>
+        <p:spPr>
+          <a:xfrm>
+            <a:off x="1219200" y="1106906"/>
+            <a:ext cx="10363200" cy="5019258"/>
+          </a:xfrm>
+        </p:spPr>
+        <p:txBody>
+          <a:bodyPr/>
+          <a:lstStyle/>
+          <a:p>
+            <a:pPr>
+              <a:spcBef>
+                <a:spcPts val="0"/>
+              </a:spcBef>
+            </a:pPr>
+            <a:r>
+              <a:rPr lang="en-US" dirty="0"/>
+              <a:t>We will revise </a:t>
+            </a:r>
+            <a:r>
+              <a:rPr lang="en-US" dirty="0">
+                <a:latin typeface="Courier New" panose="02070309020205020404" pitchFamily="49" charset="0"/>
+                <a:cs typeface="Courier New" panose="02070309020205020404" pitchFamily="49" charset="0"/>
+              </a:rPr>
+              <a:t>my.py</a:t>
+            </a:r>
+            <a:r>
+              <a:rPr lang="en-US" dirty="0"/>
+              <a:t> so create a </a:t>
+            </a:r>
+            <a:r>
+              <a:rPr lang="en-US" dirty="0">
+                <a:latin typeface="Courier New" panose="02070309020205020404" pitchFamily="49" charset="0"/>
+                <a:cs typeface="Courier New" panose="02070309020205020404" pitchFamily="49" charset="0"/>
+              </a:rPr>
+              <a:t>test</a:t>
+            </a:r>
+            <a:r>
+              <a:rPr lang="en-US" dirty="0"/>
+              <a:t> branch</a:t>
+            </a:r>
+          </a:p>
+          <a:p>
+            <a:pPr>
+              <a:spcBef>
+                <a:spcPts val="0"/>
+              </a:spcBef>
+            </a:pPr>
+            <a:r>
+              <a:rPr lang="en-US" dirty="0">
+                <a:latin typeface="Courier New" panose="02070309020205020404" pitchFamily="49" charset="0"/>
+                <a:cs typeface="Courier New" panose="02070309020205020404" pitchFamily="49" charset="0"/>
+              </a:rPr>
+              <a:t>git branch test</a:t>
+            </a:r>
+            <a:r>
+              <a:rPr lang="en-US" dirty="0"/>
+              <a:t>, then </a:t>
+            </a:r>
+            <a:r>
+              <a:rPr lang="en-US" dirty="0">
+                <a:latin typeface="Courier New" panose="02070309020205020404" pitchFamily="49" charset="0"/>
+                <a:cs typeface="Courier New" panose="02070309020205020404" pitchFamily="49" charset="0"/>
+              </a:rPr>
+              <a:t>Return</a:t>
+            </a:r>
+          </a:p>
+          <a:p>
+            <a:pPr>
+              <a:spcBef>
+                <a:spcPts val="0"/>
+              </a:spcBef>
+            </a:pPr>
+            <a:endParaRPr lang="en-US" dirty="0"/>
+          </a:p>
+        </p:txBody>
+      </p:sp>
+      <p:sp>
+        <p:nvSpPr>
+          <p:cNvPr id="4" name="Slide Number Placeholder 3"/>
+          <p:cNvSpPr>
+            <a:spLocks noGrp="1"/>
+          </p:cNvSpPr>
+          <p:nvPr>
+            <p:ph type="sldNum" sz="quarter" idx="12"/>
+          </p:nvPr>
+        </p:nvSpPr>
+        <p:spPr/>
+        <p:txBody>
+          <a:bodyPr/>
+          <a:lstStyle/>
+          <a:p>
+            <a:fld id="{4577FE26-ACD1-4964-932B-823877B1C5B5}" type="slidenum">
+              <a:rPr lang="en-US" smtClean="0"/>
+              <a:t>21</a:t>
             </a:fld>
             <a:endParaRPr lang="en-US" dirty="0"/>
           </a:p>
@@ -24778,7 +25046,7 @@
 </p:sld>
 </file>
 
-<file path=ppt/slides/slide21.xml><?xml version="1.0" encoding="utf-8"?>
+<file path=ppt/slides/slide22.xml><?xml version="1.0" encoding="utf-8"?>
 <p:sld xmlns:a="http://schemas.openxmlformats.org/drawingml/2006/main" xmlns:r="http://schemas.openxmlformats.org/officeDocument/2006/relationships" xmlns:p="http://schemas.openxmlformats.org/presentationml/2006/main">
   <p:cSld>
     <p:spTree>
@@ -24906,7 +25174,7 @@
           <a:p>
             <a:fld id="{4577FE26-ACD1-4964-932B-823877B1C5B5}" type="slidenum">
               <a:rPr lang="en-US" smtClean="0"/>
-              <a:t>21</a:t>
+              <a:t>22</a:t>
             </a:fld>
             <a:endParaRPr lang="en-US" dirty="0"/>
           </a:p>
@@ -24995,7 +25263,7 @@
 </p:sld>
 </file>
 
-<file path=ppt/slides/slide22.xml><?xml version="1.0" encoding="utf-8"?>
+<file path=ppt/slides/slide23.xml><?xml version="1.0" encoding="utf-8"?>
 <p:sld xmlns:a="http://schemas.openxmlformats.org/drawingml/2006/main" xmlns:r="http://schemas.openxmlformats.org/officeDocument/2006/relationships" xmlns:p="http://schemas.openxmlformats.org/presentationml/2006/main">
   <p:cSld>
     <p:spTree>
@@ -25145,7 +25413,7 @@
           <a:p>
             <a:fld id="{4577FE26-ACD1-4964-932B-823877B1C5B5}" type="slidenum">
               <a:rPr lang="en-US" smtClean="0"/>
-              <a:t>22</a:t>
+              <a:t>23</a:t>
             </a:fld>
             <a:endParaRPr lang="en-US" dirty="0"/>
           </a:p>
@@ -25234,7 +25502,7 @@
 </p:sld>
 </file>
 
-<file path=ppt/slides/slide23.xml><?xml version="1.0" encoding="utf-8"?>
+<file path=ppt/slides/slide24.xml><?xml version="1.0" encoding="utf-8"?>
 <p:sld xmlns:a="http://schemas.openxmlformats.org/drawingml/2006/main" xmlns:r="http://schemas.openxmlformats.org/officeDocument/2006/relationships" xmlns:p="http://schemas.openxmlformats.org/presentationml/2006/main">
   <p:cSld>
     <p:spTree>
@@ -25322,7 +25590,7 @@
           <a:p>
             <a:fld id="{4577FE26-ACD1-4964-932B-823877B1C5B5}" type="slidenum">
               <a:rPr lang="en-US" smtClean="0"/>
-              <a:t>23</a:t>
+              <a:t>24</a:t>
             </a:fld>
             <a:endParaRPr lang="en-US" dirty="0"/>
           </a:p>
@@ -25446,7 +25714,7 @@
 </p:sld>
 </file>
 
-<file path=ppt/slides/slide24.xml><?xml version="1.0" encoding="utf-8"?>
+<file path=ppt/slides/slide25.xml><?xml version="1.0" encoding="utf-8"?>
 <p:sld xmlns:a="http://schemas.openxmlformats.org/drawingml/2006/main" xmlns:r="http://schemas.openxmlformats.org/officeDocument/2006/relationships" xmlns:p="http://schemas.openxmlformats.org/presentationml/2006/main">
   <p:cSld>
     <p:spTree>
@@ -25661,7 +25929,7 @@
           <a:p>
             <a:fld id="{4577FE26-ACD1-4964-932B-823877B1C5B5}" type="slidenum">
               <a:rPr lang="en-US" smtClean="0"/>
-              <a:t>24</a:t>
+              <a:t>25</a:t>
             </a:fld>
             <a:endParaRPr lang="en-US" dirty="0"/>
           </a:p>
@@ -25680,7 +25948,7 @@
 </p:sld>
 </file>
 
-<file path=ppt/slides/slide25.xml><?xml version="1.0" encoding="utf-8"?>
+<file path=ppt/slides/slide26.xml><?xml version="1.0" encoding="utf-8"?>
 <p:sld xmlns:a="http://schemas.openxmlformats.org/drawingml/2006/main" xmlns:r="http://schemas.openxmlformats.org/officeDocument/2006/relationships" xmlns:p="http://schemas.openxmlformats.org/presentationml/2006/main">
   <p:cSld>
     <p:spTree>
@@ -25838,7 +26106,7 @@
           <a:p>
             <a:fld id="{4577FE26-ACD1-4964-932B-823877B1C5B5}" type="slidenum">
               <a:rPr lang="en-US" smtClean="0"/>
-              <a:t>25</a:t>
+              <a:t>26</a:t>
             </a:fld>
             <a:endParaRPr lang="en-US" dirty="0"/>
           </a:p>
@@ -25903,7 +26171,7 @@
 </p:sld>
 </file>
 
-<file path=ppt/slides/slide26.xml><?xml version="1.0" encoding="utf-8"?>
+<file path=ppt/slides/slide27.xml><?xml version="1.0" encoding="utf-8"?>
 <p:sld xmlns:a="http://schemas.openxmlformats.org/drawingml/2006/main" xmlns:r="http://schemas.openxmlformats.org/officeDocument/2006/relationships" xmlns:p="http://schemas.openxmlformats.org/presentationml/2006/main">
   <p:cSld>
     <p:spTree>
@@ -26070,7 +26338,7 @@
           <a:p>
             <a:fld id="{4577FE26-ACD1-4964-932B-823877B1C5B5}" type="slidenum">
               <a:rPr lang="en-US" smtClean="0"/>
-              <a:t>26</a:t>
+              <a:t>27</a:t>
             </a:fld>
             <a:endParaRPr lang="en-US" dirty="0"/>
           </a:p>
@@ -26225,7 +26493,7 @@
 </p:sld>
 </file>
 
-<file path=ppt/slides/slide27.xml><?xml version="1.0" encoding="utf-8"?>
+<file path=ppt/slides/slide28.xml><?xml version="1.0" encoding="utf-8"?>
 <p:sld xmlns:a="http://schemas.openxmlformats.org/drawingml/2006/main" xmlns:r="http://schemas.openxmlformats.org/officeDocument/2006/relationships" xmlns:p="http://schemas.openxmlformats.org/presentationml/2006/main">
   <p:cSld>
     <p:spTree>
@@ -26357,7 +26625,7 @@
           <a:p>
             <a:fld id="{4577FE26-ACD1-4964-932B-823877B1C5B5}" type="slidenum">
               <a:rPr lang="en-US" smtClean="0"/>
-              <a:t>27</a:t>
+              <a:t>28</a:t>
             </a:fld>
             <a:endParaRPr lang="en-US" dirty="0"/>
           </a:p>
@@ -26446,7 +26714,7 @@
 </p:sld>
 </file>
 
-<file path=ppt/slides/slide28.xml><?xml version="1.0" encoding="utf-8"?>
+<file path=ppt/slides/slide29.xml><?xml version="1.0" encoding="utf-8"?>
 <p:sld xmlns:a="http://schemas.openxmlformats.org/drawingml/2006/main" xmlns:r="http://schemas.openxmlformats.org/officeDocument/2006/relationships" xmlns:p="http://schemas.openxmlformats.org/presentationml/2006/main">
   <p:cSld>
     <p:spTree>
@@ -26578,7 +26846,7 @@
           <a:p>
             <a:fld id="{4577FE26-ACD1-4964-932B-823877B1C5B5}" type="slidenum">
               <a:rPr lang="en-US" smtClean="0"/>
-              <a:t>28</a:t>
+              <a:t>29</a:t>
             </a:fld>
             <a:endParaRPr lang="en-US" dirty="0"/>
           </a:p>
@@ -26618,213 +26886,6 @@
     <p:extLst>
       <p:ext uri="{BB962C8B-B14F-4D97-AF65-F5344CB8AC3E}">
         <p14:creationId xmlns:p14="http://schemas.microsoft.com/office/powerpoint/2010/main" val="2749307264"/>
-      </p:ext>
-    </p:extLst>
-  </p:cSld>
-  <p:clrMapOvr>
-    <a:masterClrMapping/>
-  </p:clrMapOvr>
-</p:sld>
-</file>
-
-<file path=ppt/slides/slide29.xml><?xml version="1.0" encoding="utf-8"?>
-<p:sld xmlns:a="http://schemas.openxmlformats.org/drawingml/2006/main" xmlns:r="http://schemas.openxmlformats.org/officeDocument/2006/relationships" xmlns:p="http://schemas.openxmlformats.org/presentationml/2006/main">
-  <p:cSld>
-    <p:spTree>
-      <p:nvGrpSpPr>
-        <p:cNvPr id="1" name=""/>
-        <p:cNvGrpSpPr/>
-        <p:nvPr/>
-      </p:nvGrpSpPr>
-      <p:grpSpPr>
-        <a:xfrm>
-          <a:off x="0" y="0"/>
-          <a:ext cx="0" cy="0"/>
-          <a:chOff x="0" y="0"/>
-          <a:chExt cx="0" cy="0"/>
-        </a:xfrm>
-      </p:grpSpPr>
-      <p:sp>
-        <p:nvSpPr>
-          <p:cNvPr id="2" name="Title 1"/>
-          <p:cNvSpPr>
-            <a:spLocks noGrp="1"/>
-          </p:cNvSpPr>
-          <p:nvPr>
-            <p:ph type="title"/>
-          </p:nvPr>
-        </p:nvSpPr>
-        <p:spPr/>
-        <p:txBody>
-          <a:bodyPr/>
-          <a:lstStyle/>
-          <a:p>
-            <a:r>
-              <a:rPr lang="en-US" dirty="0"/>
-              <a:t>Git on Your Laptop</a:t>
-            </a:r>
-          </a:p>
-        </p:txBody>
-      </p:sp>
-      <p:sp>
-        <p:nvSpPr>
-          <p:cNvPr id="3" name="Content Placeholder 2"/>
-          <p:cNvSpPr>
-            <a:spLocks noGrp="1"/>
-          </p:cNvSpPr>
-          <p:nvPr>
-            <p:ph idx="1"/>
-          </p:nvPr>
-        </p:nvSpPr>
-        <p:spPr>
-          <a:xfrm>
-            <a:off x="1219200" y="1228725"/>
-            <a:ext cx="10363200" cy="4678363"/>
-          </a:xfrm>
-        </p:spPr>
-        <p:txBody>
-          <a:bodyPr/>
-          <a:lstStyle/>
-          <a:p>
-            <a:pPr>
-              <a:spcBef>
-                <a:spcPts val="0"/>
-              </a:spcBef>
-            </a:pPr>
-            <a:r>
-              <a:rPr lang="en-US" dirty="0"/>
-              <a:t>Delete </a:t>
-            </a:r>
-            <a:r>
-              <a:rPr lang="en-US" dirty="0">
-                <a:latin typeface="Courier New" panose="02070309020205020404" pitchFamily="49" charset="0"/>
-                <a:cs typeface="Courier New" panose="02070309020205020404" pitchFamily="49" charset="0"/>
-              </a:rPr>
-              <a:t>test</a:t>
-            </a:r>
-            <a:r>
-              <a:rPr lang="en-US" dirty="0"/>
-              <a:t> branch</a:t>
-            </a:r>
-          </a:p>
-          <a:p>
-            <a:pPr lvl="1">
-              <a:spcBef>
-                <a:spcPts val="0"/>
-              </a:spcBef>
-            </a:pPr>
-            <a:r>
-              <a:rPr lang="en-US" dirty="0">
-                <a:latin typeface="Courier New" panose="02070309020205020404" pitchFamily="49" charset="0"/>
-                <a:cs typeface="Courier New" panose="02070309020205020404" pitchFamily="49" charset="0"/>
-              </a:rPr>
-              <a:t>git branch –d test</a:t>
-            </a:r>
-            <a:r>
-              <a:rPr lang="en-US" dirty="0"/>
-              <a:t>, then </a:t>
-            </a:r>
-            <a:r>
-              <a:rPr lang="en-US" dirty="0">
-                <a:latin typeface="Courier New" panose="02070309020205020404" pitchFamily="49" charset="0"/>
-                <a:cs typeface="Courier New" panose="02070309020205020404" pitchFamily="49" charset="0"/>
-              </a:rPr>
-              <a:t>Enter</a:t>
-            </a:r>
-          </a:p>
-          <a:p>
-            <a:pPr lvl="1">
-              <a:spcBef>
-                <a:spcPts val="0"/>
-              </a:spcBef>
-            </a:pPr>
-            <a:r>
-              <a:rPr lang="en-US" dirty="0">
-                <a:latin typeface="Courier New" panose="02070309020205020404" pitchFamily="49" charset="0"/>
-                <a:cs typeface="Courier New" panose="02070309020205020404" pitchFamily="49" charset="0"/>
-              </a:rPr>
-              <a:t>git branch</a:t>
-            </a:r>
-            <a:r>
-              <a:rPr lang="en-US" dirty="0"/>
-              <a:t>, then </a:t>
-            </a:r>
-            <a:r>
-              <a:rPr lang="en-US" dirty="0">
-                <a:latin typeface="Courier New" panose="02070309020205020404" pitchFamily="49" charset="0"/>
-                <a:cs typeface="Courier New" panose="02070309020205020404" pitchFamily="49" charset="0"/>
-              </a:rPr>
-              <a:t>Enter </a:t>
-            </a:r>
-            <a:r>
-              <a:rPr lang="en-US" dirty="0">
-                <a:cs typeface="Courier New" panose="02070309020205020404" pitchFamily="49" charset="0"/>
-              </a:rPr>
-              <a:t>to verify deletion</a:t>
-            </a:r>
-            <a:endParaRPr lang="en-US" dirty="0"/>
-          </a:p>
-          <a:p>
-            <a:pPr lvl="1">
-              <a:spcBef>
-                <a:spcPts val="0"/>
-              </a:spcBef>
-            </a:pPr>
-            <a:endParaRPr lang="en-US" dirty="0"/>
-          </a:p>
-        </p:txBody>
-      </p:sp>
-      <p:sp>
-        <p:nvSpPr>
-          <p:cNvPr id="4" name="Slide Number Placeholder 3"/>
-          <p:cNvSpPr>
-            <a:spLocks noGrp="1"/>
-          </p:cNvSpPr>
-          <p:nvPr>
-            <p:ph type="sldNum" sz="quarter" idx="12"/>
-          </p:nvPr>
-        </p:nvSpPr>
-        <p:spPr/>
-        <p:txBody>
-          <a:bodyPr/>
-          <a:lstStyle/>
-          <a:p>
-            <a:fld id="{4577FE26-ACD1-4964-932B-823877B1C5B5}" type="slidenum">
-              <a:rPr lang="en-US" smtClean="0"/>
-              <a:t>29</a:t>
-            </a:fld>
-            <a:endParaRPr lang="en-US" dirty="0"/>
-          </a:p>
-        </p:txBody>
-      </p:sp>
-      <p:pic>
-        <p:nvPicPr>
-          <p:cNvPr id="5" name="Picture 4"/>
-          <p:cNvPicPr>
-            <a:picLocks noChangeAspect="1"/>
-          </p:cNvPicPr>
-          <p:nvPr/>
-        </p:nvPicPr>
-        <p:blipFill>
-          <a:blip r:embed="rId2"/>
-          <a:stretch>
-            <a:fillRect/>
-          </a:stretch>
-        </p:blipFill>
-        <p:spPr>
-          <a:xfrm>
-            <a:off x="2795587" y="2749550"/>
-            <a:ext cx="6448425" cy="3733800"/>
-          </a:xfrm>
-          <a:prstGeom prst="rect">
-            <a:avLst/>
-          </a:prstGeom>
-        </p:spPr>
-      </p:pic>
-    </p:spTree>
-    <p:extLst>
-      <p:ext uri="{BB962C8B-B14F-4D97-AF65-F5344CB8AC3E}">
-        <p14:creationId xmlns:p14="http://schemas.microsoft.com/office/powerpoint/2010/main" val="993580141"/>
       </p:ext>
     </p:extLst>
   </p:cSld>
@@ -27056,7 +27117,12 @@
             <p:ph idx="1"/>
           </p:nvPr>
         </p:nvSpPr>
-        <p:spPr/>
+        <p:spPr>
+          <a:xfrm>
+            <a:off x="1219200" y="1228725"/>
+            <a:ext cx="10363200" cy="4678363"/>
+          </a:xfrm>
+        </p:spPr>
         <p:txBody>
           <a:bodyPr/>
           <a:lstStyle/>
@@ -27068,7 +27134,18 @@
             </a:pPr>
             <a:r>
               <a:rPr lang="en-US" dirty="0"/>
-              <a:t>Revert to a former commit level</a:t>
+              <a:t>Delete </a:t>
+            </a:r>
+            <a:r>
+              <a:rPr lang="en-US" dirty="0">
+                <a:latin typeface="Courier New" panose="02070309020205020404" pitchFamily="49" charset="0"/>
+                <a:cs typeface="Courier New" panose="02070309020205020404" pitchFamily="49" charset="0"/>
+              </a:rPr>
+              <a:t>test</a:t>
+            </a:r>
+            <a:r>
+              <a:rPr lang="en-US" dirty="0"/>
+              <a:t> branch</a:t>
             </a:r>
           </a:p>
           <a:p>
@@ -27082,7 +27159,7 @@
                 <a:latin typeface="Courier New" panose="02070309020205020404" pitchFamily="49" charset="0"/>
                 <a:cs typeface="Courier New" panose="02070309020205020404" pitchFamily="49" charset="0"/>
               </a:rPr>
-              <a:t>git log</a:t>
+              <a:t>git branch –d test</a:t>
             </a:r>
             <a:r>
               <a:rPr lang="en-US" dirty="0"/>
@@ -27095,10 +27172,38 @@
               </a:rPr>
               <a:t>Enter</a:t>
             </a:r>
+          </a:p>
+          <a:p>
+            <a:pPr lvl="1">
+              <a:spcBef>
+                <a:spcPts val="0"/>
+              </a:spcBef>
+            </a:pPr>
+            <a:r>
+              <a:rPr lang="en-US" dirty="0">
+                <a:latin typeface="Courier New" panose="02070309020205020404" pitchFamily="49" charset="0"/>
+                <a:cs typeface="Courier New" panose="02070309020205020404" pitchFamily="49" charset="0"/>
+              </a:rPr>
+              <a:t>git branch</a:t>
+            </a:r>
             <a:r>
               <a:rPr lang="en-US" dirty="0"/>
-              <a:t> to see commit history</a:t>
-            </a:r>
+              <a:t>, then </a:t>
+            </a:r>
+            <a:r>
+              <a:rPr lang="en-US" dirty="0">
+                <a:latin typeface="Courier New" panose="02070309020205020404" pitchFamily="49" charset="0"/>
+                <a:cs typeface="Courier New" panose="02070309020205020404" pitchFamily="49" charset="0"/>
+              </a:rPr>
+              <a:t>Enter </a:t>
+            </a:r>
+            <a:r>
+              <a:rPr lang="en-US" dirty="0">
+                <a:cs typeface="Courier New" panose="02070309020205020404" pitchFamily="49" charset="0"/>
+              </a:rPr>
+              <a:t>to verify deletion</a:t>
+            </a:r>
+            <a:endParaRPr lang="en-US" dirty="0"/>
           </a:p>
           <a:p>
             <a:pPr lvl="1">
@@ -27135,7 +27240,7 @@
       </p:sp>
       <p:pic>
         <p:nvPicPr>
-          <p:cNvPr id="7" name="Picture 6"/>
+          <p:cNvPr id="5" name="Picture 4"/>
           <p:cNvPicPr>
             <a:picLocks noChangeAspect="1"/>
           </p:cNvPicPr>
@@ -27149,7 +27254,7 @@
         </p:blipFill>
         <p:spPr>
           <a:xfrm>
-            <a:off x="2528887" y="2511425"/>
+            <a:off x="2795587" y="2749550"/>
             <a:ext cx="6448425" cy="3733800"/>
           </a:xfrm>
           <a:prstGeom prst="rect">
@@ -27160,7 +27265,7 @@
     </p:spTree>
     <p:extLst>
       <p:ext uri="{BB962C8B-B14F-4D97-AF65-F5344CB8AC3E}">
-        <p14:creationId xmlns:p14="http://schemas.microsoft.com/office/powerpoint/2010/main" val="2500096751"/>
+        <p14:creationId xmlns:p14="http://schemas.microsoft.com/office/powerpoint/2010/main" val="993580141"/>
       </p:ext>
     </p:extLst>
   </p:cSld>
@@ -27230,15 +27335,41 @@
               </a:spcBef>
             </a:pPr>
             <a:r>
+              <a:rPr lang="en-US" dirty="0"/>
+              <a:t>Revert to a former commit level</a:t>
+            </a:r>
+          </a:p>
+          <a:p>
+            <a:pPr lvl="1">
+              <a:spcBef>
+                <a:spcPts val="0"/>
+              </a:spcBef>
+            </a:pPr>
+            <a:r>
               <a:rPr lang="en-US" dirty="0">
                 <a:latin typeface="Courier New" panose="02070309020205020404" pitchFamily="49" charset="0"/>
                 <a:cs typeface="Courier New" panose="02070309020205020404" pitchFamily="49" charset="0"/>
               </a:rPr>
-              <a:t>git reset --hard commit-hash-number</a:t>
-            </a:r>
-          </a:p>
-          <a:p>
-            <a:pPr>
+              <a:t>git log</a:t>
+            </a:r>
+            <a:r>
+              <a:rPr lang="en-US" dirty="0"/>
+              <a:t>, then </a:t>
+            </a:r>
+            <a:r>
+              <a:rPr lang="en-US" dirty="0">
+                <a:latin typeface="Courier New" panose="02070309020205020404" pitchFamily="49" charset="0"/>
+                <a:cs typeface="Courier New" panose="02070309020205020404" pitchFamily="49" charset="0"/>
+              </a:rPr>
+              <a:t>Enter</a:t>
+            </a:r>
+            <a:r>
+              <a:rPr lang="en-US" dirty="0"/>
+              <a:t> to see commit history</a:t>
+            </a:r>
+          </a:p>
+          <a:p>
+            <a:pPr lvl="1">
               <a:spcBef>
                 <a:spcPts val="0"/>
               </a:spcBef>
@@ -27272,7 +27403,7 @@
       </p:sp>
       <p:pic>
         <p:nvPicPr>
-          <p:cNvPr id="6" name="Picture 5"/>
+          <p:cNvPr id="7" name="Picture 6"/>
           <p:cNvPicPr>
             <a:picLocks noChangeAspect="1"/>
           </p:cNvPicPr>
@@ -27286,7 +27417,7 @@
         </p:blipFill>
         <p:spPr>
           <a:xfrm>
-            <a:off x="2805112" y="2152650"/>
+            <a:off x="2528887" y="2511425"/>
             <a:ext cx="6448425" cy="3733800"/>
           </a:xfrm>
           <a:prstGeom prst="rect">
@@ -27297,7 +27428,7 @@
     </p:spTree>
     <p:extLst>
       <p:ext uri="{BB962C8B-B14F-4D97-AF65-F5344CB8AC3E}">
-        <p14:creationId xmlns:p14="http://schemas.microsoft.com/office/powerpoint/2010/main" val="1753618493"/>
+        <p14:creationId xmlns:p14="http://schemas.microsoft.com/office/powerpoint/2010/main" val="2500096751"/>
       </p:ext>
     </p:extLst>
   </p:cSld>
@@ -27371,8 +27502,16 @@
                 <a:latin typeface="Courier New" panose="02070309020205020404" pitchFamily="49" charset="0"/>
                 <a:cs typeface="Courier New" panose="02070309020205020404" pitchFamily="49" charset="0"/>
               </a:rPr>
-              <a:t>git log</a:t>
-            </a:r>
+              <a:t>git reset --hard commit-hash-number</a:t>
+            </a:r>
+          </a:p>
+          <a:p>
+            <a:pPr>
+              <a:spcBef>
+                <a:spcPts val="0"/>
+              </a:spcBef>
+            </a:pPr>
+            <a:endParaRPr lang="en-US" dirty="0"/>
           </a:p>
         </p:txBody>
       </p:sp>
@@ -27415,7 +27554,7 @@
         </p:blipFill>
         <p:spPr>
           <a:xfrm>
-            <a:off x="2709862" y="2219325"/>
+            <a:off x="2805112" y="2152650"/>
             <a:ext cx="6448425" cy="3733800"/>
           </a:xfrm>
           <a:prstGeom prst="rect">
@@ -27426,7 +27565,7 @@
     </p:spTree>
     <p:extLst>
       <p:ext uri="{BB962C8B-B14F-4D97-AF65-F5344CB8AC3E}">
-        <p14:creationId xmlns:p14="http://schemas.microsoft.com/office/powerpoint/2010/main" val="1154851108"/>
+        <p14:creationId xmlns:p14="http://schemas.microsoft.com/office/powerpoint/2010/main" val="1753618493"/>
       </p:ext>
     </p:extLst>
   </p:cSld>
@@ -27485,12 +27624,7 @@
             <p:ph idx="1"/>
           </p:nvPr>
         </p:nvSpPr>
-        <p:spPr>
-          <a:xfrm>
-            <a:off x="1219200" y="959556"/>
-            <a:ext cx="10363200" cy="5166607"/>
-          </a:xfrm>
-        </p:spPr>
+        <p:spPr/>
         <p:txBody>
           <a:bodyPr/>
           <a:lstStyle/>
@@ -27501,19 +27635,11 @@
               </a:spcBef>
             </a:pPr>
             <a:r>
-              <a:rPr lang="en-US" dirty="0"/>
-              <a:t>Check out the file in Spyder… back to original</a:t>
-            </a:r>
-          </a:p>
-          <a:p>
-            <a:pPr lvl="1">
-              <a:spcBef>
-                <a:spcPts val="0"/>
-              </a:spcBef>
-            </a:pPr>
-            <a:r>
-              <a:rPr lang="en-US" dirty="0"/>
-              <a:t>You need to close the file in Spyder, then reopen</a:t>
+              <a:rPr lang="en-US" dirty="0">
+                <a:latin typeface="Courier New" panose="02070309020205020404" pitchFamily="49" charset="0"/>
+                <a:cs typeface="Courier New" panose="02070309020205020404" pitchFamily="49" charset="0"/>
+              </a:rPr>
+              <a:t>git log</a:t>
             </a:r>
           </a:p>
         </p:txBody>
@@ -27536,6 +27662,148 @@
             <a:fld id="{4577FE26-ACD1-4964-932B-823877B1C5B5}" type="slidenum">
               <a:rPr lang="en-US" smtClean="0"/>
               <a:t>33</a:t>
+            </a:fld>
+            <a:endParaRPr lang="en-US" dirty="0"/>
+          </a:p>
+        </p:txBody>
+      </p:sp>
+      <p:pic>
+        <p:nvPicPr>
+          <p:cNvPr id="6" name="Picture 5"/>
+          <p:cNvPicPr>
+            <a:picLocks noChangeAspect="1"/>
+          </p:cNvPicPr>
+          <p:nvPr/>
+        </p:nvPicPr>
+        <p:blipFill>
+          <a:blip r:embed="rId2"/>
+          <a:stretch>
+            <a:fillRect/>
+          </a:stretch>
+        </p:blipFill>
+        <p:spPr>
+          <a:xfrm>
+            <a:off x="2709862" y="2219325"/>
+            <a:ext cx="6448425" cy="3733800"/>
+          </a:xfrm>
+          <a:prstGeom prst="rect">
+            <a:avLst/>
+          </a:prstGeom>
+        </p:spPr>
+      </p:pic>
+    </p:spTree>
+    <p:extLst>
+      <p:ext uri="{BB962C8B-B14F-4D97-AF65-F5344CB8AC3E}">
+        <p14:creationId xmlns:p14="http://schemas.microsoft.com/office/powerpoint/2010/main" val="1154851108"/>
+      </p:ext>
+    </p:extLst>
+  </p:cSld>
+  <p:clrMapOvr>
+    <a:masterClrMapping/>
+  </p:clrMapOvr>
+</p:sld>
+</file>
+
+<file path=ppt/slides/slide34.xml><?xml version="1.0" encoding="utf-8"?>
+<p:sld xmlns:a="http://schemas.openxmlformats.org/drawingml/2006/main" xmlns:r="http://schemas.openxmlformats.org/officeDocument/2006/relationships" xmlns:p="http://schemas.openxmlformats.org/presentationml/2006/main">
+  <p:cSld>
+    <p:spTree>
+      <p:nvGrpSpPr>
+        <p:cNvPr id="1" name=""/>
+        <p:cNvGrpSpPr/>
+        <p:nvPr/>
+      </p:nvGrpSpPr>
+      <p:grpSpPr>
+        <a:xfrm>
+          <a:off x="0" y="0"/>
+          <a:ext cx="0" cy="0"/>
+          <a:chOff x="0" y="0"/>
+          <a:chExt cx="0" cy="0"/>
+        </a:xfrm>
+      </p:grpSpPr>
+      <p:sp>
+        <p:nvSpPr>
+          <p:cNvPr id="2" name="Title 1"/>
+          <p:cNvSpPr>
+            <a:spLocks noGrp="1"/>
+          </p:cNvSpPr>
+          <p:nvPr>
+            <p:ph type="title"/>
+          </p:nvPr>
+        </p:nvSpPr>
+        <p:spPr/>
+        <p:txBody>
+          <a:bodyPr/>
+          <a:lstStyle/>
+          <a:p>
+            <a:r>
+              <a:rPr lang="en-US" dirty="0"/>
+              <a:t>Git on Your Laptop</a:t>
+            </a:r>
+          </a:p>
+        </p:txBody>
+      </p:sp>
+      <p:sp>
+        <p:nvSpPr>
+          <p:cNvPr id="3" name="Content Placeholder 2"/>
+          <p:cNvSpPr>
+            <a:spLocks noGrp="1"/>
+          </p:cNvSpPr>
+          <p:nvPr>
+            <p:ph idx="1"/>
+          </p:nvPr>
+        </p:nvSpPr>
+        <p:spPr>
+          <a:xfrm>
+            <a:off x="1219200" y="959556"/>
+            <a:ext cx="10363200" cy="5166607"/>
+          </a:xfrm>
+        </p:spPr>
+        <p:txBody>
+          <a:bodyPr/>
+          <a:lstStyle/>
+          <a:p>
+            <a:pPr>
+              <a:spcBef>
+                <a:spcPts val="0"/>
+              </a:spcBef>
+            </a:pPr>
+            <a:r>
+              <a:rPr lang="en-US" dirty="0"/>
+              <a:t>Check out the file in Spyder… back to original</a:t>
+            </a:r>
+          </a:p>
+          <a:p>
+            <a:pPr lvl="1">
+              <a:spcBef>
+                <a:spcPts val="0"/>
+              </a:spcBef>
+            </a:pPr>
+            <a:r>
+              <a:rPr lang="en-US" dirty="0"/>
+              <a:t>You need to close the file in Spyder, then reopen</a:t>
+            </a:r>
+          </a:p>
+        </p:txBody>
+      </p:sp>
+      <p:sp>
+        <p:nvSpPr>
+          <p:cNvPr id="4" name="Slide Number Placeholder 3"/>
+          <p:cNvSpPr>
+            <a:spLocks noGrp="1"/>
+          </p:cNvSpPr>
+          <p:nvPr>
+            <p:ph type="sldNum" sz="quarter" idx="12"/>
+          </p:nvPr>
+        </p:nvSpPr>
+        <p:spPr/>
+        <p:txBody>
+          <a:bodyPr/>
+          <a:lstStyle/>
+          <a:p>
+            <a:fld id="{4577FE26-ACD1-4964-932B-823877B1C5B5}" type="slidenum">
+              <a:rPr lang="en-US" smtClean="0"/>
+              <a:t>34</a:t>
             </a:fld>
             <a:endParaRPr lang="en-US" dirty="0"/>
           </a:p>
@@ -27584,161 +27852,6 @@
 </p:sld>
 </file>
 
-<file path=ppt/slides/slide34.xml><?xml version="1.0" encoding="utf-8"?>
-<p:sld xmlns:a="http://schemas.openxmlformats.org/drawingml/2006/main" xmlns:r="http://schemas.openxmlformats.org/officeDocument/2006/relationships" xmlns:p="http://schemas.openxmlformats.org/presentationml/2006/main">
-  <p:cSld>
-    <p:spTree>
-      <p:nvGrpSpPr>
-        <p:cNvPr id="1" name=""/>
-        <p:cNvGrpSpPr/>
-        <p:nvPr/>
-      </p:nvGrpSpPr>
-      <p:grpSpPr>
-        <a:xfrm>
-          <a:off x="0" y="0"/>
-          <a:ext cx="0" cy="0"/>
-          <a:chOff x="0" y="0"/>
-          <a:chExt cx="0" cy="0"/>
-        </a:xfrm>
-      </p:grpSpPr>
-      <p:sp>
-        <p:nvSpPr>
-          <p:cNvPr id="2" name="Title 1"/>
-          <p:cNvSpPr>
-            <a:spLocks noGrp="1"/>
-          </p:cNvSpPr>
-          <p:nvPr>
-            <p:ph type="title"/>
-          </p:nvPr>
-        </p:nvSpPr>
-        <p:spPr/>
-        <p:txBody>
-          <a:bodyPr/>
-          <a:lstStyle/>
-          <a:p>
-            <a:r>
-              <a:rPr lang="en-US" dirty="0"/>
-              <a:t>Git Resources</a:t>
-            </a:r>
-          </a:p>
-        </p:txBody>
-      </p:sp>
-      <p:sp>
-        <p:nvSpPr>
-          <p:cNvPr id="3" name="Content Placeholder 2"/>
-          <p:cNvSpPr>
-            <a:spLocks noGrp="1"/>
-          </p:cNvSpPr>
-          <p:nvPr>
-            <p:ph idx="1"/>
-          </p:nvPr>
-        </p:nvSpPr>
-        <p:spPr/>
-        <p:txBody>
-          <a:bodyPr/>
-          <a:lstStyle/>
-          <a:p>
-            <a:r>
-              <a:rPr lang="en-US" dirty="0"/>
-              <a:t>Install command line git</a:t>
-            </a:r>
-          </a:p>
-          <a:p>
-            <a:pPr lvl="1"/>
-            <a:r>
-              <a:rPr lang="en-US" dirty="0">
-                <a:hlinkClick r:id="rId2"/>
-              </a:rPr>
-              <a:t>https://git-scm.com/download/win</a:t>
-            </a:r>
-            <a:r>
-              <a:rPr lang="en-US" dirty="0"/>
-              <a:t> </a:t>
-            </a:r>
-          </a:p>
-          <a:p>
-            <a:r>
-              <a:rPr lang="en-US" dirty="0">
-                <a:latin typeface="Courier New" panose="02070309020205020404" pitchFamily="49" charset="0"/>
-                <a:cs typeface="Courier New" panose="02070309020205020404" pitchFamily="49" charset="0"/>
-              </a:rPr>
-              <a:t>udacity.com</a:t>
-            </a:r>
-            <a:r>
-              <a:rPr lang="en-US" dirty="0"/>
-              <a:t> course</a:t>
-            </a:r>
-          </a:p>
-          <a:p>
-            <a:pPr lvl="1"/>
-            <a:r>
-              <a:rPr lang="en-US" dirty="0">
-                <a:hlinkClick r:id="rId3"/>
-              </a:rPr>
-              <a:t>https://in.udacity.com/course/how-to-use-git-and-github--ud775/</a:t>
-            </a:r>
-            <a:r>
-              <a:rPr lang="en-US" dirty="0"/>
-              <a:t> </a:t>
-            </a:r>
-          </a:p>
-          <a:p>
-            <a:r>
-              <a:rPr lang="en-US" dirty="0"/>
-              <a:t>Online interactive tutorial</a:t>
-            </a:r>
-          </a:p>
-          <a:p>
-            <a:pPr lvl="1"/>
-            <a:r>
-              <a:rPr lang="en-US" dirty="0">
-                <a:hlinkClick r:id="rId4"/>
-              </a:rPr>
-              <a:t>https://try.github.io/levels/1/challenges/1</a:t>
-            </a:r>
-            <a:r>
-              <a:rPr lang="en-US" dirty="0"/>
-              <a:t> </a:t>
-            </a:r>
-          </a:p>
-        </p:txBody>
-      </p:sp>
-      <p:sp>
-        <p:nvSpPr>
-          <p:cNvPr id="4" name="Slide Number Placeholder 3"/>
-          <p:cNvSpPr>
-            <a:spLocks noGrp="1"/>
-          </p:cNvSpPr>
-          <p:nvPr>
-            <p:ph type="sldNum" sz="quarter" idx="12"/>
-          </p:nvPr>
-        </p:nvSpPr>
-        <p:spPr/>
-        <p:txBody>
-          <a:bodyPr/>
-          <a:lstStyle/>
-          <a:p>
-            <a:fld id="{4577FE26-ACD1-4964-932B-823877B1C5B5}" type="slidenum">
-              <a:rPr lang="en-US" smtClean="0"/>
-              <a:t>34</a:t>
-            </a:fld>
-            <a:endParaRPr lang="en-US" dirty="0"/>
-          </a:p>
-        </p:txBody>
-      </p:sp>
-    </p:spTree>
-    <p:extLst>
-      <p:ext uri="{BB962C8B-B14F-4D97-AF65-F5344CB8AC3E}">
-        <p14:creationId xmlns:p14="http://schemas.microsoft.com/office/powerpoint/2010/main" val="895661501"/>
-      </p:ext>
-    </p:extLst>
-  </p:cSld>
-  <p:clrMapOvr>
-    <a:masterClrMapping/>
-  </p:clrMapOvr>
-</p:sld>
-</file>
-
 <file path=ppt/slides/slide35.xml><?xml version="1.0" encoding="utf-8"?>
 <p:sld xmlns:a="http://schemas.openxmlformats.org/drawingml/2006/main" xmlns:r="http://schemas.openxmlformats.org/officeDocument/2006/relationships" xmlns:p="http://schemas.openxmlformats.org/presentationml/2006/main">
   <p:cSld>
@@ -27795,7 +27908,7 @@
           <a:p>
             <a:r>
               <a:rPr lang="en-US" dirty="0"/>
-              <a:t>Cheat Sheet</a:t>
+              <a:t>Install command line git</a:t>
             </a:r>
           </a:p>
           <a:p>
@@ -27804,7 +27917,7 @@
               <a:rPr lang="en-US" dirty="0">
                 <a:hlinkClick r:id="rId2"/>
               </a:rPr>
-              <a:t>https://services.github.com/on-demand/downloads/github-git-cheat-sheet.pdf</a:t>
+              <a:t>https://git-scm.com/download/win</a:t>
             </a:r>
             <a:r>
               <a:rPr lang="en-US" dirty="0"/>
@@ -27813,8 +27926,15 @@
           </a:p>
           <a:p>
             <a:r>
+              <a:rPr lang="en-US" dirty="0">
+                <a:latin typeface="Courier New" panose="02070309020205020404" pitchFamily="49" charset="0"/>
+                <a:cs typeface="Courier New" panose="02070309020205020404" pitchFamily="49" charset="0"/>
+              </a:rPr>
+              <a:t>udacity.com</a:t>
+            </a:r>
+            <a:r>
               <a:rPr lang="en-US" dirty="0"/>
-              <a:t>Written tutorials</a:t>
+              <a:t> course</a:t>
             </a:r>
           </a:p>
           <a:p>
@@ -27823,7 +27943,7 @@
               <a:rPr lang="en-US" dirty="0">
                 <a:hlinkClick r:id="rId3"/>
               </a:rPr>
-              <a:t>https://git-scm.com/book/en/v2/Getting-Started-Git-Basics</a:t>
+              <a:t>https://in.udacity.com/course/how-to-use-git-and-github--ud775/</a:t>
             </a:r>
             <a:r>
               <a:rPr lang="en-US" dirty="0"/>
@@ -27831,19 +27951,18 @@
             </a:r>
           </a:p>
           <a:p>
+            <a:r>
+              <a:rPr lang="en-US" dirty="0"/>
+              <a:t>Online interactive tutorial</a:t>
+            </a:r>
+          </a:p>
+          <a:p>
             <a:pPr lvl="1"/>
-            <a:r>
-              <a:rPr lang="en-US" dirty="0"/>
-              <a:t>Branching &amp; merging</a:t>
-            </a:r>
-          </a:p>
-          <a:p>
-            <a:pPr lvl="2"/>
             <a:r>
               <a:rPr lang="en-US" dirty="0">
                 <a:hlinkClick r:id="rId4"/>
               </a:rPr>
-              <a:t>https://git-scm.com/book/en/v2/Git-Branching-Basic-Branching-and-Merging</a:t>
+              <a:t>https://try.github.io/levels/1/challenges/1</a:t>
             </a:r>
             <a:r>
               <a:rPr lang="en-US" dirty="0"/>
@@ -27878,7 +27997,7 @@
     </p:spTree>
     <p:extLst>
       <p:ext uri="{BB962C8B-B14F-4D97-AF65-F5344CB8AC3E}">
-        <p14:creationId xmlns:p14="http://schemas.microsoft.com/office/powerpoint/2010/main" val="3132463543"/>
+        <p14:creationId xmlns:p14="http://schemas.microsoft.com/office/powerpoint/2010/main" val="895661501"/>
       </p:ext>
     </p:extLst>
   </p:cSld>
@@ -27944,7 +28063,7 @@
           <a:p>
             <a:r>
               <a:rPr lang="en-US" dirty="0"/>
-              <a:t>Other tutorials</a:t>
+              <a:t>Cheat Sheet</a:t>
             </a:r>
           </a:p>
           <a:p>
@@ -27953,13 +28072,26 @@
               <a:rPr lang="en-US" dirty="0">
                 <a:hlinkClick r:id="rId2"/>
               </a:rPr>
-              <a:t>Udacity:</a:t>
-            </a:r>
+              <a:t>https://services.github.com/on-demand/downloads/github-git-cheat-sheet.pdf</a:t>
+            </a:r>
+            <a:r>
+              <a:rPr lang="en-US" dirty="0"/>
+              <a:t> </a:t>
+            </a:r>
+          </a:p>
+          <a:p>
+            <a:r>
+              <a:rPr lang="en-US" dirty="0"/>
+              <a:t>Written tutorials</a:t>
+            </a:r>
+          </a:p>
+          <a:p>
+            <a:pPr lvl="1"/>
             <a:r>
               <a:rPr lang="en-US" dirty="0">
                 <a:hlinkClick r:id="rId3"/>
               </a:rPr>
-              <a:t>http://blog.udacity.com/2015/06/a-beginners-git-github-tutorial.html</a:t>
+              <a:t>https://git-scm.com/book/en/v2/Getting-Started-Git-Basics</a:t>
             </a:r>
             <a:r>
               <a:rPr lang="en-US" dirty="0"/>
@@ -27969,20 +28101,17 @@
           <a:p>
             <a:pPr lvl="1"/>
             <a:r>
-              <a:rPr lang="en-US" dirty="0">
-                <a:hlinkClick r:id="rId2"/>
-              </a:rPr>
-              <a:t>http://blog.scottlowe.org/2015/01/14/non-programmer-git-intro/</a:t>
-            </a:r>
-            <a:endParaRPr lang="en-US" dirty="0"/>
-          </a:p>
-          <a:p>
-            <a:pPr lvl="1"/>
+              <a:rPr lang="en-US" dirty="0"/>
+              <a:t>Branching &amp; merging</a:t>
+            </a:r>
+          </a:p>
+          <a:p>
+            <a:pPr lvl="2"/>
             <a:r>
               <a:rPr lang="en-US" dirty="0">
                 <a:hlinkClick r:id="rId4"/>
               </a:rPr>
-              <a:t>http://blog.scottlowe.org/2015/01/27/using-fork-branch-git-workflow/</a:t>
+              <a:t>https://git-scm.com/book/en/v2/Git-Branching-Basic-Branching-and-Merging</a:t>
             </a:r>
             <a:r>
               <a:rPr lang="en-US" dirty="0"/>
@@ -28017,6 +28146,145 @@
     </p:spTree>
     <p:extLst>
       <p:ext uri="{BB962C8B-B14F-4D97-AF65-F5344CB8AC3E}">
+        <p14:creationId xmlns:p14="http://schemas.microsoft.com/office/powerpoint/2010/main" val="3132463543"/>
+      </p:ext>
+    </p:extLst>
+  </p:cSld>
+  <p:clrMapOvr>
+    <a:masterClrMapping/>
+  </p:clrMapOvr>
+</p:sld>
+</file>
+
+<file path=ppt/slides/slide37.xml><?xml version="1.0" encoding="utf-8"?>
+<p:sld xmlns:a="http://schemas.openxmlformats.org/drawingml/2006/main" xmlns:r="http://schemas.openxmlformats.org/officeDocument/2006/relationships" xmlns:p="http://schemas.openxmlformats.org/presentationml/2006/main">
+  <p:cSld>
+    <p:spTree>
+      <p:nvGrpSpPr>
+        <p:cNvPr id="1" name=""/>
+        <p:cNvGrpSpPr/>
+        <p:nvPr/>
+      </p:nvGrpSpPr>
+      <p:grpSpPr>
+        <a:xfrm>
+          <a:off x="0" y="0"/>
+          <a:ext cx="0" cy="0"/>
+          <a:chOff x="0" y="0"/>
+          <a:chExt cx="0" cy="0"/>
+        </a:xfrm>
+      </p:grpSpPr>
+      <p:sp>
+        <p:nvSpPr>
+          <p:cNvPr id="2" name="Title 1"/>
+          <p:cNvSpPr>
+            <a:spLocks noGrp="1"/>
+          </p:cNvSpPr>
+          <p:nvPr>
+            <p:ph type="title"/>
+          </p:nvPr>
+        </p:nvSpPr>
+        <p:spPr/>
+        <p:txBody>
+          <a:bodyPr/>
+          <a:lstStyle/>
+          <a:p>
+            <a:r>
+              <a:rPr lang="en-US" dirty="0"/>
+              <a:t>Git Resources</a:t>
+            </a:r>
+          </a:p>
+        </p:txBody>
+      </p:sp>
+      <p:sp>
+        <p:nvSpPr>
+          <p:cNvPr id="3" name="Content Placeholder 2"/>
+          <p:cNvSpPr>
+            <a:spLocks noGrp="1"/>
+          </p:cNvSpPr>
+          <p:nvPr>
+            <p:ph idx="1"/>
+          </p:nvPr>
+        </p:nvSpPr>
+        <p:spPr/>
+        <p:txBody>
+          <a:bodyPr/>
+          <a:lstStyle/>
+          <a:p>
+            <a:r>
+              <a:rPr lang="en-US" dirty="0"/>
+              <a:t>Other tutorials</a:t>
+            </a:r>
+          </a:p>
+          <a:p>
+            <a:pPr lvl="1"/>
+            <a:r>
+              <a:rPr lang="en-US" dirty="0">
+                <a:hlinkClick r:id="rId2"/>
+              </a:rPr>
+              <a:t>Udacity:</a:t>
+            </a:r>
+            <a:r>
+              <a:rPr lang="en-US" dirty="0">
+                <a:hlinkClick r:id="rId3"/>
+              </a:rPr>
+              <a:t>http://blog.udacity.com/2015/06/a-beginners-git-github-tutorial.html</a:t>
+            </a:r>
+            <a:r>
+              <a:rPr lang="en-US" dirty="0"/>
+              <a:t> </a:t>
+            </a:r>
+          </a:p>
+          <a:p>
+            <a:pPr lvl="1"/>
+            <a:r>
+              <a:rPr lang="en-US" dirty="0">
+                <a:hlinkClick r:id="rId2"/>
+              </a:rPr>
+              <a:t>http://blog.scottlowe.org/2015/01/14/non-programmer-git-intro/</a:t>
+            </a:r>
+            <a:endParaRPr lang="en-US" dirty="0"/>
+          </a:p>
+          <a:p>
+            <a:pPr lvl="1"/>
+            <a:r>
+              <a:rPr lang="en-US" dirty="0">
+                <a:hlinkClick r:id="rId4"/>
+              </a:rPr>
+              <a:t>http://blog.scottlowe.org/2015/01/27/using-fork-branch-git-workflow/</a:t>
+            </a:r>
+            <a:r>
+              <a:rPr lang="en-US" dirty="0"/>
+              <a:t> </a:t>
+            </a:r>
+          </a:p>
+        </p:txBody>
+      </p:sp>
+      <p:sp>
+        <p:nvSpPr>
+          <p:cNvPr id="4" name="Slide Number Placeholder 3"/>
+          <p:cNvSpPr>
+            <a:spLocks noGrp="1"/>
+          </p:cNvSpPr>
+          <p:nvPr>
+            <p:ph type="sldNum" sz="quarter" idx="12"/>
+          </p:nvPr>
+        </p:nvSpPr>
+        <p:spPr/>
+        <p:txBody>
+          <a:bodyPr/>
+          <a:lstStyle/>
+          <a:p>
+            <a:fld id="{4577FE26-ACD1-4964-932B-823877B1C5B5}" type="slidenum">
+              <a:rPr lang="en-US" smtClean="0"/>
+              <a:t>37</a:t>
+            </a:fld>
+            <a:endParaRPr lang="en-US" dirty="0"/>
+          </a:p>
+        </p:txBody>
+      </p:sp>
+    </p:spTree>
+    <p:extLst>
+      <p:ext uri="{BB962C8B-B14F-4D97-AF65-F5344CB8AC3E}">
         <p14:creationId xmlns:p14="http://schemas.microsoft.com/office/powerpoint/2010/main" val="3552873007"/>
       </p:ext>
     </p:extLst>
@@ -28027,7 +28295,7 @@
 </p:sld>
 </file>
 
-<file path=ppt/slides/slide37.xml><?xml version="1.0" encoding="utf-8"?>
+<file path=ppt/slides/slide38.xml><?xml version="1.0" encoding="utf-8"?>
 <p:sld xmlns:a="http://schemas.openxmlformats.org/drawingml/2006/main" xmlns:r="http://schemas.openxmlformats.org/officeDocument/2006/relationships" xmlns:p="http://schemas.openxmlformats.org/presentationml/2006/main">
   <p:cSld>
     <p:spTree>
@@ -28120,7 +28388,7 @@
           <a:p>
             <a:fld id="{4577FE26-ACD1-4964-932B-823877B1C5B5}" type="slidenum">
               <a:rPr lang="en-US" smtClean="0"/>
-              <a:t>37</a:t>
+              <a:t>38</a:t>
             </a:fld>
             <a:endParaRPr lang="en-US" dirty="0"/>
           </a:p>
@@ -28139,7 +28407,7 @@
 </p:sld>
 </file>
 
-<file path=ppt/slides/slide38.xml><?xml version="1.0" encoding="utf-8"?>
+<file path=ppt/slides/slide39.xml><?xml version="1.0" encoding="utf-8"?>
 <p:sld xmlns:a="http://schemas.openxmlformats.org/drawingml/2006/main" xmlns:r="http://schemas.openxmlformats.org/officeDocument/2006/relationships" xmlns:p="http://schemas.openxmlformats.org/presentationml/2006/main">
   <p:cSld>
     <p:spTree>
@@ -28262,7 +28530,7 @@
           <a:p>
             <a:fld id="{4577FE26-ACD1-4964-932B-823877B1C5B5}" type="slidenum">
               <a:rPr lang="en-US" smtClean="0"/>
-              <a:t>38</a:t>
+              <a:t>39</a:t>
             </a:fld>
             <a:endParaRPr lang="en-US" dirty="0"/>
           </a:p>
@@ -28302,192 +28570,6 @@
     <p:extLst>
       <p:ext uri="{BB962C8B-B14F-4D97-AF65-F5344CB8AC3E}">
         <p14:creationId xmlns:p14="http://schemas.microsoft.com/office/powerpoint/2010/main" val="404418574"/>
-      </p:ext>
-    </p:extLst>
-  </p:cSld>
-  <p:clrMapOvr>
-    <a:masterClrMapping/>
-  </p:clrMapOvr>
-</p:sld>
-</file>
-
-<file path=ppt/slides/slide39.xml><?xml version="1.0" encoding="utf-8"?>
-<p:sld xmlns:a="http://schemas.openxmlformats.org/drawingml/2006/main" xmlns:r="http://schemas.openxmlformats.org/officeDocument/2006/relationships" xmlns:p="http://schemas.openxmlformats.org/presentationml/2006/main">
-  <p:cSld>
-    <p:spTree>
-      <p:nvGrpSpPr>
-        <p:cNvPr id="1" name=""/>
-        <p:cNvGrpSpPr/>
-        <p:nvPr/>
-      </p:nvGrpSpPr>
-      <p:grpSpPr>
-        <a:xfrm>
-          <a:off x="0" y="0"/>
-          <a:ext cx="0" cy="0"/>
-          <a:chOff x="0" y="0"/>
-          <a:chExt cx="0" cy="0"/>
-        </a:xfrm>
-      </p:grpSpPr>
-      <p:sp>
-        <p:nvSpPr>
-          <p:cNvPr id="2" name="Title 1">
-            <a:extLst>
-              <a:ext uri="{FF2B5EF4-FFF2-40B4-BE49-F238E27FC236}">
-                <a16:creationId xmlns:a16="http://schemas.microsoft.com/office/drawing/2014/main" id="{DCF7B95A-E754-4343-AC60-62E5D6525200}"/>
-              </a:ext>
-            </a:extLst>
-          </p:cNvPr>
-          <p:cNvSpPr>
-            <a:spLocks noGrp="1"/>
-          </p:cNvSpPr>
-          <p:nvPr>
-            <p:ph type="title"/>
-          </p:nvPr>
-        </p:nvSpPr>
-        <p:spPr/>
-        <p:txBody>
-          <a:bodyPr/>
-          <a:lstStyle/>
-          <a:p>
-            <a:r>
-              <a:rPr lang="en-US" dirty="0"/>
-              <a:t>GitHub Desktop App</a:t>
-            </a:r>
-          </a:p>
-        </p:txBody>
-      </p:sp>
-      <p:sp>
-        <p:nvSpPr>
-          <p:cNvPr id="3" name="Content Placeholder 2">
-            <a:extLst>
-              <a:ext uri="{FF2B5EF4-FFF2-40B4-BE49-F238E27FC236}">
-                <a16:creationId xmlns:a16="http://schemas.microsoft.com/office/drawing/2014/main" id="{C4325550-F8AB-46CA-B7CC-CA9347AD1C95}"/>
-              </a:ext>
-            </a:extLst>
-          </p:cNvPr>
-          <p:cNvSpPr>
-            <a:spLocks noGrp="1"/>
-          </p:cNvSpPr>
-          <p:nvPr>
-            <p:ph idx="1"/>
-          </p:nvPr>
-        </p:nvSpPr>
-        <p:spPr>
-          <a:xfrm>
-            <a:off x="1219199" y="1447800"/>
-            <a:ext cx="10523621" cy="4678363"/>
-          </a:xfrm>
-        </p:spPr>
-        <p:txBody>
-          <a:bodyPr/>
-          <a:lstStyle/>
-          <a:p>
-            <a:r>
-              <a:rPr lang="en-US" dirty="0"/>
-              <a:t>Runs git on your desktop/laptop</a:t>
-            </a:r>
-          </a:p>
-          <a:p>
-            <a:pPr lvl="1"/>
-            <a:r>
-              <a:rPr lang="en-US" dirty="0"/>
-              <a:t> GUI</a:t>
-            </a:r>
-          </a:p>
-          <a:p>
-            <a:r>
-              <a:rPr lang="en-US" dirty="0"/>
-              <a:t> Some differences from command line git</a:t>
-            </a:r>
-          </a:p>
-          <a:p>
-            <a:pPr lvl="1"/>
-            <a:r>
-              <a:rPr lang="en-US" dirty="0"/>
-              <a:t> </a:t>
-            </a:r>
-            <a:r>
-              <a:rPr lang="en-US" dirty="0">
-                <a:latin typeface="Courier New" panose="02070309020205020404" pitchFamily="49" charset="0"/>
-                <a:cs typeface="Courier New" panose="02070309020205020404" pitchFamily="49" charset="0"/>
-              </a:rPr>
-              <a:t>git add</a:t>
-            </a:r>
-            <a:r>
-              <a:rPr lang="en-US" dirty="0"/>
-              <a:t> is implicit </a:t>
-            </a:r>
-            <a:endParaRPr lang="en-US" dirty="0">
-              <a:latin typeface="Courier New" panose="02070309020205020404" pitchFamily="49" charset="0"/>
-              <a:cs typeface="Courier New" panose="02070309020205020404" pitchFamily="49" charset="0"/>
-            </a:endParaRPr>
-          </a:p>
-          <a:p>
-            <a:pPr lvl="1"/>
-            <a:r>
-              <a:rPr lang="en-US" dirty="0"/>
-              <a:t> Publishes repo to </a:t>
-            </a:r>
-            <a:r>
-              <a:rPr lang="en-US" dirty="0">
-                <a:latin typeface="Courier New" panose="02070309020205020404" pitchFamily="49" charset="0"/>
-                <a:cs typeface="Courier New" panose="02070309020205020404" pitchFamily="49" charset="0"/>
-              </a:rPr>
-              <a:t>github.com</a:t>
-            </a:r>
-          </a:p>
-          <a:p>
-            <a:pPr lvl="1"/>
-            <a:r>
-              <a:rPr lang="en-US" dirty="0"/>
-              <a:t> Clones repo from </a:t>
-            </a:r>
-            <a:r>
-              <a:rPr lang="en-US" dirty="0">
-                <a:latin typeface="Courier New" panose="02070309020205020404" pitchFamily="49" charset="0"/>
-                <a:cs typeface="Courier New" panose="02070309020205020404" pitchFamily="49" charset="0"/>
-              </a:rPr>
-              <a:t>github.com</a:t>
-            </a:r>
-          </a:p>
-          <a:p>
-            <a:endParaRPr lang="en-US" dirty="0"/>
-          </a:p>
-        </p:txBody>
-      </p:sp>
-      <p:sp>
-        <p:nvSpPr>
-          <p:cNvPr id="4" name="Slide Number Placeholder 3">
-            <a:extLst>
-              <a:ext uri="{FF2B5EF4-FFF2-40B4-BE49-F238E27FC236}">
-                <a16:creationId xmlns:a16="http://schemas.microsoft.com/office/drawing/2014/main" id="{4EAE1F0D-AF0E-487D-8982-3238FF7F61CA}"/>
-              </a:ext>
-            </a:extLst>
-          </p:cNvPr>
-          <p:cNvSpPr>
-            <a:spLocks noGrp="1"/>
-          </p:cNvSpPr>
-          <p:nvPr>
-            <p:ph type="sldNum" sz="quarter" idx="12"/>
-          </p:nvPr>
-        </p:nvSpPr>
-        <p:spPr/>
-        <p:txBody>
-          <a:bodyPr/>
-          <a:lstStyle/>
-          <a:p>
-            <a:fld id="{4577FE26-ACD1-4964-932B-823877B1C5B5}" type="slidenum">
-              <a:rPr lang="en-US" smtClean="0"/>
-              <a:t>39</a:t>
-            </a:fld>
-            <a:endParaRPr lang="en-US" dirty="0"/>
-          </a:p>
-        </p:txBody>
-      </p:sp>
-    </p:spTree>
-    <p:extLst>
-      <p:ext uri="{BB962C8B-B14F-4D97-AF65-F5344CB8AC3E}">
-        <p14:creationId xmlns:p14="http://schemas.microsoft.com/office/powerpoint/2010/main" val="2247407963"/>
       </p:ext>
     </p:extLst>
   </p:cSld>
@@ -28711,6 +28793,192 @@
           <p:cNvPr id="2" name="Title 1">
             <a:extLst>
               <a:ext uri="{FF2B5EF4-FFF2-40B4-BE49-F238E27FC236}">
+                <a16:creationId xmlns:a16="http://schemas.microsoft.com/office/drawing/2014/main" id="{DCF7B95A-E754-4343-AC60-62E5D6525200}"/>
+              </a:ext>
+            </a:extLst>
+          </p:cNvPr>
+          <p:cNvSpPr>
+            <a:spLocks noGrp="1"/>
+          </p:cNvSpPr>
+          <p:nvPr>
+            <p:ph type="title"/>
+          </p:nvPr>
+        </p:nvSpPr>
+        <p:spPr/>
+        <p:txBody>
+          <a:bodyPr/>
+          <a:lstStyle/>
+          <a:p>
+            <a:r>
+              <a:rPr lang="en-US" dirty="0"/>
+              <a:t>GitHub Desktop App</a:t>
+            </a:r>
+          </a:p>
+        </p:txBody>
+      </p:sp>
+      <p:sp>
+        <p:nvSpPr>
+          <p:cNvPr id="3" name="Content Placeholder 2">
+            <a:extLst>
+              <a:ext uri="{FF2B5EF4-FFF2-40B4-BE49-F238E27FC236}">
+                <a16:creationId xmlns:a16="http://schemas.microsoft.com/office/drawing/2014/main" id="{C4325550-F8AB-46CA-B7CC-CA9347AD1C95}"/>
+              </a:ext>
+            </a:extLst>
+          </p:cNvPr>
+          <p:cNvSpPr>
+            <a:spLocks noGrp="1"/>
+          </p:cNvSpPr>
+          <p:nvPr>
+            <p:ph idx="1"/>
+          </p:nvPr>
+        </p:nvSpPr>
+        <p:spPr>
+          <a:xfrm>
+            <a:off x="1219199" y="1447800"/>
+            <a:ext cx="10523621" cy="4678363"/>
+          </a:xfrm>
+        </p:spPr>
+        <p:txBody>
+          <a:bodyPr/>
+          <a:lstStyle/>
+          <a:p>
+            <a:r>
+              <a:rPr lang="en-US" dirty="0"/>
+              <a:t>Runs git on your desktop/laptop</a:t>
+            </a:r>
+          </a:p>
+          <a:p>
+            <a:pPr lvl="1"/>
+            <a:r>
+              <a:rPr lang="en-US" dirty="0"/>
+              <a:t> GUI</a:t>
+            </a:r>
+          </a:p>
+          <a:p>
+            <a:r>
+              <a:rPr lang="en-US" dirty="0"/>
+              <a:t> Some differences from command line git</a:t>
+            </a:r>
+          </a:p>
+          <a:p>
+            <a:pPr lvl="1"/>
+            <a:r>
+              <a:rPr lang="en-US" dirty="0"/>
+              <a:t> </a:t>
+            </a:r>
+            <a:r>
+              <a:rPr lang="en-US" dirty="0">
+                <a:latin typeface="Courier New" panose="02070309020205020404" pitchFamily="49" charset="0"/>
+                <a:cs typeface="Courier New" panose="02070309020205020404" pitchFamily="49" charset="0"/>
+              </a:rPr>
+              <a:t>git add</a:t>
+            </a:r>
+            <a:r>
+              <a:rPr lang="en-US" dirty="0"/>
+              <a:t> is implicit </a:t>
+            </a:r>
+            <a:endParaRPr lang="en-US" dirty="0">
+              <a:latin typeface="Courier New" panose="02070309020205020404" pitchFamily="49" charset="0"/>
+              <a:cs typeface="Courier New" panose="02070309020205020404" pitchFamily="49" charset="0"/>
+            </a:endParaRPr>
+          </a:p>
+          <a:p>
+            <a:pPr lvl="1"/>
+            <a:r>
+              <a:rPr lang="en-US" dirty="0"/>
+              <a:t> Publishes repo to </a:t>
+            </a:r>
+            <a:r>
+              <a:rPr lang="en-US" dirty="0">
+                <a:latin typeface="Courier New" panose="02070309020205020404" pitchFamily="49" charset="0"/>
+                <a:cs typeface="Courier New" panose="02070309020205020404" pitchFamily="49" charset="0"/>
+              </a:rPr>
+              <a:t>github.com</a:t>
+            </a:r>
+          </a:p>
+          <a:p>
+            <a:pPr lvl="1"/>
+            <a:r>
+              <a:rPr lang="en-US" dirty="0"/>
+              <a:t> Clones repo from </a:t>
+            </a:r>
+            <a:r>
+              <a:rPr lang="en-US" dirty="0">
+                <a:latin typeface="Courier New" panose="02070309020205020404" pitchFamily="49" charset="0"/>
+                <a:cs typeface="Courier New" panose="02070309020205020404" pitchFamily="49" charset="0"/>
+              </a:rPr>
+              <a:t>github.com</a:t>
+            </a:r>
+          </a:p>
+          <a:p>
+            <a:endParaRPr lang="en-US" dirty="0"/>
+          </a:p>
+        </p:txBody>
+      </p:sp>
+      <p:sp>
+        <p:nvSpPr>
+          <p:cNvPr id="4" name="Slide Number Placeholder 3">
+            <a:extLst>
+              <a:ext uri="{FF2B5EF4-FFF2-40B4-BE49-F238E27FC236}">
+                <a16:creationId xmlns:a16="http://schemas.microsoft.com/office/drawing/2014/main" id="{4EAE1F0D-AF0E-487D-8982-3238FF7F61CA}"/>
+              </a:ext>
+            </a:extLst>
+          </p:cNvPr>
+          <p:cNvSpPr>
+            <a:spLocks noGrp="1"/>
+          </p:cNvSpPr>
+          <p:nvPr>
+            <p:ph type="sldNum" sz="quarter" idx="12"/>
+          </p:nvPr>
+        </p:nvSpPr>
+        <p:spPr/>
+        <p:txBody>
+          <a:bodyPr/>
+          <a:lstStyle/>
+          <a:p>
+            <a:fld id="{4577FE26-ACD1-4964-932B-823877B1C5B5}" type="slidenum">
+              <a:rPr lang="en-US" smtClean="0"/>
+              <a:t>40</a:t>
+            </a:fld>
+            <a:endParaRPr lang="en-US" dirty="0"/>
+          </a:p>
+        </p:txBody>
+      </p:sp>
+    </p:spTree>
+    <p:extLst>
+      <p:ext uri="{BB962C8B-B14F-4D97-AF65-F5344CB8AC3E}">
+        <p14:creationId xmlns:p14="http://schemas.microsoft.com/office/powerpoint/2010/main" val="2247407963"/>
+      </p:ext>
+    </p:extLst>
+  </p:cSld>
+  <p:clrMapOvr>
+    <a:masterClrMapping/>
+  </p:clrMapOvr>
+</p:sld>
+</file>
+
+<file path=ppt/slides/slide41.xml><?xml version="1.0" encoding="utf-8"?>
+<p:sld xmlns:a="http://schemas.openxmlformats.org/drawingml/2006/main" xmlns:r="http://schemas.openxmlformats.org/officeDocument/2006/relationships" xmlns:p="http://schemas.openxmlformats.org/presentationml/2006/main">
+  <p:cSld>
+    <p:spTree>
+      <p:nvGrpSpPr>
+        <p:cNvPr id="1" name=""/>
+        <p:cNvGrpSpPr/>
+        <p:nvPr/>
+      </p:nvGrpSpPr>
+      <p:grpSpPr>
+        <a:xfrm>
+          <a:off x="0" y="0"/>
+          <a:ext cx="0" cy="0"/>
+          <a:chOff x="0" y="0"/>
+          <a:chExt cx="0" cy="0"/>
+        </a:xfrm>
+      </p:grpSpPr>
+      <p:sp>
+        <p:nvSpPr>
+          <p:cNvPr id="2" name="Title 1">
+            <a:extLst>
+              <a:ext uri="{FF2B5EF4-FFF2-40B4-BE49-F238E27FC236}">
                 <a16:creationId xmlns:a16="http://schemas.microsoft.com/office/drawing/2014/main" id="{42F4288C-55DC-40DC-81E0-6C6BF2F62544}"/>
               </a:ext>
             </a:extLst>
@@ -28793,7 +29061,7 @@
           <a:p>
             <a:fld id="{4577FE26-ACD1-4964-932B-823877B1C5B5}" type="slidenum">
               <a:rPr lang="en-US" smtClean="0"/>
-              <a:t>40</a:t>
+              <a:t>41</a:t>
             </a:fld>
             <a:endParaRPr lang="en-US" dirty="0"/>
           </a:p>
@@ -28972,7 +29240,7 @@
 </p:sld>
 </file>
 
-<file path=ppt/slides/slide41.xml><?xml version="1.0" encoding="utf-8"?>
+<file path=ppt/slides/slide42.xml><?xml version="1.0" encoding="utf-8"?>
 <p:sld xmlns:a="http://schemas.openxmlformats.org/drawingml/2006/main" xmlns:r="http://schemas.openxmlformats.org/officeDocument/2006/relationships" xmlns:p="http://schemas.openxmlformats.org/presentationml/2006/main">
   <p:cSld>
     <p:spTree>
@@ -29076,7 +29344,7 @@
           <a:p>
             <a:fld id="{4577FE26-ACD1-4964-932B-823877B1C5B5}" type="slidenum">
               <a:rPr lang="en-US" smtClean="0"/>
-              <a:t>41</a:t>
+              <a:t>42</a:t>
             </a:fld>
             <a:endParaRPr lang="en-US" dirty="0"/>
           </a:p>
@@ -29177,7 +29445,7 @@
 </p:sld>
 </file>
 
-<file path=ppt/slides/slide42.xml><?xml version="1.0" encoding="utf-8"?>
+<file path=ppt/slides/slide43.xml><?xml version="1.0" encoding="utf-8"?>
 <p:sld xmlns:a="http://schemas.openxmlformats.org/drawingml/2006/main" xmlns:r="http://schemas.openxmlformats.org/officeDocument/2006/relationships" xmlns:p="http://schemas.openxmlformats.org/presentationml/2006/main">
   <p:cSld>
     <p:spTree>
@@ -29281,7 +29549,7 @@
           <a:p>
             <a:fld id="{4577FE26-ACD1-4964-932B-823877B1C5B5}" type="slidenum">
               <a:rPr lang="en-US" smtClean="0"/>
-              <a:t>42</a:t>
+              <a:t>43</a:t>
             </a:fld>
             <a:endParaRPr lang="en-US" dirty="0"/>
           </a:p>
@@ -29455,7 +29723,7 @@
 </p:sld>
 </file>
 
-<file path=ppt/slides/slide43.xml><?xml version="1.0" encoding="utf-8"?>
+<file path=ppt/slides/slide44.xml><?xml version="1.0" encoding="utf-8"?>
 <p:sld xmlns:a="http://schemas.openxmlformats.org/drawingml/2006/main" xmlns:r="http://schemas.openxmlformats.org/officeDocument/2006/relationships" xmlns:p="http://schemas.openxmlformats.org/presentationml/2006/main">
   <p:cSld>
     <p:spTree>
@@ -29559,7 +29827,7 @@
           <a:p>
             <a:fld id="{4577FE26-ACD1-4964-932B-823877B1C5B5}" type="slidenum">
               <a:rPr lang="en-US" smtClean="0"/>
-              <a:t>43</a:t>
+              <a:t>44</a:t>
             </a:fld>
             <a:endParaRPr lang="en-US" dirty="0"/>
           </a:p>
@@ -29681,7 +29949,7 @@
 </p:sld>
 </file>
 
-<file path=ppt/slides/slide44.xml><?xml version="1.0" encoding="utf-8"?>
+<file path=ppt/slides/slide45.xml><?xml version="1.0" encoding="utf-8"?>
 <p:sld xmlns:a="http://schemas.openxmlformats.org/drawingml/2006/main" xmlns:r="http://schemas.openxmlformats.org/officeDocument/2006/relationships" xmlns:p="http://schemas.openxmlformats.org/presentationml/2006/main">
   <p:cSld>
     <p:spTree>
@@ -29782,7 +30050,7 @@
           <a:p>
             <a:fld id="{4577FE26-ACD1-4964-932B-823877B1C5B5}" type="slidenum">
               <a:rPr lang="en-US" smtClean="0"/>
-              <a:t>44</a:t>
+              <a:t>45</a:t>
             </a:fld>
             <a:endParaRPr lang="en-US" dirty="0"/>
           </a:p>
@@ -29831,7 +30099,7 @@
 </p:sld>
 </file>
 
-<file path=ppt/slides/slide45.xml><?xml version="1.0" encoding="utf-8"?>
+<file path=ppt/slides/slide46.xml><?xml version="1.0" encoding="utf-8"?>
 <p:sld xmlns:a="http://schemas.openxmlformats.org/drawingml/2006/main" xmlns:r="http://schemas.openxmlformats.org/officeDocument/2006/relationships" xmlns:p="http://schemas.openxmlformats.org/presentationml/2006/main">
   <p:cSld>
     <p:spTree>
@@ -29932,7 +30200,7 @@
           <a:p>
             <a:fld id="{4577FE26-ACD1-4964-932B-823877B1C5B5}" type="slidenum">
               <a:rPr lang="en-US" smtClean="0"/>
-              <a:t>45</a:t>
+              <a:t>46</a:t>
             </a:fld>
             <a:endParaRPr lang="en-US" dirty="0"/>
           </a:p>
@@ -30033,7 +30301,7 @@
 </p:sld>
 </file>
 
-<file path=ppt/slides/slide46.xml><?xml version="1.0" encoding="utf-8"?>
+<file path=ppt/slides/slide47.xml><?xml version="1.0" encoding="utf-8"?>
 <p:sld xmlns:a="http://schemas.openxmlformats.org/drawingml/2006/main" xmlns:r="http://schemas.openxmlformats.org/officeDocument/2006/relationships" xmlns:p="http://schemas.openxmlformats.org/presentationml/2006/main">
   <p:cSld>
     <p:spTree>
@@ -30134,7 +30402,7 @@
           <a:p>
             <a:fld id="{4577FE26-ACD1-4964-932B-823877B1C5B5}" type="slidenum">
               <a:rPr lang="en-US" smtClean="0"/>
-              <a:t>46</a:t>
+              <a:t>47</a:t>
             </a:fld>
             <a:endParaRPr lang="en-US" dirty="0"/>
           </a:p>
@@ -30412,7 +30680,7 @@
 </p:sld>
 </file>
 
-<file path=ppt/slides/slide47.xml><?xml version="1.0" encoding="utf-8"?>
+<file path=ppt/slides/slide48.xml><?xml version="1.0" encoding="utf-8"?>
 <p:sld xmlns:a="http://schemas.openxmlformats.org/drawingml/2006/main" xmlns:r="http://schemas.openxmlformats.org/officeDocument/2006/relationships" xmlns:p="http://schemas.openxmlformats.org/presentationml/2006/main">
   <p:cSld>
     <p:spTree>
@@ -30513,7 +30781,7 @@
           <a:p>
             <a:fld id="{4577FE26-ACD1-4964-932B-823877B1C5B5}" type="slidenum">
               <a:rPr lang="en-US" smtClean="0"/>
-              <a:t>47</a:t>
+              <a:t>48</a:t>
             </a:fld>
             <a:endParaRPr lang="en-US" dirty="0"/>
           </a:p>
@@ -30637,7 +30905,7 @@
 </p:sld>
 </file>
 
-<file path=ppt/slides/slide48.xml><?xml version="1.0" encoding="utf-8"?>
+<file path=ppt/slides/slide49.xml><?xml version="1.0" encoding="utf-8"?>
 <p:sld xmlns:a="http://schemas.openxmlformats.org/drawingml/2006/main" xmlns:r="http://schemas.openxmlformats.org/officeDocument/2006/relationships" xmlns:p="http://schemas.openxmlformats.org/presentationml/2006/main">
   <p:cSld>
     <p:spTree>
@@ -30761,7 +31029,7 @@
           <a:p>
             <a:fld id="{4577FE26-ACD1-4964-932B-823877B1C5B5}" type="slidenum">
               <a:rPr lang="en-US" smtClean="0"/>
-              <a:t>48</a:t>
+              <a:t>49</a:t>
             </a:fld>
             <a:endParaRPr lang="en-US" dirty="0"/>
           </a:p>
@@ -31479,7 +31747,12 @@
             <p:ph idx="1"/>
           </p:nvPr>
         </p:nvSpPr>
-        <p:spPr/>
+        <p:spPr>
+          <a:xfrm>
+            <a:off x="1219200" y="965200"/>
+            <a:ext cx="10363200" cy="5160963"/>
+          </a:xfrm>
+        </p:spPr>
         <p:txBody>
           <a:bodyPr/>
           <a:lstStyle/>
@@ -31504,7 +31777,7 @@
               <a:rPr lang="en-US" dirty="0">
                 <a:hlinkClick r:id="rId2"/>
               </a:rPr>
-              <a:t>https://git-scm.com/download/win</a:t>
+              <a:t> https://git-scm.com/download/win</a:t>
             </a:r>
             <a:r>
               <a:rPr lang="en-US" dirty="0"/>
@@ -31519,98 +31792,7 @@
             </a:pPr>
             <a:r>
               <a:rPr lang="en-US" dirty="0"/>
-              <a:t>Use all default configuration settings</a:t>
-            </a:r>
-          </a:p>
-          <a:p>
-            <a:pPr>
-              <a:spcBef>
-                <a:spcPts val="300"/>
-              </a:spcBef>
-            </a:pPr>
-            <a:r>
-              <a:rPr lang="en-US" dirty="0"/>
-              <a:t> Get session materials</a:t>
-            </a:r>
-          </a:p>
-          <a:p>
-            <a:pPr lvl="1">
-              <a:spcBef>
-                <a:spcPts val="300"/>
-              </a:spcBef>
-            </a:pPr>
-            <a:r>
-              <a:rPr lang="en-US" dirty="0"/>
-              <a:t> github.com/jrb28/git</a:t>
-            </a:r>
-          </a:p>
-          <a:p>
-            <a:pPr>
-              <a:spcBef>
-                <a:spcPts val="300"/>
-              </a:spcBef>
-            </a:pPr>
-            <a:r>
-              <a:rPr lang="en-US" dirty="0"/>
-              <a:t>Move </a:t>
-            </a:r>
-            <a:r>
-              <a:rPr lang="en-US" dirty="0" err="1">
-                <a:latin typeface="Courier New" panose="02070309020205020404" pitchFamily="49" charset="0"/>
-                <a:cs typeface="Courier New" panose="02070309020205020404" pitchFamily="49" charset="0"/>
-              </a:rPr>
-              <a:t>git_tutorial</a:t>
-            </a:r>
-            <a:r>
-              <a:rPr lang="en-US" dirty="0">
-                <a:cs typeface="Courier New" panose="02070309020205020404" pitchFamily="49" charset="0"/>
-              </a:rPr>
-              <a:t> to another location</a:t>
-            </a:r>
-            <a:endParaRPr lang="en-US" dirty="0"/>
-          </a:p>
-          <a:p>
-            <a:pPr lvl="1">
-              <a:spcBef>
-                <a:spcPts val="300"/>
-              </a:spcBef>
-            </a:pPr>
-            <a:r>
-              <a:rPr lang="en-US" dirty="0"/>
-              <a:t> Folder has one file: </a:t>
-            </a:r>
-            <a:r>
-              <a:rPr lang="en-US" dirty="0">
-                <a:latin typeface="Courier New" panose="02070309020205020404" pitchFamily="49" charset="0"/>
-                <a:cs typeface="Courier New" panose="02070309020205020404" pitchFamily="49" charset="0"/>
-              </a:rPr>
-              <a:t>my.py</a:t>
-            </a:r>
-            <a:r>
-              <a:rPr lang="en-US" dirty="0"/>
-              <a:t>    </a:t>
-            </a:r>
-          </a:p>
-          <a:p>
-            <a:pPr>
-              <a:spcBef>
-                <a:spcPts val="300"/>
-              </a:spcBef>
-            </a:pPr>
-            <a:r>
-              <a:rPr lang="en-US" dirty="0"/>
-              <a:t>This section of session:</a:t>
-            </a:r>
-          </a:p>
-          <a:p>
-            <a:pPr lvl="1">
-              <a:spcBef>
-                <a:spcPts val="300"/>
-              </a:spcBef>
-            </a:pPr>
-            <a:r>
-              <a:rPr lang="en-US" dirty="0"/>
-              <a:t> We’ll step through basic command line git commands</a:t>
+              <a:t> Use all default configuration settings</a:t>
             </a:r>
           </a:p>
           <a:p>
@@ -31644,34 +31826,175 @@
       </p:sp>
       <p:pic>
         <p:nvPicPr>
-          <p:cNvPr id="5" name="Picture 4"/>
+          <p:cNvPr id="6" name="Picture 5">
+            <a:extLst>
+              <a:ext uri="{FF2B5EF4-FFF2-40B4-BE49-F238E27FC236}">
+                <a16:creationId xmlns:a16="http://schemas.microsoft.com/office/drawing/2014/main" id="{DE609FB8-B9BC-489A-81B8-7E2F16E83027}"/>
+              </a:ext>
+            </a:extLst>
+          </p:cNvPr>
           <p:cNvPicPr>
             <a:picLocks noChangeAspect="1"/>
           </p:cNvPicPr>
           <p:nvPr/>
         </p:nvPicPr>
         <p:blipFill>
-          <a:blip r:embed="rId3" cstate="print">
-            <a:extLst>
-              <a:ext uri="{28A0092B-C50C-407E-A947-70E740481C1C}">
-                <a14:useLocalDpi xmlns:a14="http://schemas.microsoft.com/office/drawing/2010/main" val="0"/>
-              </a:ext>
-            </a:extLst>
-          </a:blip>
+          <a:blip r:embed="rId3"/>
           <a:stretch>
             <a:fillRect/>
           </a:stretch>
         </p:blipFill>
         <p:spPr>
           <a:xfrm>
-            <a:off x="8070980" y="1328738"/>
-            <a:ext cx="3035937" cy="1267754"/>
+            <a:off x="2963334" y="2762649"/>
+            <a:ext cx="5975661" cy="3886199"/>
           </a:xfrm>
           <a:prstGeom prst="rect">
             <a:avLst/>
           </a:prstGeom>
         </p:spPr>
       </p:pic>
+      <p:sp>
+        <p:nvSpPr>
+          <p:cNvPr id="7" name="Rectangle 6">
+            <a:extLst>
+              <a:ext uri="{FF2B5EF4-FFF2-40B4-BE49-F238E27FC236}">
+                <a16:creationId xmlns:a16="http://schemas.microsoft.com/office/drawing/2014/main" id="{0C2D8AD0-D629-41B5-8742-424823580E59}"/>
+              </a:ext>
+            </a:extLst>
+          </p:cNvPr>
+          <p:cNvSpPr/>
+          <p:nvPr/>
+        </p:nvSpPr>
+        <p:spPr>
+          <a:xfrm>
+            <a:off x="5325533" y="4622800"/>
+            <a:ext cx="1439334" cy="203200"/>
+          </a:xfrm>
+          <a:prstGeom prst="rect">
+            <a:avLst/>
+          </a:prstGeom>
+          <a:noFill/>
+          <a:ln w="38100">
+            <a:solidFill>
+              <a:srgbClr val="FF0000"/>
+            </a:solidFill>
+          </a:ln>
+        </p:spPr>
+        <p:style>
+          <a:lnRef idx="2">
+            <a:schemeClr val="accent1">
+              <a:shade val="50000"/>
+            </a:schemeClr>
+          </a:lnRef>
+          <a:fillRef idx="1">
+            <a:schemeClr val="accent1"/>
+          </a:fillRef>
+          <a:effectRef idx="0">
+            <a:schemeClr val="accent1"/>
+          </a:effectRef>
+          <a:fontRef idx="minor">
+            <a:schemeClr val="lt1"/>
+          </a:fontRef>
+        </p:style>
+        <p:txBody>
+          <a:bodyPr rtlCol="0" anchor="ctr"/>
+          <a:lstStyle/>
+          <a:p>
+            <a:pPr algn="ctr"/>
+            <a:endParaRPr lang="en-US"/>
+          </a:p>
+        </p:txBody>
+      </p:sp>
+      <p:sp>
+        <p:nvSpPr>
+          <p:cNvPr id="8" name="TextBox 7">
+            <a:extLst>
+              <a:ext uri="{FF2B5EF4-FFF2-40B4-BE49-F238E27FC236}">
+                <a16:creationId xmlns:a16="http://schemas.microsoft.com/office/drawing/2014/main" id="{DFD4655C-62F5-4F73-84F5-FAB70AFD4D46}"/>
+              </a:ext>
+            </a:extLst>
+          </p:cNvPr>
+          <p:cNvSpPr txBox="1"/>
+          <p:nvPr/>
+        </p:nvSpPr>
+        <p:spPr>
+          <a:xfrm>
+            <a:off x="8226802" y="3909062"/>
+            <a:ext cx="2390398" cy="369332"/>
+          </a:xfrm>
+          <a:prstGeom prst="rect">
+            <a:avLst/>
+          </a:prstGeom>
+          <a:noFill/>
+          <a:ln>
+            <a:solidFill>
+              <a:srgbClr val="FF0000"/>
+            </a:solidFill>
+          </a:ln>
+        </p:spPr>
+        <p:txBody>
+          <a:bodyPr wrap="none" rtlCol="0">
+            <a:spAutoFit/>
+          </a:bodyPr>
+          <a:lstStyle/>
+          <a:p>
+            <a:r>
+              <a:rPr lang="en-US" dirty="0">
+                <a:solidFill>
+                  <a:srgbClr val="FF0000"/>
+                </a:solidFill>
+              </a:rPr>
+              <a:t>This link should work.</a:t>
+            </a:r>
+          </a:p>
+        </p:txBody>
+      </p:sp>
+      <p:cxnSp>
+        <p:nvCxnSpPr>
+          <p:cNvPr id="10" name="Straight Arrow Connector 9">
+            <a:extLst>
+              <a:ext uri="{FF2B5EF4-FFF2-40B4-BE49-F238E27FC236}">
+                <a16:creationId xmlns:a16="http://schemas.microsoft.com/office/drawing/2014/main" id="{99D8ECCB-8F9B-497A-943E-FA5FC8C842A0}"/>
+              </a:ext>
+            </a:extLst>
+          </p:cNvPr>
+          <p:cNvCxnSpPr>
+            <a:stCxn id="8" idx="1"/>
+            <a:endCxn id="7" idx="3"/>
+          </p:cNvCxnSpPr>
+          <p:nvPr/>
+        </p:nvCxnSpPr>
+        <p:spPr>
+          <a:xfrm flipH="1">
+            <a:off x="6764867" y="4093728"/>
+            <a:ext cx="1461935" cy="630672"/>
+          </a:xfrm>
+          <a:prstGeom prst="straightConnector1">
+            <a:avLst/>
+          </a:prstGeom>
+          <a:ln>
+            <a:solidFill>
+              <a:srgbClr val="FF0000"/>
+            </a:solidFill>
+            <a:tailEnd type="triangle"/>
+          </a:ln>
+        </p:spPr>
+        <p:style>
+          <a:lnRef idx="1">
+            <a:schemeClr val="accent1"/>
+          </a:lnRef>
+          <a:fillRef idx="0">
+            <a:schemeClr val="accent1"/>
+          </a:fillRef>
+          <a:effectRef idx="0">
+            <a:schemeClr val="accent1"/>
+          </a:effectRef>
+          <a:fontRef idx="minor">
+            <a:schemeClr val="tx1"/>
+          </a:fontRef>
+        </p:style>
+      </p:cxnSp>
     </p:spTree>
     <p:extLst>
       <p:ext uri="{BB962C8B-B14F-4D97-AF65-F5344CB8AC3E}">
@@ -31734,55 +32057,48 @@
             <p:ph idx="1"/>
           </p:nvPr>
         </p:nvSpPr>
-        <p:spPr>
-          <a:xfrm>
-            <a:off x="1219199" y="1092200"/>
-            <a:ext cx="10742141" cy="5033963"/>
-          </a:xfrm>
-        </p:spPr>
+        <p:spPr/>
         <p:txBody>
           <a:bodyPr/>
           <a:lstStyle/>
           <a:p>
             <a:pPr>
               <a:spcBef>
-                <a:spcPts val="200"/>
+                <a:spcPts val="300"/>
               </a:spcBef>
             </a:pPr>
             <a:r>
               <a:rPr lang="en-US" dirty="0"/>
-              <a:t>Conceptually what’s happening…</a:t>
-            </a:r>
-          </a:p>
-          <a:p>
-            <a:pPr>
+              <a:t>Get session materials</a:t>
+            </a:r>
+          </a:p>
+          <a:p>
+            <a:pPr lvl="1">
               <a:spcBef>
-                <a:spcPts val="200"/>
+                <a:spcPts val="300"/>
               </a:spcBef>
             </a:pPr>
             <a:r>
               <a:rPr lang="en-US" dirty="0"/>
-              <a:t>We’ll be working on a Python program: </a:t>
-            </a:r>
-          </a:p>
-          <a:p>
-            <a:pPr lvl="1">
-              <a:spcBef>
-                <a:spcPts val="200"/>
-              </a:spcBef>
-            </a:pPr>
+              <a:t> </a:t>
+            </a:r>
             <a:r>
               <a:rPr lang="en-US" dirty="0">
                 <a:latin typeface="Courier New" panose="02070309020205020404" pitchFamily="49" charset="0"/>
                 <a:cs typeface="Courier New" panose="02070309020205020404" pitchFamily="49" charset="0"/>
               </a:rPr>
-              <a:t> my.py</a:t>
-            </a:r>
-            <a:r>
-              <a:rPr lang="en-US" dirty="0">
-                <a:cs typeface="Courier New" panose="02070309020205020404" pitchFamily="49" charset="0"/>
-              </a:rPr>
-              <a:t> in the folder </a:t>
+              <a:t>github.com/jrb28/git</a:t>
+            </a:r>
+          </a:p>
+          <a:p>
+            <a:pPr>
+              <a:spcBef>
+                <a:spcPts val="300"/>
+              </a:spcBef>
+            </a:pPr>
+            <a:r>
+              <a:rPr lang="en-US" dirty="0"/>
+              <a:t>Move </a:t>
             </a:r>
             <a:r>
               <a:rPr lang="en-US" dirty="0" err="1">
@@ -31791,130 +32107,23 @@
               </a:rPr>
               <a:t>git_tutorial</a:t>
             </a:r>
-            <a:endParaRPr lang="en-US" dirty="0">
-              <a:latin typeface="Courier New" panose="02070309020205020404" pitchFamily="49" charset="0"/>
-              <a:cs typeface="Courier New" panose="02070309020205020404" pitchFamily="49" charset="0"/>
-            </a:endParaRPr>
-          </a:p>
-          <a:p>
-            <a:pPr>
+            <a:r>
+              <a:rPr lang="en-US" dirty="0">
+                <a:cs typeface="Courier New" panose="02070309020205020404" pitchFamily="49" charset="0"/>
+              </a:rPr>
+              <a:t> folder another location</a:t>
+            </a:r>
+            <a:endParaRPr lang="en-US" dirty="0"/>
+          </a:p>
+          <a:p>
+            <a:pPr lvl="1">
               <a:spcBef>
-                <a:spcPts val="200"/>
+                <a:spcPts val="300"/>
               </a:spcBef>
             </a:pPr>
             <a:r>
               <a:rPr lang="en-US" dirty="0"/>
-              <a:t>We’ll create a </a:t>
-            </a:r>
-            <a:r>
-              <a:rPr lang="en-US" dirty="0">
-                <a:latin typeface="Courier New" panose="02070309020205020404" pitchFamily="49" charset="0"/>
-                <a:cs typeface="Courier New" panose="02070309020205020404" pitchFamily="49" charset="0"/>
-              </a:rPr>
-              <a:t>master</a:t>
-            </a:r>
-            <a:r>
-              <a:rPr lang="en-US" dirty="0"/>
-              <a:t> branch and a </a:t>
-            </a:r>
-            <a:r>
-              <a:rPr lang="en-US" dirty="0">
-                <a:latin typeface="Courier New" panose="02070309020205020404" pitchFamily="49" charset="0"/>
-                <a:cs typeface="Courier New" panose="02070309020205020404" pitchFamily="49" charset="0"/>
-              </a:rPr>
-              <a:t>test</a:t>
-            </a:r>
-            <a:r>
-              <a:rPr lang="en-US" dirty="0"/>
-              <a:t> branch</a:t>
-            </a:r>
-          </a:p>
-          <a:p>
-            <a:pPr lvl="1">
-              <a:spcBef>
-                <a:spcPts val="200"/>
-              </a:spcBef>
-            </a:pPr>
-            <a:r>
-              <a:rPr lang="en-US" dirty="0"/>
-              <a:t> The </a:t>
-            </a:r>
-            <a:r>
-              <a:rPr lang="en-US" dirty="0">
-                <a:latin typeface="Courier New" panose="02070309020205020404" pitchFamily="49" charset="0"/>
-                <a:cs typeface="Courier New" panose="02070309020205020404" pitchFamily="49" charset="0"/>
-              </a:rPr>
-              <a:t>master</a:t>
-            </a:r>
-            <a:r>
-              <a:rPr lang="en-US" dirty="0"/>
-              <a:t> branch works, but we want to make changes</a:t>
-            </a:r>
-          </a:p>
-          <a:p>
-            <a:pPr lvl="1">
-              <a:spcBef>
-                <a:spcPts val="200"/>
-              </a:spcBef>
-            </a:pPr>
-            <a:r>
-              <a:rPr lang="en-US" dirty="0"/>
-              <a:t> We’ll make changes to the </a:t>
-            </a:r>
-            <a:r>
-              <a:rPr lang="en-US" dirty="0">
-                <a:latin typeface="Courier New" panose="02070309020205020404" pitchFamily="49" charset="0"/>
-                <a:cs typeface="Courier New" panose="02070309020205020404" pitchFamily="49" charset="0"/>
-              </a:rPr>
-              <a:t>test</a:t>
-            </a:r>
-            <a:r>
-              <a:rPr lang="en-US" dirty="0"/>
-              <a:t> branch</a:t>
-            </a:r>
-          </a:p>
-          <a:p>
-            <a:pPr>
-              <a:spcBef>
-                <a:spcPts val="200"/>
-              </a:spcBef>
-            </a:pPr>
-            <a:r>
-              <a:rPr lang="en-US" dirty="0"/>
-              <a:t>Git keeps track of multiple versions </a:t>
-            </a:r>
-            <a:r>
-              <a:rPr lang="en-US" dirty="0">
-                <a:latin typeface="Courier New" panose="02070309020205020404" pitchFamily="49" charset="0"/>
-                <a:cs typeface="Courier New" panose="02070309020205020404" pitchFamily="49" charset="0"/>
-              </a:rPr>
-              <a:t>master</a:t>
-            </a:r>
-            <a:r>
-              <a:rPr lang="en-US" dirty="0"/>
-              <a:t> and </a:t>
-            </a:r>
-            <a:r>
-              <a:rPr lang="en-US" dirty="0">
-                <a:latin typeface="Courier New" panose="02070309020205020404" pitchFamily="49" charset="0"/>
-                <a:cs typeface="Courier New" panose="02070309020205020404" pitchFamily="49" charset="0"/>
-              </a:rPr>
-              <a:t>test</a:t>
-            </a:r>
-            <a:r>
-              <a:rPr lang="en-US" dirty="0"/>
-              <a:t> </a:t>
-            </a:r>
-          </a:p>
-          <a:p>
-            <a:pPr lvl="1">
-              <a:spcBef>
-                <a:spcPts val="200"/>
-              </a:spcBef>
-            </a:pPr>
-            <a:r>
-              <a:rPr lang="en-US" dirty="0"/>
-              <a:t> Only one </a:t>
+              <a:t> Folder has one file: </a:t>
             </a:r>
             <a:r>
               <a:rPr lang="en-US" dirty="0">
@@ -31925,58 +32134,34 @@
             </a:r>
             <a:r>
               <a:rPr lang="en-US" dirty="0"/>
-              <a:t> will appear in </a:t>
-            </a:r>
-            <a:r>
-              <a:rPr lang="en-US" dirty="0" err="1">
-                <a:latin typeface="Courier New" panose="02070309020205020404" pitchFamily="49" charset="0"/>
-                <a:cs typeface="Courier New" panose="02070309020205020404" pitchFamily="49" charset="0"/>
-              </a:rPr>
-              <a:t>git_tutorial</a:t>
-            </a:r>
+              <a:t>    </a:t>
+            </a:r>
+          </a:p>
+          <a:p>
+            <a:pPr>
+              <a:spcBef>
+                <a:spcPts val="300"/>
+              </a:spcBef>
+            </a:pPr>
             <a:r>
               <a:rPr lang="en-US" dirty="0"/>
-              <a:t> at any one time</a:t>
+              <a:t>This half of the session:</a:t>
             </a:r>
           </a:p>
           <a:p>
             <a:pPr lvl="1">
               <a:spcBef>
-                <a:spcPts val="200"/>
+                <a:spcPts val="300"/>
               </a:spcBef>
             </a:pPr>
             <a:r>
-              <a:rPr lang="en-US" dirty="0">
-                <a:cs typeface="Courier New" panose="02070309020205020404" pitchFamily="49" charset="0"/>
-              </a:rPr>
-              <a:t> Switch which version (</a:t>
-            </a:r>
-            <a:r>
-              <a:rPr lang="en-US" dirty="0">
-                <a:latin typeface="Courier New" panose="02070309020205020404" pitchFamily="49" charset="0"/>
-                <a:cs typeface="Courier New" panose="02070309020205020404" pitchFamily="49" charset="0"/>
-              </a:rPr>
-              <a:t>master</a:t>
-            </a:r>
-            <a:r>
-              <a:rPr lang="en-US" dirty="0">
-                <a:cs typeface="Courier New" panose="02070309020205020404" pitchFamily="49" charset="0"/>
-              </a:rPr>
-              <a:t>/</a:t>
-            </a:r>
-            <a:r>
-              <a:rPr lang="en-US" dirty="0">
-                <a:latin typeface="Courier New" panose="02070309020205020404" pitchFamily="49" charset="0"/>
-                <a:cs typeface="Courier New" panose="02070309020205020404" pitchFamily="49" charset="0"/>
-              </a:rPr>
-              <a:t>test</a:t>
-            </a:r>
-            <a:r>
-              <a:rPr lang="en-US" dirty="0">
-                <a:cs typeface="Courier New" panose="02070309020205020404" pitchFamily="49" charset="0"/>
-              </a:rPr>
-              <a:t>) with git software</a:t>
-            </a:r>
+              <a:rPr lang="en-US" dirty="0"/>
+              <a:t> Step through basic command line git commands</a:t>
+            </a:r>
+          </a:p>
+          <a:p>
+            <a:pPr lvl="1"/>
+            <a:endParaRPr lang="en-US" dirty="0"/>
           </a:p>
         </p:txBody>
       </p:sp>
@@ -32003,10 +32188,40 @@
           </a:p>
         </p:txBody>
       </p:sp>
+      <p:pic>
+        <p:nvPicPr>
+          <p:cNvPr id="5" name="Picture 4"/>
+          <p:cNvPicPr>
+            <a:picLocks noChangeAspect="1"/>
+          </p:cNvPicPr>
+          <p:nvPr/>
+        </p:nvPicPr>
+        <p:blipFill>
+          <a:blip r:embed="rId2" cstate="print">
+            <a:extLst>
+              <a:ext uri="{28A0092B-C50C-407E-A947-70E740481C1C}">
+                <a14:useLocalDpi xmlns:a14="http://schemas.microsoft.com/office/drawing/2010/main" val="0"/>
+              </a:ext>
+            </a:extLst>
+          </a:blip>
+          <a:stretch>
+            <a:fillRect/>
+          </a:stretch>
+        </p:blipFill>
+        <p:spPr>
+          <a:xfrm>
+            <a:off x="8070980" y="1328738"/>
+            <a:ext cx="3035937" cy="1267754"/>
+          </a:xfrm>
+          <a:prstGeom prst="rect">
+            <a:avLst/>
+          </a:prstGeom>
+        </p:spPr>
+      </p:pic>
     </p:spTree>
     <p:extLst>
       <p:ext uri="{BB962C8B-B14F-4D97-AF65-F5344CB8AC3E}">
-        <p14:creationId xmlns:p14="http://schemas.microsoft.com/office/powerpoint/2010/main" val="272173404"/>
+        <p14:creationId xmlns:p14="http://schemas.microsoft.com/office/powerpoint/2010/main" val="4054758712"/>
       </p:ext>
     </p:extLst>
   </p:cSld>
@@ -32065,12 +32280,249 @@
             <p:ph idx="1"/>
           </p:nvPr>
         </p:nvSpPr>
-        <p:spPr/>
+        <p:spPr>
+          <a:xfrm>
+            <a:off x="1219199" y="1092200"/>
+            <a:ext cx="10742141" cy="5033963"/>
+          </a:xfrm>
+        </p:spPr>
         <p:txBody>
           <a:bodyPr/>
           <a:lstStyle/>
           <a:p>
-            <a:endParaRPr lang="en-US" dirty="0"/>
+            <a:pPr>
+              <a:spcBef>
+                <a:spcPts val="200"/>
+              </a:spcBef>
+            </a:pPr>
+            <a:r>
+              <a:rPr lang="en-US" dirty="0"/>
+              <a:t>Conceptually what’s happening…</a:t>
+            </a:r>
+          </a:p>
+          <a:p>
+            <a:pPr>
+              <a:spcBef>
+                <a:spcPts val="200"/>
+              </a:spcBef>
+            </a:pPr>
+            <a:r>
+              <a:rPr lang="en-US" dirty="0"/>
+              <a:t>We’ll be working on a Python program: </a:t>
+            </a:r>
+          </a:p>
+          <a:p>
+            <a:pPr lvl="1">
+              <a:spcBef>
+                <a:spcPts val="200"/>
+              </a:spcBef>
+            </a:pPr>
+            <a:r>
+              <a:rPr lang="en-US" dirty="0">
+                <a:latin typeface="Courier New" panose="02070309020205020404" pitchFamily="49" charset="0"/>
+                <a:cs typeface="Courier New" panose="02070309020205020404" pitchFamily="49" charset="0"/>
+              </a:rPr>
+              <a:t> my.py</a:t>
+            </a:r>
+            <a:r>
+              <a:rPr lang="en-US" dirty="0">
+                <a:cs typeface="Courier New" panose="02070309020205020404" pitchFamily="49" charset="0"/>
+              </a:rPr>
+              <a:t> in the folder </a:t>
+            </a:r>
+            <a:r>
+              <a:rPr lang="en-US" dirty="0" err="1">
+                <a:latin typeface="Courier New" panose="02070309020205020404" pitchFamily="49" charset="0"/>
+                <a:cs typeface="Courier New" panose="02070309020205020404" pitchFamily="49" charset="0"/>
+              </a:rPr>
+              <a:t>git_tutorial</a:t>
+            </a:r>
+            <a:endParaRPr lang="en-US" dirty="0">
+              <a:latin typeface="Courier New" panose="02070309020205020404" pitchFamily="49" charset="0"/>
+              <a:cs typeface="Courier New" panose="02070309020205020404" pitchFamily="49" charset="0"/>
+            </a:endParaRPr>
+          </a:p>
+          <a:p>
+            <a:pPr>
+              <a:spcBef>
+                <a:spcPts val="200"/>
+              </a:spcBef>
+            </a:pPr>
+            <a:r>
+              <a:rPr lang="en-US" dirty="0"/>
+              <a:t>We’ll create a </a:t>
+            </a:r>
+            <a:r>
+              <a:rPr lang="en-US" dirty="0">
+                <a:latin typeface="Courier New" panose="02070309020205020404" pitchFamily="49" charset="0"/>
+                <a:cs typeface="Courier New" panose="02070309020205020404" pitchFamily="49" charset="0"/>
+              </a:rPr>
+              <a:t>master</a:t>
+            </a:r>
+            <a:r>
+              <a:rPr lang="en-US" dirty="0"/>
+              <a:t> branch and a </a:t>
+            </a:r>
+            <a:r>
+              <a:rPr lang="en-US" dirty="0">
+                <a:latin typeface="Courier New" panose="02070309020205020404" pitchFamily="49" charset="0"/>
+                <a:cs typeface="Courier New" panose="02070309020205020404" pitchFamily="49" charset="0"/>
+              </a:rPr>
+              <a:t>test</a:t>
+            </a:r>
+            <a:r>
+              <a:rPr lang="en-US" dirty="0"/>
+              <a:t> branch</a:t>
+            </a:r>
+          </a:p>
+          <a:p>
+            <a:pPr lvl="1">
+              <a:spcBef>
+                <a:spcPts val="200"/>
+              </a:spcBef>
+            </a:pPr>
+            <a:r>
+              <a:rPr lang="en-US" dirty="0"/>
+              <a:t> The </a:t>
+            </a:r>
+            <a:r>
+              <a:rPr lang="en-US" dirty="0">
+                <a:latin typeface="Courier New" panose="02070309020205020404" pitchFamily="49" charset="0"/>
+                <a:cs typeface="Courier New" panose="02070309020205020404" pitchFamily="49" charset="0"/>
+              </a:rPr>
+              <a:t>master</a:t>
+            </a:r>
+            <a:r>
+              <a:rPr lang="en-US" dirty="0"/>
+              <a:t> branch works, but we want to make changes</a:t>
+            </a:r>
+          </a:p>
+          <a:p>
+            <a:pPr lvl="1">
+              <a:spcBef>
+                <a:spcPts val="200"/>
+              </a:spcBef>
+            </a:pPr>
+            <a:r>
+              <a:rPr lang="en-US" dirty="0"/>
+              <a:t> We’ll make changes to the </a:t>
+            </a:r>
+            <a:r>
+              <a:rPr lang="en-US" dirty="0">
+                <a:latin typeface="Courier New" panose="02070309020205020404" pitchFamily="49" charset="0"/>
+                <a:cs typeface="Courier New" panose="02070309020205020404" pitchFamily="49" charset="0"/>
+              </a:rPr>
+              <a:t>test</a:t>
+            </a:r>
+            <a:r>
+              <a:rPr lang="en-US" dirty="0"/>
+              <a:t> branch</a:t>
+            </a:r>
+          </a:p>
+          <a:p>
+            <a:pPr>
+              <a:spcBef>
+                <a:spcPts val="200"/>
+              </a:spcBef>
+            </a:pPr>
+            <a:r>
+              <a:rPr lang="en-US" dirty="0"/>
+              <a:t>Git keeps track of multiple versions </a:t>
+            </a:r>
+            <a:r>
+              <a:rPr lang="en-US" dirty="0">
+                <a:latin typeface="Courier New" panose="02070309020205020404" pitchFamily="49" charset="0"/>
+                <a:cs typeface="Courier New" panose="02070309020205020404" pitchFamily="49" charset="0"/>
+              </a:rPr>
+              <a:t>master</a:t>
+            </a:r>
+            <a:r>
+              <a:rPr lang="en-US" dirty="0"/>
+              <a:t> and </a:t>
+            </a:r>
+            <a:r>
+              <a:rPr lang="en-US" dirty="0">
+                <a:latin typeface="Courier New" panose="02070309020205020404" pitchFamily="49" charset="0"/>
+                <a:cs typeface="Courier New" panose="02070309020205020404" pitchFamily="49" charset="0"/>
+              </a:rPr>
+              <a:t>test</a:t>
+            </a:r>
+            <a:r>
+              <a:rPr lang="en-US" dirty="0"/>
+              <a:t> </a:t>
+            </a:r>
+          </a:p>
+          <a:p>
+            <a:pPr lvl="1">
+              <a:spcBef>
+                <a:spcPts val="200"/>
+              </a:spcBef>
+            </a:pPr>
+            <a:r>
+              <a:rPr lang="en-US" dirty="0"/>
+              <a:t> Only one </a:t>
+            </a:r>
+            <a:r>
+              <a:rPr lang="en-US" dirty="0">
+                <a:latin typeface="Courier New" panose="02070309020205020404" pitchFamily="49" charset="0"/>
+                <a:cs typeface="Courier New" panose="02070309020205020404" pitchFamily="49" charset="0"/>
+              </a:rPr>
+              <a:t>my.py</a:t>
+            </a:r>
+            <a:r>
+              <a:rPr lang="en-US" dirty="0"/>
+              <a:t> will appear in </a:t>
+            </a:r>
+            <a:r>
+              <a:rPr lang="en-US" dirty="0" err="1">
+                <a:latin typeface="Courier New" panose="02070309020205020404" pitchFamily="49" charset="0"/>
+                <a:cs typeface="Courier New" panose="02070309020205020404" pitchFamily="49" charset="0"/>
+              </a:rPr>
+              <a:t>git_tutorial</a:t>
+            </a:r>
+            <a:r>
+              <a:rPr lang="en-US" dirty="0"/>
+              <a:t> at any one time</a:t>
+            </a:r>
+          </a:p>
+          <a:p>
+            <a:pPr lvl="1">
+              <a:spcBef>
+                <a:spcPts val="200"/>
+              </a:spcBef>
+            </a:pPr>
+            <a:r>
+              <a:rPr lang="en-US" dirty="0">
+                <a:cs typeface="Courier New" panose="02070309020205020404" pitchFamily="49" charset="0"/>
+              </a:rPr>
+              <a:t> Switch which version (</a:t>
+            </a:r>
+            <a:r>
+              <a:rPr lang="en-US" dirty="0">
+                <a:latin typeface="Courier New" panose="02070309020205020404" pitchFamily="49" charset="0"/>
+                <a:cs typeface="Courier New" panose="02070309020205020404" pitchFamily="49" charset="0"/>
+              </a:rPr>
+              <a:t>master</a:t>
+            </a:r>
+            <a:r>
+              <a:rPr lang="en-US" dirty="0">
+                <a:cs typeface="Courier New" panose="02070309020205020404" pitchFamily="49" charset="0"/>
+              </a:rPr>
+              <a:t>/</a:t>
+            </a:r>
+            <a:r>
+              <a:rPr lang="en-US" dirty="0">
+                <a:latin typeface="Courier New" panose="02070309020205020404" pitchFamily="49" charset="0"/>
+                <a:cs typeface="Courier New" panose="02070309020205020404" pitchFamily="49" charset="0"/>
+              </a:rPr>
+              <a:t>test</a:t>
+            </a:r>
+            <a:r>
+              <a:rPr lang="en-US" dirty="0">
+                <a:cs typeface="Courier New" panose="02070309020205020404" pitchFamily="49" charset="0"/>
+              </a:rPr>
+              <a:t>) with git software</a:t>
+            </a:r>
           </a:p>
         </p:txBody>
       </p:sp>
@@ -32097,183 +32549,10 @@
           </a:p>
         </p:txBody>
       </p:sp>
-      <p:pic>
-        <p:nvPicPr>
-          <p:cNvPr id="5" name="Picture 4"/>
-          <p:cNvPicPr>
-            <a:picLocks noChangeAspect="1"/>
-          </p:cNvPicPr>
-          <p:nvPr/>
-        </p:nvPicPr>
-        <p:blipFill rotWithShape="1">
-          <a:blip r:embed="rId2">
-            <a:extLst>
-              <a:ext uri="{28A0092B-C50C-407E-A947-70E740481C1C}">
-                <a14:useLocalDpi xmlns:a14="http://schemas.microsoft.com/office/drawing/2010/main" val="0"/>
-              </a:ext>
-            </a:extLst>
-          </a:blip>
-          <a:srcRect l="5082" r="4945"/>
-          <a:stretch/>
-        </p:blipFill>
-        <p:spPr>
-          <a:xfrm>
-            <a:off x="1011676" y="2120383"/>
-            <a:ext cx="11025188" cy="3083915"/>
-          </a:xfrm>
-          <a:prstGeom prst="rect">
-            <a:avLst/>
-          </a:prstGeom>
-        </p:spPr>
-      </p:pic>
-      <p:sp>
-        <p:nvSpPr>
-          <p:cNvPr id="6" name="TextBox 5"/>
-          <p:cNvSpPr txBox="1"/>
-          <p:nvPr/>
-        </p:nvSpPr>
-        <p:spPr>
-          <a:xfrm>
-            <a:off x="3103125" y="2870904"/>
-            <a:ext cx="761747" cy="307777"/>
-          </a:xfrm>
-          <a:prstGeom prst="rect">
-            <a:avLst/>
-          </a:prstGeom>
-          <a:solidFill>
-            <a:schemeClr val="bg1"/>
-          </a:solidFill>
-        </p:spPr>
-        <p:txBody>
-          <a:bodyPr wrap="none" rtlCol="0">
-            <a:spAutoFit/>
-          </a:bodyPr>
-          <a:lstStyle/>
-          <a:p>
-            <a:r>
-              <a:rPr lang="en-US" sz="1400" dirty="0"/>
-              <a:t>   </a:t>
-            </a:r>
-            <a:r>
-              <a:rPr lang="en-US" sz="1400" dirty="0">
-                <a:sym typeface="Symbol" panose="05050102010706020507" pitchFamily="18" charset="2"/>
-              </a:rPr>
-              <a:t></a:t>
-            </a:r>
-            <a:r>
-              <a:rPr lang="en-US" sz="1400" dirty="0"/>
-              <a:t>test </a:t>
-            </a:r>
-            <a:r>
-              <a:rPr lang="en-US" sz="1400" dirty="0">
-                <a:sym typeface="Symbol" panose="05050102010706020507" pitchFamily="18" charset="2"/>
-              </a:rPr>
-              <a:t></a:t>
-            </a:r>
-            <a:endParaRPr lang="en-US" sz="1400" dirty="0"/>
-          </a:p>
-        </p:txBody>
-      </p:sp>
-      <p:sp>
-        <p:nvSpPr>
-          <p:cNvPr id="7" name="TextBox 6"/>
-          <p:cNvSpPr txBox="1"/>
-          <p:nvPr/>
-        </p:nvSpPr>
-        <p:spPr>
-          <a:xfrm>
-            <a:off x="7942279" y="2851447"/>
-            <a:ext cx="761747" cy="307777"/>
-          </a:xfrm>
-          <a:prstGeom prst="rect">
-            <a:avLst/>
-          </a:prstGeom>
-          <a:solidFill>
-            <a:schemeClr val="bg1"/>
-          </a:solidFill>
-        </p:spPr>
-        <p:txBody>
-          <a:bodyPr wrap="none" rtlCol="0">
-            <a:spAutoFit/>
-          </a:bodyPr>
-          <a:lstStyle/>
-          <a:p>
-            <a:r>
-              <a:rPr lang="en-US" sz="1400" dirty="0"/>
-              <a:t>   </a:t>
-            </a:r>
-            <a:r>
-              <a:rPr lang="en-US" sz="1400" dirty="0">
-                <a:sym typeface="Symbol" panose="05050102010706020507" pitchFamily="18" charset="2"/>
-              </a:rPr>
-              <a:t></a:t>
-            </a:r>
-            <a:r>
-              <a:rPr lang="en-US" sz="1400" dirty="0"/>
-              <a:t>test </a:t>
-            </a:r>
-            <a:r>
-              <a:rPr lang="en-US" sz="1400" dirty="0">
-                <a:sym typeface="Symbol" panose="05050102010706020507" pitchFamily="18" charset="2"/>
-              </a:rPr>
-              <a:t></a:t>
-            </a:r>
-            <a:endParaRPr lang="en-US" sz="1400" dirty="0"/>
-          </a:p>
-        </p:txBody>
-      </p:sp>
-      <p:sp>
-        <p:nvSpPr>
-          <p:cNvPr id="8" name="TextBox 7"/>
-          <p:cNvSpPr txBox="1"/>
-          <p:nvPr/>
-        </p:nvSpPr>
-        <p:spPr>
-          <a:xfrm>
-            <a:off x="3483998" y="4190624"/>
-            <a:ext cx="2015295" cy="307777"/>
-          </a:xfrm>
-          <a:prstGeom prst="rect">
-            <a:avLst/>
-          </a:prstGeom>
-          <a:solidFill>
-            <a:schemeClr val="bg1"/>
-          </a:solidFill>
-        </p:spPr>
-        <p:txBody>
-          <a:bodyPr wrap="none" rtlCol="0">
-            <a:spAutoFit/>
-          </a:bodyPr>
-          <a:lstStyle/>
-          <a:p>
-            <a:r>
-              <a:rPr lang="en-US" sz="1400" dirty="0"/>
-              <a:t> work on  </a:t>
-            </a:r>
-            <a:r>
-              <a:rPr lang="en-US" sz="1400" dirty="0">
-                <a:sym typeface="Symbol" panose="05050102010706020507" pitchFamily="18" charset="2"/>
-              </a:rPr>
-              <a:t></a:t>
-            </a:r>
-            <a:r>
-              <a:rPr lang="en-US" sz="1400" dirty="0"/>
-              <a:t>test </a:t>
-            </a:r>
-            <a:r>
-              <a:rPr lang="en-US" sz="1400" dirty="0">
-                <a:sym typeface="Symbol" panose="05050102010706020507" pitchFamily="18" charset="2"/>
-              </a:rPr>
-              <a:t> version</a:t>
-            </a:r>
-            <a:endParaRPr lang="en-US" sz="1400" dirty="0"/>
-          </a:p>
-        </p:txBody>
-      </p:sp>
     </p:spTree>
     <p:extLst>
       <p:ext uri="{BB962C8B-B14F-4D97-AF65-F5344CB8AC3E}">
-        <p14:creationId xmlns:p14="http://schemas.microsoft.com/office/powerpoint/2010/main" val="1593744636"/>
+        <p14:creationId xmlns:p14="http://schemas.microsoft.com/office/powerpoint/2010/main" val="272173404"/>
       </p:ext>
     </p:extLst>
   </p:cSld>

--- a/26bGit.pptx
+++ b/26bGit.pptx
@@ -5,7 +5,7 @@
     <p:sldMasterId id="2147483684" r:id="rId1"/>
   </p:sldMasterIdLst>
   <p:notesMasterIdLst>
-    <p:notesMasterId r:id="rId51"/>
+    <p:notesMasterId r:id="rId66"/>
   </p:notesMasterIdLst>
   <p:sldIdLst>
     <p:sldId id="256" r:id="rId2"/>
@@ -48,15 +48,30 @@
     <p:sldId id="324" r:id="rId39"/>
     <p:sldId id="326" r:id="rId40"/>
     <p:sldId id="327" r:id="rId41"/>
-    <p:sldId id="328" r:id="rId42"/>
-    <p:sldId id="333" r:id="rId43"/>
-    <p:sldId id="334" r:id="rId44"/>
-    <p:sldId id="335" r:id="rId45"/>
-    <p:sldId id="329" r:id="rId46"/>
-    <p:sldId id="336" r:id="rId47"/>
-    <p:sldId id="330" r:id="rId48"/>
-    <p:sldId id="331" r:id="rId49"/>
-    <p:sldId id="332" r:id="rId50"/>
+    <p:sldId id="339" r:id="rId42"/>
+    <p:sldId id="340" r:id="rId43"/>
+    <p:sldId id="345" r:id="rId44"/>
+    <p:sldId id="346" r:id="rId45"/>
+    <p:sldId id="347" r:id="rId46"/>
+    <p:sldId id="344" r:id="rId47"/>
+    <p:sldId id="341" r:id="rId48"/>
+    <p:sldId id="342" r:id="rId49"/>
+    <p:sldId id="343" r:id="rId50"/>
+    <p:sldId id="348" r:id="rId51"/>
+    <p:sldId id="349" r:id="rId52"/>
+    <p:sldId id="350" r:id="rId53"/>
+    <p:sldId id="351" r:id="rId54"/>
+    <p:sldId id="352" r:id="rId55"/>
+    <p:sldId id="353" r:id="rId56"/>
+    <p:sldId id="328" r:id="rId57"/>
+    <p:sldId id="333" r:id="rId58"/>
+    <p:sldId id="334" r:id="rId59"/>
+    <p:sldId id="335" r:id="rId60"/>
+    <p:sldId id="329" r:id="rId61"/>
+    <p:sldId id="336" r:id="rId62"/>
+    <p:sldId id="330" r:id="rId63"/>
+    <p:sldId id="331" r:id="rId64"/>
+    <p:sldId id="332" r:id="rId65"/>
   </p:sldIdLst>
   <p:sldSz cx="12192000" cy="6858000"/>
   <p:notesSz cx="6858000" cy="9144000"/>
@@ -607,7 +622,7 @@
           <a:p>
             <a:fld id="{81F398E8-CF40-4E3A-B849-5DFC67493DDD}" type="slidenum">
               <a:rPr lang="en-US" smtClean="0"/>
-              <a:t>41</a:t>
+              <a:t>56</a:t>
             </a:fld>
             <a:endParaRPr lang="en-US" dirty="0"/>
           </a:p>
@@ -691,7 +706,7 @@
           <a:p>
             <a:fld id="{81F398E8-CF40-4E3A-B849-5DFC67493DDD}" type="slidenum">
               <a:rPr lang="en-US" smtClean="0"/>
-              <a:t>42</a:t>
+              <a:t>57</a:t>
             </a:fld>
             <a:endParaRPr lang="en-US" dirty="0"/>
           </a:p>
@@ -775,7 +790,7 @@
           <a:p>
             <a:fld id="{81F398E8-CF40-4E3A-B849-5DFC67493DDD}" type="slidenum">
               <a:rPr lang="en-US" smtClean="0"/>
-              <a:t>43</a:t>
+              <a:t>58</a:t>
             </a:fld>
             <a:endParaRPr lang="en-US" dirty="0"/>
           </a:p>
@@ -859,7 +874,7 @@
           <a:p>
             <a:fld id="{81F398E8-CF40-4E3A-B849-5DFC67493DDD}" type="slidenum">
               <a:rPr lang="en-US" smtClean="0"/>
-              <a:t>44</a:t>
+              <a:t>59</a:t>
             </a:fld>
             <a:endParaRPr lang="en-US" dirty="0"/>
           </a:p>
@@ -24657,6 +24672,88 @@
               <a:t>GitHub Desktop App</a:t>
             </a:r>
           </a:p>
+          <a:p>
+            <a:r>
+              <a:rPr lang="en-US" dirty="0"/>
+              <a:t>git is being integrated into IDEs</a:t>
+            </a:r>
+          </a:p>
+          <a:p>
+            <a:pPr lvl="1"/>
+            <a:r>
+              <a:rPr lang="en-US" dirty="0"/>
+              <a:t> Spyder (</a:t>
+            </a:r>
+            <a:r>
+              <a:rPr lang="en-US" dirty="0">
+                <a:hlinkClick r:id="rId2"/>
+              </a:rPr>
+              <a:t>link</a:t>
+            </a:r>
+            <a:r>
+              <a:rPr lang="en-US" dirty="0"/>
+              <a:t>)</a:t>
+            </a:r>
+          </a:p>
+          <a:p>
+            <a:pPr lvl="1"/>
+            <a:r>
+              <a:rPr lang="en-US" dirty="0"/>
+              <a:t> </a:t>
+            </a:r>
+            <a:r>
+              <a:rPr lang="en-US" dirty="0" err="1"/>
+              <a:t>Rstudio</a:t>
+            </a:r>
+            <a:r>
+              <a:rPr lang="en-US" dirty="0"/>
+              <a:t> (</a:t>
+            </a:r>
+            <a:r>
+              <a:rPr lang="en-US" dirty="0">
+                <a:hlinkClick r:id="rId3"/>
+              </a:rPr>
+              <a:t>link</a:t>
+            </a:r>
+            <a:r>
+              <a:rPr lang="en-US" dirty="0"/>
+              <a:t>)</a:t>
+            </a:r>
+          </a:p>
+          <a:p>
+            <a:pPr lvl="1"/>
+            <a:r>
+              <a:rPr lang="en-US" dirty="0"/>
+              <a:t> PyCharm (</a:t>
+            </a:r>
+            <a:r>
+              <a:rPr lang="en-US" dirty="0">
+                <a:hlinkClick r:id="rId4"/>
+              </a:rPr>
+              <a:t>link</a:t>
+            </a:r>
+            <a:r>
+              <a:rPr lang="en-US" dirty="0"/>
+              <a:t>)</a:t>
+            </a:r>
+          </a:p>
+          <a:p>
+            <a:pPr lvl="1"/>
+            <a:r>
+              <a:rPr lang="en-US" dirty="0"/>
+              <a:t> Atom (</a:t>
+            </a:r>
+            <a:r>
+              <a:rPr lang="en-US" dirty="0">
+                <a:hlinkClick r:id="rId5"/>
+              </a:rPr>
+              <a:t>link</a:t>
+            </a:r>
+            <a:r>
+              <a:rPr lang="en-US" dirty="0"/>
+              <a:t>)</a:t>
+            </a:r>
+          </a:p>
         </p:txBody>
       </p:sp>
       <p:sp>
@@ -28857,7 +28954,7 @@
           <a:p>
             <a:r>
               <a:rPr lang="en-US" dirty="0"/>
-              <a:t> Some differences from command line git</a:t>
+              <a:t> GitHub Desktop is different than command line git</a:t>
             </a:r>
           </a:p>
           <a:p>
@@ -28911,7 +29008,11 @@
             </a:r>
           </a:p>
           <a:p>
-            <a:endParaRPr lang="en-US" dirty="0"/>
+            <a:pPr lvl="1"/>
+            <a:r>
+              <a:rPr lang="en-US" dirty="0"/>
+              <a:t> Not all git features</a:t>
+            </a:r>
           </a:p>
         </p:txBody>
       </p:sp>
@@ -28979,6 +29080,3852 @@
           <p:cNvPr id="2" name="Title 1">
             <a:extLst>
               <a:ext uri="{FF2B5EF4-FFF2-40B4-BE49-F238E27FC236}">
+                <a16:creationId xmlns:a16="http://schemas.microsoft.com/office/drawing/2014/main" id="{9EBB8F63-4472-4C73-9C57-9932C6A662FC}"/>
+              </a:ext>
+            </a:extLst>
+          </p:cNvPr>
+          <p:cNvSpPr>
+            <a:spLocks noGrp="1"/>
+          </p:cNvSpPr>
+          <p:nvPr>
+            <p:ph type="title"/>
+          </p:nvPr>
+        </p:nvSpPr>
+        <p:spPr/>
+        <p:txBody>
+          <a:bodyPr/>
+          <a:lstStyle/>
+          <a:p>
+            <a:r>
+              <a:rPr lang="en-US" dirty="0"/>
+              <a:t>Exercise 1</a:t>
+            </a:r>
+          </a:p>
+        </p:txBody>
+      </p:sp>
+      <p:sp>
+        <p:nvSpPr>
+          <p:cNvPr id="3" name="Content Placeholder 2">
+            <a:extLst>
+              <a:ext uri="{FF2B5EF4-FFF2-40B4-BE49-F238E27FC236}">
+                <a16:creationId xmlns:a16="http://schemas.microsoft.com/office/drawing/2014/main" id="{C98734E3-1228-49B2-BD04-AB60998F2FBE}"/>
+              </a:ext>
+            </a:extLst>
+          </p:cNvPr>
+          <p:cNvSpPr>
+            <a:spLocks noGrp="1"/>
+          </p:cNvSpPr>
+          <p:nvPr>
+            <p:ph idx="1"/>
+          </p:nvPr>
+        </p:nvSpPr>
+        <p:spPr>
+          <a:xfrm>
+            <a:off x="1219200" y="1447800"/>
+            <a:ext cx="10273364" cy="4678363"/>
+          </a:xfrm>
+        </p:spPr>
+        <p:txBody>
+          <a:bodyPr/>
+          <a:lstStyle/>
+          <a:p>
+            <a:r>
+              <a:rPr lang="en-US" dirty="0"/>
+              <a:t> Repeat 1</a:t>
+            </a:r>
+            <a:r>
+              <a:rPr lang="en-US" baseline="30000" dirty="0"/>
+              <a:t>st</a:t>
+            </a:r>
+            <a:r>
+              <a:rPr lang="en-US" dirty="0"/>
+              <a:t> exercise with GitHub Desktop</a:t>
+            </a:r>
+          </a:p>
+          <a:p>
+            <a:pPr lvl="1"/>
+            <a:r>
+              <a:rPr lang="en-US" dirty="0"/>
+              <a:t> Create </a:t>
+            </a:r>
+            <a:r>
+              <a:rPr lang="en-US" dirty="0">
+                <a:latin typeface="Courier New" panose="02070309020205020404" pitchFamily="49" charset="0"/>
+                <a:cs typeface="Courier New" panose="02070309020205020404" pitchFamily="49" charset="0"/>
+              </a:rPr>
+              <a:t>C:\GitHub</a:t>
+            </a:r>
+            <a:r>
+              <a:rPr lang="en-US" dirty="0"/>
+              <a:t> folder</a:t>
+            </a:r>
+          </a:p>
+          <a:p>
+            <a:pPr lvl="1"/>
+            <a:r>
+              <a:rPr lang="en-US" dirty="0"/>
+              <a:t> Open GitHub Desktop</a:t>
+            </a:r>
+          </a:p>
+          <a:p>
+            <a:pPr lvl="2"/>
+            <a:r>
+              <a:rPr lang="en-US" dirty="0"/>
+              <a:t> </a:t>
+            </a:r>
+            <a:r>
+              <a:rPr lang="en-US" dirty="0">
+                <a:latin typeface="Courier New" panose="02070309020205020404" pitchFamily="49" charset="0"/>
+                <a:cs typeface="Courier New" panose="02070309020205020404" pitchFamily="49" charset="0"/>
+              </a:rPr>
+              <a:t>File&gt;New Repository</a:t>
+            </a:r>
+            <a:endParaRPr lang="en-US" dirty="0"/>
+          </a:p>
+          <a:p>
+            <a:pPr lvl="1"/>
+            <a:r>
+              <a:rPr lang="en-US" dirty="0"/>
+              <a:t> Copy </a:t>
+            </a:r>
+            <a:r>
+              <a:rPr lang="en-US" dirty="0">
+                <a:latin typeface="Courier New" panose="02070309020205020404" pitchFamily="49" charset="0"/>
+                <a:cs typeface="Courier New" panose="02070309020205020404" pitchFamily="49" charset="0"/>
+              </a:rPr>
+              <a:t>my.py</a:t>
+            </a:r>
+            <a:r>
+              <a:rPr lang="en-US" dirty="0"/>
+              <a:t> from </a:t>
+            </a:r>
+            <a:r>
+              <a:rPr lang="en-US" dirty="0" err="1">
+                <a:latin typeface="Courier New" panose="02070309020205020404" pitchFamily="49" charset="0"/>
+                <a:cs typeface="Courier New" panose="02070309020205020404" pitchFamily="49" charset="0"/>
+              </a:rPr>
+              <a:t>git_tutorial</a:t>
+            </a:r>
+            <a:r>
+              <a:rPr lang="en-US" dirty="0"/>
+              <a:t> into folder above</a:t>
+            </a:r>
+          </a:p>
+          <a:p>
+            <a:pPr lvl="1"/>
+            <a:r>
+              <a:rPr lang="en-US" dirty="0"/>
+              <a:t> Commit </a:t>
+            </a:r>
+            <a:r>
+              <a:rPr lang="en-US" dirty="0">
+                <a:latin typeface="Courier New" panose="02070309020205020404" pitchFamily="49" charset="0"/>
+                <a:cs typeface="Courier New" panose="02070309020205020404" pitchFamily="49" charset="0"/>
+              </a:rPr>
+              <a:t>my.py</a:t>
+            </a:r>
+            <a:r>
+              <a:rPr lang="en-US" dirty="0"/>
+              <a:t> addition to local repository</a:t>
+            </a:r>
+          </a:p>
+          <a:p>
+            <a:pPr lvl="1"/>
+            <a:r>
+              <a:rPr lang="en-US" dirty="0"/>
+              <a:t> Edit </a:t>
+            </a:r>
+            <a:r>
+              <a:rPr lang="en-US" dirty="0">
+                <a:latin typeface="Courier New" panose="02070309020205020404" pitchFamily="49" charset="0"/>
+                <a:cs typeface="Courier New" panose="02070309020205020404" pitchFamily="49" charset="0"/>
+              </a:rPr>
+              <a:t>my.py</a:t>
+            </a:r>
+            <a:r>
+              <a:rPr lang="en-US" dirty="0"/>
+              <a:t>      </a:t>
+            </a:r>
+          </a:p>
+          <a:p>
+            <a:pPr lvl="1"/>
+            <a:r>
+              <a:rPr lang="en-US" dirty="0"/>
+              <a:t> Commit changes to local repository</a:t>
+            </a:r>
+          </a:p>
+        </p:txBody>
+      </p:sp>
+      <p:sp>
+        <p:nvSpPr>
+          <p:cNvPr id="4" name="Slide Number Placeholder 3">
+            <a:extLst>
+              <a:ext uri="{FF2B5EF4-FFF2-40B4-BE49-F238E27FC236}">
+                <a16:creationId xmlns:a16="http://schemas.microsoft.com/office/drawing/2014/main" id="{04962F61-E126-4137-8B58-9C6F426BC09E}"/>
+              </a:ext>
+            </a:extLst>
+          </p:cNvPr>
+          <p:cNvSpPr>
+            <a:spLocks noGrp="1"/>
+          </p:cNvSpPr>
+          <p:nvPr>
+            <p:ph type="sldNum" sz="quarter" idx="12"/>
+          </p:nvPr>
+        </p:nvSpPr>
+        <p:spPr/>
+        <p:txBody>
+          <a:bodyPr/>
+          <a:lstStyle/>
+          <a:p>
+            <a:fld id="{4577FE26-ACD1-4964-932B-823877B1C5B5}" type="slidenum">
+              <a:rPr lang="en-US" smtClean="0"/>
+              <a:t>41</a:t>
+            </a:fld>
+            <a:endParaRPr lang="en-US" dirty="0"/>
+          </a:p>
+        </p:txBody>
+      </p:sp>
+    </p:spTree>
+    <p:extLst>
+      <p:ext uri="{BB962C8B-B14F-4D97-AF65-F5344CB8AC3E}">
+        <p14:creationId xmlns:p14="http://schemas.microsoft.com/office/powerpoint/2010/main" val="430549383"/>
+      </p:ext>
+    </p:extLst>
+  </p:cSld>
+  <p:clrMapOvr>
+    <a:masterClrMapping/>
+  </p:clrMapOvr>
+</p:sld>
+</file>
+
+<file path=ppt/slides/slide42.xml><?xml version="1.0" encoding="utf-8"?>
+<p:sld xmlns:a="http://schemas.openxmlformats.org/drawingml/2006/main" xmlns:r="http://schemas.openxmlformats.org/officeDocument/2006/relationships" xmlns:p="http://schemas.openxmlformats.org/presentationml/2006/main">
+  <p:cSld>
+    <p:spTree>
+      <p:nvGrpSpPr>
+        <p:cNvPr id="1" name=""/>
+        <p:cNvGrpSpPr/>
+        <p:nvPr/>
+      </p:nvGrpSpPr>
+      <p:grpSpPr>
+        <a:xfrm>
+          <a:off x="0" y="0"/>
+          <a:ext cx="0" cy="0"/>
+          <a:chOff x="0" y="0"/>
+          <a:chExt cx="0" cy="0"/>
+        </a:xfrm>
+      </p:grpSpPr>
+      <p:sp>
+        <p:nvSpPr>
+          <p:cNvPr id="2" name="Title 1">
+            <a:extLst>
+              <a:ext uri="{FF2B5EF4-FFF2-40B4-BE49-F238E27FC236}">
+                <a16:creationId xmlns:a16="http://schemas.microsoft.com/office/drawing/2014/main" id="{570AA1FE-3A05-49F6-BEB7-00DD4896ABAE}"/>
+              </a:ext>
+            </a:extLst>
+          </p:cNvPr>
+          <p:cNvSpPr>
+            <a:spLocks noGrp="1"/>
+          </p:cNvSpPr>
+          <p:nvPr>
+            <p:ph type="title"/>
+          </p:nvPr>
+        </p:nvSpPr>
+        <p:spPr/>
+        <p:txBody>
+          <a:bodyPr/>
+          <a:lstStyle/>
+          <a:p>
+            <a:r>
+              <a:rPr lang="en-US" dirty="0"/>
+              <a:t>Create New Local Repository</a:t>
+            </a:r>
+          </a:p>
+        </p:txBody>
+      </p:sp>
+      <p:sp>
+        <p:nvSpPr>
+          <p:cNvPr id="3" name="Content Placeholder 2">
+            <a:extLst>
+              <a:ext uri="{FF2B5EF4-FFF2-40B4-BE49-F238E27FC236}">
+                <a16:creationId xmlns:a16="http://schemas.microsoft.com/office/drawing/2014/main" id="{413E432D-5B26-4BA4-9B7C-1F0A14E83D44}"/>
+              </a:ext>
+            </a:extLst>
+          </p:cNvPr>
+          <p:cNvSpPr>
+            <a:spLocks noGrp="1"/>
+          </p:cNvSpPr>
+          <p:nvPr>
+            <p:ph idx="1"/>
+          </p:nvPr>
+        </p:nvSpPr>
+        <p:spPr/>
+        <p:txBody>
+          <a:bodyPr/>
+          <a:lstStyle/>
+          <a:p>
+            <a:endParaRPr lang="en-US"/>
+          </a:p>
+        </p:txBody>
+      </p:sp>
+      <p:sp>
+        <p:nvSpPr>
+          <p:cNvPr id="4" name="Slide Number Placeholder 3">
+            <a:extLst>
+              <a:ext uri="{FF2B5EF4-FFF2-40B4-BE49-F238E27FC236}">
+                <a16:creationId xmlns:a16="http://schemas.microsoft.com/office/drawing/2014/main" id="{6B869EC7-E8EF-4DD0-BFC4-6791ED5BABCC}"/>
+              </a:ext>
+            </a:extLst>
+          </p:cNvPr>
+          <p:cNvSpPr>
+            <a:spLocks noGrp="1"/>
+          </p:cNvSpPr>
+          <p:nvPr>
+            <p:ph type="sldNum" sz="quarter" idx="12"/>
+          </p:nvPr>
+        </p:nvSpPr>
+        <p:spPr/>
+        <p:txBody>
+          <a:bodyPr/>
+          <a:lstStyle/>
+          <a:p>
+            <a:fld id="{4577FE26-ACD1-4964-932B-823877B1C5B5}" type="slidenum">
+              <a:rPr lang="en-US" smtClean="0"/>
+              <a:t>42</a:t>
+            </a:fld>
+            <a:endParaRPr lang="en-US" dirty="0"/>
+          </a:p>
+        </p:txBody>
+      </p:sp>
+      <p:pic>
+        <p:nvPicPr>
+          <p:cNvPr id="6" name="Picture 5">
+            <a:extLst>
+              <a:ext uri="{FF2B5EF4-FFF2-40B4-BE49-F238E27FC236}">
+                <a16:creationId xmlns:a16="http://schemas.microsoft.com/office/drawing/2014/main" id="{7B1EAA38-6160-469F-9E3B-F27002D66C29}"/>
+              </a:ext>
+            </a:extLst>
+          </p:cNvPr>
+          <p:cNvPicPr>
+            <a:picLocks noChangeAspect="1"/>
+          </p:cNvPicPr>
+          <p:nvPr/>
+        </p:nvPicPr>
+        <p:blipFill>
+          <a:blip r:embed="rId2"/>
+          <a:stretch>
+            <a:fillRect/>
+          </a:stretch>
+        </p:blipFill>
+        <p:spPr>
+          <a:xfrm>
+            <a:off x="944442" y="1272340"/>
+            <a:ext cx="5525080" cy="3818021"/>
+          </a:xfrm>
+          <a:prstGeom prst="rect">
+            <a:avLst/>
+          </a:prstGeom>
+        </p:spPr>
+      </p:pic>
+      <p:grpSp>
+        <p:nvGrpSpPr>
+          <p:cNvPr id="7" name="Group 6">
+            <a:extLst>
+              <a:ext uri="{FF2B5EF4-FFF2-40B4-BE49-F238E27FC236}">
+                <a16:creationId xmlns:a16="http://schemas.microsoft.com/office/drawing/2014/main" id="{09828EF7-B63E-4532-BC58-E18D5D78EC24}"/>
+              </a:ext>
+            </a:extLst>
+          </p:cNvPr>
+          <p:cNvGrpSpPr>
+            <a:grpSpLocks noChangeAspect="1"/>
+          </p:cNvGrpSpPr>
+          <p:nvPr/>
+        </p:nvGrpSpPr>
+        <p:grpSpPr>
+          <a:xfrm>
+            <a:off x="6626719" y="1272339"/>
+            <a:ext cx="5501113" cy="3818021"/>
+            <a:chOff x="1457325" y="209550"/>
+            <a:chExt cx="9277350" cy="6438900"/>
+          </a:xfrm>
+        </p:grpSpPr>
+        <p:pic>
+          <p:nvPicPr>
+            <p:cNvPr id="8" name="Picture 7">
+              <a:extLst>
+                <a:ext uri="{FF2B5EF4-FFF2-40B4-BE49-F238E27FC236}">
+                  <a16:creationId xmlns:a16="http://schemas.microsoft.com/office/drawing/2014/main" id="{C26B7F41-3654-4491-9CCA-F3EF619E310C}"/>
+                </a:ext>
+              </a:extLst>
+            </p:cNvPr>
+            <p:cNvPicPr>
+              <a:picLocks noChangeAspect="1"/>
+            </p:cNvPicPr>
+            <p:nvPr/>
+          </p:nvPicPr>
+          <p:blipFill>
+            <a:blip r:embed="rId3"/>
+            <a:stretch>
+              <a:fillRect/>
+            </a:stretch>
+          </p:blipFill>
+          <p:spPr>
+            <a:xfrm>
+              <a:off x="1457325" y="209550"/>
+              <a:ext cx="9277350" cy="6438900"/>
+            </a:xfrm>
+            <a:prstGeom prst="rect">
+              <a:avLst/>
+            </a:prstGeom>
+          </p:spPr>
+        </p:pic>
+        <p:sp>
+          <p:nvSpPr>
+            <p:cNvPr id="9" name="Rectangle 8">
+              <a:extLst>
+                <a:ext uri="{FF2B5EF4-FFF2-40B4-BE49-F238E27FC236}">
+                  <a16:creationId xmlns:a16="http://schemas.microsoft.com/office/drawing/2014/main" id="{6E4528F1-53DE-4BE3-BF1C-1688C17D8CB3}"/>
+                </a:ext>
+              </a:extLst>
+            </p:cNvPr>
+            <p:cNvSpPr/>
+            <p:nvPr/>
+          </p:nvSpPr>
+          <p:spPr>
+            <a:xfrm>
+              <a:off x="4292600" y="1913467"/>
+              <a:ext cx="3589867" cy="524933"/>
+            </a:xfrm>
+            <a:prstGeom prst="rect">
+              <a:avLst/>
+            </a:prstGeom>
+            <a:noFill/>
+            <a:ln w="38100">
+              <a:solidFill>
+                <a:srgbClr val="FF0000"/>
+              </a:solidFill>
+            </a:ln>
+          </p:spPr>
+          <p:style>
+            <a:lnRef idx="2">
+              <a:schemeClr val="accent1">
+                <a:shade val="50000"/>
+              </a:schemeClr>
+            </a:lnRef>
+            <a:fillRef idx="1">
+              <a:schemeClr val="accent1"/>
+            </a:fillRef>
+            <a:effectRef idx="0">
+              <a:schemeClr val="accent1"/>
+            </a:effectRef>
+            <a:fontRef idx="minor">
+              <a:schemeClr val="lt1"/>
+            </a:fontRef>
+          </p:style>
+          <p:txBody>
+            <a:bodyPr rtlCol="0" anchor="ctr"/>
+            <a:lstStyle/>
+            <a:p>
+              <a:pPr algn="ctr"/>
+              <a:endParaRPr lang="en-US"/>
+            </a:p>
+          </p:txBody>
+        </p:sp>
+        <p:sp>
+          <p:nvSpPr>
+            <p:cNvPr id="10" name="Rectangle 9">
+              <a:extLst>
+                <a:ext uri="{FF2B5EF4-FFF2-40B4-BE49-F238E27FC236}">
+                  <a16:creationId xmlns:a16="http://schemas.microsoft.com/office/drawing/2014/main" id="{5C52AC9E-E970-4A94-9E50-8E26ABBF65B1}"/>
+                </a:ext>
+              </a:extLst>
+            </p:cNvPr>
+            <p:cNvSpPr/>
+            <p:nvPr/>
+          </p:nvSpPr>
+          <p:spPr>
+            <a:xfrm>
+              <a:off x="4292599" y="2946400"/>
+              <a:ext cx="3589867" cy="524933"/>
+            </a:xfrm>
+            <a:prstGeom prst="rect">
+              <a:avLst/>
+            </a:prstGeom>
+            <a:noFill/>
+            <a:ln w="38100">
+              <a:solidFill>
+                <a:srgbClr val="FF0000"/>
+              </a:solidFill>
+            </a:ln>
+          </p:spPr>
+          <p:style>
+            <a:lnRef idx="2">
+              <a:schemeClr val="accent1">
+                <a:shade val="50000"/>
+              </a:schemeClr>
+            </a:lnRef>
+            <a:fillRef idx="1">
+              <a:schemeClr val="accent1"/>
+            </a:fillRef>
+            <a:effectRef idx="0">
+              <a:schemeClr val="accent1"/>
+            </a:effectRef>
+            <a:fontRef idx="minor">
+              <a:schemeClr val="lt1"/>
+            </a:fontRef>
+          </p:style>
+          <p:txBody>
+            <a:bodyPr rtlCol="0" anchor="ctr"/>
+            <a:lstStyle/>
+            <a:p>
+              <a:pPr algn="ctr"/>
+              <a:endParaRPr lang="en-US"/>
+            </a:p>
+          </p:txBody>
+        </p:sp>
+        <p:sp>
+          <p:nvSpPr>
+            <p:cNvPr id="11" name="Rectangle 10">
+              <a:extLst>
+                <a:ext uri="{FF2B5EF4-FFF2-40B4-BE49-F238E27FC236}">
+                  <a16:creationId xmlns:a16="http://schemas.microsoft.com/office/drawing/2014/main" id="{AF118878-181E-4E06-892E-9DD980C6E17E}"/>
+                </a:ext>
+              </a:extLst>
+            </p:cNvPr>
+            <p:cNvSpPr/>
+            <p:nvPr/>
+          </p:nvSpPr>
+          <p:spPr>
+            <a:xfrm>
+              <a:off x="4292598" y="3470010"/>
+              <a:ext cx="3589867" cy="297657"/>
+            </a:xfrm>
+            <a:prstGeom prst="rect">
+              <a:avLst/>
+            </a:prstGeom>
+            <a:noFill/>
+            <a:ln w="38100">
+              <a:solidFill>
+                <a:srgbClr val="FF0000"/>
+              </a:solidFill>
+            </a:ln>
+          </p:spPr>
+          <p:style>
+            <a:lnRef idx="2">
+              <a:schemeClr val="accent1">
+                <a:shade val="50000"/>
+              </a:schemeClr>
+            </a:lnRef>
+            <a:fillRef idx="1">
+              <a:schemeClr val="accent1"/>
+            </a:fillRef>
+            <a:effectRef idx="0">
+              <a:schemeClr val="accent1"/>
+            </a:effectRef>
+            <a:fontRef idx="minor">
+              <a:schemeClr val="lt1"/>
+            </a:fontRef>
+          </p:style>
+          <p:txBody>
+            <a:bodyPr rtlCol="0" anchor="ctr"/>
+            <a:lstStyle/>
+            <a:p>
+              <a:pPr algn="ctr"/>
+              <a:endParaRPr lang="en-US"/>
+            </a:p>
+          </p:txBody>
+        </p:sp>
+        <p:sp>
+          <p:nvSpPr>
+            <p:cNvPr id="12" name="Rectangle 11">
+              <a:extLst>
+                <a:ext uri="{FF2B5EF4-FFF2-40B4-BE49-F238E27FC236}">
+                  <a16:creationId xmlns:a16="http://schemas.microsoft.com/office/drawing/2014/main" id="{822E86F4-4186-4D1F-AE9F-327CD071C91D}"/>
+                </a:ext>
+              </a:extLst>
+            </p:cNvPr>
+            <p:cNvSpPr/>
+            <p:nvPr/>
+          </p:nvSpPr>
+          <p:spPr>
+            <a:xfrm>
+              <a:off x="5384801" y="5071534"/>
+              <a:ext cx="1320800" cy="422009"/>
+            </a:xfrm>
+            <a:prstGeom prst="rect">
+              <a:avLst/>
+            </a:prstGeom>
+            <a:noFill/>
+            <a:ln w="38100">
+              <a:solidFill>
+                <a:srgbClr val="FF0000"/>
+              </a:solidFill>
+            </a:ln>
+          </p:spPr>
+          <p:style>
+            <a:lnRef idx="2">
+              <a:schemeClr val="accent1">
+                <a:shade val="50000"/>
+              </a:schemeClr>
+            </a:lnRef>
+            <a:fillRef idx="1">
+              <a:schemeClr val="accent1"/>
+            </a:fillRef>
+            <a:effectRef idx="0">
+              <a:schemeClr val="accent1"/>
+            </a:effectRef>
+            <a:fontRef idx="minor">
+              <a:schemeClr val="lt1"/>
+            </a:fontRef>
+          </p:style>
+          <p:txBody>
+            <a:bodyPr rtlCol="0" anchor="ctr"/>
+            <a:lstStyle/>
+            <a:p>
+              <a:pPr algn="ctr"/>
+              <a:endParaRPr lang="en-US"/>
+            </a:p>
+          </p:txBody>
+        </p:sp>
+      </p:grpSp>
+    </p:spTree>
+    <p:extLst>
+      <p:ext uri="{BB962C8B-B14F-4D97-AF65-F5344CB8AC3E}">
+        <p14:creationId xmlns:p14="http://schemas.microsoft.com/office/powerpoint/2010/main" val="3439342118"/>
+      </p:ext>
+    </p:extLst>
+  </p:cSld>
+  <p:clrMapOvr>
+    <a:masterClrMapping/>
+  </p:clrMapOvr>
+</p:sld>
+</file>
+
+<file path=ppt/slides/slide43.xml><?xml version="1.0" encoding="utf-8"?>
+<p:sld xmlns:a="http://schemas.openxmlformats.org/drawingml/2006/main" xmlns:r="http://schemas.openxmlformats.org/officeDocument/2006/relationships" xmlns:p="http://schemas.openxmlformats.org/presentationml/2006/main">
+  <p:cSld>
+    <p:spTree>
+      <p:nvGrpSpPr>
+        <p:cNvPr id="1" name=""/>
+        <p:cNvGrpSpPr/>
+        <p:nvPr/>
+      </p:nvGrpSpPr>
+      <p:grpSpPr>
+        <a:xfrm>
+          <a:off x="0" y="0"/>
+          <a:ext cx="0" cy="0"/>
+          <a:chOff x="0" y="0"/>
+          <a:chExt cx="0" cy="0"/>
+        </a:xfrm>
+      </p:grpSpPr>
+      <p:sp>
+        <p:nvSpPr>
+          <p:cNvPr id="2" name="Title 1">
+            <a:extLst>
+              <a:ext uri="{FF2B5EF4-FFF2-40B4-BE49-F238E27FC236}">
+                <a16:creationId xmlns:a16="http://schemas.microsoft.com/office/drawing/2014/main" id="{54FFF879-BCDF-422E-BB1F-0F3C38EB8A47}"/>
+              </a:ext>
+            </a:extLst>
+          </p:cNvPr>
+          <p:cNvSpPr>
+            <a:spLocks noGrp="1"/>
+          </p:cNvSpPr>
+          <p:nvPr>
+            <p:ph type="title"/>
+          </p:nvPr>
+        </p:nvSpPr>
+        <p:spPr/>
+        <p:txBody>
+          <a:bodyPr/>
+          <a:lstStyle/>
+          <a:p>
+            <a:r>
+              <a:rPr lang="en-US" dirty="0"/>
+              <a:t>Commit </a:t>
+            </a:r>
+            <a:r>
+              <a:rPr lang="en-US" dirty="0">
+                <a:latin typeface="Courier New" panose="02070309020205020404" pitchFamily="49" charset="0"/>
+                <a:cs typeface="Courier New" panose="02070309020205020404" pitchFamily="49" charset="0"/>
+              </a:rPr>
+              <a:t>my.py</a:t>
+            </a:r>
+            <a:r>
+              <a:rPr lang="en-US" dirty="0"/>
+              <a:t> Addition</a:t>
+            </a:r>
+          </a:p>
+        </p:txBody>
+      </p:sp>
+      <p:sp>
+        <p:nvSpPr>
+          <p:cNvPr id="3" name="Content Placeholder 2">
+            <a:extLst>
+              <a:ext uri="{FF2B5EF4-FFF2-40B4-BE49-F238E27FC236}">
+                <a16:creationId xmlns:a16="http://schemas.microsoft.com/office/drawing/2014/main" id="{2E7B8878-D906-48C6-A457-23B1AF53C5A2}"/>
+              </a:ext>
+            </a:extLst>
+          </p:cNvPr>
+          <p:cNvSpPr>
+            <a:spLocks noGrp="1"/>
+          </p:cNvSpPr>
+          <p:nvPr>
+            <p:ph idx="1"/>
+          </p:nvPr>
+        </p:nvSpPr>
+        <p:spPr/>
+        <p:txBody>
+          <a:bodyPr/>
+          <a:lstStyle/>
+          <a:p>
+            <a:endParaRPr lang="en-US"/>
+          </a:p>
+        </p:txBody>
+      </p:sp>
+      <p:sp>
+        <p:nvSpPr>
+          <p:cNvPr id="4" name="Slide Number Placeholder 3">
+            <a:extLst>
+              <a:ext uri="{FF2B5EF4-FFF2-40B4-BE49-F238E27FC236}">
+                <a16:creationId xmlns:a16="http://schemas.microsoft.com/office/drawing/2014/main" id="{2CB7F80C-7672-429C-95E7-908E1BAC27FD}"/>
+              </a:ext>
+            </a:extLst>
+          </p:cNvPr>
+          <p:cNvSpPr>
+            <a:spLocks noGrp="1"/>
+          </p:cNvSpPr>
+          <p:nvPr>
+            <p:ph type="sldNum" sz="quarter" idx="12"/>
+          </p:nvPr>
+        </p:nvSpPr>
+        <p:spPr/>
+        <p:txBody>
+          <a:bodyPr/>
+          <a:lstStyle/>
+          <a:p>
+            <a:fld id="{4577FE26-ACD1-4964-932B-823877B1C5B5}" type="slidenum">
+              <a:rPr lang="en-US" smtClean="0"/>
+              <a:t>43</a:t>
+            </a:fld>
+            <a:endParaRPr lang="en-US" dirty="0"/>
+          </a:p>
+        </p:txBody>
+      </p:sp>
+      <p:grpSp>
+        <p:nvGrpSpPr>
+          <p:cNvPr id="9" name="Group 8">
+            <a:extLst>
+              <a:ext uri="{FF2B5EF4-FFF2-40B4-BE49-F238E27FC236}">
+                <a16:creationId xmlns:a16="http://schemas.microsoft.com/office/drawing/2014/main" id="{724DDB5D-F5B9-44F5-B248-81CA6DACD09B}"/>
+              </a:ext>
+            </a:extLst>
+          </p:cNvPr>
+          <p:cNvGrpSpPr>
+            <a:grpSpLocks noChangeAspect="1"/>
+          </p:cNvGrpSpPr>
+          <p:nvPr/>
+        </p:nvGrpSpPr>
+        <p:grpSpPr>
+          <a:xfrm>
+            <a:off x="2541420" y="1219200"/>
+            <a:ext cx="7718759" cy="5357167"/>
+            <a:chOff x="1457325" y="209550"/>
+            <a:chExt cx="9277350" cy="6438900"/>
+          </a:xfrm>
+        </p:grpSpPr>
+        <p:pic>
+          <p:nvPicPr>
+            <p:cNvPr id="5" name="Picture 4">
+              <a:extLst>
+                <a:ext uri="{FF2B5EF4-FFF2-40B4-BE49-F238E27FC236}">
+                  <a16:creationId xmlns:a16="http://schemas.microsoft.com/office/drawing/2014/main" id="{5BEC2689-F7D6-4560-823B-0863881D97F6}"/>
+                </a:ext>
+              </a:extLst>
+            </p:cNvPr>
+            <p:cNvPicPr>
+              <a:picLocks noChangeAspect="1"/>
+            </p:cNvPicPr>
+            <p:nvPr/>
+          </p:nvPicPr>
+          <p:blipFill>
+            <a:blip r:embed="rId2"/>
+            <a:stretch>
+              <a:fillRect/>
+            </a:stretch>
+          </p:blipFill>
+          <p:spPr>
+            <a:xfrm>
+              <a:off x="1457325" y="209550"/>
+              <a:ext cx="9277350" cy="6438900"/>
+            </a:xfrm>
+            <a:prstGeom prst="rect">
+              <a:avLst/>
+            </a:prstGeom>
+          </p:spPr>
+        </p:pic>
+        <p:sp>
+          <p:nvSpPr>
+            <p:cNvPr id="6" name="Rectangle 5">
+              <a:extLst>
+                <a:ext uri="{FF2B5EF4-FFF2-40B4-BE49-F238E27FC236}">
+                  <a16:creationId xmlns:a16="http://schemas.microsoft.com/office/drawing/2014/main" id="{D75A72FA-3531-4C48-A3F8-60997A0494F9}"/>
+                </a:ext>
+              </a:extLst>
+            </p:cNvPr>
+            <p:cNvSpPr/>
+            <p:nvPr/>
+          </p:nvSpPr>
+          <p:spPr>
+            <a:xfrm>
+              <a:off x="1457325" y="1769349"/>
+              <a:ext cx="2408822" cy="364251"/>
+            </a:xfrm>
+            <a:prstGeom prst="rect">
+              <a:avLst/>
+            </a:prstGeom>
+            <a:noFill/>
+            <a:ln w="38100">
+              <a:solidFill>
+                <a:srgbClr val="FF0000"/>
+              </a:solidFill>
+            </a:ln>
+          </p:spPr>
+          <p:style>
+            <a:lnRef idx="2">
+              <a:schemeClr val="accent1">
+                <a:shade val="50000"/>
+              </a:schemeClr>
+            </a:lnRef>
+            <a:fillRef idx="1">
+              <a:schemeClr val="accent1"/>
+            </a:fillRef>
+            <a:effectRef idx="0">
+              <a:schemeClr val="accent1"/>
+            </a:effectRef>
+            <a:fontRef idx="minor">
+              <a:schemeClr val="lt1"/>
+            </a:fontRef>
+          </p:style>
+          <p:txBody>
+            <a:bodyPr rtlCol="0" anchor="ctr"/>
+            <a:lstStyle/>
+            <a:p>
+              <a:pPr algn="ctr"/>
+              <a:endParaRPr lang="en-US"/>
+            </a:p>
+          </p:txBody>
+        </p:sp>
+        <p:sp>
+          <p:nvSpPr>
+            <p:cNvPr id="7" name="Rectangle 6">
+              <a:extLst>
+                <a:ext uri="{FF2B5EF4-FFF2-40B4-BE49-F238E27FC236}">
+                  <a16:creationId xmlns:a16="http://schemas.microsoft.com/office/drawing/2014/main" id="{0DB12E38-C2CB-40AB-B6C7-12645AF37AD6}"/>
+                </a:ext>
+              </a:extLst>
+            </p:cNvPr>
+            <p:cNvSpPr/>
+            <p:nvPr/>
+          </p:nvSpPr>
+          <p:spPr>
+            <a:xfrm>
+              <a:off x="1457325" y="5840930"/>
+              <a:ext cx="2408822" cy="364251"/>
+            </a:xfrm>
+            <a:prstGeom prst="rect">
+              <a:avLst/>
+            </a:prstGeom>
+            <a:noFill/>
+            <a:ln w="38100">
+              <a:solidFill>
+                <a:srgbClr val="FF0000"/>
+              </a:solidFill>
+            </a:ln>
+          </p:spPr>
+          <p:style>
+            <a:lnRef idx="2">
+              <a:schemeClr val="accent1">
+                <a:shade val="50000"/>
+              </a:schemeClr>
+            </a:lnRef>
+            <a:fillRef idx="1">
+              <a:schemeClr val="accent1"/>
+            </a:fillRef>
+            <a:effectRef idx="0">
+              <a:schemeClr val="accent1"/>
+            </a:effectRef>
+            <a:fontRef idx="minor">
+              <a:schemeClr val="lt1"/>
+            </a:fontRef>
+          </p:style>
+          <p:txBody>
+            <a:bodyPr rtlCol="0" anchor="ctr"/>
+            <a:lstStyle/>
+            <a:p>
+              <a:pPr algn="ctr"/>
+              <a:endParaRPr lang="en-US"/>
+            </a:p>
+          </p:txBody>
+        </p:sp>
+        <p:sp>
+          <p:nvSpPr>
+            <p:cNvPr id="8" name="Rectangle 7">
+              <a:extLst>
+                <a:ext uri="{FF2B5EF4-FFF2-40B4-BE49-F238E27FC236}">
+                  <a16:creationId xmlns:a16="http://schemas.microsoft.com/office/drawing/2014/main" id="{1219D05D-2F2A-4889-8CFB-825E910B2E4A}"/>
+                </a:ext>
+              </a:extLst>
+            </p:cNvPr>
+            <p:cNvSpPr/>
+            <p:nvPr/>
+          </p:nvSpPr>
+          <p:spPr>
+            <a:xfrm>
+              <a:off x="1457325" y="4429981"/>
+              <a:ext cx="2408822" cy="364251"/>
+            </a:xfrm>
+            <a:prstGeom prst="rect">
+              <a:avLst/>
+            </a:prstGeom>
+            <a:noFill/>
+            <a:ln w="38100">
+              <a:solidFill>
+                <a:srgbClr val="FF0000"/>
+              </a:solidFill>
+            </a:ln>
+          </p:spPr>
+          <p:style>
+            <a:lnRef idx="2">
+              <a:schemeClr val="accent1">
+                <a:shade val="50000"/>
+              </a:schemeClr>
+            </a:lnRef>
+            <a:fillRef idx="1">
+              <a:schemeClr val="accent1"/>
+            </a:fillRef>
+            <a:effectRef idx="0">
+              <a:schemeClr val="accent1"/>
+            </a:effectRef>
+            <a:fontRef idx="minor">
+              <a:schemeClr val="lt1"/>
+            </a:fontRef>
+          </p:style>
+          <p:txBody>
+            <a:bodyPr rtlCol="0" anchor="ctr"/>
+            <a:lstStyle/>
+            <a:p>
+              <a:pPr algn="ctr"/>
+              <a:endParaRPr lang="en-US"/>
+            </a:p>
+          </p:txBody>
+        </p:sp>
+      </p:grpSp>
+    </p:spTree>
+    <p:extLst>
+      <p:ext uri="{BB962C8B-B14F-4D97-AF65-F5344CB8AC3E}">
+        <p14:creationId xmlns:p14="http://schemas.microsoft.com/office/powerpoint/2010/main" val="1035098493"/>
+      </p:ext>
+    </p:extLst>
+  </p:cSld>
+  <p:clrMapOvr>
+    <a:masterClrMapping/>
+  </p:clrMapOvr>
+</p:sld>
+</file>
+
+<file path=ppt/slides/slide44.xml><?xml version="1.0" encoding="utf-8"?>
+<p:sld xmlns:a="http://schemas.openxmlformats.org/drawingml/2006/main" xmlns:r="http://schemas.openxmlformats.org/officeDocument/2006/relationships" xmlns:p="http://schemas.openxmlformats.org/presentationml/2006/main">
+  <p:cSld>
+    <p:spTree>
+      <p:nvGrpSpPr>
+        <p:cNvPr id="1" name=""/>
+        <p:cNvGrpSpPr/>
+        <p:nvPr/>
+      </p:nvGrpSpPr>
+      <p:grpSpPr>
+        <a:xfrm>
+          <a:off x="0" y="0"/>
+          <a:ext cx="0" cy="0"/>
+          <a:chOff x="0" y="0"/>
+          <a:chExt cx="0" cy="0"/>
+        </a:xfrm>
+      </p:grpSpPr>
+      <p:sp>
+        <p:nvSpPr>
+          <p:cNvPr id="2" name="Title 1">
+            <a:extLst>
+              <a:ext uri="{FF2B5EF4-FFF2-40B4-BE49-F238E27FC236}">
+                <a16:creationId xmlns:a16="http://schemas.microsoft.com/office/drawing/2014/main" id="{F2193337-4029-413F-B3F1-1640A6140141}"/>
+              </a:ext>
+            </a:extLst>
+          </p:cNvPr>
+          <p:cNvSpPr>
+            <a:spLocks noGrp="1"/>
+          </p:cNvSpPr>
+          <p:nvPr>
+            <p:ph type="title"/>
+          </p:nvPr>
+        </p:nvSpPr>
+        <p:spPr/>
+        <p:txBody>
+          <a:bodyPr/>
+          <a:lstStyle/>
+          <a:p>
+            <a:r>
+              <a:rPr lang="en-US" dirty="0"/>
+              <a:t>Edit Program</a:t>
+            </a:r>
+          </a:p>
+        </p:txBody>
+      </p:sp>
+      <p:sp>
+        <p:nvSpPr>
+          <p:cNvPr id="3" name="Content Placeholder 2">
+            <a:extLst>
+              <a:ext uri="{FF2B5EF4-FFF2-40B4-BE49-F238E27FC236}">
+                <a16:creationId xmlns:a16="http://schemas.microsoft.com/office/drawing/2014/main" id="{795FBD66-10A6-40F0-9687-75186B627C66}"/>
+              </a:ext>
+            </a:extLst>
+          </p:cNvPr>
+          <p:cNvSpPr>
+            <a:spLocks noGrp="1"/>
+          </p:cNvSpPr>
+          <p:nvPr>
+            <p:ph idx="1"/>
+          </p:nvPr>
+        </p:nvSpPr>
+        <p:spPr/>
+        <p:txBody>
+          <a:bodyPr/>
+          <a:lstStyle/>
+          <a:p>
+            <a:endParaRPr lang="en-US"/>
+          </a:p>
+        </p:txBody>
+      </p:sp>
+      <p:sp>
+        <p:nvSpPr>
+          <p:cNvPr id="4" name="Slide Number Placeholder 3">
+            <a:extLst>
+              <a:ext uri="{FF2B5EF4-FFF2-40B4-BE49-F238E27FC236}">
+                <a16:creationId xmlns:a16="http://schemas.microsoft.com/office/drawing/2014/main" id="{523FC9FE-BB65-4ACC-9AE4-A248333DAF3E}"/>
+              </a:ext>
+            </a:extLst>
+          </p:cNvPr>
+          <p:cNvSpPr>
+            <a:spLocks noGrp="1"/>
+          </p:cNvSpPr>
+          <p:nvPr>
+            <p:ph type="sldNum" sz="quarter" idx="12"/>
+          </p:nvPr>
+        </p:nvSpPr>
+        <p:spPr/>
+        <p:txBody>
+          <a:bodyPr/>
+          <a:lstStyle/>
+          <a:p>
+            <a:fld id="{4577FE26-ACD1-4964-932B-823877B1C5B5}" type="slidenum">
+              <a:rPr lang="en-US" smtClean="0"/>
+              <a:t>44</a:t>
+            </a:fld>
+            <a:endParaRPr lang="en-US" dirty="0"/>
+          </a:p>
+        </p:txBody>
+      </p:sp>
+      <p:pic>
+        <p:nvPicPr>
+          <p:cNvPr id="5" name="Picture 4">
+            <a:extLst>
+              <a:ext uri="{FF2B5EF4-FFF2-40B4-BE49-F238E27FC236}">
+                <a16:creationId xmlns:a16="http://schemas.microsoft.com/office/drawing/2014/main" id="{F8C56401-0EAB-47AB-AF73-F47780D39293}"/>
+              </a:ext>
+            </a:extLst>
+          </p:cNvPr>
+          <p:cNvPicPr>
+            <a:picLocks noChangeAspect="1"/>
+          </p:cNvPicPr>
+          <p:nvPr/>
+        </p:nvPicPr>
+        <p:blipFill>
+          <a:blip r:embed="rId2"/>
+          <a:stretch>
+            <a:fillRect/>
+          </a:stretch>
+        </p:blipFill>
+        <p:spPr>
+          <a:xfrm>
+            <a:off x="1781175" y="1263650"/>
+            <a:ext cx="8629650" cy="5219700"/>
+          </a:xfrm>
+          <a:prstGeom prst="rect">
+            <a:avLst/>
+          </a:prstGeom>
+        </p:spPr>
+      </p:pic>
+    </p:spTree>
+    <p:extLst>
+      <p:ext uri="{BB962C8B-B14F-4D97-AF65-F5344CB8AC3E}">
+        <p14:creationId xmlns:p14="http://schemas.microsoft.com/office/powerpoint/2010/main" val="878371372"/>
+      </p:ext>
+    </p:extLst>
+  </p:cSld>
+  <p:clrMapOvr>
+    <a:masterClrMapping/>
+  </p:clrMapOvr>
+</p:sld>
+</file>
+
+<file path=ppt/slides/slide45.xml><?xml version="1.0" encoding="utf-8"?>
+<p:sld xmlns:a="http://schemas.openxmlformats.org/drawingml/2006/main" xmlns:r="http://schemas.openxmlformats.org/officeDocument/2006/relationships" xmlns:p="http://schemas.openxmlformats.org/presentationml/2006/main">
+  <p:cSld>
+    <p:spTree>
+      <p:nvGrpSpPr>
+        <p:cNvPr id="1" name=""/>
+        <p:cNvGrpSpPr/>
+        <p:nvPr/>
+      </p:nvGrpSpPr>
+      <p:grpSpPr>
+        <a:xfrm>
+          <a:off x="0" y="0"/>
+          <a:ext cx="0" cy="0"/>
+          <a:chOff x="0" y="0"/>
+          <a:chExt cx="0" cy="0"/>
+        </a:xfrm>
+      </p:grpSpPr>
+      <p:sp>
+        <p:nvSpPr>
+          <p:cNvPr id="2" name="Title 1">
+            <a:extLst>
+              <a:ext uri="{FF2B5EF4-FFF2-40B4-BE49-F238E27FC236}">
+                <a16:creationId xmlns:a16="http://schemas.microsoft.com/office/drawing/2014/main" id="{428077E4-9519-4A2A-8C1D-2B4439F4CB75}"/>
+              </a:ext>
+            </a:extLst>
+          </p:cNvPr>
+          <p:cNvSpPr>
+            <a:spLocks noGrp="1"/>
+          </p:cNvSpPr>
+          <p:nvPr>
+            <p:ph type="title"/>
+          </p:nvPr>
+        </p:nvSpPr>
+        <p:spPr/>
+        <p:txBody>
+          <a:bodyPr/>
+          <a:lstStyle/>
+          <a:p>
+            <a:r>
+              <a:rPr lang="en-US" dirty="0"/>
+              <a:t>Commit Changes</a:t>
+            </a:r>
+          </a:p>
+        </p:txBody>
+      </p:sp>
+      <p:sp>
+        <p:nvSpPr>
+          <p:cNvPr id="3" name="Content Placeholder 2">
+            <a:extLst>
+              <a:ext uri="{FF2B5EF4-FFF2-40B4-BE49-F238E27FC236}">
+                <a16:creationId xmlns:a16="http://schemas.microsoft.com/office/drawing/2014/main" id="{0699A413-63AF-4A63-8BD1-7BAF1A1AE229}"/>
+              </a:ext>
+            </a:extLst>
+          </p:cNvPr>
+          <p:cNvSpPr>
+            <a:spLocks noGrp="1"/>
+          </p:cNvSpPr>
+          <p:nvPr>
+            <p:ph idx="1"/>
+          </p:nvPr>
+        </p:nvSpPr>
+        <p:spPr/>
+        <p:txBody>
+          <a:bodyPr/>
+          <a:lstStyle/>
+          <a:p>
+            <a:endParaRPr lang="en-US"/>
+          </a:p>
+        </p:txBody>
+      </p:sp>
+      <p:sp>
+        <p:nvSpPr>
+          <p:cNvPr id="4" name="Slide Number Placeholder 3">
+            <a:extLst>
+              <a:ext uri="{FF2B5EF4-FFF2-40B4-BE49-F238E27FC236}">
+                <a16:creationId xmlns:a16="http://schemas.microsoft.com/office/drawing/2014/main" id="{9789B633-2039-4C34-B449-D8ECD3F34BA2}"/>
+              </a:ext>
+            </a:extLst>
+          </p:cNvPr>
+          <p:cNvSpPr>
+            <a:spLocks noGrp="1"/>
+          </p:cNvSpPr>
+          <p:nvPr>
+            <p:ph type="sldNum" sz="quarter" idx="12"/>
+          </p:nvPr>
+        </p:nvSpPr>
+        <p:spPr/>
+        <p:txBody>
+          <a:bodyPr/>
+          <a:lstStyle/>
+          <a:p>
+            <a:fld id="{4577FE26-ACD1-4964-932B-823877B1C5B5}" type="slidenum">
+              <a:rPr lang="en-US" smtClean="0"/>
+              <a:t>45</a:t>
+            </a:fld>
+            <a:endParaRPr lang="en-US" dirty="0"/>
+          </a:p>
+        </p:txBody>
+      </p:sp>
+      <p:grpSp>
+        <p:nvGrpSpPr>
+          <p:cNvPr id="11" name="Group 10">
+            <a:extLst>
+              <a:ext uri="{FF2B5EF4-FFF2-40B4-BE49-F238E27FC236}">
+                <a16:creationId xmlns:a16="http://schemas.microsoft.com/office/drawing/2014/main" id="{E5DB2ACE-8566-4505-B31F-CC3AD5D58F05}"/>
+              </a:ext>
+            </a:extLst>
+          </p:cNvPr>
+          <p:cNvGrpSpPr>
+            <a:grpSpLocks noChangeAspect="1"/>
+          </p:cNvGrpSpPr>
+          <p:nvPr/>
+        </p:nvGrpSpPr>
+        <p:grpSpPr>
+          <a:xfrm>
+            <a:off x="1906504" y="1328738"/>
+            <a:ext cx="7301664" cy="5067684"/>
+            <a:chOff x="1457325" y="1057470"/>
+            <a:chExt cx="8055643" cy="5590980"/>
+          </a:xfrm>
+        </p:grpSpPr>
+        <p:pic>
+          <p:nvPicPr>
+            <p:cNvPr id="5" name="Picture 4">
+              <a:extLst>
+                <a:ext uri="{FF2B5EF4-FFF2-40B4-BE49-F238E27FC236}">
+                  <a16:creationId xmlns:a16="http://schemas.microsoft.com/office/drawing/2014/main" id="{24A28B42-991E-4D98-9950-5429C815C7F8}"/>
+                </a:ext>
+              </a:extLst>
+            </p:cNvPr>
+            <p:cNvPicPr>
+              <a:picLocks noChangeAspect="1"/>
+            </p:cNvPicPr>
+            <p:nvPr/>
+          </p:nvPicPr>
+          <p:blipFill>
+            <a:blip r:embed="rId2"/>
+            <a:stretch>
+              <a:fillRect/>
+            </a:stretch>
+          </p:blipFill>
+          <p:spPr>
+            <a:xfrm>
+              <a:off x="1457325" y="1057470"/>
+              <a:ext cx="8055643" cy="5590980"/>
+            </a:xfrm>
+            <a:prstGeom prst="rect">
+              <a:avLst/>
+            </a:prstGeom>
+          </p:spPr>
+        </p:pic>
+        <p:sp>
+          <p:nvSpPr>
+            <p:cNvPr id="6" name="Rectangle 5">
+              <a:extLst>
+                <a:ext uri="{FF2B5EF4-FFF2-40B4-BE49-F238E27FC236}">
+                  <a16:creationId xmlns:a16="http://schemas.microsoft.com/office/drawing/2014/main" id="{9A80D252-7CA7-42E4-8BFC-2B6FAFB41040}"/>
+                </a:ext>
+              </a:extLst>
+            </p:cNvPr>
+            <p:cNvSpPr/>
+            <p:nvPr/>
+          </p:nvSpPr>
+          <p:spPr>
+            <a:xfrm>
+              <a:off x="1457325" y="2400035"/>
+              <a:ext cx="2004141" cy="303057"/>
+            </a:xfrm>
+            <a:prstGeom prst="rect">
+              <a:avLst/>
+            </a:prstGeom>
+            <a:noFill/>
+            <a:ln w="38100">
+              <a:solidFill>
+                <a:srgbClr val="FF0000"/>
+              </a:solidFill>
+            </a:ln>
+          </p:spPr>
+          <p:style>
+            <a:lnRef idx="2">
+              <a:schemeClr val="accent1">
+                <a:shade val="50000"/>
+              </a:schemeClr>
+            </a:lnRef>
+            <a:fillRef idx="1">
+              <a:schemeClr val="accent1"/>
+            </a:fillRef>
+            <a:effectRef idx="0">
+              <a:schemeClr val="accent1"/>
+            </a:effectRef>
+            <a:fontRef idx="minor">
+              <a:schemeClr val="lt1"/>
+            </a:fontRef>
+          </p:style>
+          <p:txBody>
+            <a:bodyPr rtlCol="0" anchor="ctr"/>
+            <a:lstStyle/>
+            <a:p>
+              <a:pPr algn="ctr"/>
+              <a:endParaRPr lang="en-US"/>
+            </a:p>
+          </p:txBody>
+        </p:sp>
+        <p:sp>
+          <p:nvSpPr>
+            <p:cNvPr id="7" name="Rectangle 6">
+              <a:extLst>
+                <a:ext uri="{FF2B5EF4-FFF2-40B4-BE49-F238E27FC236}">
+                  <a16:creationId xmlns:a16="http://schemas.microsoft.com/office/drawing/2014/main" id="{B6D8DF0D-D429-4E96-9D51-B4E93D85AB08}"/>
+                </a:ext>
+              </a:extLst>
+            </p:cNvPr>
+            <p:cNvSpPr/>
+            <p:nvPr/>
+          </p:nvSpPr>
+          <p:spPr>
+            <a:xfrm>
+              <a:off x="1457325" y="4730641"/>
+              <a:ext cx="2004141" cy="303057"/>
+            </a:xfrm>
+            <a:prstGeom prst="rect">
+              <a:avLst/>
+            </a:prstGeom>
+            <a:noFill/>
+            <a:ln w="38100">
+              <a:solidFill>
+                <a:srgbClr val="FF0000"/>
+              </a:solidFill>
+            </a:ln>
+          </p:spPr>
+          <p:style>
+            <a:lnRef idx="2">
+              <a:schemeClr val="accent1">
+                <a:shade val="50000"/>
+              </a:schemeClr>
+            </a:lnRef>
+            <a:fillRef idx="1">
+              <a:schemeClr val="accent1"/>
+            </a:fillRef>
+            <a:effectRef idx="0">
+              <a:schemeClr val="accent1"/>
+            </a:effectRef>
+            <a:fontRef idx="minor">
+              <a:schemeClr val="lt1"/>
+            </a:fontRef>
+          </p:style>
+          <p:txBody>
+            <a:bodyPr rtlCol="0" anchor="ctr"/>
+            <a:lstStyle/>
+            <a:p>
+              <a:pPr algn="ctr"/>
+              <a:endParaRPr lang="en-US"/>
+            </a:p>
+          </p:txBody>
+        </p:sp>
+        <p:sp>
+          <p:nvSpPr>
+            <p:cNvPr id="8" name="Rectangle 7">
+              <a:extLst>
+                <a:ext uri="{FF2B5EF4-FFF2-40B4-BE49-F238E27FC236}">
+                  <a16:creationId xmlns:a16="http://schemas.microsoft.com/office/drawing/2014/main" id="{D0B960F8-C7A4-4054-9B16-14C1B449E0BD}"/>
+                </a:ext>
+              </a:extLst>
+            </p:cNvPr>
+            <p:cNvSpPr/>
+            <p:nvPr/>
+          </p:nvSpPr>
+          <p:spPr>
+            <a:xfrm>
+              <a:off x="1457325" y="5951442"/>
+              <a:ext cx="2004141" cy="303057"/>
+            </a:xfrm>
+            <a:prstGeom prst="rect">
+              <a:avLst/>
+            </a:prstGeom>
+            <a:noFill/>
+            <a:ln w="38100">
+              <a:solidFill>
+                <a:srgbClr val="FF0000"/>
+              </a:solidFill>
+            </a:ln>
+          </p:spPr>
+          <p:style>
+            <a:lnRef idx="2">
+              <a:schemeClr val="accent1">
+                <a:shade val="50000"/>
+              </a:schemeClr>
+            </a:lnRef>
+            <a:fillRef idx="1">
+              <a:schemeClr val="accent1"/>
+            </a:fillRef>
+            <a:effectRef idx="0">
+              <a:schemeClr val="accent1"/>
+            </a:effectRef>
+            <a:fontRef idx="minor">
+              <a:schemeClr val="lt1"/>
+            </a:fontRef>
+          </p:style>
+          <p:txBody>
+            <a:bodyPr rtlCol="0" anchor="ctr"/>
+            <a:lstStyle/>
+            <a:p>
+              <a:pPr algn="ctr"/>
+              <a:endParaRPr lang="en-US"/>
+            </a:p>
+          </p:txBody>
+        </p:sp>
+        <p:sp>
+          <p:nvSpPr>
+            <p:cNvPr id="9" name="Rectangle 8">
+              <a:extLst>
+                <a:ext uri="{FF2B5EF4-FFF2-40B4-BE49-F238E27FC236}">
+                  <a16:creationId xmlns:a16="http://schemas.microsoft.com/office/drawing/2014/main" id="{4C46EC78-62F5-4E8F-9383-EC402AAED749}"/>
+                </a:ext>
+              </a:extLst>
+            </p:cNvPr>
+            <p:cNvSpPr/>
+            <p:nvPr/>
+          </p:nvSpPr>
+          <p:spPr>
+            <a:xfrm>
+              <a:off x="4491789" y="2703091"/>
+              <a:ext cx="5021179" cy="505329"/>
+            </a:xfrm>
+            <a:prstGeom prst="rect">
+              <a:avLst/>
+            </a:prstGeom>
+            <a:noFill/>
+            <a:ln w="38100">
+              <a:solidFill>
+                <a:srgbClr val="FF0000"/>
+              </a:solidFill>
+            </a:ln>
+          </p:spPr>
+          <p:style>
+            <a:lnRef idx="2">
+              <a:schemeClr val="accent1">
+                <a:shade val="50000"/>
+              </a:schemeClr>
+            </a:lnRef>
+            <a:fillRef idx="1">
+              <a:schemeClr val="accent1"/>
+            </a:fillRef>
+            <a:effectRef idx="0">
+              <a:schemeClr val="accent1"/>
+            </a:effectRef>
+            <a:fontRef idx="minor">
+              <a:schemeClr val="lt1"/>
+            </a:fontRef>
+          </p:style>
+          <p:txBody>
+            <a:bodyPr rtlCol="0" anchor="ctr"/>
+            <a:lstStyle/>
+            <a:p>
+              <a:pPr algn="ctr"/>
+              <a:endParaRPr lang="en-US"/>
+            </a:p>
+          </p:txBody>
+        </p:sp>
+      </p:grpSp>
+    </p:spTree>
+    <p:extLst>
+      <p:ext uri="{BB962C8B-B14F-4D97-AF65-F5344CB8AC3E}">
+        <p14:creationId xmlns:p14="http://schemas.microsoft.com/office/powerpoint/2010/main" val="3786259912"/>
+      </p:ext>
+    </p:extLst>
+  </p:cSld>
+  <p:clrMapOvr>
+    <a:masterClrMapping/>
+  </p:clrMapOvr>
+</p:sld>
+</file>
+
+<file path=ppt/slides/slide46.xml><?xml version="1.0" encoding="utf-8"?>
+<p:sld xmlns:a="http://schemas.openxmlformats.org/drawingml/2006/main" xmlns:r="http://schemas.openxmlformats.org/officeDocument/2006/relationships" xmlns:p="http://schemas.openxmlformats.org/presentationml/2006/main">
+  <p:cSld>
+    <p:spTree>
+      <p:nvGrpSpPr>
+        <p:cNvPr id="1" name=""/>
+        <p:cNvGrpSpPr/>
+        <p:nvPr/>
+      </p:nvGrpSpPr>
+      <p:grpSpPr>
+        <a:xfrm>
+          <a:off x="0" y="0"/>
+          <a:ext cx="0" cy="0"/>
+          <a:chOff x="0" y="0"/>
+          <a:chExt cx="0" cy="0"/>
+        </a:xfrm>
+      </p:grpSpPr>
+      <p:sp>
+        <p:nvSpPr>
+          <p:cNvPr id="2" name="Title 1">
+            <a:extLst>
+              <a:ext uri="{FF2B5EF4-FFF2-40B4-BE49-F238E27FC236}">
+                <a16:creationId xmlns:a16="http://schemas.microsoft.com/office/drawing/2014/main" id="{9EBB8F63-4472-4C73-9C57-9932C6A662FC}"/>
+              </a:ext>
+            </a:extLst>
+          </p:cNvPr>
+          <p:cNvSpPr>
+            <a:spLocks noGrp="1"/>
+          </p:cNvSpPr>
+          <p:nvPr>
+            <p:ph type="title"/>
+          </p:nvPr>
+        </p:nvSpPr>
+        <p:spPr/>
+        <p:txBody>
+          <a:bodyPr/>
+          <a:lstStyle/>
+          <a:p>
+            <a:r>
+              <a:rPr lang="en-US" dirty="0"/>
+              <a:t>Exercise 1</a:t>
+            </a:r>
+          </a:p>
+        </p:txBody>
+      </p:sp>
+      <p:sp>
+        <p:nvSpPr>
+          <p:cNvPr id="3" name="Content Placeholder 2">
+            <a:extLst>
+              <a:ext uri="{FF2B5EF4-FFF2-40B4-BE49-F238E27FC236}">
+                <a16:creationId xmlns:a16="http://schemas.microsoft.com/office/drawing/2014/main" id="{C98734E3-1228-49B2-BD04-AB60998F2FBE}"/>
+              </a:ext>
+            </a:extLst>
+          </p:cNvPr>
+          <p:cNvSpPr>
+            <a:spLocks noGrp="1"/>
+          </p:cNvSpPr>
+          <p:nvPr>
+            <p:ph idx="1"/>
+          </p:nvPr>
+        </p:nvSpPr>
+        <p:spPr>
+          <a:xfrm>
+            <a:off x="1219200" y="1447800"/>
+            <a:ext cx="10273364" cy="4678363"/>
+          </a:xfrm>
+        </p:spPr>
+        <p:txBody>
+          <a:bodyPr/>
+          <a:lstStyle/>
+          <a:p>
+            <a:r>
+              <a:rPr lang="en-US" dirty="0"/>
+              <a:t> Repeat 1</a:t>
+            </a:r>
+            <a:r>
+              <a:rPr lang="en-US" baseline="30000" dirty="0"/>
+              <a:t>st</a:t>
+            </a:r>
+            <a:r>
+              <a:rPr lang="en-US" dirty="0"/>
+              <a:t> exercise with GitHub Desktop (continued)</a:t>
+            </a:r>
+          </a:p>
+          <a:p>
+            <a:pPr lvl="1"/>
+            <a:r>
+              <a:rPr lang="en-US" dirty="0"/>
+              <a:t> Publish repository to GitHub</a:t>
+            </a:r>
+          </a:p>
+          <a:p>
+            <a:pPr lvl="1"/>
+            <a:r>
+              <a:rPr lang="en-US" dirty="0"/>
+              <a:t> Edit, push revisions to GitHub</a:t>
+            </a:r>
+          </a:p>
+          <a:p>
+            <a:pPr lvl="1"/>
+            <a:r>
+              <a:rPr lang="en-US" dirty="0"/>
+              <a:t> Revert to original code</a:t>
+            </a:r>
+          </a:p>
+          <a:p>
+            <a:pPr lvl="2"/>
+            <a:r>
+              <a:rPr lang="en-US" dirty="0"/>
+              <a:t>Use command line git</a:t>
+            </a:r>
+          </a:p>
+          <a:p>
+            <a:pPr lvl="2"/>
+            <a:r>
+              <a:rPr lang="en-US"/>
+              <a:t> </a:t>
+            </a:r>
+            <a:r>
+              <a:rPr lang="en-US">
+                <a:latin typeface="Courier New" panose="02070309020205020404" pitchFamily="49" charset="0"/>
+                <a:cs typeface="Courier New" panose="02070309020205020404" pitchFamily="49" charset="0"/>
+              </a:rPr>
+              <a:t>git reset --hard commit-hash-number</a:t>
+            </a:r>
+          </a:p>
+          <a:p>
+            <a:pPr lvl="2"/>
+            <a:endParaRPr lang="en-US" dirty="0"/>
+          </a:p>
+          <a:p>
+            <a:pPr lvl="1"/>
+            <a:endParaRPr lang="en-US" dirty="0"/>
+          </a:p>
+        </p:txBody>
+      </p:sp>
+      <p:sp>
+        <p:nvSpPr>
+          <p:cNvPr id="4" name="Slide Number Placeholder 3">
+            <a:extLst>
+              <a:ext uri="{FF2B5EF4-FFF2-40B4-BE49-F238E27FC236}">
+                <a16:creationId xmlns:a16="http://schemas.microsoft.com/office/drawing/2014/main" id="{04962F61-E126-4137-8B58-9C6F426BC09E}"/>
+              </a:ext>
+            </a:extLst>
+          </p:cNvPr>
+          <p:cNvSpPr>
+            <a:spLocks noGrp="1"/>
+          </p:cNvSpPr>
+          <p:nvPr>
+            <p:ph type="sldNum" sz="quarter" idx="12"/>
+          </p:nvPr>
+        </p:nvSpPr>
+        <p:spPr/>
+        <p:txBody>
+          <a:bodyPr/>
+          <a:lstStyle/>
+          <a:p>
+            <a:fld id="{4577FE26-ACD1-4964-932B-823877B1C5B5}" type="slidenum">
+              <a:rPr lang="en-US" smtClean="0"/>
+              <a:t>46</a:t>
+            </a:fld>
+            <a:endParaRPr lang="en-US" dirty="0"/>
+          </a:p>
+        </p:txBody>
+      </p:sp>
+    </p:spTree>
+    <p:extLst>
+      <p:ext uri="{BB962C8B-B14F-4D97-AF65-F5344CB8AC3E}">
+        <p14:creationId xmlns:p14="http://schemas.microsoft.com/office/powerpoint/2010/main" val="1076443053"/>
+      </p:ext>
+    </p:extLst>
+  </p:cSld>
+  <p:clrMapOvr>
+    <a:masterClrMapping/>
+  </p:clrMapOvr>
+</p:sld>
+</file>
+
+<file path=ppt/slides/slide47.xml><?xml version="1.0" encoding="utf-8"?>
+<p:sld xmlns:a="http://schemas.openxmlformats.org/drawingml/2006/main" xmlns:r="http://schemas.openxmlformats.org/officeDocument/2006/relationships" xmlns:p="http://schemas.openxmlformats.org/presentationml/2006/main">
+  <p:cSld>
+    <p:spTree>
+      <p:nvGrpSpPr>
+        <p:cNvPr id="1" name=""/>
+        <p:cNvGrpSpPr/>
+        <p:nvPr/>
+      </p:nvGrpSpPr>
+      <p:grpSpPr>
+        <a:xfrm>
+          <a:off x="0" y="0"/>
+          <a:ext cx="0" cy="0"/>
+          <a:chOff x="0" y="0"/>
+          <a:chExt cx="0" cy="0"/>
+        </a:xfrm>
+      </p:grpSpPr>
+      <p:sp>
+        <p:nvSpPr>
+          <p:cNvPr id="2" name="Title 1">
+            <a:extLst>
+              <a:ext uri="{FF2B5EF4-FFF2-40B4-BE49-F238E27FC236}">
+                <a16:creationId xmlns:a16="http://schemas.microsoft.com/office/drawing/2014/main" id="{B8D01A8B-DF83-4986-9FA7-89FA2F0F5E5E}"/>
+              </a:ext>
+            </a:extLst>
+          </p:cNvPr>
+          <p:cNvSpPr>
+            <a:spLocks noGrp="1"/>
+          </p:cNvSpPr>
+          <p:nvPr>
+            <p:ph type="title"/>
+          </p:nvPr>
+        </p:nvSpPr>
+        <p:spPr/>
+        <p:txBody>
+          <a:bodyPr/>
+          <a:lstStyle/>
+          <a:p>
+            <a:r>
+              <a:rPr lang="en-US" dirty="0"/>
+              <a:t>Publish Repo to GitHub Web</a:t>
+            </a:r>
+          </a:p>
+        </p:txBody>
+      </p:sp>
+      <p:sp>
+        <p:nvSpPr>
+          <p:cNvPr id="3" name="Content Placeholder 2">
+            <a:extLst>
+              <a:ext uri="{FF2B5EF4-FFF2-40B4-BE49-F238E27FC236}">
+                <a16:creationId xmlns:a16="http://schemas.microsoft.com/office/drawing/2014/main" id="{956B1E57-1AD9-41A0-944E-419536856B9F}"/>
+              </a:ext>
+            </a:extLst>
+          </p:cNvPr>
+          <p:cNvSpPr>
+            <a:spLocks noGrp="1"/>
+          </p:cNvSpPr>
+          <p:nvPr>
+            <p:ph idx="1"/>
+          </p:nvPr>
+        </p:nvSpPr>
+        <p:spPr/>
+        <p:txBody>
+          <a:bodyPr/>
+          <a:lstStyle/>
+          <a:p>
+            <a:endParaRPr lang="en-US"/>
+          </a:p>
+        </p:txBody>
+      </p:sp>
+      <p:sp>
+        <p:nvSpPr>
+          <p:cNvPr id="4" name="Slide Number Placeholder 3">
+            <a:extLst>
+              <a:ext uri="{FF2B5EF4-FFF2-40B4-BE49-F238E27FC236}">
+                <a16:creationId xmlns:a16="http://schemas.microsoft.com/office/drawing/2014/main" id="{71D96DC8-9FF5-4785-B756-4AC4363131A8}"/>
+              </a:ext>
+            </a:extLst>
+          </p:cNvPr>
+          <p:cNvSpPr>
+            <a:spLocks noGrp="1"/>
+          </p:cNvSpPr>
+          <p:nvPr>
+            <p:ph type="sldNum" sz="quarter" idx="12"/>
+          </p:nvPr>
+        </p:nvSpPr>
+        <p:spPr/>
+        <p:txBody>
+          <a:bodyPr/>
+          <a:lstStyle/>
+          <a:p>
+            <a:fld id="{4577FE26-ACD1-4964-932B-823877B1C5B5}" type="slidenum">
+              <a:rPr lang="en-US" smtClean="0"/>
+              <a:t>47</a:t>
+            </a:fld>
+            <a:endParaRPr lang="en-US" dirty="0"/>
+          </a:p>
+        </p:txBody>
+      </p:sp>
+      <p:grpSp>
+        <p:nvGrpSpPr>
+          <p:cNvPr id="14" name="Group 13">
+            <a:extLst>
+              <a:ext uri="{FF2B5EF4-FFF2-40B4-BE49-F238E27FC236}">
+                <a16:creationId xmlns:a16="http://schemas.microsoft.com/office/drawing/2014/main" id="{7EA99068-F8AC-4A1F-8709-04770358328A}"/>
+              </a:ext>
+            </a:extLst>
+          </p:cNvPr>
+          <p:cNvGrpSpPr>
+            <a:grpSpLocks noChangeAspect="1"/>
+          </p:cNvGrpSpPr>
+          <p:nvPr/>
+        </p:nvGrpSpPr>
+        <p:grpSpPr>
+          <a:xfrm>
+            <a:off x="3064043" y="1338262"/>
+            <a:ext cx="7269580" cy="5045417"/>
+            <a:chOff x="1457325" y="209550"/>
+            <a:chExt cx="9277350" cy="6438900"/>
+          </a:xfrm>
+        </p:grpSpPr>
+        <p:pic>
+          <p:nvPicPr>
+            <p:cNvPr id="11" name="Picture 10">
+              <a:extLst>
+                <a:ext uri="{FF2B5EF4-FFF2-40B4-BE49-F238E27FC236}">
+                  <a16:creationId xmlns:a16="http://schemas.microsoft.com/office/drawing/2014/main" id="{41B4D806-91BD-44A6-B53C-03C6DE4B4567}"/>
+                </a:ext>
+              </a:extLst>
+            </p:cNvPr>
+            <p:cNvPicPr>
+              <a:picLocks noChangeAspect="1"/>
+            </p:cNvPicPr>
+            <p:nvPr/>
+          </p:nvPicPr>
+          <p:blipFill>
+            <a:blip r:embed="rId2"/>
+            <a:stretch>
+              <a:fillRect/>
+            </a:stretch>
+          </p:blipFill>
+          <p:spPr>
+            <a:xfrm>
+              <a:off x="1457325" y="209550"/>
+              <a:ext cx="9277350" cy="6438900"/>
+            </a:xfrm>
+            <a:prstGeom prst="rect">
+              <a:avLst/>
+            </a:prstGeom>
+          </p:spPr>
+        </p:pic>
+        <p:sp>
+          <p:nvSpPr>
+            <p:cNvPr id="12" name="Rectangle 11">
+              <a:extLst>
+                <a:ext uri="{FF2B5EF4-FFF2-40B4-BE49-F238E27FC236}">
+                  <a16:creationId xmlns:a16="http://schemas.microsoft.com/office/drawing/2014/main" id="{A20CA2A8-E832-47C8-99F5-738BADDD1B18}"/>
+                </a:ext>
+              </a:extLst>
+            </p:cNvPr>
+            <p:cNvSpPr/>
+            <p:nvPr/>
+          </p:nvSpPr>
+          <p:spPr>
+            <a:xfrm>
+              <a:off x="8758988" y="2983832"/>
+              <a:ext cx="1283369" cy="445168"/>
+            </a:xfrm>
+            <a:prstGeom prst="rect">
+              <a:avLst/>
+            </a:prstGeom>
+            <a:noFill/>
+            <a:ln w="38100">
+              <a:solidFill>
+                <a:srgbClr val="FF0000"/>
+              </a:solidFill>
+            </a:ln>
+          </p:spPr>
+          <p:style>
+            <a:lnRef idx="2">
+              <a:schemeClr val="accent1">
+                <a:shade val="50000"/>
+              </a:schemeClr>
+            </a:lnRef>
+            <a:fillRef idx="1">
+              <a:schemeClr val="accent1"/>
+            </a:fillRef>
+            <a:effectRef idx="0">
+              <a:schemeClr val="accent1"/>
+            </a:effectRef>
+            <a:fontRef idx="minor">
+              <a:schemeClr val="lt1"/>
+            </a:fontRef>
+          </p:style>
+          <p:txBody>
+            <a:bodyPr rtlCol="0" anchor="ctr"/>
+            <a:lstStyle/>
+            <a:p>
+              <a:pPr algn="ctr"/>
+              <a:endParaRPr lang="en-US"/>
+            </a:p>
+          </p:txBody>
+        </p:sp>
+        <p:sp>
+          <p:nvSpPr>
+            <p:cNvPr id="13" name="Rectangle 12">
+              <a:extLst>
+                <a:ext uri="{FF2B5EF4-FFF2-40B4-BE49-F238E27FC236}">
+                  <a16:creationId xmlns:a16="http://schemas.microsoft.com/office/drawing/2014/main" id="{EFF56173-DD32-4710-8B6D-98AA4ADDC8B9}"/>
+                </a:ext>
+              </a:extLst>
+            </p:cNvPr>
+            <p:cNvSpPr/>
+            <p:nvPr/>
+          </p:nvSpPr>
+          <p:spPr>
+            <a:xfrm>
+              <a:off x="6096000" y="440239"/>
+              <a:ext cx="2149642" cy="485273"/>
+            </a:xfrm>
+            <a:prstGeom prst="rect">
+              <a:avLst/>
+            </a:prstGeom>
+            <a:noFill/>
+            <a:ln w="38100">
+              <a:solidFill>
+                <a:srgbClr val="FF0000"/>
+              </a:solidFill>
+            </a:ln>
+          </p:spPr>
+          <p:style>
+            <a:lnRef idx="2">
+              <a:schemeClr val="accent1">
+                <a:shade val="50000"/>
+              </a:schemeClr>
+            </a:lnRef>
+            <a:fillRef idx="1">
+              <a:schemeClr val="accent1"/>
+            </a:fillRef>
+            <a:effectRef idx="0">
+              <a:schemeClr val="accent1"/>
+            </a:effectRef>
+            <a:fontRef idx="minor">
+              <a:schemeClr val="lt1"/>
+            </a:fontRef>
+          </p:style>
+          <p:txBody>
+            <a:bodyPr rtlCol="0" anchor="ctr"/>
+            <a:lstStyle/>
+            <a:p>
+              <a:pPr algn="ctr"/>
+              <a:endParaRPr lang="en-US"/>
+            </a:p>
+          </p:txBody>
+        </p:sp>
+      </p:grpSp>
+    </p:spTree>
+    <p:extLst>
+      <p:ext uri="{BB962C8B-B14F-4D97-AF65-F5344CB8AC3E}">
+        <p14:creationId xmlns:p14="http://schemas.microsoft.com/office/powerpoint/2010/main" val="1132128229"/>
+      </p:ext>
+    </p:extLst>
+  </p:cSld>
+  <p:clrMapOvr>
+    <a:masterClrMapping/>
+  </p:clrMapOvr>
+</p:sld>
+</file>
+
+<file path=ppt/slides/slide48.xml><?xml version="1.0" encoding="utf-8"?>
+<p:sld xmlns:a="http://schemas.openxmlformats.org/drawingml/2006/main" xmlns:r="http://schemas.openxmlformats.org/officeDocument/2006/relationships" xmlns:p="http://schemas.openxmlformats.org/presentationml/2006/main">
+  <p:cSld>
+    <p:spTree>
+      <p:nvGrpSpPr>
+        <p:cNvPr id="1" name=""/>
+        <p:cNvGrpSpPr/>
+        <p:nvPr/>
+      </p:nvGrpSpPr>
+      <p:grpSpPr>
+        <a:xfrm>
+          <a:off x="0" y="0"/>
+          <a:ext cx="0" cy="0"/>
+          <a:chOff x="0" y="0"/>
+          <a:chExt cx="0" cy="0"/>
+        </a:xfrm>
+      </p:grpSpPr>
+      <p:sp>
+        <p:nvSpPr>
+          <p:cNvPr id="2" name="Title 1">
+            <a:extLst>
+              <a:ext uri="{FF2B5EF4-FFF2-40B4-BE49-F238E27FC236}">
+                <a16:creationId xmlns:a16="http://schemas.microsoft.com/office/drawing/2014/main" id="{860C541D-89F2-44C6-B2FA-DB9048784292}"/>
+              </a:ext>
+            </a:extLst>
+          </p:cNvPr>
+          <p:cNvSpPr>
+            <a:spLocks noGrp="1"/>
+          </p:cNvSpPr>
+          <p:nvPr>
+            <p:ph type="title"/>
+          </p:nvPr>
+        </p:nvSpPr>
+        <p:spPr/>
+        <p:txBody>
+          <a:bodyPr/>
+          <a:lstStyle/>
+          <a:p>
+            <a:r>
+              <a:rPr lang="en-US" dirty="0"/>
+              <a:t>Publish Repo to GitHub Web</a:t>
+            </a:r>
+          </a:p>
+        </p:txBody>
+      </p:sp>
+      <p:sp>
+        <p:nvSpPr>
+          <p:cNvPr id="3" name="Content Placeholder 2">
+            <a:extLst>
+              <a:ext uri="{FF2B5EF4-FFF2-40B4-BE49-F238E27FC236}">
+                <a16:creationId xmlns:a16="http://schemas.microsoft.com/office/drawing/2014/main" id="{FB936C67-AFC1-455E-AB85-32A16EBE318B}"/>
+              </a:ext>
+            </a:extLst>
+          </p:cNvPr>
+          <p:cNvSpPr>
+            <a:spLocks noGrp="1"/>
+          </p:cNvSpPr>
+          <p:nvPr>
+            <p:ph idx="1"/>
+          </p:nvPr>
+        </p:nvSpPr>
+        <p:spPr/>
+        <p:txBody>
+          <a:bodyPr/>
+          <a:lstStyle/>
+          <a:p>
+            <a:endParaRPr lang="en-US"/>
+          </a:p>
+        </p:txBody>
+      </p:sp>
+      <p:sp>
+        <p:nvSpPr>
+          <p:cNvPr id="4" name="Slide Number Placeholder 3">
+            <a:extLst>
+              <a:ext uri="{FF2B5EF4-FFF2-40B4-BE49-F238E27FC236}">
+                <a16:creationId xmlns:a16="http://schemas.microsoft.com/office/drawing/2014/main" id="{7D9CF0A0-8CCB-4A4C-8974-4AEEB250F892}"/>
+              </a:ext>
+            </a:extLst>
+          </p:cNvPr>
+          <p:cNvSpPr>
+            <a:spLocks noGrp="1"/>
+          </p:cNvSpPr>
+          <p:nvPr>
+            <p:ph type="sldNum" sz="quarter" idx="12"/>
+          </p:nvPr>
+        </p:nvSpPr>
+        <p:spPr/>
+        <p:txBody>
+          <a:bodyPr/>
+          <a:lstStyle/>
+          <a:p>
+            <a:fld id="{4577FE26-ACD1-4964-932B-823877B1C5B5}" type="slidenum">
+              <a:rPr lang="en-US" smtClean="0"/>
+              <a:t>48</a:t>
+            </a:fld>
+            <a:endParaRPr lang="en-US" dirty="0"/>
+          </a:p>
+        </p:txBody>
+      </p:sp>
+      <p:grpSp>
+        <p:nvGrpSpPr>
+          <p:cNvPr id="7" name="Group 6">
+            <a:extLst>
+              <a:ext uri="{FF2B5EF4-FFF2-40B4-BE49-F238E27FC236}">
+                <a16:creationId xmlns:a16="http://schemas.microsoft.com/office/drawing/2014/main" id="{5661716D-4386-4CB6-B720-7C6248A76E77}"/>
+              </a:ext>
+            </a:extLst>
+          </p:cNvPr>
+          <p:cNvGrpSpPr>
+            <a:grpSpLocks noChangeAspect="1"/>
+          </p:cNvGrpSpPr>
+          <p:nvPr/>
+        </p:nvGrpSpPr>
+        <p:grpSpPr>
+          <a:xfrm>
+            <a:off x="2725641" y="1328738"/>
+            <a:ext cx="6740718" cy="4678363"/>
+            <a:chOff x="2383533" y="1259596"/>
+            <a:chExt cx="7670633" cy="5323766"/>
+          </a:xfrm>
+        </p:grpSpPr>
+        <p:pic>
+          <p:nvPicPr>
+            <p:cNvPr id="5" name="Picture 4">
+              <a:extLst>
+                <a:ext uri="{FF2B5EF4-FFF2-40B4-BE49-F238E27FC236}">
+                  <a16:creationId xmlns:a16="http://schemas.microsoft.com/office/drawing/2014/main" id="{AFD87022-BA7D-4204-9138-D11ACF32148A}"/>
+                </a:ext>
+              </a:extLst>
+            </p:cNvPr>
+            <p:cNvPicPr>
+              <a:picLocks noChangeAspect="1"/>
+            </p:cNvPicPr>
+            <p:nvPr/>
+          </p:nvPicPr>
+          <p:blipFill>
+            <a:blip r:embed="rId2"/>
+            <a:stretch>
+              <a:fillRect/>
+            </a:stretch>
+          </p:blipFill>
+          <p:spPr>
+            <a:xfrm>
+              <a:off x="2383533" y="1259596"/>
+              <a:ext cx="7670633" cy="5323766"/>
+            </a:xfrm>
+            <a:prstGeom prst="rect">
+              <a:avLst/>
+            </a:prstGeom>
+          </p:spPr>
+        </p:pic>
+        <p:sp>
+          <p:nvSpPr>
+            <p:cNvPr id="6" name="Rectangle 5">
+              <a:extLst>
+                <a:ext uri="{FF2B5EF4-FFF2-40B4-BE49-F238E27FC236}">
+                  <a16:creationId xmlns:a16="http://schemas.microsoft.com/office/drawing/2014/main" id="{2FFEF7B7-780A-4A7E-9355-5320A3A78490}"/>
+                </a:ext>
+              </a:extLst>
+            </p:cNvPr>
+            <p:cNvSpPr/>
+            <p:nvPr/>
+          </p:nvSpPr>
+          <p:spPr>
+            <a:xfrm>
+              <a:off x="5775159" y="5101388"/>
+              <a:ext cx="1138988" cy="497015"/>
+            </a:xfrm>
+            <a:prstGeom prst="rect">
+              <a:avLst/>
+            </a:prstGeom>
+            <a:noFill/>
+            <a:ln w="38100">
+              <a:solidFill>
+                <a:srgbClr val="FF0000"/>
+              </a:solidFill>
+            </a:ln>
+          </p:spPr>
+          <p:style>
+            <a:lnRef idx="2">
+              <a:schemeClr val="accent1">
+                <a:shade val="50000"/>
+              </a:schemeClr>
+            </a:lnRef>
+            <a:fillRef idx="1">
+              <a:schemeClr val="accent1"/>
+            </a:fillRef>
+            <a:effectRef idx="0">
+              <a:schemeClr val="accent1"/>
+            </a:effectRef>
+            <a:fontRef idx="minor">
+              <a:schemeClr val="lt1"/>
+            </a:fontRef>
+          </p:style>
+          <p:txBody>
+            <a:bodyPr rtlCol="0" anchor="ctr"/>
+            <a:lstStyle/>
+            <a:p>
+              <a:pPr algn="ctr"/>
+              <a:endParaRPr lang="en-US"/>
+            </a:p>
+          </p:txBody>
+        </p:sp>
+      </p:grpSp>
+    </p:spTree>
+    <p:extLst>
+      <p:ext uri="{BB962C8B-B14F-4D97-AF65-F5344CB8AC3E}">
+        <p14:creationId xmlns:p14="http://schemas.microsoft.com/office/powerpoint/2010/main" val="3412179191"/>
+      </p:ext>
+    </p:extLst>
+  </p:cSld>
+  <p:clrMapOvr>
+    <a:masterClrMapping/>
+  </p:clrMapOvr>
+</p:sld>
+</file>
+
+<file path=ppt/slides/slide49.xml><?xml version="1.0" encoding="utf-8"?>
+<p:sld xmlns:a="http://schemas.openxmlformats.org/drawingml/2006/main" xmlns:r="http://schemas.openxmlformats.org/officeDocument/2006/relationships" xmlns:p="http://schemas.openxmlformats.org/presentationml/2006/main">
+  <p:cSld>
+    <p:spTree>
+      <p:nvGrpSpPr>
+        <p:cNvPr id="1" name=""/>
+        <p:cNvGrpSpPr/>
+        <p:nvPr/>
+      </p:nvGrpSpPr>
+      <p:grpSpPr>
+        <a:xfrm>
+          <a:off x="0" y="0"/>
+          <a:ext cx="0" cy="0"/>
+          <a:chOff x="0" y="0"/>
+          <a:chExt cx="0" cy="0"/>
+        </a:xfrm>
+      </p:grpSpPr>
+      <p:sp>
+        <p:nvSpPr>
+          <p:cNvPr id="2" name="Title 1">
+            <a:extLst>
+              <a:ext uri="{FF2B5EF4-FFF2-40B4-BE49-F238E27FC236}">
+                <a16:creationId xmlns:a16="http://schemas.microsoft.com/office/drawing/2014/main" id="{2BFBF470-8569-4F39-85B9-CB068D986FE3}"/>
+              </a:ext>
+            </a:extLst>
+          </p:cNvPr>
+          <p:cNvSpPr>
+            <a:spLocks noGrp="1"/>
+          </p:cNvSpPr>
+          <p:nvPr>
+            <p:ph type="title"/>
+          </p:nvPr>
+        </p:nvSpPr>
+        <p:spPr/>
+        <p:txBody>
+          <a:bodyPr/>
+          <a:lstStyle/>
+          <a:p>
+            <a:r>
+              <a:rPr lang="en-US" dirty="0"/>
+              <a:t>Publish Repo to GitHub Web</a:t>
+            </a:r>
+          </a:p>
+        </p:txBody>
+      </p:sp>
+      <p:sp>
+        <p:nvSpPr>
+          <p:cNvPr id="3" name="Content Placeholder 2">
+            <a:extLst>
+              <a:ext uri="{FF2B5EF4-FFF2-40B4-BE49-F238E27FC236}">
+                <a16:creationId xmlns:a16="http://schemas.microsoft.com/office/drawing/2014/main" id="{4D4F43B2-0824-4373-B234-F7121EC25EE3}"/>
+              </a:ext>
+            </a:extLst>
+          </p:cNvPr>
+          <p:cNvSpPr>
+            <a:spLocks noGrp="1"/>
+          </p:cNvSpPr>
+          <p:nvPr>
+            <p:ph idx="1"/>
+          </p:nvPr>
+        </p:nvSpPr>
+        <p:spPr/>
+        <p:txBody>
+          <a:bodyPr/>
+          <a:lstStyle/>
+          <a:p>
+            <a:endParaRPr lang="en-US"/>
+          </a:p>
+        </p:txBody>
+      </p:sp>
+      <p:sp>
+        <p:nvSpPr>
+          <p:cNvPr id="4" name="Slide Number Placeholder 3">
+            <a:extLst>
+              <a:ext uri="{FF2B5EF4-FFF2-40B4-BE49-F238E27FC236}">
+                <a16:creationId xmlns:a16="http://schemas.microsoft.com/office/drawing/2014/main" id="{A1C12F36-0C01-4720-8F3F-246062E96B15}"/>
+              </a:ext>
+            </a:extLst>
+          </p:cNvPr>
+          <p:cNvSpPr>
+            <a:spLocks noGrp="1"/>
+          </p:cNvSpPr>
+          <p:nvPr>
+            <p:ph type="sldNum" sz="quarter" idx="12"/>
+          </p:nvPr>
+        </p:nvSpPr>
+        <p:spPr/>
+        <p:txBody>
+          <a:bodyPr/>
+          <a:lstStyle/>
+          <a:p>
+            <a:fld id="{4577FE26-ACD1-4964-932B-823877B1C5B5}" type="slidenum">
+              <a:rPr lang="en-US" smtClean="0"/>
+              <a:t>49</a:t>
+            </a:fld>
+            <a:endParaRPr lang="en-US" dirty="0"/>
+          </a:p>
+        </p:txBody>
+      </p:sp>
+      <p:grpSp>
+        <p:nvGrpSpPr>
+          <p:cNvPr id="7" name="Group 6">
+            <a:extLst>
+              <a:ext uri="{FF2B5EF4-FFF2-40B4-BE49-F238E27FC236}">
+                <a16:creationId xmlns:a16="http://schemas.microsoft.com/office/drawing/2014/main" id="{AC72AB8F-2BB9-4247-8A6C-BF0D24467D34}"/>
+              </a:ext>
+            </a:extLst>
+          </p:cNvPr>
+          <p:cNvGrpSpPr/>
+          <p:nvPr/>
+        </p:nvGrpSpPr>
+        <p:grpSpPr>
+          <a:xfrm>
+            <a:off x="1684421" y="1401158"/>
+            <a:ext cx="9432758" cy="5082192"/>
+            <a:chOff x="1684421" y="1401158"/>
+            <a:chExt cx="9432758" cy="5082192"/>
+          </a:xfrm>
+        </p:grpSpPr>
+        <p:pic>
+          <p:nvPicPr>
+            <p:cNvPr id="5" name="Picture 4">
+              <a:extLst>
+                <a:ext uri="{FF2B5EF4-FFF2-40B4-BE49-F238E27FC236}">
+                  <a16:creationId xmlns:a16="http://schemas.microsoft.com/office/drawing/2014/main" id="{CD8E5D8B-4377-461D-9C44-C8741A95C785}"/>
+                </a:ext>
+              </a:extLst>
+            </p:cNvPr>
+            <p:cNvPicPr>
+              <a:picLocks noChangeAspect="1"/>
+            </p:cNvPicPr>
+            <p:nvPr/>
+          </p:nvPicPr>
+          <p:blipFill>
+            <a:blip r:embed="rId2"/>
+            <a:stretch>
+              <a:fillRect/>
+            </a:stretch>
+          </p:blipFill>
+          <p:spPr>
+            <a:xfrm>
+              <a:off x="1684421" y="1401158"/>
+              <a:ext cx="9432758" cy="5082192"/>
+            </a:xfrm>
+            <a:prstGeom prst="rect">
+              <a:avLst/>
+            </a:prstGeom>
+          </p:spPr>
+        </p:pic>
+        <p:sp>
+          <p:nvSpPr>
+            <p:cNvPr id="6" name="Rectangle 5">
+              <a:extLst>
+                <a:ext uri="{FF2B5EF4-FFF2-40B4-BE49-F238E27FC236}">
+                  <a16:creationId xmlns:a16="http://schemas.microsoft.com/office/drawing/2014/main" id="{B8E19A55-015A-4C39-ACB7-1C6FD46A691A}"/>
+                </a:ext>
+              </a:extLst>
+            </p:cNvPr>
+            <p:cNvSpPr/>
+            <p:nvPr/>
+          </p:nvSpPr>
+          <p:spPr>
+            <a:xfrm>
+              <a:off x="1892968" y="4940968"/>
+              <a:ext cx="2229853" cy="469232"/>
+            </a:xfrm>
+            <a:prstGeom prst="rect">
+              <a:avLst/>
+            </a:prstGeom>
+            <a:noFill/>
+            <a:ln w="38100">
+              <a:solidFill>
+                <a:srgbClr val="FF0000"/>
+              </a:solidFill>
+            </a:ln>
+          </p:spPr>
+          <p:style>
+            <a:lnRef idx="2">
+              <a:schemeClr val="accent1">
+                <a:shade val="50000"/>
+              </a:schemeClr>
+            </a:lnRef>
+            <a:fillRef idx="1">
+              <a:schemeClr val="accent1"/>
+            </a:fillRef>
+            <a:effectRef idx="0">
+              <a:schemeClr val="accent1"/>
+            </a:effectRef>
+            <a:fontRef idx="minor">
+              <a:schemeClr val="lt1"/>
+            </a:fontRef>
+          </p:style>
+          <p:txBody>
+            <a:bodyPr rtlCol="0" anchor="ctr"/>
+            <a:lstStyle/>
+            <a:p>
+              <a:pPr algn="ctr"/>
+              <a:endParaRPr lang="en-US"/>
+            </a:p>
+          </p:txBody>
+        </p:sp>
+      </p:grpSp>
+    </p:spTree>
+    <p:extLst>
+      <p:ext uri="{BB962C8B-B14F-4D97-AF65-F5344CB8AC3E}">
+        <p14:creationId xmlns:p14="http://schemas.microsoft.com/office/powerpoint/2010/main" val="2087522754"/>
+      </p:ext>
+    </p:extLst>
+  </p:cSld>
+  <p:clrMapOvr>
+    <a:masterClrMapping/>
+  </p:clrMapOvr>
+</p:sld>
+</file>
+
+<file path=ppt/slides/slide5.xml><?xml version="1.0" encoding="utf-8"?>
+<p:sld xmlns:a="http://schemas.openxmlformats.org/drawingml/2006/main" xmlns:r="http://schemas.openxmlformats.org/officeDocument/2006/relationships" xmlns:p="http://schemas.openxmlformats.org/presentationml/2006/main">
+  <p:cSld>
+    <p:spTree>
+      <p:nvGrpSpPr>
+        <p:cNvPr id="1" name=""/>
+        <p:cNvGrpSpPr/>
+        <p:nvPr/>
+      </p:nvGrpSpPr>
+      <p:grpSpPr>
+        <a:xfrm>
+          <a:off x="0" y="0"/>
+          <a:ext cx="0" cy="0"/>
+          <a:chOff x="0" y="0"/>
+          <a:chExt cx="0" cy="0"/>
+        </a:xfrm>
+      </p:grpSpPr>
+      <p:sp>
+        <p:nvSpPr>
+          <p:cNvPr id="2" name="Title 1"/>
+          <p:cNvSpPr>
+            <a:spLocks noGrp="1"/>
+          </p:cNvSpPr>
+          <p:nvPr>
+            <p:ph type="title"/>
+          </p:nvPr>
+        </p:nvSpPr>
+        <p:spPr/>
+        <p:txBody>
+          <a:bodyPr/>
+          <a:lstStyle/>
+          <a:p>
+            <a:r>
+              <a:rPr lang="en-US" dirty="0"/>
+              <a:t>Version Control</a:t>
+            </a:r>
+          </a:p>
+        </p:txBody>
+      </p:sp>
+      <p:sp>
+        <p:nvSpPr>
+          <p:cNvPr id="3" name="Content Placeholder 2"/>
+          <p:cNvSpPr>
+            <a:spLocks noGrp="1"/>
+          </p:cNvSpPr>
+          <p:nvPr>
+            <p:ph idx="1"/>
+          </p:nvPr>
+        </p:nvSpPr>
+        <p:spPr>
+          <a:xfrm>
+            <a:off x="1219200" y="1013254"/>
+            <a:ext cx="10363200" cy="5112909"/>
+          </a:xfrm>
+        </p:spPr>
+        <p:txBody>
+          <a:bodyPr/>
+          <a:lstStyle/>
+          <a:p>
+            <a:pPr>
+              <a:spcBef>
+                <a:spcPts val="0"/>
+              </a:spcBef>
+            </a:pPr>
+            <a:r>
+              <a:rPr lang="en-US" dirty="0"/>
+              <a:t>Collaboration</a:t>
+            </a:r>
+          </a:p>
+          <a:p>
+            <a:pPr lvl="1">
+              <a:spcBef>
+                <a:spcPts val="0"/>
+              </a:spcBef>
+            </a:pPr>
+            <a:r>
+              <a:rPr lang="en-US" dirty="0"/>
+              <a:t>Multiple people cannot edit software simultaneously</a:t>
+            </a:r>
+          </a:p>
+        </p:txBody>
+      </p:sp>
+      <p:sp>
+        <p:nvSpPr>
+          <p:cNvPr id="4" name="Slide Number Placeholder 3"/>
+          <p:cNvSpPr>
+            <a:spLocks noGrp="1"/>
+          </p:cNvSpPr>
+          <p:nvPr>
+            <p:ph type="sldNum" sz="quarter" idx="12"/>
+          </p:nvPr>
+        </p:nvSpPr>
+        <p:spPr/>
+        <p:txBody>
+          <a:bodyPr/>
+          <a:lstStyle/>
+          <a:p>
+            <a:fld id="{4577FE26-ACD1-4964-932B-823877B1C5B5}" type="slidenum">
+              <a:rPr lang="en-US" smtClean="0"/>
+              <a:t>5</a:t>
+            </a:fld>
+            <a:endParaRPr lang="en-US" dirty="0"/>
+          </a:p>
+        </p:txBody>
+      </p:sp>
+      <p:pic>
+        <p:nvPicPr>
+          <p:cNvPr id="46" name="Picture 45" descr="ClamCase ClamBook &lt;strong&gt;Laptop&lt;/strong&gt; Dock for iPhone and Android Phone"/>
+          <p:cNvPicPr>
+            <a:picLocks noChangeAspect="1"/>
+          </p:cNvPicPr>
+          <p:nvPr/>
+        </p:nvPicPr>
+        <p:blipFill>
+          <a:blip r:embed="rId2" cstate="print">
+            <a:extLst>
+              <a:ext uri="{28A0092B-C50C-407E-A947-70E740481C1C}">
+                <a14:useLocalDpi xmlns:a14="http://schemas.microsoft.com/office/drawing/2010/main" val="0"/>
+              </a:ext>
+            </a:extLst>
+          </a:blip>
+          <a:stretch>
+            <a:fillRect/>
+          </a:stretch>
+        </p:blipFill>
+        <p:spPr>
+          <a:xfrm>
+            <a:off x="8892959" y="2993574"/>
+            <a:ext cx="1920447" cy="1152268"/>
+          </a:xfrm>
+          <a:prstGeom prst="rect">
+            <a:avLst/>
+          </a:prstGeom>
+        </p:spPr>
+      </p:pic>
+      <p:pic>
+        <p:nvPicPr>
+          <p:cNvPr id="47" name="Picture 46" descr="Publicado por ROSITA Y DANNY en 21:50"/>
+          <p:cNvPicPr>
+            <a:picLocks noChangeAspect="1"/>
+          </p:cNvPicPr>
+          <p:nvPr/>
+        </p:nvPicPr>
+        <p:blipFill rotWithShape="1">
+          <a:blip r:embed="rId3" cstate="print">
+            <a:extLst>
+              <a:ext uri="{28A0092B-C50C-407E-A947-70E740481C1C}">
+                <a14:useLocalDpi xmlns:a14="http://schemas.microsoft.com/office/drawing/2010/main" val="0"/>
+              </a:ext>
+            </a:extLst>
+          </a:blip>
+          <a:srcRect l="13583" t="4896" r="7375" b="19808"/>
+          <a:stretch/>
+        </p:blipFill>
+        <p:spPr>
+          <a:xfrm>
+            <a:off x="1194486" y="2841128"/>
+            <a:ext cx="2207740" cy="1457161"/>
+          </a:xfrm>
+          <a:prstGeom prst="rect">
+            <a:avLst/>
+          </a:prstGeom>
+        </p:spPr>
+      </p:pic>
+      <p:pic>
+        <p:nvPicPr>
+          <p:cNvPr id="49" name="Picture 48" descr="File:BCDS &lt;strong&gt;Laptop&lt;/strong&gt;.JPG - Wikipedia, the free encyclopedia"/>
+          <p:cNvPicPr>
+            <a:picLocks noChangeAspect="1"/>
+          </p:cNvPicPr>
+          <p:nvPr/>
+        </p:nvPicPr>
+        <p:blipFill rotWithShape="1">
+          <a:blip r:embed="rId4" cstate="print">
+            <a:extLst>
+              <a:ext uri="{28A0092B-C50C-407E-A947-70E740481C1C}">
+                <a14:useLocalDpi xmlns:a14="http://schemas.microsoft.com/office/drawing/2010/main" val="0"/>
+              </a:ext>
+            </a:extLst>
+          </a:blip>
+          <a:srcRect l="18778" b="29794"/>
+          <a:stretch/>
+        </p:blipFill>
+        <p:spPr>
+          <a:xfrm>
+            <a:off x="5127215" y="5258874"/>
+            <a:ext cx="2422915" cy="1396201"/>
+          </a:xfrm>
+          <a:prstGeom prst="rect">
+            <a:avLst/>
+          </a:prstGeom>
+        </p:spPr>
+      </p:pic>
+      <p:pic>
+        <p:nvPicPr>
+          <p:cNvPr id="51" name="Picture 50"/>
+          <p:cNvPicPr>
+            <a:picLocks noChangeAspect="1"/>
+          </p:cNvPicPr>
+          <p:nvPr/>
+        </p:nvPicPr>
+        <p:blipFill>
+          <a:blip r:embed="rId5"/>
+          <a:stretch>
+            <a:fillRect/>
+          </a:stretch>
+        </p:blipFill>
+        <p:spPr>
+          <a:xfrm>
+            <a:off x="4553378" y="2071077"/>
+            <a:ext cx="3570588" cy="2997262"/>
+          </a:xfrm>
+          <a:prstGeom prst="rect">
+            <a:avLst/>
+          </a:prstGeom>
+        </p:spPr>
+      </p:pic>
+      <p:cxnSp>
+        <p:nvCxnSpPr>
+          <p:cNvPr id="53" name="Straight Arrow Connector 52"/>
+          <p:cNvCxnSpPr>
+            <a:stCxn id="47" idx="3"/>
+            <a:endCxn id="51" idx="1"/>
+          </p:cNvCxnSpPr>
+          <p:nvPr/>
+        </p:nvCxnSpPr>
+        <p:spPr>
+          <a:xfrm flipV="1">
+            <a:off x="3402226" y="3569708"/>
+            <a:ext cx="1151152" cy="1"/>
+          </a:xfrm>
+          <a:prstGeom prst="straightConnector1">
+            <a:avLst/>
+          </a:prstGeom>
+          <a:ln>
+            <a:solidFill>
+              <a:srgbClr val="FF0000"/>
+            </a:solidFill>
+            <a:headEnd type="triangle" w="med" len="med"/>
+            <a:tailEnd type="triangle" w="med" len="med"/>
+          </a:ln>
+        </p:spPr>
+        <p:style>
+          <a:lnRef idx="1">
+            <a:schemeClr val="accent1"/>
+          </a:lnRef>
+          <a:fillRef idx="0">
+            <a:schemeClr val="accent1"/>
+          </a:fillRef>
+          <a:effectRef idx="0">
+            <a:schemeClr val="accent1"/>
+          </a:effectRef>
+          <a:fontRef idx="minor">
+            <a:schemeClr val="tx1"/>
+          </a:fontRef>
+        </p:style>
+      </p:cxnSp>
+      <p:cxnSp>
+        <p:nvCxnSpPr>
+          <p:cNvPr id="54" name="Straight Arrow Connector 53"/>
+          <p:cNvCxnSpPr>
+            <a:stCxn id="49" idx="0"/>
+            <a:endCxn id="51" idx="2"/>
+          </p:cNvCxnSpPr>
+          <p:nvPr/>
+        </p:nvCxnSpPr>
+        <p:spPr>
+          <a:xfrm flipH="1" flipV="1">
+            <a:off x="6338672" y="5068339"/>
+            <a:ext cx="1" cy="190535"/>
+          </a:xfrm>
+          <a:prstGeom prst="straightConnector1">
+            <a:avLst/>
+          </a:prstGeom>
+          <a:ln>
+            <a:solidFill>
+              <a:srgbClr val="FF0000"/>
+            </a:solidFill>
+            <a:headEnd type="triangle" w="med" len="med"/>
+            <a:tailEnd type="triangle" w="med" len="med"/>
+          </a:ln>
+        </p:spPr>
+        <p:style>
+          <a:lnRef idx="1">
+            <a:schemeClr val="accent1"/>
+          </a:lnRef>
+          <a:fillRef idx="0">
+            <a:schemeClr val="accent1"/>
+          </a:fillRef>
+          <a:effectRef idx="0">
+            <a:schemeClr val="accent1"/>
+          </a:effectRef>
+          <a:fontRef idx="minor">
+            <a:schemeClr val="tx1"/>
+          </a:fontRef>
+        </p:style>
+      </p:cxnSp>
+      <p:cxnSp>
+        <p:nvCxnSpPr>
+          <p:cNvPr id="55" name="Straight Arrow Connector 54"/>
+          <p:cNvCxnSpPr>
+            <a:stCxn id="51" idx="3"/>
+            <a:endCxn id="46" idx="1"/>
+          </p:cNvCxnSpPr>
+          <p:nvPr/>
+        </p:nvCxnSpPr>
+        <p:spPr>
+          <a:xfrm>
+            <a:off x="8123966" y="3569708"/>
+            <a:ext cx="768993" cy="0"/>
+          </a:xfrm>
+          <a:prstGeom prst="straightConnector1">
+            <a:avLst/>
+          </a:prstGeom>
+          <a:ln>
+            <a:solidFill>
+              <a:srgbClr val="FF0000"/>
+            </a:solidFill>
+            <a:headEnd type="triangle" w="med" len="med"/>
+            <a:tailEnd type="triangle" w="med" len="med"/>
+          </a:ln>
+        </p:spPr>
+        <p:style>
+          <a:lnRef idx="1">
+            <a:schemeClr val="accent1"/>
+          </a:lnRef>
+          <a:fillRef idx="0">
+            <a:schemeClr val="accent1"/>
+          </a:fillRef>
+          <a:effectRef idx="0">
+            <a:schemeClr val="accent1"/>
+          </a:effectRef>
+          <a:fontRef idx="minor">
+            <a:schemeClr val="tx1"/>
+          </a:fontRef>
+        </p:style>
+      </p:cxnSp>
+      <p:sp>
+        <p:nvSpPr>
+          <p:cNvPr id="60" name="TextBox 59"/>
+          <p:cNvSpPr txBox="1"/>
+          <p:nvPr/>
+        </p:nvSpPr>
+        <p:spPr>
+          <a:xfrm rot="19590095">
+            <a:off x="4608061" y="2437729"/>
+            <a:ext cx="1954381" cy="646331"/>
+          </a:xfrm>
+          <a:prstGeom prst="rect">
+            <a:avLst/>
+          </a:prstGeom>
+          <a:solidFill>
+            <a:srgbClr val="FFFFFF">
+              <a:alpha val="60000"/>
+            </a:srgbClr>
+          </a:solidFill>
+        </p:spPr>
+        <p:txBody>
+          <a:bodyPr wrap="none" rtlCol="0">
+            <a:spAutoFit/>
+          </a:bodyPr>
+          <a:lstStyle/>
+          <a:p>
+            <a:r>
+              <a:rPr lang="en-US" sz="3600" dirty="0">
+                <a:solidFill>
+                  <a:srgbClr val="FF0000"/>
+                </a:solidFill>
+              </a:rPr>
+              <a:t>Conflicts</a:t>
+            </a:r>
+          </a:p>
+        </p:txBody>
+      </p:sp>
+      <p:sp>
+        <p:nvSpPr>
+          <p:cNvPr id="61" name="TextBox 60"/>
+          <p:cNvSpPr txBox="1"/>
+          <p:nvPr/>
+        </p:nvSpPr>
+        <p:spPr>
+          <a:xfrm rot="2072224">
+            <a:off x="5782914" y="3435068"/>
+            <a:ext cx="2236510" cy="1200329"/>
+          </a:xfrm>
+          <a:prstGeom prst="rect">
+            <a:avLst/>
+          </a:prstGeom>
+          <a:solidFill>
+            <a:srgbClr val="FFFFFF">
+              <a:alpha val="60000"/>
+            </a:srgbClr>
+          </a:solidFill>
+        </p:spPr>
+        <p:txBody>
+          <a:bodyPr wrap="none" rtlCol="0">
+            <a:spAutoFit/>
+          </a:bodyPr>
+          <a:lstStyle/>
+          <a:p>
+            <a:pPr algn="ctr"/>
+            <a:r>
+              <a:rPr lang="en-US" sz="3600" dirty="0">
+                <a:solidFill>
+                  <a:srgbClr val="FF0000"/>
+                </a:solidFill>
+              </a:rPr>
+              <a:t>Corrupted</a:t>
+            </a:r>
+            <a:br>
+              <a:rPr lang="en-US" sz="3600" dirty="0">
+                <a:solidFill>
+                  <a:srgbClr val="FF0000"/>
+                </a:solidFill>
+              </a:rPr>
+            </a:br>
+            <a:r>
+              <a:rPr lang="en-US" sz="3600" dirty="0">
+                <a:solidFill>
+                  <a:srgbClr val="FF0000"/>
+                </a:solidFill>
+              </a:rPr>
+              <a:t>Code</a:t>
+            </a:r>
+          </a:p>
+        </p:txBody>
+      </p:sp>
+    </p:spTree>
+    <p:extLst>
+      <p:ext uri="{BB962C8B-B14F-4D97-AF65-F5344CB8AC3E}">
+        <p14:creationId xmlns:p14="http://schemas.microsoft.com/office/powerpoint/2010/main" val="3282647031"/>
+      </p:ext>
+    </p:extLst>
+  </p:cSld>
+  <p:clrMapOvr>
+    <a:masterClrMapping/>
+  </p:clrMapOvr>
+  <p:timing>
+    <p:tnLst>
+      <p:par>
+        <p:cTn id="1" dur="indefinite" restart="never" nodeType="tmRoot">
+          <p:childTnLst>
+            <p:seq concurrent="1" nextAc="seek">
+              <p:cTn id="2" dur="indefinite" nodeType="mainSeq">
+                <p:childTnLst>
+                  <p:par>
+                    <p:cTn id="3" fill="hold">
+                      <p:stCondLst>
+                        <p:cond delay="indefinite"/>
+                      </p:stCondLst>
+                      <p:childTnLst>
+                        <p:par>
+                          <p:cTn id="4" fill="hold">
+                            <p:stCondLst>
+                              <p:cond delay="0"/>
+                            </p:stCondLst>
+                            <p:childTnLst>
+                              <p:par>
+                                <p:cTn id="5" presetID="1" presetClass="entr" presetSubtype="0" fill="hold" grpId="0" nodeType="clickEffect">
+                                  <p:stCondLst>
+                                    <p:cond delay="0"/>
+                                  </p:stCondLst>
+                                  <p:childTnLst>
+                                    <p:set>
+                                      <p:cBhvr>
+                                        <p:cTn id="6" dur="1" fill="hold">
+                                          <p:stCondLst>
+                                            <p:cond delay="0"/>
+                                          </p:stCondLst>
+                                        </p:cTn>
+                                        <p:tgtEl>
+                                          <p:spTgt spid="61"/>
+                                        </p:tgtEl>
+                                        <p:attrNameLst>
+                                          <p:attrName>style.visibility</p:attrName>
+                                        </p:attrNameLst>
+                                      </p:cBhvr>
+                                      <p:to>
+                                        <p:strVal val="visible"/>
+                                      </p:to>
+                                    </p:set>
+                                  </p:childTnLst>
+                                </p:cTn>
+                              </p:par>
+                              <p:par>
+                                <p:cTn id="7" presetID="1" presetClass="entr" presetSubtype="0" fill="hold" grpId="0" nodeType="withEffect">
+                                  <p:stCondLst>
+                                    <p:cond delay="0"/>
+                                  </p:stCondLst>
+                                  <p:childTnLst>
+                                    <p:set>
+                                      <p:cBhvr>
+                                        <p:cTn id="8" dur="1" fill="hold">
+                                          <p:stCondLst>
+                                            <p:cond delay="0"/>
+                                          </p:stCondLst>
+                                        </p:cTn>
+                                        <p:tgtEl>
+                                          <p:spTgt spid="60"/>
+                                        </p:tgtEl>
+                                        <p:attrNameLst>
+                                          <p:attrName>style.visibility</p:attrName>
+                                        </p:attrNameLst>
+                                      </p:cBhvr>
+                                      <p:to>
+                                        <p:strVal val="visible"/>
+                                      </p:to>
+                                    </p:set>
+                                  </p:childTnLst>
+                                </p:cTn>
+                              </p:par>
+                            </p:childTnLst>
+                          </p:cTn>
+                        </p:par>
+                      </p:childTnLst>
+                    </p:cTn>
+                  </p:par>
+                </p:childTnLst>
+              </p:cTn>
+              <p:prevCondLst>
+                <p:cond evt="onPrev" delay="0">
+                  <p:tgtEl>
+                    <p:sldTgt/>
+                  </p:tgtEl>
+                </p:cond>
+              </p:prevCondLst>
+              <p:nextCondLst>
+                <p:cond evt="onNext" delay="0">
+                  <p:tgtEl>
+                    <p:sldTgt/>
+                  </p:tgtEl>
+                </p:cond>
+              </p:nextCondLst>
+            </p:seq>
+          </p:childTnLst>
+        </p:cTn>
+      </p:par>
+    </p:tnLst>
+    <p:bldLst>
+      <p:bldP spid="60" grpId="0" animBg="1"/>
+      <p:bldP spid="61" grpId="0" animBg="1"/>
+    </p:bldLst>
+  </p:timing>
+</p:sld>
+</file>
+
+<file path=ppt/slides/slide50.xml><?xml version="1.0" encoding="utf-8"?>
+<p:sld xmlns:a="http://schemas.openxmlformats.org/drawingml/2006/main" xmlns:r="http://schemas.openxmlformats.org/officeDocument/2006/relationships" xmlns:p="http://schemas.openxmlformats.org/presentationml/2006/main">
+  <p:cSld>
+    <p:spTree>
+      <p:nvGrpSpPr>
+        <p:cNvPr id="1" name=""/>
+        <p:cNvGrpSpPr/>
+        <p:nvPr/>
+      </p:nvGrpSpPr>
+      <p:grpSpPr>
+        <a:xfrm>
+          <a:off x="0" y="0"/>
+          <a:ext cx="0" cy="0"/>
+          <a:chOff x="0" y="0"/>
+          <a:chExt cx="0" cy="0"/>
+        </a:xfrm>
+      </p:grpSpPr>
+      <p:sp>
+        <p:nvSpPr>
+          <p:cNvPr id="2" name="Title 1">
+            <a:extLst>
+              <a:ext uri="{FF2B5EF4-FFF2-40B4-BE49-F238E27FC236}">
+                <a16:creationId xmlns:a16="http://schemas.microsoft.com/office/drawing/2014/main" id="{D815ACC4-4691-43C9-A652-51F16A3DB72F}"/>
+              </a:ext>
+            </a:extLst>
+          </p:cNvPr>
+          <p:cNvSpPr>
+            <a:spLocks noGrp="1"/>
+          </p:cNvSpPr>
+          <p:nvPr>
+            <p:ph type="title"/>
+          </p:nvPr>
+        </p:nvSpPr>
+        <p:spPr/>
+        <p:txBody>
+          <a:bodyPr/>
+          <a:lstStyle/>
+          <a:p>
+            <a:r>
+              <a:rPr lang="en-US" dirty="0"/>
+              <a:t>Revert to Previous Commit</a:t>
+            </a:r>
+          </a:p>
+        </p:txBody>
+      </p:sp>
+      <p:sp>
+        <p:nvSpPr>
+          <p:cNvPr id="3" name="Content Placeholder 2">
+            <a:extLst>
+              <a:ext uri="{FF2B5EF4-FFF2-40B4-BE49-F238E27FC236}">
+                <a16:creationId xmlns:a16="http://schemas.microsoft.com/office/drawing/2014/main" id="{42389D99-9D89-4490-8FC9-B36C7F45903A}"/>
+              </a:ext>
+            </a:extLst>
+          </p:cNvPr>
+          <p:cNvSpPr>
+            <a:spLocks noGrp="1"/>
+          </p:cNvSpPr>
+          <p:nvPr>
+            <p:ph idx="1"/>
+          </p:nvPr>
+        </p:nvSpPr>
+        <p:spPr/>
+        <p:txBody>
+          <a:bodyPr/>
+          <a:lstStyle/>
+          <a:p>
+            <a:endParaRPr lang="en-US"/>
+          </a:p>
+        </p:txBody>
+      </p:sp>
+      <p:sp>
+        <p:nvSpPr>
+          <p:cNvPr id="4" name="Slide Number Placeholder 3">
+            <a:extLst>
+              <a:ext uri="{FF2B5EF4-FFF2-40B4-BE49-F238E27FC236}">
+                <a16:creationId xmlns:a16="http://schemas.microsoft.com/office/drawing/2014/main" id="{89C38262-BA67-458E-8691-78E8E47ACDFC}"/>
+              </a:ext>
+            </a:extLst>
+          </p:cNvPr>
+          <p:cNvSpPr>
+            <a:spLocks noGrp="1"/>
+          </p:cNvSpPr>
+          <p:nvPr>
+            <p:ph type="sldNum" sz="quarter" idx="12"/>
+          </p:nvPr>
+        </p:nvSpPr>
+        <p:spPr/>
+        <p:txBody>
+          <a:bodyPr/>
+          <a:lstStyle/>
+          <a:p>
+            <a:fld id="{4577FE26-ACD1-4964-932B-823877B1C5B5}" type="slidenum">
+              <a:rPr lang="en-US" smtClean="0"/>
+              <a:t>50</a:t>
+            </a:fld>
+            <a:endParaRPr lang="en-US" dirty="0"/>
+          </a:p>
+        </p:txBody>
+      </p:sp>
+      <p:grpSp>
+        <p:nvGrpSpPr>
+          <p:cNvPr id="7" name="Group 6">
+            <a:extLst>
+              <a:ext uri="{FF2B5EF4-FFF2-40B4-BE49-F238E27FC236}">
+                <a16:creationId xmlns:a16="http://schemas.microsoft.com/office/drawing/2014/main" id="{14301E9A-9FD3-44B9-B566-678BB2A51285}"/>
+              </a:ext>
+            </a:extLst>
+          </p:cNvPr>
+          <p:cNvGrpSpPr/>
+          <p:nvPr/>
+        </p:nvGrpSpPr>
+        <p:grpSpPr>
+          <a:xfrm>
+            <a:off x="2775284" y="1315266"/>
+            <a:ext cx="7590422" cy="5268096"/>
+            <a:chOff x="2775284" y="1315266"/>
+            <a:chExt cx="7590422" cy="5268096"/>
+          </a:xfrm>
+        </p:grpSpPr>
+        <p:pic>
+          <p:nvPicPr>
+            <p:cNvPr id="5" name="Picture 4">
+              <a:extLst>
+                <a:ext uri="{FF2B5EF4-FFF2-40B4-BE49-F238E27FC236}">
+                  <a16:creationId xmlns:a16="http://schemas.microsoft.com/office/drawing/2014/main" id="{5A70F7F7-CFFF-4203-BF8D-CB7678C2F471}"/>
+                </a:ext>
+              </a:extLst>
+            </p:cNvPr>
+            <p:cNvPicPr>
+              <a:picLocks noChangeAspect="1"/>
+            </p:cNvPicPr>
+            <p:nvPr/>
+          </p:nvPicPr>
+          <p:blipFill>
+            <a:blip r:embed="rId2"/>
+            <a:stretch>
+              <a:fillRect/>
+            </a:stretch>
+          </p:blipFill>
+          <p:spPr>
+            <a:xfrm>
+              <a:off x="2775284" y="1315266"/>
+              <a:ext cx="7590422" cy="5268096"/>
+            </a:xfrm>
+            <a:prstGeom prst="rect">
+              <a:avLst/>
+            </a:prstGeom>
+          </p:spPr>
+        </p:pic>
+        <p:sp>
+          <p:nvSpPr>
+            <p:cNvPr id="6" name="Rectangle 5">
+              <a:extLst>
+                <a:ext uri="{FF2B5EF4-FFF2-40B4-BE49-F238E27FC236}">
+                  <a16:creationId xmlns:a16="http://schemas.microsoft.com/office/drawing/2014/main" id="{FCE6EB68-EBB5-4C52-94E4-2CA035BC4299}"/>
+                </a:ext>
+              </a:extLst>
+            </p:cNvPr>
+            <p:cNvSpPr/>
+            <p:nvPr/>
+          </p:nvSpPr>
+          <p:spPr>
+            <a:xfrm>
+              <a:off x="3652707" y="2122009"/>
+              <a:ext cx="1127839" cy="348475"/>
+            </a:xfrm>
+            <a:prstGeom prst="rect">
+              <a:avLst/>
+            </a:prstGeom>
+            <a:noFill/>
+            <a:ln w="38100">
+              <a:solidFill>
+                <a:srgbClr val="FF0000"/>
+              </a:solidFill>
+            </a:ln>
+          </p:spPr>
+          <p:style>
+            <a:lnRef idx="2">
+              <a:schemeClr val="accent1">
+                <a:shade val="50000"/>
+              </a:schemeClr>
+            </a:lnRef>
+            <a:fillRef idx="1">
+              <a:schemeClr val="accent1"/>
+            </a:fillRef>
+            <a:effectRef idx="0">
+              <a:schemeClr val="accent1"/>
+            </a:effectRef>
+            <a:fontRef idx="minor">
+              <a:schemeClr val="lt1"/>
+            </a:fontRef>
+          </p:style>
+          <p:txBody>
+            <a:bodyPr rtlCol="0" anchor="ctr"/>
+            <a:lstStyle/>
+            <a:p>
+              <a:pPr algn="ctr"/>
+              <a:endParaRPr lang="en-US"/>
+            </a:p>
+          </p:txBody>
+        </p:sp>
+      </p:grpSp>
+    </p:spTree>
+    <p:extLst>
+      <p:ext uri="{BB962C8B-B14F-4D97-AF65-F5344CB8AC3E}">
+        <p14:creationId xmlns:p14="http://schemas.microsoft.com/office/powerpoint/2010/main" val="1123799453"/>
+      </p:ext>
+    </p:extLst>
+  </p:cSld>
+  <p:clrMapOvr>
+    <a:masterClrMapping/>
+  </p:clrMapOvr>
+</p:sld>
+</file>
+
+<file path=ppt/slides/slide51.xml><?xml version="1.0" encoding="utf-8"?>
+<p:sld xmlns:a="http://schemas.openxmlformats.org/drawingml/2006/main" xmlns:r="http://schemas.openxmlformats.org/officeDocument/2006/relationships" xmlns:p="http://schemas.openxmlformats.org/presentationml/2006/main">
+  <p:cSld>
+    <p:spTree>
+      <p:nvGrpSpPr>
+        <p:cNvPr id="1" name=""/>
+        <p:cNvGrpSpPr/>
+        <p:nvPr/>
+      </p:nvGrpSpPr>
+      <p:grpSpPr>
+        <a:xfrm>
+          <a:off x="0" y="0"/>
+          <a:ext cx="0" cy="0"/>
+          <a:chOff x="0" y="0"/>
+          <a:chExt cx="0" cy="0"/>
+        </a:xfrm>
+      </p:grpSpPr>
+      <p:sp>
+        <p:nvSpPr>
+          <p:cNvPr id="2" name="Title 1">
+            <a:extLst>
+              <a:ext uri="{FF2B5EF4-FFF2-40B4-BE49-F238E27FC236}">
+                <a16:creationId xmlns:a16="http://schemas.microsoft.com/office/drawing/2014/main" id="{D815ACC4-4691-43C9-A652-51F16A3DB72F}"/>
+              </a:ext>
+            </a:extLst>
+          </p:cNvPr>
+          <p:cNvSpPr>
+            <a:spLocks noGrp="1"/>
+          </p:cNvSpPr>
+          <p:nvPr>
+            <p:ph type="title"/>
+          </p:nvPr>
+        </p:nvSpPr>
+        <p:spPr/>
+        <p:txBody>
+          <a:bodyPr/>
+          <a:lstStyle/>
+          <a:p>
+            <a:r>
+              <a:rPr lang="en-US" dirty="0"/>
+              <a:t>Revert to Previous Commit</a:t>
+            </a:r>
+          </a:p>
+        </p:txBody>
+      </p:sp>
+      <p:sp>
+        <p:nvSpPr>
+          <p:cNvPr id="3" name="Content Placeholder 2">
+            <a:extLst>
+              <a:ext uri="{FF2B5EF4-FFF2-40B4-BE49-F238E27FC236}">
+                <a16:creationId xmlns:a16="http://schemas.microsoft.com/office/drawing/2014/main" id="{42389D99-9D89-4490-8FC9-B36C7F45903A}"/>
+              </a:ext>
+            </a:extLst>
+          </p:cNvPr>
+          <p:cNvSpPr>
+            <a:spLocks noGrp="1"/>
+          </p:cNvSpPr>
+          <p:nvPr>
+            <p:ph idx="1"/>
+          </p:nvPr>
+        </p:nvSpPr>
+        <p:spPr/>
+        <p:txBody>
+          <a:bodyPr/>
+          <a:lstStyle/>
+          <a:p>
+            <a:r>
+              <a:rPr lang="en-US" dirty="0"/>
+              <a:t> Right click</a:t>
+            </a:r>
+          </a:p>
+        </p:txBody>
+      </p:sp>
+      <p:sp>
+        <p:nvSpPr>
+          <p:cNvPr id="4" name="Slide Number Placeholder 3">
+            <a:extLst>
+              <a:ext uri="{FF2B5EF4-FFF2-40B4-BE49-F238E27FC236}">
+                <a16:creationId xmlns:a16="http://schemas.microsoft.com/office/drawing/2014/main" id="{89C38262-BA67-458E-8691-78E8E47ACDFC}"/>
+              </a:ext>
+            </a:extLst>
+          </p:cNvPr>
+          <p:cNvSpPr>
+            <a:spLocks noGrp="1"/>
+          </p:cNvSpPr>
+          <p:nvPr>
+            <p:ph type="sldNum" sz="quarter" idx="12"/>
+          </p:nvPr>
+        </p:nvSpPr>
+        <p:spPr/>
+        <p:txBody>
+          <a:bodyPr/>
+          <a:lstStyle/>
+          <a:p>
+            <a:fld id="{4577FE26-ACD1-4964-932B-823877B1C5B5}" type="slidenum">
+              <a:rPr lang="en-US" smtClean="0"/>
+              <a:t>51</a:t>
+            </a:fld>
+            <a:endParaRPr lang="en-US" dirty="0"/>
+          </a:p>
+        </p:txBody>
+      </p:sp>
+      <p:grpSp>
+        <p:nvGrpSpPr>
+          <p:cNvPr id="11" name="Group 10">
+            <a:extLst>
+              <a:ext uri="{FF2B5EF4-FFF2-40B4-BE49-F238E27FC236}">
+                <a16:creationId xmlns:a16="http://schemas.microsoft.com/office/drawing/2014/main" id="{D86CD66C-74BC-4176-AD97-925777EDAF96}"/>
+              </a:ext>
+            </a:extLst>
+          </p:cNvPr>
+          <p:cNvGrpSpPr>
+            <a:grpSpLocks noChangeAspect="1"/>
+          </p:cNvGrpSpPr>
+          <p:nvPr/>
+        </p:nvGrpSpPr>
+        <p:grpSpPr>
+          <a:xfrm>
+            <a:off x="2001335" y="1338262"/>
+            <a:ext cx="8189330" cy="5259602"/>
+            <a:chOff x="756962" y="0"/>
+            <a:chExt cx="10678076" cy="6858000"/>
+          </a:xfrm>
+        </p:grpSpPr>
+        <p:pic>
+          <p:nvPicPr>
+            <p:cNvPr id="9" name="Picture 8">
+              <a:extLst>
+                <a:ext uri="{FF2B5EF4-FFF2-40B4-BE49-F238E27FC236}">
+                  <a16:creationId xmlns:a16="http://schemas.microsoft.com/office/drawing/2014/main" id="{3894620D-5210-48CF-BCFC-78DD972D6EF3}"/>
+                </a:ext>
+              </a:extLst>
+            </p:cNvPr>
+            <p:cNvPicPr>
+              <a:picLocks noChangeAspect="1"/>
+            </p:cNvPicPr>
+            <p:nvPr/>
+          </p:nvPicPr>
+          <p:blipFill>
+            <a:blip r:embed="rId2"/>
+            <a:stretch>
+              <a:fillRect/>
+            </a:stretch>
+          </p:blipFill>
+          <p:spPr>
+            <a:xfrm>
+              <a:off x="756962" y="0"/>
+              <a:ext cx="10678076" cy="6858000"/>
+            </a:xfrm>
+            <a:prstGeom prst="rect">
+              <a:avLst/>
+            </a:prstGeom>
+          </p:spPr>
+        </p:pic>
+        <p:sp>
+          <p:nvSpPr>
+            <p:cNvPr id="10" name="Rectangle 9">
+              <a:extLst>
+                <a:ext uri="{FF2B5EF4-FFF2-40B4-BE49-F238E27FC236}">
+                  <a16:creationId xmlns:a16="http://schemas.microsoft.com/office/drawing/2014/main" id="{10F3F6C5-BCFF-4201-B308-7421164D3A24}"/>
+                </a:ext>
+              </a:extLst>
+            </p:cNvPr>
+            <p:cNvSpPr/>
+            <p:nvPr/>
+          </p:nvSpPr>
+          <p:spPr>
+            <a:xfrm>
+              <a:off x="1952369" y="2644346"/>
+              <a:ext cx="1705231" cy="420130"/>
+            </a:xfrm>
+            <a:prstGeom prst="rect">
+              <a:avLst/>
+            </a:prstGeom>
+            <a:noFill/>
+            <a:ln w="38100">
+              <a:solidFill>
+                <a:srgbClr val="FF0000"/>
+              </a:solidFill>
+            </a:ln>
+          </p:spPr>
+          <p:style>
+            <a:lnRef idx="2">
+              <a:schemeClr val="accent1">
+                <a:shade val="50000"/>
+              </a:schemeClr>
+            </a:lnRef>
+            <a:fillRef idx="1">
+              <a:schemeClr val="accent1"/>
+            </a:fillRef>
+            <a:effectRef idx="0">
+              <a:schemeClr val="accent1"/>
+            </a:effectRef>
+            <a:fontRef idx="minor">
+              <a:schemeClr val="lt1"/>
+            </a:fontRef>
+          </p:style>
+          <p:txBody>
+            <a:bodyPr rtlCol="0" anchor="ctr"/>
+            <a:lstStyle/>
+            <a:p>
+              <a:pPr algn="ctr"/>
+              <a:endParaRPr lang="en-US"/>
+            </a:p>
+          </p:txBody>
+        </p:sp>
+      </p:grpSp>
+    </p:spTree>
+    <p:extLst>
+      <p:ext uri="{BB962C8B-B14F-4D97-AF65-F5344CB8AC3E}">
+        <p14:creationId xmlns:p14="http://schemas.microsoft.com/office/powerpoint/2010/main" val="52046348"/>
+      </p:ext>
+    </p:extLst>
+  </p:cSld>
+  <p:clrMapOvr>
+    <a:masterClrMapping/>
+  </p:clrMapOvr>
+</p:sld>
+</file>
+
+<file path=ppt/slides/slide52.xml><?xml version="1.0" encoding="utf-8"?>
+<p:sld xmlns:a="http://schemas.openxmlformats.org/drawingml/2006/main" xmlns:r="http://schemas.openxmlformats.org/officeDocument/2006/relationships" xmlns:p="http://schemas.openxmlformats.org/presentationml/2006/main">
+  <p:cSld>
+    <p:spTree>
+      <p:nvGrpSpPr>
+        <p:cNvPr id="1" name=""/>
+        <p:cNvGrpSpPr/>
+        <p:nvPr/>
+      </p:nvGrpSpPr>
+      <p:grpSpPr>
+        <a:xfrm>
+          <a:off x="0" y="0"/>
+          <a:ext cx="0" cy="0"/>
+          <a:chOff x="0" y="0"/>
+          <a:chExt cx="0" cy="0"/>
+        </a:xfrm>
+      </p:grpSpPr>
+      <p:sp>
+        <p:nvSpPr>
+          <p:cNvPr id="2" name="Title 1">
+            <a:extLst>
+              <a:ext uri="{FF2B5EF4-FFF2-40B4-BE49-F238E27FC236}">
+                <a16:creationId xmlns:a16="http://schemas.microsoft.com/office/drawing/2014/main" id="{39C288D2-4F99-4D7A-A5C3-0E9E3A67EA08}"/>
+              </a:ext>
+            </a:extLst>
+          </p:cNvPr>
+          <p:cNvSpPr>
+            <a:spLocks noGrp="1"/>
+          </p:cNvSpPr>
+          <p:nvPr>
+            <p:ph type="title"/>
+          </p:nvPr>
+        </p:nvSpPr>
+        <p:spPr/>
+        <p:txBody>
+          <a:bodyPr/>
+          <a:lstStyle/>
+          <a:p>
+            <a:endParaRPr lang="en-US"/>
+          </a:p>
+        </p:txBody>
+      </p:sp>
+      <p:sp>
+        <p:nvSpPr>
+          <p:cNvPr id="3" name="Content Placeholder 2">
+            <a:extLst>
+              <a:ext uri="{FF2B5EF4-FFF2-40B4-BE49-F238E27FC236}">
+                <a16:creationId xmlns:a16="http://schemas.microsoft.com/office/drawing/2014/main" id="{0831F82E-482E-4D76-94E9-E75806A9EC4A}"/>
+              </a:ext>
+            </a:extLst>
+          </p:cNvPr>
+          <p:cNvSpPr>
+            <a:spLocks noGrp="1"/>
+          </p:cNvSpPr>
+          <p:nvPr>
+            <p:ph idx="1"/>
+          </p:nvPr>
+        </p:nvSpPr>
+        <p:spPr/>
+        <p:txBody>
+          <a:bodyPr/>
+          <a:lstStyle/>
+          <a:p>
+            <a:endParaRPr lang="en-US"/>
+          </a:p>
+        </p:txBody>
+      </p:sp>
+      <p:sp>
+        <p:nvSpPr>
+          <p:cNvPr id="4" name="Slide Number Placeholder 3">
+            <a:extLst>
+              <a:ext uri="{FF2B5EF4-FFF2-40B4-BE49-F238E27FC236}">
+                <a16:creationId xmlns:a16="http://schemas.microsoft.com/office/drawing/2014/main" id="{FD77F23C-AF9D-4B1D-99E7-8917F7507543}"/>
+              </a:ext>
+            </a:extLst>
+          </p:cNvPr>
+          <p:cNvSpPr>
+            <a:spLocks noGrp="1"/>
+          </p:cNvSpPr>
+          <p:nvPr>
+            <p:ph type="sldNum" sz="quarter" idx="12"/>
+          </p:nvPr>
+        </p:nvSpPr>
+        <p:spPr/>
+        <p:txBody>
+          <a:bodyPr/>
+          <a:lstStyle/>
+          <a:p>
+            <a:fld id="{4577FE26-ACD1-4964-932B-823877B1C5B5}" type="slidenum">
+              <a:rPr lang="en-US" smtClean="0"/>
+              <a:t>52</a:t>
+            </a:fld>
+            <a:endParaRPr lang="en-US" dirty="0"/>
+          </a:p>
+        </p:txBody>
+      </p:sp>
+      <p:pic>
+        <p:nvPicPr>
+          <p:cNvPr id="5" name="Picture 4">
+            <a:extLst>
+              <a:ext uri="{FF2B5EF4-FFF2-40B4-BE49-F238E27FC236}">
+                <a16:creationId xmlns:a16="http://schemas.microsoft.com/office/drawing/2014/main" id="{504E9329-A887-4738-AB4D-FB827EA1635B}"/>
+              </a:ext>
+            </a:extLst>
+          </p:cNvPr>
+          <p:cNvPicPr>
+            <a:picLocks noChangeAspect="1"/>
+          </p:cNvPicPr>
+          <p:nvPr/>
+        </p:nvPicPr>
+        <p:blipFill>
+          <a:blip r:embed="rId2"/>
+          <a:stretch>
+            <a:fillRect/>
+          </a:stretch>
+        </p:blipFill>
+        <p:spPr>
+          <a:xfrm>
+            <a:off x="1457325" y="209550"/>
+            <a:ext cx="9277350" cy="6438900"/>
+          </a:xfrm>
+          <a:prstGeom prst="rect">
+            <a:avLst/>
+          </a:prstGeom>
+        </p:spPr>
+      </p:pic>
+    </p:spTree>
+    <p:extLst>
+      <p:ext uri="{BB962C8B-B14F-4D97-AF65-F5344CB8AC3E}">
+        <p14:creationId xmlns:p14="http://schemas.microsoft.com/office/powerpoint/2010/main" val="4121795407"/>
+      </p:ext>
+    </p:extLst>
+  </p:cSld>
+  <p:clrMapOvr>
+    <a:masterClrMapping/>
+  </p:clrMapOvr>
+</p:sld>
+</file>
+
+<file path=ppt/slides/slide53.xml><?xml version="1.0" encoding="utf-8"?>
+<p:sld xmlns:a="http://schemas.openxmlformats.org/drawingml/2006/main" xmlns:r="http://schemas.openxmlformats.org/officeDocument/2006/relationships" xmlns:p="http://schemas.openxmlformats.org/presentationml/2006/main">
+  <p:cSld>
+    <p:spTree>
+      <p:nvGrpSpPr>
+        <p:cNvPr id="1" name=""/>
+        <p:cNvGrpSpPr/>
+        <p:nvPr/>
+      </p:nvGrpSpPr>
+      <p:grpSpPr>
+        <a:xfrm>
+          <a:off x="0" y="0"/>
+          <a:ext cx="0" cy="0"/>
+          <a:chOff x="0" y="0"/>
+          <a:chExt cx="0" cy="0"/>
+        </a:xfrm>
+      </p:grpSpPr>
+      <p:sp>
+        <p:nvSpPr>
+          <p:cNvPr id="2" name="Title 1">
+            <a:extLst>
+              <a:ext uri="{FF2B5EF4-FFF2-40B4-BE49-F238E27FC236}">
+                <a16:creationId xmlns:a16="http://schemas.microsoft.com/office/drawing/2014/main" id="{3BABA9E4-9527-41E8-A025-5EFC4FD90960}"/>
+              </a:ext>
+            </a:extLst>
+          </p:cNvPr>
+          <p:cNvSpPr>
+            <a:spLocks noGrp="1"/>
+          </p:cNvSpPr>
+          <p:nvPr>
+            <p:ph type="title"/>
+          </p:nvPr>
+        </p:nvSpPr>
+        <p:spPr/>
+        <p:txBody>
+          <a:bodyPr/>
+          <a:lstStyle/>
+          <a:p>
+            <a:endParaRPr lang="en-US"/>
+          </a:p>
+        </p:txBody>
+      </p:sp>
+      <p:sp>
+        <p:nvSpPr>
+          <p:cNvPr id="3" name="Content Placeholder 2">
+            <a:extLst>
+              <a:ext uri="{FF2B5EF4-FFF2-40B4-BE49-F238E27FC236}">
+                <a16:creationId xmlns:a16="http://schemas.microsoft.com/office/drawing/2014/main" id="{CA8EC59C-3468-4B1D-ABC4-2CA9A4547878}"/>
+              </a:ext>
+            </a:extLst>
+          </p:cNvPr>
+          <p:cNvSpPr>
+            <a:spLocks noGrp="1"/>
+          </p:cNvSpPr>
+          <p:nvPr>
+            <p:ph idx="1"/>
+          </p:nvPr>
+        </p:nvSpPr>
+        <p:spPr/>
+        <p:txBody>
+          <a:bodyPr/>
+          <a:lstStyle/>
+          <a:p>
+            <a:endParaRPr lang="en-US"/>
+          </a:p>
+        </p:txBody>
+      </p:sp>
+      <p:sp>
+        <p:nvSpPr>
+          <p:cNvPr id="4" name="Slide Number Placeholder 3">
+            <a:extLst>
+              <a:ext uri="{FF2B5EF4-FFF2-40B4-BE49-F238E27FC236}">
+                <a16:creationId xmlns:a16="http://schemas.microsoft.com/office/drawing/2014/main" id="{5AFF2177-77F2-405C-8F45-D5CEC8B8E05F}"/>
+              </a:ext>
+            </a:extLst>
+          </p:cNvPr>
+          <p:cNvSpPr>
+            <a:spLocks noGrp="1"/>
+          </p:cNvSpPr>
+          <p:nvPr>
+            <p:ph type="sldNum" sz="quarter" idx="12"/>
+          </p:nvPr>
+        </p:nvSpPr>
+        <p:spPr/>
+        <p:txBody>
+          <a:bodyPr/>
+          <a:lstStyle/>
+          <a:p>
+            <a:fld id="{4577FE26-ACD1-4964-932B-823877B1C5B5}" type="slidenum">
+              <a:rPr lang="en-US" smtClean="0"/>
+              <a:t>53</a:t>
+            </a:fld>
+            <a:endParaRPr lang="en-US" dirty="0"/>
+          </a:p>
+        </p:txBody>
+      </p:sp>
+      <p:pic>
+        <p:nvPicPr>
+          <p:cNvPr id="5" name="Picture 4">
+            <a:extLst>
+              <a:ext uri="{FF2B5EF4-FFF2-40B4-BE49-F238E27FC236}">
+                <a16:creationId xmlns:a16="http://schemas.microsoft.com/office/drawing/2014/main" id="{163FD443-CDAD-4A01-BED1-D3D5154D2047}"/>
+              </a:ext>
+            </a:extLst>
+          </p:cNvPr>
+          <p:cNvPicPr>
+            <a:picLocks noChangeAspect="1"/>
+          </p:cNvPicPr>
+          <p:nvPr/>
+        </p:nvPicPr>
+        <p:blipFill>
+          <a:blip r:embed="rId2"/>
+          <a:stretch>
+            <a:fillRect/>
+          </a:stretch>
+        </p:blipFill>
+        <p:spPr>
+          <a:xfrm>
+            <a:off x="1457325" y="209550"/>
+            <a:ext cx="9277350" cy="6438900"/>
+          </a:xfrm>
+          <a:prstGeom prst="rect">
+            <a:avLst/>
+          </a:prstGeom>
+        </p:spPr>
+      </p:pic>
+    </p:spTree>
+    <p:extLst>
+      <p:ext uri="{BB962C8B-B14F-4D97-AF65-F5344CB8AC3E}">
+        <p14:creationId xmlns:p14="http://schemas.microsoft.com/office/powerpoint/2010/main" val="1721444643"/>
+      </p:ext>
+    </p:extLst>
+  </p:cSld>
+  <p:clrMapOvr>
+    <a:masterClrMapping/>
+  </p:clrMapOvr>
+</p:sld>
+</file>
+
+<file path=ppt/slides/slide54.xml><?xml version="1.0" encoding="utf-8"?>
+<p:sld xmlns:a="http://schemas.openxmlformats.org/drawingml/2006/main" xmlns:r="http://schemas.openxmlformats.org/officeDocument/2006/relationships" xmlns:p="http://schemas.openxmlformats.org/presentationml/2006/main">
+  <p:cSld>
+    <p:spTree>
+      <p:nvGrpSpPr>
+        <p:cNvPr id="1" name=""/>
+        <p:cNvGrpSpPr/>
+        <p:nvPr/>
+      </p:nvGrpSpPr>
+      <p:grpSpPr>
+        <a:xfrm>
+          <a:off x="0" y="0"/>
+          <a:ext cx="0" cy="0"/>
+          <a:chOff x="0" y="0"/>
+          <a:chExt cx="0" cy="0"/>
+        </a:xfrm>
+      </p:grpSpPr>
+      <p:sp>
+        <p:nvSpPr>
+          <p:cNvPr id="2" name="Title 1">
+            <a:extLst>
+              <a:ext uri="{FF2B5EF4-FFF2-40B4-BE49-F238E27FC236}">
+                <a16:creationId xmlns:a16="http://schemas.microsoft.com/office/drawing/2014/main" id="{485737DB-3C6C-4E4C-AA25-D21EB178B26B}"/>
+              </a:ext>
+            </a:extLst>
+          </p:cNvPr>
+          <p:cNvSpPr>
+            <a:spLocks noGrp="1"/>
+          </p:cNvSpPr>
+          <p:nvPr>
+            <p:ph type="title"/>
+          </p:nvPr>
+        </p:nvSpPr>
+        <p:spPr/>
+        <p:txBody>
+          <a:bodyPr/>
+          <a:lstStyle/>
+          <a:p>
+            <a:endParaRPr lang="en-US"/>
+          </a:p>
+        </p:txBody>
+      </p:sp>
+      <p:sp>
+        <p:nvSpPr>
+          <p:cNvPr id="3" name="Content Placeholder 2">
+            <a:extLst>
+              <a:ext uri="{FF2B5EF4-FFF2-40B4-BE49-F238E27FC236}">
+                <a16:creationId xmlns:a16="http://schemas.microsoft.com/office/drawing/2014/main" id="{16768276-FA52-4D84-8850-2F082B6DD11B}"/>
+              </a:ext>
+            </a:extLst>
+          </p:cNvPr>
+          <p:cNvSpPr>
+            <a:spLocks noGrp="1"/>
+          </p:cNvSpPr>
+          <p:nvPr>
+            <p:ph idx="1"/>
+          </p:nvPr>
+        </p:nvSpPr>
+        <p:spPr/>
+        <p:txBody>
+          <a:bodyPr/>
+          <a:lstStyle/>
+          <a:p>
+            <a:endParaRPr lang="en-US"/>
+          </a:p>
+        </p:txBody>
+      </p:sp>
+      <p:sp>
+        <p:nvSpPr>
+          <p:cNvPr id="4" name="Slide Number Placeholder 3">
+            <a:extLst>
+              <a:ext uri="{FF2B5EF4-FFF2-40B4-BE49-F238E27FC236}">
+                <a16:creationId xmlns:a16="http://schemas.microsoft.com/office/drawing/2014/main" id="{A9D72B33-89E4-48EE-97E5-B81FAD043408}"/>
+              </a:ext>
+            </a:extLst>
+          </p:cNvPr>
+          <p:cNvSpPr>
+            <a:spLocks noGrp="1"/>
+          </p:cNvSpPr>
+          <p:nvPr>
+            <p:ph type="sldNum" sz="quarter" idx="12"/>
+          </p:nvPr>
+        </p:nvSpPr>
+        <p:spPr/>
+        <p:txBody>
+          <a:bodyPr/>
+          <a:lstStyle/>
+          <a:p>
+            <a:fld id="{4577FE26-ACD1-4964-932B-823877B1C5B5}" type="slidenum">
+              <a:rPr lang="en-US" smtClean="0"/>
+              <a:t>54</a:t>
+            </a:fld>
+            <a:endParaRPr lang="en-US" dirty="0"/>
+          </a:p>
+        </p:txBody>
+      </p:sp>
+    </p:spTree>
+    <p:extLst>
+      <p:ext uri="{BB962C8B-B14F-4D97-AF65-F5344CB8AC3E}">
+        <p14:creationId xmlns:p14="http://schemas.microsoft.com/office/powerpoint/2010/main" val="4090565989"/>
+      </p:ext>
+    </p:extLst>
+  </p:cSld>
+  <p:clrMapOvr>
+    <a:masterClrMapping/>
+  </p:clrMapOvr>
+</p:sld>
+</file>
+
+<file path=ppt/slides/slide55.xml><?xml version="1.0" encoding="utf-8"?>
+<p:sld xmlns:a="http://schemas.openxmlformats.org/drawingml/2006/main" xmlns:r="http://schemas.openxmlformats.org/officeDocument/2006/relationships" xmlns:p="http://schemas.openxmlformats.org/presentationml/2006/main">
+  <p:cSld>
+    <p:spTree>
+      <p:nvGrpSpPr>
+        <p:cNvPr id="1" name=""/>
+        <p:cNvGrpSpPr/>
+        <p:nvPr/>
+      </p:nvGrpSpPr>
+      <p:grpSpPr>
+        <a:xfrm>
+          <a:off x="0" y="0"/>
+          <a:ext cx="0" cy="0"/>
+          <a:chOff x="0" y="0"/>
+          <a:chExt cx="0" cy="0"/>
+        </a:xfrm>
+      </p:grpSpPr>
+      <p:sp>
+        <p:nvSpPr>
+          <p:cNvPr id="2" name="Title 1">
+            <a:extLst>
+              <a:ext uri="{FF2B5EF4-FFF2-40B4-BE49-F238E27FC236}">
+                <a16:creationId xmlns:a16="http://schemas.microsoft.com/office/drawing/2014/main" id="{CC687AF8-9876-4EA8-A938-2658F4CE595A}"/>
+              </a:ext>
+            </a:extLst>
+          </p:cNvPr>
+          <p:cNvSpPr>
+            <a:spLocks noGrp="1"/>
+          </p:cNvSpPr>
+          <p:nvPr>
+            <p:ph type="title"/>
+          </p:nvPr>
+        </p:nvSpPr>
+        <p:spPr/>
+        <p:txBody>
+          <a:bodyPr/>
+          <a:lstStyle/>
+          <a:p>
+            <a:endParaRPr lang="en-US"/>
+          </a:p>
+        </p:txBody>
+      </p:sp>
+      <p:sp>
+        <p:nvSpPr>
+          <p:cNvPr id="3" name="Content Placeholder 2">
+            <a:extLst>
+              <a:ext uri="{FF2B5EF4-FFF2-40B4-BE49-F238E27FC236}">
+                <a16:creationId xmlns:a16="http://schemas.microsoft.com/office/drawing/2014/main" id="{6965D4CF-8AEE-400A-9A23-9AB1C59F8244}"/>
+              </a:ext>
+            </a:extLst>
+          </p:cNvPr>
+          <p:cNvSpPr>
+            <a:spLocks noGrp="1"/>
+          </p:cNvSpPr>
+          <p:nvPr>
+            <p:ph idx="1"/>
+          </p:nvPr>
+        </p:nvSpPr>
+        <p:spPr/>
+        <p:txBody>
+          <a:bodyPr/>
+          <a:lstStyle/>
+          <a:p>
+            <a:endParaRPr lang="en-US"/>
+          </a:p>
+        </p:txBody>
+      </p:sp>
+      <p:sp>
+        <p:nvSpPr>
+          <p:cNvPr id="4" name="Slide Number Placeholder 3">
+            <a:extLst>
+              <a:ext uri="{FF2B5EF4-FFF2-40B4-BE49-F238E27FC236}">
+                <a16:creationId xmlns:a16="http://schemas.microsoft.com/office/drawing/2014/main" id="{19128DA2-11DA-4A70-9858-FDCE2796943A}"/>
+              </a:ext>
+            </a:extLst>
+          </p:cNvPr>
+          <p:cNvSpPr>
+            <a:spLocks noGrp="1"/>
+          </p:cNvSpPr>
+          <p:nvPr>
+            <p:ph type="sldNum" sz="quarter" idx="12"/>
+          </p:nvPr>
+        </p:nvSpPr>
+        <p:spPr/>
+        <p:txBody>
+          <a:bodyPr/>
+          <a:lstStyle/>
+          <a:p>
+            <a:fld id="{4577FE26-ACD1-4964-932B-823877B1C5B5}" type="slidenum">
+              <a:rPr lang="en-US" smtClean="0"/>
+              <a:t>55</a:t>
+            </a:fld>
+            <a:endParaRPr lang="en-US" dirty="0"/>
+          </a:p>
+        </p:txBody>
+      </p:sp>
+    </p:spTree>
+    <p:extLst>
+      <p:ext uri="{BB962C8B-B14F-4D97-AF65-F5344CB8AC3E}">
+        <p14:creationId xmlns:p14="http://schemas.microsoft.com/office/powerpoint/2010/main" val="1541748454"/>
+      </p:ext>
+    </p:extLst>
+  </p:cSld>
+  <p:clrMapOvr>
+    <a:masterClrMapping/>
+  </p:clrMapOvr>
+</p:sld>
+</file>
+
+<file path=ppt/slides/slide56.xml><?xml version="1.0" encoding="utf-8"?>
+<p:sld xmlns:a="http://schemas.openxmlformats.org/drawingml/2006/main" xmlns:r="http://schemas.openxmlformats.org/officeDocument/2006/relationships" xmlns:p="http://schemas.openxmlformats.org/presentationml/2006/main">
+  <p:cSld>
+    <p:spTree>
+      <p:nvGrpSpPr>
+        <p:cNvPr id="1" name=""/>
+        <p:cNvGrpSpPr/>
+        <p:nvPr/>
+      </p:nvGrpSpPr>
+      <p:grpSpPr>
+        <a:xfrm>
+          <a:off x="0" y="0"/>
+          <a:ext cx="0" cy="0"/>
+          <a:chOff x="0" y="0"/>
+          <a:chExt cx="0" cy="0"/>
+        </a:xfrm>
+      </p:grpSpPr>
+      <p:sp>
+        <p:nvSpPr>
+          <p:cNvPr id="2" name="Title 1">
+            <a:extLst>
+              <a:ext uri="{FF2B5EF4-FFF2-40B4-BE49-F238E27FC236}">
                 <a16:creationId xmlns:a16="http://schemas.microsoft.com/office/drawing/2014/main" id="{42F4288C-55DC-40DC-81E0-6C6BF2F62544}"/>
               </a:ext>
             </a:extLst>
@@ -28997,7 +32944,7 @@
           <a:p>
             <a:r>
               <a:rPr lang="en-US" dirty="0"/>
-              <a:t>Exercise</a:t>
+              <a:t>Exercise 2</a:t>
             </a:r>
           </a:p>
         </p:txBody>
@@ -29061,7 +33008,7 @@
           <a:p>
             <a:fld id="{4577FE26-ACD1-4964-932B-823877B1C5B5}" type="slidenum">
               <a:rPr lang="en-US" smtClean="0"/>
-              <a:t>41</a:t>
+              <a:t>56</a:t>
             </a:fld>
             <a:endParaRPr lang="en-US" dirty="0"/>
           </a:p>
@@ -29240,7 +33187,7 @@
 </p:sld>
 </file>
 
-<file path=ppt/slides/slide42.xml><?xml version="1.0" encoding="utf-8"?>
+<file path=ppt/slides/slide57.xml><?xml version="1.0" encoding="utf-8"?>
 <p:sld xmlns:a="http://schemas.openxmlformats.org/drawingml/2006/main" xmlns:r="http://schemas.openxmlformats.org/officeDocument/2006/relationships" xmlns:p="http://schemas.openxmlformats.org/presentationml/2006/main">
   <p:cSld>
     <p:spTree>
@@ -29280,7 +33227,7 @@
           <a:p>
             <a:r>
               <a:rPr lang="en-US" dirty="0"/>
-              <a:t>Exercise</a:t>
+              <a:t>Exercise 2</a:t>
             </a:r>
           </a:p>
         </p:txBody>
@@ -29344,7 +33291,7 @@
           <a:p>
             <a:fld id="{4577FE26-ACD1-4964-932B-823877B1C5B5}" type="slidenum">
               <a:rPr lang="en-US" smtClean="0"/>
-              <a:t>42</a:t>
+              <a:t>57</a:t>
             </a:fld>
             <a:endParaRPr lang="en-US" dirty="0"/>
           </a:p>
@@ -29445,7 +33392,7 @@
 </p:sld>
 </file>
 
-<file path=ppt/slides/slide43.xml><?xml version="1.0" encoding="utf-8"?>
+<file path=ppt/slides/slide58.xml><?xml version="1.0" encoding="utf-8"?>
 <p:sld xmlns:a="http://schemas.openxmlformats.org/drawingml/2006/main" xmlns:r="http://schemas.openxmlformats.org/officeDocument/2006/relationships" xmlns:p="http://schemas.openxmlformats.org/presentationml/2006/main">
   <p:cSld>
     <p:spTree>
@@ -29485,7 +33432,7 @@
           <a:p>
             <a:r>
               <a:rPr lang="en-US" dirty="0"/>
-              <a:t>Exercise</a:t>
+              <a:t>Exercise 2</a:t>
             </a:r>
           </a:p>
         </p:txBody>
@@ -29549,7 +33496,7 @@
           <a:p>
             <a:fld id="{4577FE26-ACD1-4964-932B-823877B1C5B5}" type="slidenum">
               <a:rPr lang="en-US" smtClean="0"/>
-              <a:t>43</a:t>
+              <a:t>58</a:t>
             </a:fld>
             <a:endParaRPr lang="en-US" dirty="0"/>
           </a:p>
@@ -29723,7 +33670,7 @@
 </p:sld>
 </file>
 
-<file path=ppt/slides/slide44.xml><?xml version="1.0" encoding="utf-8"?>
+<file path=ppt/slides/slide59.xml><?xml version="1.0" encoding="utf-8"?>
 <p:sld xmlns:a="http://schemas.openxmlformats.org/drawingml/2006/main" xmlns:r="http://schemas.openxmlformats.org/officeDocument/2006/relationships" xmlns:p="http://schemas.openxmlformats.org/presentationml/2006/main">
   <p:cSld>
     <p:spTree>
@@ -29763,7 +33710,7 @@
           <a:p>
             <a:r>
               <a:rPr lang="en-US" dirty="0"/>
-              <a:t>Exercise</a:t>
+              <a:t>Exercise 2</a:t>
             </a:r>
           </a:p>
         </p:txBody>
@@ -29827,7 +33774,7 @@
           <a:p>
             <a:fld id="{4577FE26-ACD1-4964-932B-823877B1C5B5}" type="slidenum">
               <a:rPr lang="en-US" smtClean="0"/>
-              <a:t>44</a:t>
+              <a:t>59</a:t>
             </a:fld>
             <a:endParaRPr lang="en-US" dirty="0"/>
           </a:p>
@@ -29949,7 +33896,111 @@
 </p:sld>
 </file>
 
-<file path=ppt/slides/slide45.xml><?xml version="1.0" encoding="utf-8"?>
+<file path=ppt/slides/slide6.xml><?xml version="1.0" encoding="utf-8"?>
+<p:sld xmlns:a="http://schemas.openxmlformats.org/drawingml/2006/main" xmlns:r="http://schemas.openxmlformats.org/officeDocument/2006/relationships" xmlns:p="http://schemas.openxmlformats.org/presentationml/2006/main">
+  <p:cSld>
+    <p:spTree>
+      <p:nvGrpSpPr>
+        <p:cNvPr id="1" name=""/>
+        <p:cNvGrpSpPr/>
+        <p:nvPr/>
+      </p:nvGrpSpPr>
+      <p:grpSpPr>
+        <a:xfrm>
+          <a:off x="0" y="0"/>
+          <a:ext cx="0" cy="0"/>
+          <a:chOff x="0" y="0"/>
+          <a:chExt cx="0" cy="0"/>
+        </a:xfrm>
+      </p:grpSpPr>
+      <p:sp>
+        <p:nvSpPr>
+          <p:cNvPr id="2" name="Title 1"/>
+          <p:cNvSpPr>
+            <a:spLocks noGrp="1"/>
+          </p:cNvSpPr>
+          <p:nvPr>
+            <p:ph type="title"/>
+          </p:nvPr>
+        </p:nvSpPr>
+        <p:spPr/>
+        <p:txBody>
+          <a:bodyPr/>
+          <a:lstStyle/>
+          <a:p>
+            <a:r>
+              <a:rPr lang="en-US" dirty="0"/>
+              <a:t>Version Control</a:t>
+            </a:r>
+          </a:p>
+        </p:txBody>
+      </p:sp>
+      <p:sp>
+        <p:nvSpPr>
+          <p:cNvPr id="3" name="Content Placeholder 2"/>
+          <p:cNvSpPr>
+            <a:spLocks noGrp="1"/>
+          </p:cNvSpPr>
+          <p:nvPr>
+            <p:ph idx="1"/>
+          </p:nvPr>
+        </p:nvSpPr>
+        <p:spPr/>
+        <p:txBody>
+          <a:bodyPr/>
+          <a:lstStyle/>
+          <a:p>
+            <a:r>
+              <a:rPr lang="en-US" dirty="0"/>
+              <a:t>We’ll focus on git in the context of a sole developer</a:t>
+            </a:r>
+          </a:p>
+          <a:p>
+            <a:pPr lvl="1"/>
+            <a:r>
+              <a:rPr lang="en-US" dirty="0"/>
+              <a:t>… and Github as a portfolio repository</a:t>
+            </a:r>
+          </a:p>
+        </p:txBody>
+      </p:sp>
+      <p:sp>
+        <p:nvSpPr>
+          <p:cNvPr id="4" name="Slide Number Placeholder 3"/>
+          <p:cNvSpPr>
+            <a:spLocks noGrp="1"/>
+          </p:cNvSpPr>
+          <p:nvPr>
+            <p:ph type="sldNum" sz="quarter" idx="12"/>
+          </p:nvPr>
+        </p:nvSpPr>
+        <p:spPr/>
+        <p:txBody>
+          <a:bodyPr/>
+          <a:lstStyle/>
+          <a:p>
+            <a:fld id="{4577FE26-ACD1-4964-932B-823877B1C5B5}" type="slidenum">
+              <a:rPr lang="en-US" smtClean="0"/>
+              <a:t>6</a:t>
+            </a:fld>
+            <a:endParaRPr lang="en-US" dirty="0"/>
+          </a:p>
+        </p:txBody>
+      </p:sp>
+    </p:spTree>
+    <p:extLst>
+      <p:ext uri="{BB962C8B-B14F-4D97-AF65-F5344CB8AC3E}">
+        <p14:creationId xmlns:p14="http://schemas.microsoft.com/office/powerpoint/2010/main" val="750889777"/>
+      </p:ext>
+    </p:extLst>
+  </p:cSld>
+  <p:clrMapOvr>
+    <a:masterClrMapping/>
+  </p:clrMapOvr>
+</p:sld>
+</file>
+
+<file path=ppt/slides/slide60.xml><?xml version="1.0" encoding="utf-8"?>
 <p:sld xmlns:a="http://schemas.openxmlformats.org/drawingml/2006/main" xmlns:r="http://schemas.openxmlformats.org/officeDocument/2006/relationships" xmlns:p="http://schemas.openxmlformats.org/presentationml/2006/main">
   <p:cSld>
     <p:spTree>
@@ -29989,7 +34040,7 @@
           <a:p>
             <a:r>
               <a:rPr lang="en-US" dirty="0"/>
-              <a:t>Exercise</a:t>
+              <a:t>Exercise 2</a:t>
             </a:r>
           </a:p>
         </p:txBody>
@@ -30050,7 +34101,7 @@
           <a:p>
             <a:fld id="{4577FE26-ACD1-4964-932B-823877B1C5B5}" type="slidenum">
               <a:rPr lang="en-US" smtClean="0"/>
-              <a:t>45</a:t>
+              <a:t>60</a:t>
             </a:fld>
             <a:endParaRPr lang="en-US" dirty="0"/>
           </a:p>
@@ -30099,7 +34150,7 @@
 </p:sld>
 </file>
 
-<file path=ppt/slides/slide46.xml><?xml version="1.0" encoding="utf-8"?>
+<file path=ppt/slides/slide61.xml><?xml version="1.0" encoding="utf-8"?>
 <p:sld xmlns:a="http://schemas.openxmlformats.org/drawingml/2006/main" xmlns:r="http://schemas.openxmlformats.org/officeDocument/2006/relationships" xmlns:p="http://schemas.openxmlformats.org/presentationml/2006/main">
   <p:cSld>
     <p:spTree>
@@ -30139,7 +34190,7 @@
           <a:p>
             <a:r>
               <a:rPr lang="en-US" dirty="0"/>
-              <a:t>Exercise</a:t>
+              <a:t>Exercise 2</a:t>
             </a:r>
           </a:p>
         </p:txBody>
@@ -30200,7 +34251,7 @@
           <a:p>
             <a:fld id="{4577FE26-ACD1-4964-932B-823877B1C5B5}" type="slidenum">
               <a:rPr lang="en-US" smtClean="0"/>
-              <a:t>46</a:t>
+              <a:t>61</a:t>
             </a:fld>
             <a:endParaRPr lang="en-US" dirty="0"/>
           </a:p>
@@ -30301,7 +34352,7 @@
 </p:sld>
 </file>
 
-<file path=ppt/slides/slide47.xml><?xml version="1.0" encoding="utf-8"?>
+<file path=ppt/slides/slide62.xml><?xml version="1.0" encoding="utf-8"?>
 <p:sld xmlns:a="http://schemas.openxmlformats.org/drawingml/2006/main" xmlns:r="http://schemas.openxmlformats.org/officeDocument/2006/relationships" xmlns:p="http://schemas.openxmlformats.org/presentationml/2006/main">
   <p:cSld>
     <p:spTree>
@@ -30341,7 +34392,7 @@
           <a:p>
             <a:r>
               <a:rPr lang="en-US" dirty="0"/>
-              <a:t>Exercise</a:t>
+              <a:t>Exercise 2</a:t>
             </a:r>
           </a:p>
         </p:txBody>
@@ -30402,7 +34453,7 @@
           <a:p>
             <a:fld id="{4577FE26-ACD1-4964-932B-823877B1C5B5}" type="slidenum">
               <a:rPr lang="en-US" smtClean="0"/>
-              <a:t>47</a:t>
+              <a:t>62</a:t>
             </a:fld>
             <a:endParaRPr lang="en-US" dirty="0"/>
           </a:p>
@@ -30680,7 +34731,7 @@
 </p:sld>
 </file>
 
-<file path=ppt/slides/slide48.xml><?xml version="1.0" encoding="utf-8"?>
+<file path=ppt/slides/slide63.xml><?xml version="1.0" encoding="utf-8"?>
 <p:sld xmlns:a="http://schemas.openxmlformats.org/drawingml/2006/main" xmlns:r="http://schemas.openxmlformats.org/officeDocument/2006/relationships" xmlns:p="http://schemas.openxmlformats.org/presentationml/2006/main">
   <p:cSld>
     <p:spTree>
@@ -30720,7 +34771,7 @@
           <a:p>
             <a:r>
               <a:rPr lang="en-US" dirty="0"/>
-              <a:t>Exercise</a:t>
+              <a:t>Exercise 2</a:t>
             </a:r>
           </a:p>
         </p:txBody>
@@ -30781,7 +34832,7 @@
           <a:p>
             <a:fld id="{4577FE26-ACD1-4964-932B-823877B1C5B5}" type="slidenum">
               <a:rPr lang="en-US" smtClean="0"/>
-              <a:t>48</a:t>
+              <a:t>63</a:t>
             </a:fld>
             <a:endParaRPr lang="en-US" dirty="0"/>
           </a:p>
@@ -30905,7 +34956,7 @@
 </p:sld>
 </file>
 
-<file path=ppt/slides/slide49.xml><?xml version="1.0" encoding="utf-8"?>
+<file path=ppt/slides/slide64.xml><?xml version="1.0" encoding="utf-8"?>
 <p:sld xmlns:a="http://schemas.openxmlformats.org/drawingml/2006/main" xmlns:r="http://schemas.openxmlformats.org/officeDocument/2006/relationships" xmlns:p="http://schemas.openxmlformats.org/presentationml/2006/main">
   <p:cSld>
     <p:spTree>
@@ -30945,7 +34996,7 @@
           <a:p>
             <a:r>
               <a:rPr lang="en-US" dirty="0"/>
-              <a:t>Exercise</a:t>
+              <a:t>Exercise 2</a:t>
             </a:r>
           </a:p>
         </p:txBody>
@@ -31029,7 +35080,7 @@
           <a:p>
             <a:fld id="{4577FE26-ACD1-4964-932B-823877B1C5B5}" type="slidenum">
               <a:rPr lang="en-US" smtClean="0"/>
-              <a:t>49</a:t>
+              <a:t>64</a:t>
             </a:fld>
             <a:endParaRPr lang="en-US" dirty="0"/>
           </a:p>
@@ -31039,656 +35090,6 @@
     <p:extLst>
       <p:ext uri="{BB962C8B-B14F-4D97-AF65-F5344CB8AC3E}">
         <p14:creationId xmlns:p14="http://schemas.microsoft.com/office/powerpoint/2010/main" val="513939734"/>
-      </p:ext>
-    </p:extLst>
-  </p:cSld>
-  <p:clrMapOvr>
-    <a:masterClrMapping/>
-  </p:clrMapOvr>
-</p:sld>
-</file>
-
-<file path=ppt/slides/slide5.xml><?xml version="1.0" encoding="utf-8"?>
-<p:sld xmlns:a="http://schemas.openxmlformats.org/drawingml/2006/main" xmlns:r="http://schemas.openxmlformats.org/officeDocument/2006/relationships" xmlns:p="http://schemas.openxmlformats.org/presentationml/2006/main">
-  <p:cSld>
-    <p:spTree>
-      <p:nvGrpSpPr>
-        <p:cNvPr id="1" name=""/>
-        <p:cNvGrpSpPr/>
-        <p:nvPr/>
-      </p:nvGrpSpPr>
-      <p:grpSpPr>
-        <a:xfrm>
-          <a:off x="0" y="0"/>
-          <a:ext cx="0" cy="0"/>
-          <a:chOff x="0" y="0"/>
-          <a:chExt cx="0" cy="0"/>
-        </a:xfrm>
-      </p:grpSpPr>
-      <p:sp>
-        <p:nvSpPr>
-          <p:cNvPr id="2" name="Title 1"/>
-          <p:cNvSpPr>
-            <a:spLocks noGrp="1"/>
-          </p:cNvSpPr>
-          <p:nvPr>
-            <p:ph type="title"/>
-          </p:nvPr>
-        </p:nvSpPr>
-        <p:spPr/>
-        <p:txBody>
-          <a:bodyPr/>
-          <a:lstStyle/>
-          <a:p>
-            <a:r>
-              <a:rPr lang="en-US" dirty="0"/>
-              <a:t>Version Control</a:t>
-            </a:r>
-          </a:p>
-        </p:txBody>
-      </p:sp>
-      <p:sp>
-        <p:nvSpPr>
-          <p:cNvPr id="3" name="Content Placeholder 2"/>
-          <p:cNvSpPr>
-            <a:spLocks noGrp="1"/>
-          </p:cNvSpPr>
-          <p:nvPr>
-            <p:ph idx="1"/>
-          </p:nvPr>
-        </p:nvSpPr>
-        <p:spPr>
-          <a:xfrm>
-            <a:off x="1219200" y="1013254"/>
-            <a:ext cx="10363200" cy="5112909"/>
-          </a:xfrm>
-        </p:spPr>
-        <p:txBody>
-          <a:bodyPr/>
-          <a:lstStyle/>
-          <a:p>
-            <a:pPr>
-              <a:spcBef>
-                <a:spcPts val="0"/>
-              </a:spcBef>
-            </a:pPr>
-            <a:r>
-              <a:rPr lang="en-US" dirty="0"/>
-              <a:t>Collaboration</a:t>
-            </a:r>
-          </a:p>
-          <a:p>
-            <a:pPr lvl="1">
-              <a:spcBef>
-                <a:spcPts val="0"/>
-              </a:spcBef>
-            </a:pPr>
-            <a:r>
-              <a:rPr lang="en-US" dirty="0"/>
-              <a:t>Multiple people cannot edit software simultaneously</a:t>
-            </a:r>
-          </a:p>
-        </p:txBody>
-      </p:sp>
-      <p:sp>
-        <p:nvSpPr>
-          <p:cNvPr id="4" name="Slide Number Placeholder 3"/>
-          <p:cNvSpPr>
-            <a:spLocks noGrp="1"/>
-          </p:cNvSpPr>
-          <p:nvPr>
-            <p:ph type="sldNum" sz="quarter" idx="12"/>
-          </p:nvPr>
-        </p:nvSpPr>
-        <p:spPr/>
-        <p:txBody>
-          <a:bodyPr/>
-          <a:lstStyle/>
-          <a:p>
-            <a:fld id="{4577FE26-ACD1-4964-932B-823877B1C5B5}" type="slidenum">
-              <a:rPr lang="en-US" smtClean="0"/>
-              <a:t>5</a:t>
-            </a:fld>
-            <a:endParaRPr lang="en-US" dirty="0"/>
-          </a:p>
-        </p:txBody>
-      </p:sp>
-      <p:pic>
-        <p:nvPicPr>
-          <p:cNvPr id="46" name="Picture 45" descr="ClamCase ClamBook &lt;strong&gt;Laptop&lt;/strong&gt; Dock for iPhone and Android Phone"/>
-          <p:cNvPicPr>
-            <a:picLocks noChangeAspect="1"/>
-          </p:cNvPicPr>
-          <p:nvPr/>
-        </p:nvPicPr>
-        <p:blipFill>
-          <a:blip r:embed="rId2" cstate="print">
-            <a:extLst>
-              <a:ext uri="{28A0092B-C50C-407E-A947-70E740481C1C}">
-                <a14:useLocalDpi xmlns:a14="http://schemas.microsoft.com/office/drawing/2010/main" val="0"/>
-              </a:ext>
-            </a:extLst>
-          </a:blip>
-          <a:stretch>
-            <a:fillRect/>
-          </a:stretch>
-        </p:blipFill>
-        <p:spPr>
-          <a:xfrm>
-            <a:off x="8892959" y="2993574"/>
-            <a:ext cx="1920447" cy="1152268"/>
-          </a:xfrm>
-          <a:prstGeom prst="rect">
-            <a:avLst/>
-          </a:prstGeom>
-        </p:spPr>
-      </p:pic>
-      <p:pic>
-        <p:nvPicPr>
-          <p:cNvPr id="47" name="Picture 46" descr="Publicado por ROSITA Y DANNY en 21:50"/>
-          <p:cNvPicPr>
-            <a:picLocks noChangeAspect="1"/>
-          </p:cNvPicPr>
-          <p:nvPr/>
-        </p:nvPicPr>
-        <p:blipFill rotWithShape="1">
-          <a:blip r:embed="rId3" cstate="print">
-            <a:extLst>
-              <a:ext uri="{28A0092B-C50C-407E-A947-70E740481C1C}">
-                <a14:useLocalDpi xmlns:a14="http://schemas.microsoft.com/office/drawing/2010/main" val="0"/>
-              </a:ext>
-            </a:extLst>
-          </a:blip>
-          <a:srcRect l="13583" t="4896" r="7375" b="19808"/>
-          <a:stretch/>
-        </p:blipFill>
-        <p:spPr>
-          <a:xfrm>
-            <a:off x="1194486" y="2841128"/>
-            <a:ext cx="2207740" cy="1457161"/>
-          </a:xfrm>
-          <a:prstGeom prst="rect">
-            <a:avLst/>
-          </a:prstGeom>
-        </p:spPr>
-      </p:pic>
-      <p:pic>
-        <p:nvPicPr>
-          <p:cNvPr id="49" name="Picture 48" descr="File:BCDS &lt;strong&gt;Laptop&lt;/strong&gt;.JPG - Wikipedia, the free encyclopedia"/>
-          <p:cNvPicPr>
-            <a:picLocks noChangeAspect="1"/>
-          </p:cNvPicPr>
-          <p:nvPr/>
-        </p:nvPicPr>
-        <p:blipFill rotWithShape="1">
-          <a:blip r:embed="rId4" cstate="print">
-            <a:extLst>
-              <a:ext uri="{28A0092B-C50C-407E-A947-70E740481C1C}">
-                <a14:useLocalDpi xmlns:a14="http://schemas.microsoft.com/office/drawing/2010/main" val="0"/>
-              </a:ext>
-            </a:extLst>
-          </a:blip>
-          <a:srcRect l="18778" b="29794"/>
-          <a:stretch/>
-        </p:blipFill>
-        <p:spPr>
-          <a:xfrm>
-            <a:off x="5127215" y="5258874"/>
-            <a:ext cx="2422915" cy="1396201"/>
-          </a:xfrm>
-          <a:prstGeom prst="rect">
-            <a:avLst/>
-          </a:prstGeom>
-        </p:spPr>
-      </p:pic>
-      <p:pic>
-        <p:nvPicPr>
-          <p:cNvPr id="51" name="Picture 50"/>
-          <p:cNvPicPr>
-            <a:picLocks noChangeAspect="1"/>
-          </p:cNvPicPr>
-          <p:nvPr/>
-        </p:nvPicPr>
-        <p:blipFill>
-          <a:blip r:embed="rId5"/>
-          <a:stretch>
-            <a:fillRect/>
-          </a:stretch>
-        </p:blipFill>
-        <p:spPr>
-          <a:xfrm>
-            <a:off x="4553378" y="2071077"/>
-            <a:ext cx="3570588" cy="2997262"/>
-          </a:xfrm>
-          <a:prstGeom prst="rect">
-            <a:avLst/>
-          </a:prstGeom>
-        </p:spPr>
-      </p:pic>
-      <p:cxnSp>
-        <p:nvCxnSpPr>
-          <p:cNvPr id="53" name="Straight Arrow Connector 52"/>
-          <p:cNvCxnSpPr>
-            <a:stCxn id="47" idx="3"/>
-            <a:endCxn id="51" idx="1"/>
-          </p:cNvCxnSpPr>
-          <p:nvPr/>
-        </p:nvCxnSpPr>
-        <p:spPr>
-          <a:xfrm flipV="1">
-            <a:off x="3402226" y="3569708"/>
-            <a:ext cx="1151152" cy="1"/>
-          </a:xfrm>
-          <a:prstGeom prst="straightConnector1">
-            <a:avLst/>
-          </a:prstGeom>
-          <a:ln>
-            <a:solidFill>
-              <a:srgbClr val="FF0000"/>
-            </a:solidFill>
-            <a:headEnd type="triangle" w="med" len="med"/>
-            <a:tailEnd type="triangle" w="med" len="med"/>
-          </a:ln>
-        </p:spPr>
-        <p:style>
-          <a:lnRef idx="1">
-            <a:schemeClr val="accent1"/>
-          </a:lnRef>
-          <a:fillRef idx="0">
-            <a:schemeClr val="accent1"/>
-          </a:fillRef>
-          <a:effectRef idx="0">
-            <a:schemeClr val="accent1"/>
-          </a:effectRef>
-          <a:fontRef idx="minor">
-            <a:schemeClr val="tx1"/>
-          </a:fontRef>
-        </p:style>
-      </p:cxnSp>
-      <p:cxnSp>
-        <p:nvCxnSpPr>
-          <p:cNvPr id="54" name="Straight Arrow Connector 53"/>
-          <p:cNvCxnSpPr>
-            <a:stCxn id="49" idx="0"/>
-            <a:endCxn id="51" idx="2"/>
-          </p:cNvCxnSpPr>
-          <p:nvPr/>
-        </p:nvCxnSpPr>
-        <p:spPr>
-          <a:xfrm flipH="1" flipV="1">
-            <a:off x="6338672" y="5068339"/>
-            <a:ext cx="1" cy="190535"/>
-          </a:xfrm>
-          <a:prstGeom prst="straightConnector1">
-            <a:avLst/>
-          </a:prstGeom>
-          <a:ln>
-            <a:solidFill>
-              <a:srgbClr val="FF0000"/>
-            </a:solidFill>
-            <a:headEnd type="triangle" w="med" len="med"/>
-            <a:tailEnd type="triangle" w="med" len="med"/>
-          </a:ln>
-        </p:spPr>
-        <p:style>
-          <a:lnRef idx="1">
-            <a:schemeClr val="accent1"/>
-          </a:lnRef>
-          <a:fillRef idx="0">
-            <a:schemeClr val="accent1"/>
-          </a:fillRef>
-          <a:effectRef idx="0">
-            <a:schemeClr val="accent1"/>
-          </a:effectRef>
-          <a:fontRef idx="minor">
-            <a:schemeClr val="tx1"/>
-          </a:fontRef>
-        </p:style>
-      </p:cxnSp>
-      <p:cxnSp>
-        <p:nvCxnSpPr>
-          <p:cNvPr id="55" name="Straight Arrow Connector 54"/>
-          <p:cNvCxnSpPr>
-            <a:stCxn id="51" idx="3"/>
-            <a:endCxn id="46" idx="1"/>
-          </p:cNvCxnSpPr>
-          <p:nvPr/>
-        </p:nvCxnSpPr>
-        <p:spPr>
-          <a:xfrm>
-            <a:off x="8123966" y="3569708"/>
-            <a:ext cx="768993" cy="0"/>
-          </a:xfrm>
-          <a:prstGeom prst="straightConnector1">
-            <a:avLst/>
-          </a:prstGeom>
-          <a:ln>
-            <a:solidFill>
-              <a:srgbClr val="FF0000"/>
-            </a:solidFill>
-            <a:headEnd type="triangle" w="med" len="med"/>
-            <a:tailEnd type="triangle" w="med" len="med"/>
-          </a:ln>
-        </p:spPr>
-        <p:style>
-          <a:lnRef idx="1">
-            <a:schemeClr val="accent1"/>
-          </a:lnRef>
-          <a:fillRef idx="0">
-            <a:schemeClr val="accent1"/>
-          </a:fillRef>
-          <a:effectRef idx="0">
-            <a:schemeClr val="accent1"/>
-          </a:effectRef>
-          <a:fontRef idx="minor">
-            <a:schemeClr val="tx1"/>
-          </a:fontRef>
-        </p:style>
-      </p:cxnSp>
-      <p:sp>
-        <p:nvSpPr>
-          <p:cNvPr id="60" name="TextBox 59"/>
-          <p:cNvSpPr txBox="1"/>
-          <p:nvPr/>
-        </p:nvSpPr>
-        <p:spPr>
-          <a:xfrm rot="19590095">
-            <a:off x="4608061" y="2437729"/>
-            <a:ext cx="1954381" cy="646331"/>
-          </a:xfrm>
-          <a:prstGeom prst="rect">
-            <a:avLst/>
-          </a:prstGeom>
-          <a:solidFill>
-            <a:srgbClr val="FFFFFF">
-              <a:alpha val="60000"/>
-            </a:srgbClr>
-          </a:solidFill>
-        </p:spPr>
-        <p:txBody>
-          <a:bodyPr wrap="none" rtlCol="0">
-            <a:spAutoFit/>
-          </a:bodyPr>
-          <a:lstStyle/>
-          <a:p>
-            <a:r>
-              <a:rPr lang="en-US" sz="3600" dirty="0">
-                <a:solidFill>
-                  <a:srgbClr val="FF0000"/>
-                </a:solidFill>
-              </a:rPr>
-              <a:t>Conflicts</a:t>
-            </a:r>
-          </a:p>
-        </p:txBody>
-      </p:sp>
-      <p:sp>
-        <p:nvSpPr>
-          <p:cNvPr id="61" name="TextBox 60"/>
-          <p:cNvSpPr txBox="1"/>
-          <p:nvPr/>
-        </p:nvSpPr>
-        <p:spPr>
-          <a:xfrm rot="2072224">
-            <a:off x="5782914" y="3435068"/>
-            <a:ext cx="2236510" cy="1200329"/>
-          </a:xfrm>
-          <a:prstGeom prst="rect">
-            <a:avLst/>
-          </a:prstGeom>
-          <a:solidFill>
-            <a:srgbClr val="FFFFFF">
-              <a:alpha val="60000"/>
-            </a:srgbClr>
-          </a:solidFill>
-        </p:spPr>
-        <p:txBody>
-          <a:bodyPr wrap="none" rtlCol="0">
-            <a:spAutoFit/>
-          </a:bodyPr>
-          <a:lstStyle/>
-          <a:p>
-            <a:pPr algn="ctr"/>
-            <a:r>
-              <a:rPr lang="en-US" sz="3600" dirty="0">
-                <a:solidFill>
-                  <a:srgbClr val="FF0000"/>
-                </a:solidFill>
-              </a:rPr>
-              <a:t>Corrupted</a:t>
-            </a:r>
-            <a:br>
-              <a:rPr lang="en-US" sz="3600" dirty="0">
-                <a:solidFill>
-                  <a:srgbClr val="FF0000"/>
-                </a:solidFill>
-              </a:rPr>
-            </a:br>
-            <a:r>
-              <a:rPr lang="en-US" sz="3600" dirty="0">
-                <a:solidFill>
-                  <a:srgbClr val="FF0000"/>
-                </a:solidFill>
-              </a:rPr>
-              <a:t>Code</a:t>
-            </a:r>
-          </a:p>
-        </p:txBody>
-      </p:sp>
-    </p:spTree>
-    <p:extLst>
-      <p:ext uri="{BB962C8B-B14F-4D97-AF65-F5344CB8AC3E}">
-        <p14:creationId xmlns:p14="http://schemas.microsoft.com/office/powerpoint/2010/main" val="3282647031"/>
-      </p:ext>
-    </p:extLst>
-  </p:cSld>
-  <p:clrMapOvr>
-    <a:masterClrMapping/>
-  </p:clrMapOvr>
-  <p:timing>
-    <p:tnLst>
-      <p:par>
-        <p:cTn id="1" dur="indefinite" restart="never" nodeType="tmRoot">
-          <p:childTnLst>
-            <p:seq concurrent="1" nextAc="seek">
-              <p:cTn id="2" dur="indefinite" nodeType="mainSeq">
-                <p:childTnLst>
-                  <p:par>
-                    <p:cTn id="3" fill="hold">
-                      <p:stCondLst>
-                        <p:cond delay="indefinite"/>
-                      </p:stCondLst>
-                      <p:childTnLst>
-                        <p:par>
-                          <p:cTn id="4" fill="hold">
-                            <p:stCondLst>
-                              <p:cond delay="0"/>
-                            </p:stCondLst>
-                            <p:childTnLst>
-                              <p:par>
-                                <p:cTn id="5" presetID="1" presetClass="entr" presetSubtype="0" fill="hold" grpId="0" nodeType="clickEffect">
-                                  <p:stCondLst>
-                                    <p:cond delay="0"/>
-                                  </p:stCondLst>
-                                  <p:childTnLst>
-                                    <p:set>
-                                      <p:cBhvr>
-                                        <p:cTn id="6" dur="1" fill="hold">
-                                          <p:stCondLst>
-                                            <p:cond delay="0"/>
-                                          </p:stCondLst>
-                                        </p:cTn>
-                                        <p:tgtEl>
-                                          <p:spTgt spid="61"/>
-                                        </p:tgtEl>
-                                        <p:attrNameLst>
-                                          <p:attrName>style.visibility</p:attrName>
-                                        </p:attrNameLst>
-                                      </p:cBhvr>
-                                      <p:to>
-                                        <p:strVal val="visible"/>
-                                      </p:to>
-                                    </p:set>
-                                  </p:childTnLst>
-                                </p:cTn>
-                              </p:par>
-                              <p:par>
-                                <p:cTn id="7" presetID="1" presetClass="entr" presetSubtype="0" fill="hold" grpId="0" nodeType="withEffect">
-                                  <p:stCondLst>
-                                    <p:cond delay="0"/>
-                                  </p:stCondLst>
-                                  <p:childTnLst>
-                                    <p:set>
-                                      <p:cBhvr>
-                                        <p:cTn id="8" dur="1" fill="hold">
-                                          <p:stCondLst>
-                                            <p:cond delay="0"/>
-                                          </p:stCondLst>
-                                        </p:cTn>
-                                        <p:tgtEl>
-                                          <p:spTgt spid="60"/>
-                                        </p:tgtEl>
-                                        <p:attrNameLst>
-                                          <p:attrName>style.visibility</p:attrName>
-                                        </p:attrNameLst>
-                                      </p:cBhvr>
-                                      <p:to>
-                                        <p:strVal val="visible"/>
-                                      </p:to>
-                                    </p:set>
-                                  </p:childTnLst>
-                                </p:cTn>
-                              </p:par>
-                            </p:childTnLst>
-                          </p:cTn>
-                        </p:par>
-                      </p:childTnLst>
-                    </p:cTn>
-                  </p:par>
-                </p:childTnLst>
-              </p:cTn>
-              <p:prevCondLst>
-                <p:cond evt="onPrev" delay="0">
-                  <p:tgtEl>
-                    <p:sldTgt/>
-                  </p:tgtEl>
-                </p:cond>
-              </p:prevCondLst>
-              <p:nextCondLst>
-                <p:cond evt="onNext" delay="0">
-                  <p:tgtEl>
-                    <p:sldTgt/>
-                  </p:tgtEl>
-                </p:cond>
-              </p:nextCondLst>
-            </p:seq>
-          </p:childTnLst>
-        </p:cTn>
-      </p:par>
-    </p:tnLst>
-    <p:bldLst>
-      <p:bldP spid="60" grpId="0" animBg="1"/>
-      <p:bldP spid="61" grpId="0" animBg="1"/>
-    </p:bldLst>
-  </p:timing>
-</p:sld>
-</file>
-
-<file path=ppt/slides/slide6.xml><?xml version="1.0" encoding="utf-8"?>
-<p:sld xmlns:a="http://schemas.openxmlformats.org/drawingml/2006/main" xmlns:r="http://schemas.openxmlformats.org/officeDocument/2006/relationships" xmlns:p="http://schemas.openxmlformats.org/presentationml/2006/main">
-  <p:cSld>
-    <p:spTree>
-      <p:nvGrpSpPr>
-        <p:cNvPr id="1" name=""/>
-        <p:cNvGrpSpPr/>
-        <p:nvPr/>
-      </p:nvGrpSpPr>
-      <p:grpSpPr>
-        <a:xfrm>
-          <a:off x="0" y="0"/>
-          <a:ext cx="0" cy="0"/>
-          <a:chOff x="0" y="0"/>
-          <a:chExt cx="0" cy="0"/>
-        </a:xfrm>
-      </p:grpSpPr>
-      <p:sp>
-        <p:nvSpPr>
-          <p:cNvPr id="2" name="Title 1"/>
-          <p:cNvSpPr>
-            <a:spLocks noGrp="1"/>
-          </p:cNvSpPr>
-          <p:nvPr>
-            <p:ph type="title"/>
-          </p:nvPr>
-        </p:nvSpPr>
-        <p:spPr/>
-        <p:txBody>
-          <a:bodyPr/>
-          <a:lstStyle/>
-          <a:p>
-            <a:r>
-              <a:rPr lang="en-US" dirty="0"/>
-              <a:t>Version Control</a:t>
-            </a:r>
-          </a:p>
-        </p:txBody>
-      </p:sp>
-      <p:sp>
-        <p:nvSpPr>
-          <p:cNvPr id="3" name="Content Placeholder 2"/>
-          <p:cNvSpPr>
-            <a:spLocks noGrp="1"/>
-          </p:cNvSpPr>
-          <p:nvPr>
-            <p:ph idx="1"/>
-          </p:nvPr>
-        </p:nvSpPr>
-        <p:spPr/>
-        <p:txBody>
-          <a:bodyPr/>
-          <a:lstStyle/>
-          <a:p>
-            <a:r>
-              <a:rPr lang="en-US" dirty="0"/>
-              <a:t>We’ll focus on git in the context of a sole developer</a:t>
-            </a:r>
-          </a:p>
-          <a:p>
-            <a:pPr lvl="1"/>
-            <a:r>
-              <a:rPr lang="en-US" dirty="0"/>
-              <a:t>… and Github as a portfolio repository</a:t>
-            </a:r>
-          </a:p>
-        </p:txBody>
-      </p:sp>
-      <p:sp>
-        <p:nvSpPr>
-          <p:cNvPr id="4" name="Slide Number Placeholder 3"/>
-          <p:cNvSpPr>
-            <a:spLocks noGrp="1"/>
-          </p:cNvSpPr>
-          <p:nvPr>
-            <p:ph type="sldNum" sz="quarter" idx="12"/>
-          </p:nvPr>
-        </p:nvSpPr>
-        <p:spPr/>
-        <p:txBody>
-          <a:bodyPr/>
-          <a:lstStyle/>
-          <a:p>
-            <a:fld id="{4577FE26-ACD1-4964-932B-823877B1C5B5}" type="slidenum">
-              <a:rPr lang="en-US" smtClean="0"/>
-              <a:t>6</a:t>
-            </a:fld>
-            <a:endParaRPr lang="en-US" dirty="0"/>
-          </a:p>
-        </p:txBody>
-      </p:sp>
-    </p:spTree>
-    <p:extLst>
-      <p:ext uri="{BB962C8B-B14F-4D97-AF65-F5344CB8AC3E}">
-        <p14:creationId xmlns:p14="http://schemas.microsoft.com/office/powerpoint/2010/main" val="750889777"/>
       </p:ext>
     </p:extLst>
   </p:cSld>
@@ -32097,8 +35498,12 @@
               </a:spcBef>
             </a:pPr>
             <a:r>
+              <a:rPr lang="en-US" i="1" u="sng" dirty="0"/>
+              <a:t>Copy</a:t>
+            </a:r>
+            <a:r>
               <a:rPr lang="en-US" dirty="0"/>
-              <a:t>Move </a:t>
+              <a:t> </a:t>
             </a:r>
             <a:r>
               <a:rPr lang="en-US" dirty="0" err="1">

--- a/26bGit.pptx
+++ b/26bGit.pptx
@@ -5,7 +5,7 @@
     <p:sldMasterId id="2147483684" r:id="rId1"/>
   </p:sldMasterIdLst>
   <p:notesMasterIdLst>
-    <p:notesMasterId r:id="rId66"/>
+    <p:notesMasterId r:id="rId64"/>
   </p:notesMasterIdLst>
   <p:sldIdLst>
     <p:sldId id="256" r:id="rId2"/>
@@ -61,17 +61,15 @@
     <p:sldId id="349" r:id="rId52"/>
     <p:sldId id="350" r:id="rId53"/>
     <p:sldId id="351" r:id="rId54"/>
-    <p:sldId id="352" r:id="rId55"/>
-    <p:sldId id="353" r:id="rId56"/>
-    <p:sldId id="328" r:id="rId57"/>
-    <p:sldId id="333" r:id="rId58"/>
-    <p:sldId id="334" r:id="rId59"/>
-    <p:sldId id="335" r:id="rId60"/>
-    <p:sldId id="329" r:id="rId61"/>
-    <p:sldId id="336" r:id="rId62"/>
-    <p:sldId id="330" r:id="rId63"/>
-    <p:sldId id="331" r:id="rId64"/>
-    <p:sldId id="332" r:id="rId65"/>
+    <p:sldId id="328" r:id="rId55"/>
+    <p:sldId id="333" r:id="rId56"/>
+    <p:sldId id="334" r:id="rId57"/>
+    <p:sldId id="335" r:id="rId58"/>
+    <p:sldId id="329" r:id="rId59"/>
+    <p:sldId id="336" r:id="rId60"/>
+    <p:sldId id="330" r:id="rId61"/>
+    <p:sldId id="331" r:id="rId62"/>
+    <p:sldId id="332" r:id="rId63"/>
   </p:sldIdLst>
   <p:sldSz cx="12192000" cy="6858000"/>
   <p:notesSz cx="6858000" cy="9144000"/>
@@ -622,7 +620,7 @@
           <a:p>
             <a:fld id="{81F398E8-CF40-4E3A-B849-5DFC67493DDD}" type="slidenum">
               <a:rPr lang="en-US" smtClean="0"/>
-              <a:t>56</a:t>
+              <a:t>54</a:t>
             </a:fld>
             <a:endParaRPr lang="en-US" dirty="0"/>
           </a:p>
@@ -706,7 +704,7 @@
           <a:p>
             <a:fld id="{81F398E8-CF40-4E3A-B849-5DFC67493DDD}" type="slidenum">
               <a:rPr lang="en-US" smtClean="0"/>
-              <a:t>57</a:t>
+              <a:t>55</a:t>
             </a:fld>
             <a:endParaRPr lang="en-US" dirty="0"/>
           </a:p>
@@ -790,7 +788,7 @@
           <a:p>
             <a:fld id="{81F398E8-CF40-4E3A-B849-5DFC67493DDD}" type="slidenum">
               <a:rPr lang="en-US" smtClean="0"/>
-              <a:t>58</a:t>
+              <a:t>56</a:t>
             </a:fld>
             <a:endParaRPr lang="en-US" dirty="0"/>
           </a:p>
@@ -874,7 +872,7 @@
           <a:p>
             <a:fld id="{81F398E8-CF40-4E3A-B849-5DFC67493DDD}" type="slidenum">
               <a:rPr lang="en-US" smtClean="0"/>
-              <a:t>59</a:t>
+              <a:t>57</a:t>
             </a:fld>
             <a:endParaRPr lang="en-US" dirty="0"/>
           </a:p>
@@ -23148,7 +23146,7 @@
               <a:t>Change directory to the </a:t>
             </a:r>
             <a:r>
-              <a:rPr lang="en-US" dirty="0" err="1">
+              <a:rPr lang="en-US" dirty="0">
                 <a:latin typeface="Courier New" panose="02070309020205020404" pitchFamily="49" charset="0"/>
                 <a:cs typeface="Courier New" panose="02070309020205020404" pitchFamily="49" charset="0"/>
               </a:rPr>
@@ -24699,15 +24697,7 @@
             <a:pPr lvl="1"/>
             <a:r>
               <a:rPr lang="en-US" dirty="0"/>
-              <a:t> </a:t>
-            </a:r>
-            <a:r>
-              <a:rPr lang="en-US" dirty="0" err="1"/>
-              <a:t>Rstudio</a:t>
-            </a:r>
-            <a:r>
-              <a:rPr lang="en-US" dirty="0"/>
-              <a:t> (</a:t>
+              <a:t> Rstudio (</a:t>
             </a:r>
             <a:r>
               <a:rPr lang="en-US" dirty="0">
@@ -28458,7 +28448,7 @@
           <a:bodyPr/>
           <a:lstStyle/>
           <a:p>
-            <a:endParaRPr lang="en-US"/>
+            <a:endParaRPr lang="en-US" dirty="0"/>
           </a:p>
         </p:txBody>
       </p:sp>
@@ -29200,7 +29190,7 @@
               <a:t> from </a:t>
             </a:r>
             <a:r>
-              <a:rPr lang="en-US" dirty="0" err="1">
+              <a:rPr lang="en-US" dirty="0">
                 <a:latin typeface="Courier New" panose="02070309020205020404" pitchFamily="49" charset="0"/>
                 <a:cs typeface="Courier New" panose="02070309020205020404" pitchFamily="49" charset="0"/>
               </a:rPr>
@@ -29364,7 +29354,7 @@
           <a:bodyPr/>
           <a:lstStyle/>
           <a:p>
-            <a:endParaRPr lang="en-US"/>
+            <a:endParaRPr lang="en-US" dirty="0"/>
           </a:p>
         </p:txBody>
       </p:sp>
@@ -29527,7 +29517,7 @@
             <a:lstStyle/>
             <a:p>
               <a:pPr algn="ctr"/>
-              <a:endParaRPr lang="en-US"/>
+              <a:endParaRPr lang="en-US" dirty="0"/>
             </a:p>
           </p:txBody>
         </p:sp>
@@ -29579,7 +29569,7 @@
             <a:lstStyle/>
             <a:p>
               <a:pPr algn="ctr"/>
-              <a:endParaRPr lang="en-US"/>
+              <a:endParaRPr lang="en-US" dirty="0"/>
             </a:p>
           </p:txBody>
         </p:sp>
@@ -29631,7 +29621,7 @@
             <a:lstStyle/>
             <a:p>
               <a:pPr algn="ctr"/>
-              <a:endParaRPr lang="en-US"/>
+              <a:endParaRPr lang="en-US" dirty="0"/>
             </a:p>
           </p:txBody>
         </p:sp>
@@ -29683,7 +29673,7 @@
             <a:lstStyle/>
             <a:p>
               <a:pPr algn="ctr"/>
-              <a:endParaRPr lang="en-US"/>
+              <a:endParaRPr lang="en-US" dirty="0"/>
             </a:p>
           </p:txBody>
         </p:sp>
@@ -29778,7 +29768,7 @@
           <a:bodyPr/>
           <a:lstStyle/>
           <a:p>
-            <a:endParaRPr lang="en-US"/>
+            <a:endParaRPr lang="en-US" dirty="0"/>
           </a:p>
         </p:txBody>
       </p:sp>
@@ -29911,7 +29901,7 @@
             <a:lstStyle/>
             <a:p>
               <a:pPr algn="ctr"/>
-              <a:endParaRPr lang="en-US"/>
+              <a:endParaRPr lang="en-US" dirty="0"/>
             </a:p>
           </p:txBody>
         </p:sp>
@@ -29963,7 +29953,7 @@
             <a:lstStyle/>
             <a:p>
               <a:pPr algn="ctr"/>
-              <a:endParaRPr lang="en-US"/>
+              <a:endParaRPr lang="en-US" dirty="0"/>
             </a:p>
           </p:txBody>
         </p:sp>
@@ -30015,7 +30005,7 @@
             <a:lstStyle/>
             <a:p>
               <a:pPr algn="ctr"/>
-              <a:endParaRPr lang="en-US"/>
+              <a:endParaRPr lang="en-US" dirty="0"/>
             </a:p>
           </p:txBody>
         </p:sp>
@@ -30099,7 +30089,7 @@
           <a:bodyPr/>
           <a:lstStyle/>
           <a:p>
-            <a:endParaRPr lang="en-US"/>
+            <a:endParaRPr lang="en-US" dirty="0"/>
           </a:p>
         </p:txBody>
       </p:sp>
@@ -30241,7 +30231,7 @@
           <a:bodyPr/>
           <a:lstStyle/>
           <a:p>
-            <a:endParaRPr lang="en-US"/>
+            <a:endParaRPr lang="en-US" dirty="0"/>
           </a:p>
         </p:txBody>
       </p:sp>
@@ -30374,7 +30364,7 @@
             <a:lstStyle/>
             <a:p>
               <a:pPr algn="ctr"/>
-              <a:endParaRPr lang="en-US"/>
+              <a:endParaRPr lang="en-US" dirty="0"/>
             </a:p>
           </p:txBody>
         </p:sp>
@@ -30426,7 +30416,7 @@
             <a:lstStyle/>
             <a:p>
               <a:pPr algn="ctr"/>
-              <a:endParaRPr lang="en-US"/>
+              <a:endParaRPr lang="en-US" dirty="0"/>
             </a:p>
           </p:txBody>
         </p:sp>
@@ -30478,7 +30468,7 @@
             <a:lstStyle/>
             <a:p>
               <a:pPr algn="ctr"/>
-              <a:endParaRPr lang="en-US"/>
+              <a:endParaRPr lang="en-US" dirty="0"/>
             </a:p>
           </p:txBody>
         </p:sp>
@@ -30530,7 +30520,7 @@
             <a:lstStyle/>
             <a:p>
               <a:pPr algn="ctr"/>
-              <a:endParaRPr lang="en-US"/>
+              <a:endParaRPr lang="en-US" dirty="0"/>
             </a:p>
           </p:txBody>
         </p:sp>
@@ -30663,11 +30653,11 @@
           <a:p>
             <a:pPr lvl="2"/>
             <a:r>
-              <a:rPr lang="en-US"/>
+              <a:rPr lang="en-US" dirty="0"/>
               <a:t> </a:t>
             </a:r>
             <a:r>
-              <a:rPr lang="en-US">
+              <a:rPr lang="en-US" dirty="0">
                 <a:latin typeface="Courier New" panose="02070309020205020404" pitchFamily="49" charset="0"/>
                 <a:cs typeface="Courier New" panose="02070309020205020404" pitchFamily="49" charset="0"/>
               </a:rPr>
@@ -30792,7 +30782,7 @@
           <a:bodyPr/>
           <a:lstStyle/>
           <a:p>
-            <a:endParaRPr lang="en-US"/>
+            <a:endParaRPr lang="en-US" dirty="0"/>
           </a:p>
         </p:txBody>
       </p:sp>
@@ -30925,7 +30915,7 @@
             <a:lstStyle/>
             <a:p>
               <a:pPr algn="ctr"/>
-              <a:endParaRPr lang="en-US"/>
+              <a:endParaRPr lang="en-US" dirty="0"/>
             </a:p>
           </p:txBody>
         </p:sp>
@@ -30977,7 +30967,7 @@
             <a:lstStyle/>
             <a:p>
               <a:pPr algn="ctr"/>
-              <a:endParaRPr lang="en-US"/>
+              <a:endParaRPr lang="en-US" dirty="0"/>
             </a:p>
           </p:txBody>
         </p:sp>
@@ -31061,7 +31051,7 @@
           <a:bodyPr/>
           <a:lstStyle/>
           <a:p>
-            <a:endParaRPr lang="en-US"/>
+            <a:endParaRPr lang="en-US" dirty="0"/>
           </a:p>
         </p:txBody>
       </p:sp>
@@ -31194,7 +31184,7 @@
             <a:lstStyle/>
             <a:p>
               <a:pPr algn="ctr"/>
-              <a:endParaRPr lang="en-US"/>
+              <a:endParaRPr lang="en-US" dirty="0"/>
             </a:p>
           </p:txBody>
         </p:sp>
@@ -31278,7 +31268,7 @@
           <a:bodyPr/>
           <a:lstStyle/>
           <a:p>
-            <a:endParaRPr lang="en-US"/>
+            <a:endParaRPr lang="en-US" dirty="0"/>
           </a:p>
         </p:txBody>
       </p:sp>
@@ -31409,7 +31399,7 @@
             <a:lstStyle/>
             <a:p>
               <a:pPr algn="ctr"/>
-              <a:endParaRPr lang="en-US"/>
+              <a:endParaRPr lang="en-US" dirty="0"/>
             </a:p>
           </p:txBody>
         </p:sp>
@@ -32039,7 +32029,7 @@
           <a:bodyPr/>
           <a:lstStyle/>
           <a:p>
-            <a:endParaRPr lang="en-US"/>
+            <a:endParaRPr lang="en-US" dirty="0"/>
           </a:p>
         </p:txBody>
       </p:sp>
@@ -32170,7 +32160,7 @@
             <a:lstStyle/>
             <a:p>
               <a:pPr algn="ctr"/>
-              <a:endParaRPr lang="en-US"/>
+              <a:endParaRPr lang="en-US" dirty="0"/>
             </a:p>
           </p:txBody>
         </p:sp>
@@ -32390,7 +32380,7 @@
             <a:lstStyle/>
             <a:p>
               <a:pPr algn="ctr"/>
-              <a:endParaRPr lang="en-US"/>
+              <a:endParaRPr lang="en-US" dirty="0"/>
             </a:p>
           </p:txBody>
         </p:sp>
@@ -32446,7 +32436,7 @@
           <a:bodyPr/>
           <a:lstStyle/>
           <a:p>
-            <a:endParaRPr lang="en-US"/>
+            <a:endParaRPr lang="en-US" dirty="0"/>
           </a:p>
         </p:txBody>
       </p:sp>
@@ -32471,7 +32461,7 @@
           <a:bodyPr/>
           <a:lstStyle/>
           <a:p>
-            <a:endParaRPr lang="en-US"/>
+            <a:endParaRPr lang="en-US" dirty="0"/>
           </a:p>
         </p:txBody>
       </p:sp>
@@ -32585,7 +32575,7 @@
           <a:bodyPr/>
           <a:lstStyle/>
           <a:p>
-            <a:endParaRPr lang="en-US"/>
+            <a:endParaRPr lang="en-US" dirty="0"/>
           </a:p>
         </p:txBody>
       </p:sp>
@@ -32610,7 +32600,7 @@
           <a:bodyPr/>
           <a:lstStyle/>
           <a:p>
-            <a:endParaRPr lang="en-US"/>
+            <a:endParaRPr lang="en-US" dirty="0"/>
           </a:p>
         </p:txBody>
       </p:sp>
@@ -32708,224 +32698,6 @@
           <p:cNvPr id="2" name="Title 1">
             <a:extLst>
               <a:ext uri="{FF2B5EF4-FFF2-40B4-BE49-F238E27FC236}">
-                <a16:creationId xmlns:a16="http://schemas.microsoft.com/office/drawing/2014/main" id="{485737DB-3C6C-4E4C-AA25-D21EB178B26B}"/>
-              </a:ext>
-            </a:extLst>
-          </p:cNvPr>
-          <p:cNvSpPr>
-            <a:spLocks noGrp="1"/>
-          </p:cNvSpPr>
-          <p:nvPr>
-            <p:ph type="title"/>
-          </p:nvPr>
-        </p:nvSpPr>
-        <p:spPr/>
-        <p:txBody>
-          <a:bodyPr/>
-          <a:lstStyle/>
-          <a:p>
-            <a:endParaRPr lang="en-US"/>
-          </a:p>
-        </p:txBody>
-      </p:sp>
-      <p:sp>
-        <p:nvSpPr>
-          <p:cNvPr id="3" name="Content Placeholder 2">
-            <a:extLst>
-              <a:ext uri="{FF2B5EF4-FFF2-40B4-BE49-F238E27FC236}">
-                <a16:creationId xmlns:a16="http://schemas.microsoft.com/office/drawing/2014/main" id="{16768276-FA52-4D84-8850-2F082B6DD11B}"/>
-              </a:ext>
-            </a:extLst>
-          </p:cNvPr>
-          <p:cNvSpPr>
-            <a:spLocks noGrp="1"/>
-          </p:cNvSpPr>
-          <p:nvPr>
-            <p:ph idx="1"/>
-          </p:nvPr>
-        </p:nvSpPr>
-        <p:spPr/>
-        <p:txBody>
-          <a:bodyPr/>
-          <a:lstStyle/>
-          <a:p>
-            <a:endParaRPr lang="en-US"/>
-          </a:p>
-        </p:txBody>
-      </p:sp>
-      <p:sp>
-        <p:nvSpPr>
-          <p:cNvPr id="4" name="Slide Number Placeholder 3">
-            <a:extLst>
-              <a:ext uri="{FF2B5EF4-FFF2-40B4-BE49-F238E27FC236}">
-                <a16:creationId xmlns:a16="http://schemas.microsoft.com/office/drawing/2014/main" id="{A9D72B33-89E4-48EE-97E5-B81FAD043408}"/>
-              </a:ext>
-            </a:extLst>
-          </p:cNvPr>
-          <p:cNvSpPr>
-            <a:spLocks noGrp="1"/>
-          </p:cNvSpPr>
-          <p:nvPr>
-            <p:ph type="sldNum" sz="quarter" idx="12"/>
-          </p:nvPr>
-        </p:nvSpPr>
-        <p:spPr/>
-        <p:txBody>
-          <a:bodyPr/>
-          <a:lstStyle/>
-          <a:p>
-            <a:fld id="{4577FE26-ACD1-4964-932B-823877B1C5B5}" type="slidenum">
-              <a:rPr lang="en-US" smtClean="0"/>
-              <a:t>54</a:t>
-            </a:fld>
-            <a:endParaRPr lang="en-US" dirty="0"/>
-          </a:p>
-        </p:txBody>
-      </p:sp>
-    </p:spTree>
-    <p:extLst>
-      <p:ext uri="{BB962C8B-B14F-4D97-AF65-F5344CB8AC3E}">
-        <p14:creationId xmlns:p14="http://schemas.microsoft.com/office/powerpoint/2010/main" val="4090565989"/>
-      </p:ext>
-    </p:extLst>
-  </p:cSld>
-  <p:clrMapOvr>
-    <a:masterClrMapping/>
-  </p:clrMapOvr>
-</p:sld>
-</file>
-
-<file path=ppt/slides/slide55.xml><?xml version="1.0" encoding="utf-8"?>
-<p:sld xmlns:a="http://schemas.openxmlformats.org/drawingml/2006/main" xmlns:r="http://schemas.openxmlformats.org/officeDocument/2006/relationships" xmlns:p="http://schemas.openxmlformats.org/presentationml/2006/main">
-  <p:cSld>
-    <p:spTree>
-      <p:nvGrpSpPr>
-        <p:cNvPr id="1" name=""/>
-        <p:cNvGrpSpPr/>
-        <p:nvPr/>
-      </p:nvGrpSpPr>
-      <p:grpSpPr>
-        <a:xfrm>
-          <a:off x="0" y="0"/>
-          <a:ext cx="0" cy="0"/>
-          <a:chOff x="0" y="0"/>
-          <a:chExt cx="0" cy="0"/>
-        </a:xfrm>
-      </p:grpSpPr>
-      <p:sp>
-        <p:nvSpPr>
-          <p:cNvPr id="2" name="Title 1">
-            <a:extLst>
-              <a:ext uri="{FF2B5EF4-FFF2-40B4-BE49-F238E27FC236}">
-                <a16:creationId xmlns:a16="http://schemas.microsoft.com/office/drawing/2014/main" id="{CC687AF8-9876-4EA8-A938-2658F4CE595A}"/>
-              </a:ext>
-            </a:extLst>
-          </p:cNvPr>
-          <p:cNvSpPr>
-            <a:spLocks noGrp="1"/>
-          </p:cNvSpPr>
-          <p:nvPr>
-            <p:ph type="title"/>
-          </p:nvPr>
-        </p:nvSpPr>
-        <p:spPr/>
-        <p:txBody>
-          <a:bodyPr/>
-          <a:lstStyle/>
-          <a:p>
-            <a:endParaRPr lang="en-US"/>
-          </a:p>
-        </p:txBody>
-      </p:sp>
-      <p:sp>
-        <p:nvSpPr>
-          <p:cNvPr id="3" name="Content Placeholder 2">
-            <a:extLst>
-              <a:ext uri="{FF2B5EF4-FFF2-40B4-BE49-F238E27FC236}">
-                <a16:creationId xmlns:a16="http://schemas.microsoft.com/office/drawing/2014/main" id="{6965D4CF-8AEE-400A-9A23-9AB1C59F8244}"/>
-              </a:ext>
-            </a:extLst>
-          </p:cNvPr>
-          <p:cNvSpPr>
-            <a:spLocks noGrp="1"/>
-          </p:cNvSpPr>
-          <p:nvPr>
-            <p:ph idx="1"/>
-          </p:nvPr>
-        </p:nvSpPr>
-        <p:spPr/>
-        <p:txBody>
-          <a:bodyPr/>
-          <a:lstStyle/>
-          <a:p>
-            <a:endParaRPr lang="en-US"/>
-          </a:p>
-        </p:txBody>
-      </p:sp>
-      <p:sp>
-        <p:nvSpPr>
-          <p:cNvPr id="4" name="Slide Number Placeholder 3">
-            <a:extLst>
-              <a:ext uri="{FF2B5EF4-FFF2-40B4-BE49-F238E27FC236}">
-                <a16:creationId xmlns:a16="http://schemas.microsoft.com/office/drawing/2014/main" id="{19128DA2-11DA-4A70-9858-FDCE2796943A}"/>
-              </a:ext>
-            </a:extLst>
-          </p:cNvPr>
-          <p:cNvSpPr>
-            <a:spLocks noGrp="1"/>
-          </p:cNvSpPr>
-          <p:nvPr>
-            <p:ph type="sldNum" sz="quarter" idx="12"/>
-          </p:nvPr>
-        </p:nvSpPr>
-        <p:spPr/>
-        <p:txBody>
-          <a:bodyPr/>
-          <a:lstStyle/>
-          <a:p>
-            <a:fld id="{4577FE26-ACD1-4964-932B-823877B1C5B5}" type="slidenum">
-              <a:rPr lang="en-US" smtClean="0"/>
-              <a:t>55</a:t>
-            </a:fld>
-            <a:endParaRPr lang="en-US" dirty="0"/>
-          </a:p>
-        </p:txBody>
-      </p:sp>
-    </p:spTree>
-    <p:extLst>
-      <p:ext uri="{BB962C8B-B14F-4D97-AF65-F5344CB8AC3E}">
-        <p14:creationId xmlns:p14="http://schemas.microsoft.com/office/powerpoint/2010/main" val="1541748454"/>
-      </p:ext>
-    </p:extLst>
-  </p:cSld>
-  <p:clrMapOvr>
-    <a:masterClrMapping/>
-  </p:clrMapOvr>
-</p:sld>
-</file>
-
-<file path=ppt/slides/slide56.xml><?xml version="1.0" encoding="utf-8"?>
-<p:sld xmlns:a="http://schemas.openxmlformats.org/drawingml/2006/main" xmlns:r="http://schemas.openxmlformats.org/officeDocument/2006/relationships" xmlns:p="http://schemas.openxmlformats.org/presentationml/2006/main">
-  <p:cSld>
-    <p:spTree>
-      <p:nvGrpSpPr>
-        <p:cNvPr id="1" name=""/>
-        <p:cNvGrpSpPr/>
-        <p:nvPr/>
-      </p:nvGrpSpPr>
-      <p:grpSpPr>
-        <a:xfrm>
-          <a:off x="0" y="0"/>
-          <a:ext cx="0" cy="0"/>
-          <a:chOff x="0" y="0"/>
-          <a:chExt cx="0" cy="0"/>
-        </a:xfrm>
-      </p:grpSpPr>
-      <p:sp>
-        <p:nvSpPr>
-          <p:cNvPr id="2" name="Title 1">
-            <a:extLst>
-              <a:ext uri="{FF2B5EF4-FFF2-40B4-BE49-F238E27FC236}">
                 <a16:creationId xmlns:a16="http://schemas.microsoft.com/office/drawing/2014/main" id="{42F4288C-55DC-40DC-81E0-6C6BF2F62544}"/>
               </a:ext>
             </a:extLst>
@@ -33008,7 +32780,7 @@
           <a:p>
             <a:fld id="{4577FE26-ACD1-4964-932B-823877B1C5B5}" type="slidenum">
               <a:rPr lang="en-US" smtClean="0"/>
-              <a:t>56</a:t>
+              <a:t>54</a:t>
             </a:fld>
             <a:endParaRPr lang="en-US" dirty="0"/>
           </a:p>
@@ -33117,7 +32889,7 @@
             <a:lstStyle/>
             <a:p>
               <a:pPr algn="ctr"/>
-              <a:endParaRPr lang="en-US"/>
+              <a:endParaRPr lang="en-US" dirty="0"/>
             </a:p>
           </p:txBody>
         </p:sp>
@@ -33169,7 +32941,7 @@
             <a:lstStyle/>
             <a:p>
               <a:pPr algn="ctr"/>
-              <a:endParaRPr lang="en-US"/>
+              <a:endParaRPr lang="en-US" dirty="0"/>
             </a:p>
           </p:txBody>
         </p:sp>
@@ -33187,7 +32959,7 @@
 </p:sld>
 </file>
 
-<file path=ppt/slides/slide57.xml><?xml version="1.0" encoding="utf-8"?>
+<file path=ppt/slides/slide55.xml><?xml version="1.0" encoding="utf-8"?>
 <p:sld xmlns:a="http://schemas.openxmlformats.org/drawingml/2006/main" xmlns:r="http://schemas.openxmlformats.org/officeDocument/2006/relationships" xmlns:p="http://schemas.openxmlformats.org/presentationml/2006/main">
   <p:cSld>
     <p:spTree>
@@ -33291,7 +33063,7 @@
           <a:p>
             <a:fld id="{4577FE26-ACD1-4964-932B-823877B1C5B5}" type="slidenum">
               <a:rPr lang="en-US" smtClean="0"/>
-              <a:t>57</a:t>
+              <a:t>55</a:t>
             </a:fld>
             <a:endParaRPr lang="en-US" dirty="0"/>
           </a:p>
@@ -33375,7 +33147,7 @@
           <a:lstStyle/>
           <a:p>
             <a:pPr algn="ctr"/>
-            <a:endParaRPr lang="en-US"/>
+            <a:endParaRPr lang="en-US" dirty="0"/>
           </a:p>
         </p:txBody>
       </p:sp>
@@ -33392,7 +33164,7 @@
 </p:sld>
 </file>
 
-<file path=ppt/slides/slide58.xml><?xml version="1.0" encoding="utf-8"?>
+<file path=ppt/slides/slide56.xml><?xml version="1.0" encoding="utf-8"?>
 <p:sld xmlns:a="http://schemas.openxmlformats.org/drawingml/2006/main" xmlns:r="http://schemas.openxmlformats.org/officeDocument/2006/relationships" xmlns:p="http://schemas.openxmlformats.org/presentationml/2006/main">
   <p:cSld>
     <p:spTree>
@@ -33496,7 +33268,7 @@
           <a:p>
             <a:fld id="{4577FE26-ACD1-4964-932B-823877B1C5B5}" type="slidenum">
               <a:rPr lang="en-US" smtClean="0"/>
-              <a:t>58</a:t>
+              <a:t>56</a:t>
             </a:fld>
             <a:endParaRPr lang="en-US" dirty="0"/>
           </a:p>
@@ -33566,7 +33338,7 @@
           </p:nvSpPr>
           <p:spPr>
             <a:xfrm>
-              <a:off x="4414345" y="4424855"/>
+              <a:off x="4414345" y="4485143"/>
               <a:ext cx="2364827" cy="367862"/>
             </a:xfrm>
             <a:prstGeom prst="rect">
@@ -33600,7 +33372,7 @@
             <a:lstStyle/>
             <a:p>
               <a:pPr algn="ctr"/>
-              <a:endParaRPr lang="en-US"/>
+              <a:endParaRPr lang="en-US" dirty="0"/>
             </a:p>
           </p:txBody>
         </p:sp>
@@ -33618,7 +33390,7 @@
           </p:nvSpPr>
           <p:spPr>
             <a:xfrm>
-              <a:off x="4414345" y="3941379"/>
+              <a:off x="4414345" y="4011715"/>
               <a:ext cx="2995448" cy="483476"/>
             </a:xfrm>
             <a:prstGeom prst="rect">
@@ -33652,7 +33424,7 @@
             <a:lstStyle/>
             <a:p>
               <a:pPr algn="ctr"/>
-              <a:endParaRPr lang="en-US"/>
+              <a:endParaRPr lang="en-US" dirty="0"/>
             </a:p>
           </p:txBody>
         </p:sp>
@@ -33670,7 +33442,7 @@
 </p:sld>
 </file>
 
-<file path=ppt/slides/slide59.xml><?xml version="1.0" encoding="utf-8"?>
+<file path=ppt/slides/slide57.xml><?xml version="1.0" encoding="utf-8"?>
 <p:sld xmlns:a="http://schemas.openxmlformats.org/drawingml/2006/main" xmlns:r="http://schemas.openxmlformats.org/officeDocument/2006/relationships" xmlns:p="http://schemas.openxmlformats.org/presentationml/2006/main">
   <p:cSld>
     <p:spTree>
@@ -33774,7 +33546,7 @@
           <a:p>
             <a:fld id="{4577FE26-ACD1-4964-932B-823877B1C5B5}" type="slidenum">
               <a:rPr lang="en-US" smtClean="0"/>
-              <a:t>59</a:t>
+              <a:t>57</a:t>
             </a:fld>
             <a:endParaRPr lang="en-US" dirty="0"/>
           </a:p>
@@ -33878,7 +33650,7 @@
             <a:lstStyle/>
             <a:p>
               <a:pPr algn="ctr"/>
-              <a:endParaRPr lang="en-US"/>
+              <a:endParaRPr lang="en-US" dirty="0"/>
             </a:p>
           </p:txBody>
         </p:sp>
@@ -33896,111 +33668,7 @@
 </p:sld>
 </file>
 
-<file path=ppt/slides/slide6.xml><?xml version="1.0" encoding="utf-8"?>
-<p:sld xmlns:a="http://schemas.openxmlformats.org/drawingml/2006/main" xmlns:r="http://schemas.openxmlformats.org/officeDocument/2006/relationships" xmlns:p="http://schemas.openxmlformats.org/presentationml/2006/main">
-  <p:cSld>
-    <p:spTree>
-      <p:nvGrpSpPr>
-        <p:cNvPr id="1" name=""/>
-        <p:cNvGrpSpPr/>
-        <p:nvPr/>
-      </p:nvGrpSpPr>
-      <p:grpSpPr>
-        <a:xfrm>
-          <a:off x="0" y="0"/>
-          <a:ext cx="0" cy="0"/>
-          <a:chOff x="0" y="0"/>
-          <a:chExt cx="0" cy="0"/>
-        </a:xfrm>
-      </p:grpSpPr>
-      <p:sp>
-        <p:nvSpPr>
-          <p:cNvPr id="2" name="Title 1"/>
-          <p:cNvSpPr>
-            <a:spLocks noGrp="1"/>
-          </p:cNvSpPr>
-          <p:nvPr>
-            <p:ph type="title"/>
-          </p:nvPr>
-        </p:nvSpPr>
-        <p:spPr/>
-        <p:txBody>
-          <a:bodyPr/>
-          <a:lstStyle/>
-          <a:p>
-            <a:r>
-              <a:rPr lang="en-US" dirty="0"/>
-              <a:t>Version Control</a:t>
-            </a:r>
-          </a:p>
-        </p:txBody>
-      </p:sp>
-      <p:sp>
-        <p:nvSpPr>
-          <p:cNvPr id="3" name="Content Placeholder 2"/>
-          <p:cNvSpPr>
-            <a:spLocks noGrp="1"/>
-          </p:cNvSpPr>
-          <p:nvPr>
-            <p:ph idx="1"/>
-          </p:nvPr>
-        </p:nvSpPr>
-        <p:spPr/>
-        <p:txBody>
-          <a:bodyPr/>
-          <a:lstStyle/>
-          <a:p>
-            <a:r>
-              <a:rPr lang="en-US" dirty="0"/>
-              <a:t>We’ll focus on git in the context of a sole developer</a:t>
-            </a:r>
-          </a:p>
-          <a:p>
-            <a:pPr lvl="1"/>
-            <a:r>
-              <a:rPr lang="en-US" dirty="0"/>
-              <a:t>… and Github as a portfolio repository</a:t>
-            </a:r>
-          </a:p>
-        </p:txBody>
-      </p:sp>
-      <p:sp>
-        <p:nvSpPr>
-          <p:cNvPr id="4" name="Slide Number Placeholder 3"/>
-          <p:cNvSpPr>
-            <a:spLocks noGrp="1"/>
-          </p:cNvSpPr>
-          <p:nvPr>
-            <p:ph type="sldNum" sz="quarter" idx="12"/>
-          </p:nvPr>
-        </p:nvSpPr>
-        <p:spPr/>
-        <p:txBody>
-          <a:bodyPr/>
-          <a:lstStyle/>
-          <a:p>
-            <a:fld id="{4577FE26-ACD1-4964-932B-823877B1C5B5}" type="slidenum">
-              <a:rPr lang="en-US" smtClean="0"/>
-              <a:t>6</a:t>
-            </a:fld>
-            <a:endParaRPr lang="en-US" dirty="0"/>
-          </a:p>
-        </p:txBody>
-      </p:sp>
-    </p:spTree>
-    <p:extLst>
-      <p:ext uri="{BB962C8B-B14F-4D97-AF65-F5344CB8AC3E}">
-        <p14:creationId xmlns:p14="http://schemas.microsoft.com/office/powerpoint/2010/main" val="750889777"/>
-      </p:ext>
-    </p:extLst>
-  </p:cSld>
-  <p:clrMapOvr>
-    <a:masterClrMapping/>
-  </p:clrMapOvr>
-</p:sld>
-</file>
-
-<file path=ppt/slides/slide60.xml><?xml version="1.0" encoding="utf-8"?>
+<file path=ppt/slides/slide58.xml><?xml version="1.0" encoding="utf-8"?>
 <p:sld xmlns:a="http://schemas.openxmlformats.org/drawingml/2006/main" xmlns:r="http://schemas.openxmlformats.org/officeDocument/2006/relationships" xmlns:p="http://schemas.openxmlformats.org/presentationml/2006/main">
   <p:cSld>
     <p:spTree>
@@ -34101,7 +33769,7 @@
           <a:p>
             <a:fld id="{4577FE26-ACD1-4964-932B-823877B1C5B5}" type="slidenum">
               <a:rPr lang="en-US" smtClean="0"/>
-              <a:t>60</a:t>
+              <a:t>58</a:t>
             </a:fld>
             <a:endParaRPr lang="en-US" dirty="0"/>
           </a:p>
@@ -34150,7 +33818,7 @@
 </p:sld>
 </file>
 
-<file path=ppt/slides/slide61.xml><?xml version="1.0" encoding="utf-8"?>
+<file path=ppt/slides/slide59.xml><?xml version="1.0" encoding="utf-8"?>
 <p:sld xmlns:a="http://schemas.openxmlformats.org/drawingml/2006/main" xmlns:r="http://schemas.openxmlformats.org/officeDocument/2006/relationships" xmlns:p="http://schemas.openxmlformats.org/presentationml/2006/main">
   <p:cSld>
     <p:spTree>
@@ -34251,7 +33919,7 @@
           <a:p>
             <a:fld id="{4577FE26-ACD1-4964-932B-823877B1C5B5}" type="slidenum">
               <a:rPr lang="en-US" smtClean="0"/>
-              <a:t>61</a:t>
+              <a:t>59</a:t>
             </a:fld>
             <a:endParaRPr lang="en-US" dirty="0"/>
           </a:p>
@@ -34335,7 +34003,7 @@
           <a:lstStyle/>
           <a:p>
             <a:pPr algn="ctr"/>
-            <a:endParaRPr lang="en-US"/>
+            <a:endParaRPr lang="en-US" dirty="0"/>
           </a:p>
         </p:txBody>
       </p:sp>
@@ -34352,7 +34020,111 @@
 </p:sld>
 </file>
 
-<file path=ppt/slides/slide62.xml><?xml version="1.0" encoding="utf-8"?>
+<file path=ppt/slides/slide6.xml><?xml version="1.0" encoding="utf-8"?>
+<p:sld xmlns:a="http://schemas.openxmlformats.org/drawingml/2006/main" xmlns:r="http://schemas.openxmlformats.org/officeDocument/2006/relationships" xmlns:p="http://schemas.openxmlformats.org/presentationml/2006/main">
+  <p:cSld>
+    <p:spTree>
+      <p:nvGrpSpPr>
+        <p:cNvPr id="1" name=""/>
+        <p:cNvGrpSpPr/>
+        <p:nvPr/>
+      </p:nvGrpSpPr>
+      <p:grpSpPr>
+        <a:xfrm>
+          <a:off x="0" y="0"/>
+          <a:ext cx="0" cy="0"/>
+          <a:chOff x="0" y="0"/>
+          <a:chExt cx="0" cy="0"/>
+        </a:xfrm>
+      </p:grpSpPr>
+      <p:sp>
+        <p:nvSpPr>
+          <p:cNvPr id="2" name="Title 1"/>
+          <p:cNvSpPr>
+            <a:spLocks noGrp="1"/>
+          </p:cNvSpPr>
+          <p:nvPr>
+            <p:ph type="title"/>
+          </p:nvPr>
+        </p:nvSpPr>
+        <p:spPr/>
+        <p:txBody>
+          <a:bodyPr/>
+          <a:lstStyle/>
+          <a:p>
+            <a:r>
+              <a:rPr lang="en-US" dirty="0"/>
+              <a:t>Version Control</a:t>
+            </a:r>
+          </a:p>
+        </p:txBody>
+      </p:sp>
+      <p:sp>
+        <p:nvSpPr>
+          <p:cNvPr id="3" name="Content Placeholder 2"/>
+          <p:cNvSpPr>
+            <a:spLocks noGrp="1"/>
+          </p:cNvSpPr>
+          <p:nvPr>
+            <p:ph idx="1"/>
+          </p:nvPr>
+        </p:nvSpPr>
+        <p:spPr/>
+        <p:txBody>
+          <a:bodyPr/>
+          <a:lstStyle/>
+          <a:p>
+            <a:r>
+              <a:rPr lang="en-US" dirty="0"/>
+              <a:t>We’ll focus on git in the context of a sole developer</a:t>
+            </a:r>
+          </a:p>
+          <a:p>
+            <a:pPr lvl="1"/>
+            <a:r>
+              <a:rPr lang="en-US" dirty="0"/>
+              <a:t>… and Github as a portfolio repository</a:t>
+            </a:r>
+          </a:p>
+        </p:txBody>
+      </p:sp>
+      <p:sp>
+        <p:nvSpPr>
+          <p:cNvPr id="4" name="Slide Number Placeholder 3"/>
+          <p:cNvSpPr>
+            <a:spLocks noGrp="1"/>
+          </p:cNvSpPr>
+          <p:nvPr>
+            <p:ph type="sldNum" sz="quarter" idx="12"/>
+          </p:nvPr>
+        </p:nvSpPr>
+        <p:spPr/>
+        <p:txBody>
+          <a:bodyPr/>
+          <a:lstStyle/>
+          <a:p>
+            <a:fld id="{4577FE26-ACD1-4964-932B-823877B1C5B5}" type="slidenum">
+              <a:rPr lang="en-US" smtClean="0"/>
+              <a:t>6</a:t>
+            </a:fld>
+            <a:endParaRPr lang="en-US" dirty="0"/>
+          </a:p>
+        </p:txBody>
+      </p:sp>
+    </p:spTree>
+    <p:extLst>
+      <p:ext uri="{BB962C8B-B14F-4D97-AF65-F5344CB8AC3E}">
+        <p14:creationId xmlns:p14="http://schemas.microsoft.com/office/powerpoint/2010/main" val="750889777"/>
+      </p:ext>
+    </p:extLst>
+  </p:cSld>
+  <p:clrMapOvr>
+    <a:masterClrMapping/>
+  </p:clrMapOvr>
+</p:sld>
+</file>
+
+<file path=ppt/slides/slide60.xml><?xml version="1.0" encoding="utf-8"?>
 <p:sld xmlns:a="http://schemas.openxmlformats.org/drawingml/2006/main" xmlns:r="http://schemas.openxmlformats.org/officeDocument/2006/relationships" xmlns:p="http://schemas.openxmlformats.org/presentationml/2006/main">
   <p:cSld>
     <p:spTree>
@@ -34453,7 +34225,7 @@
           <a:p>
             <a:fld id="{4577FE26-ACD1-4964-932B-823877B1C5B5}" type="slidenum">
               <a:rPr lang="en-US" smtClean="0"/>
-              <a:t>62</a:t>
+              <a:t>60</a:t>
             </a:fld>
             <a:endParaRPr lang="en-US" dirty="0"/>
           </a:p>
@@ -34557,7 +34329,7 @@
             <a:lstStyle/>
             <a:p>
               <a:pPr algn="ctr"/>
-              <a:endParaRPr lang="en-US"/>
+              <a:endParaRPr lang="en-US" dirty="0"/>
             </a:p>
           </p:txBody>
         </p:sp>
@@ -34609,7 +34381,7 @@
             <a:lstStyle/>
             <a:p>
               <a:pPr algn="ctr"/>
-              <a:endParaRPr lang="en-US"/>
+              <a:endParaRPr lang="en-US" dirty="0"/>
             </a:p>
           </p:txBody>
         </p:sp>
@@ -34661,7 +34433,7 @@
             <a:lstStyle/>
             <a:p>
               <a:pPr algn="ctr"/>
-              <a:endParaRPr lang="en-US"/>
+              <a:endParaRPr lang="en-US" dirty="0"/>
             </a:p>
           </p:txBody>
         </p:sp>
@@ -34713,7 +34485,7 @@
             <a:lstStyle/>
             <a:p>
               <a:pPr algn="ctr"/>
-              <a:endParaRPr lang="en-US"/>
+              <a:endParaRPr lang="en-US" dirty="0"/>
             </a:p>
           </p:txBody>
         </p:sp>
@@ -34731,7 +34503,7 @@
 </p:sld>
 </file>
 
-<file path=ppt/slides/slide63.xml><?xml version="1.0" encoding="utf-8"?>
+<file path=ppt/slides/slide61.xml><?xml version="1.0" encoding="utf-8"?>
 <p:sld xmlns:a="http://schemas.openxmlformats.org/drawingml/2006/main" xmlns:r="http://schemas.openxmlformats.org/officeDocument/2006/relationships" xmlns:p="http://schemas.openxmlformats.org/presentationml/2006/main">
   <p:cSld>
     <p:spTree>
@@ -34832,7 +34604,7 @@
           <a:p>
             <a:fld id="{4577FE26-ACD1-4964-932B-823877B1C5B5}" type="slidenum">
               <a:rPr lang="en-US" smtClean="0"/>
-              <a:t>63</a:t>
+              <a:t>61</a:t>
             </a:fld>
             <a:endParaRPr lang="en-US" dirty="0"/>
           </a:p>
@@ -34938,7 +34710,7 @@
             <a:lstStyle/>
             <a:p>
               <a:pPr algn="ctr"/>
-              <a:endParaRPr lang="en-US"/>
+              <a:endParaRPr lang="en-US" dirty="0"/>
             </a:p>
           </p:txBody>
         </p:sp>
@@ -34956,7 +34728,7 @@
 </p:sld>
 </file>
 
-<file path=ppt/slides/slide64.xml><?xml version="1.0" encoding="utf-8"?>
+<file path=ppt/slides/slide62.xml><?xml version="1.0" encoding="utf-8"?>
 <p:sld xmlns:a="http://schemas.openxmlformats.org/drawingml/2006/main" xmlns:r="http://schemas.openxmlformats.org/officeDocument/2006/relationships" xmlns:p="http://schemas.openxmlformats.org/presentationml/2006/main">
   <p:cSld>
     <p:spTree>
@@ -35080,7 +34852,7 @@
           <a:p>
             <a:fld id="{4577FE26-ACD1-4964-932B-823877B1C5B5}" type="slidenum">
               <a:rPr lang="en-US" smtClean="0"/>
-              <a:t>64</a:t>
+              <a:t>62</a:t>
             </a:fld>
             <a:endParaRPr lang="en-US" dirty="0"/>
           </a:p>
@@ -35303,7 +35075,7 @@
           <a:lstStyle/>
           <a:p>
             <a:pPr algn="ctr"/>
-            <a:endParaRPr lang="en-US"/>
+            <a:endParaRPr lang="en-US" dirty="0"/>
           </a:p>
         </p:txBody>
       </p:sp>
@@ -35506,7 +35278,7 @@
               <a:t> </a:t>
             </a:r>
             <a:r>
-              <a:rPr lang="en-US" dirty="0" err="1">
+              <a:rPr lang="en-US" dirty="0">
                 <a:latin typeface="Courier New" panose="02070309020205020404" pitchFamily="49" charset="0"/>
                 <a:cs typeface="Courier New" panose="02070309020205020404" pitchFamily="49" charset="0"/>
               </a:rPr>
@@ -35736,16 +35508,12 @@
               <a:t> in the folder </a:t>
             </a:r>
             <a:r>
-              <a:rPr lang="en-US" dirty="0" err="1">
+              <a:rPr lang="en-US" dirty="0">
                 <a:latin typeface="Courier New" panose="02070309020205020404" pitchFamily="49" charset="0"/>
                 <a:cs typeface="Courier New" panose="02070309020205020404" pitchFamily="49" charset="0"/>
               </a:rPr>
               <a:t>git_tutorial</a:t>
             </a:r>
-            <a:endParaRPr lang="en-US" dirty="0">
-              <a:latin typeface="Courier New" panose="02070309020205020404" pitchFamily="49" charset="0"/>
-              <a:cs typeface="Courier New" panose="02070309020205020404" pitchFamily="49" charset="0"/>
-            </a:endParaRPr>
           </a:p>
           <a:p>
             <a:pPr>
@@ -35879,7 +35647,7 @@
               <a:t> will appear in </a:t>
             </a:r>
             <a:r>
-              <a:rPr lang="en-US" dirty="0" err="1">
+              <a:rPr lang="en-US" dirty="0">
                 <a:latin typeface="Courier New" panose="02070309020205020404" pitchFamily="49" charset="0"/>
                 <a:cs typeface="Courier New" panose="02070309020205020404" pitchFamily="49" charset="0"/>
               </a:rPr>
